--- a/golang简介/Golang介绍.pptx
+++ b/golang简介/Golang介绍.pptx
@@ -5,7 +5,7 @@
     <p:sldMasterId id="2147483660" r:id="rId1"/>
   </p:sldMasterIdLst>
   <p:notesMasterIdLst>
-    <p:notesMasterId r:id="rId53"/>
+    <p:notesMasterId r:id="rId55"/>
   </p:notesMasterIdLst>
   <p:sldIdLst>
     <p:sldId id="256" r:id="rId2"/>
@@ -43,22 +43,24 @@
     <p:sldId id="279" r:id="rId34"/>
     <p:sldId id="270" r:id="rId35"/>
     <p:sldId id="293" r:id="rId36"/>
-    <p:sldId id="301" r:id="rId37"/>
-    <p:sldId id="310" r:id="rId38"/>
-    <p:sldId id="271" r:id="rId39"/>
-    <p:sldId id="313" r:id="rId40"/>
-    <p:sldId id="269" r:id="rId41"/>
-    <p:sldId id="273" r:id="rId42"/>
-    <p:sldId id="281" r:id="rId43"/>
-    <p:sldId id="307" r:id="rId44"/>
-    <p:sldId id="274" r:id="rId45"/>
-    <p:sldId id="304" r:id="rId46"/>
-    <p:sldId id="302" r:id="rId47"/>
-    <p:sldId id="303" r:id="rId48"/>
-    <p:sldId id="305" r:id="rId49"/>
-    <p:sldId id="298" r:id="rId50"/>
-    <p:sldId id="309" r:id="rId51"/>
-    <p:sldId id="272" r:id="rId52"/>
+    <p:sldId id="316" r:id="rId37"/>
+    <p:sldId id="301" r:id="rId38"/>
+    <p:sldId id="310" r:id="rId39"/>
+    <p:sldId id="271" r:id="rId40"/>
+    <p:sldId id="313" r:id="rId41"/>
+    <p:sldId id="314" r:id="rId42"/>
+    <p:sldId id="269" r:id="rId43"/>
+    <p:sldId id="273" r:id="rId44"/>
+    <p:sldId id="281" r:id="rId45"/>
+    <p:sldId id="307" r:id="rId46"/>
+    <p:sldId id="304" r:id="rId47"/>
+    <p:sldId id="302" r:id="rId48"/>
+    <p:sldId id="303" r:id="rId49"/>
+    <p:sldId id="305" r:id="rId50"/>
+    <p:sldId id="315" r:id="rId51"/>
+    <p:sldId id="298" r:id="rId52"/>
+    <p:sldId id="309" r:id="rId53"/>
+    <p:sldId id="272" r:id="rId54"/>
   </p:sldIdLst>
   <p:sldSz cx="9144000" cy="6858000" type="screen4x3"/>
   <p:notesSz cx="6858000" cy="9144000"/>
@@ -242,7 +244,7 @@
           <a:p>
             <a:fld id="{C3FC89E3-AB83-5E4F-AFB6-5836CBD66EFF}" type="datetimeFigureOut">
               <a:rPr lang="en-US" smtClean="0"/>
-              <a:t>11/12/2014</a:t>
+              <a:t>15/6/28</a:t>
             </a:fld>
             <a:endParaRPr lang="en-US"/>
           </a:p>
@@ -554,6 +556,26 @@
           <a:bodyPr/>
           <a:lstStyle/>
           <a:p>
+            <a:r>
+              <a:rPr lang="en-US" altLang="zh-CN" dirty="0" smtClean="0"/>
+              <a:t>https://</a:t>
+            </a:r>
+            <a:r>
+              <a:rPr lang="en-US" altLang="zh-CN" dirty="0" err="1" smtClean="0"/>
+              <a:t>github.com</a:t>
+            </a:r>
+            <a:r>
+              <a:rPr lang="en-US" altLang="zh-CN" dirty="0" smtClean="0"/>
+              <a:t>/</a:t>
+            </a:r>
+            <a:r>
+              <a:rPr lang="en-US" altLang="zh-CN" dirty="0" err="1" smtClean="0"/>
+              <a:t>golang</a:t>
+            </a:r>
+            <a:r>
+              <a:rPr lang="en-US" altLang="zh-CN" dirty="0" smtClean="0"/>
+              <a:t>/go/milestones</a:t>
+            </a:r>
             <a:endParaRPr lang="zh-CN" altLang="en-US" dirty="0"/>
           </a:p>
         </p:txBody>
@@ -1899,7 +1921,7 @@
       </p:grpSpPr>
       <p:sp>
         <p:nvSpPr>
-          <p:cNvPr id="2" name="幻灯片图像占位符 1"/>
+          <p:cNvPr id="2" name="Slide Image Placeholder 1"/>
           <p:cNvSpPr>
             <a:spLocks noGrp="1" noRot="1" noChangeAspect="1"/>
           </p:cNvSpPr>
@@ -1911,7 +1933,7 @@
       </p:sp>
       <p:sp>
         <p:nvSpPr>
-          <p:cNvPr id="3" name="备注占位符 2"/>
+          <p:cNvPr id="3" name="Notes Placeholder 2"/>
           <p:cNvSpPr>
             <a:spLocks noGrp="1"/>
           </p:cNvSpPr>
@@ -1925,189 +1947,55 @@
           <a:lstStyle/>
           <a:p>
             <a:r>
-              <a:rPr lang="en-US" altLang="zh-CN" dirty="0" smtClean="0">
-                <a:hlinkClick r:id="rId3"/>
-              </a:rPr>
-              <a:t>http://www.infoq.com/cn/news/2013/04/Docker</a:t>
-            </a:r>
-            <a:endParaRPr lang="en-US" altLang="zh-CN" dirty="0" smtClean="0"/>
-          </a:p>
-          <a:p>
-            <a:endParaRPr lang="en-US" altLang="zh-CN" dirty="0" smtClean="0"/>
-          </a:p>
-          <a:p>
-            <a:r>
-              <a:rPr lang="en-US" altLang="zh-CN" sz="1200" b="0" i="0" u="none" strike="noStrike" kern="1200" dirty="0" err="1" smtClean="0">
-                <a:solidFill>
-                  <a:schemeClr val="tx1"/>
-                </a:solidFill>
-                <a:effectLst/>
-                <a:latin typeface="+mn-lt"/>
-                <a:ea typeface="+mn-ea"/>
-                <a:cs typeface="+mn-cs"/>
-                <a:hlinkClick r:id="rId4" tooltip="Docker"/>
-              </a:rPr>
-              <a:t>Docker</a:t>
-            </a:r>
-            <a:r>
-              <a:rPr lang="zh-CN" altLang="en-US" sz="1200" b="0" i="0" kern="1200" dirty="0" smtClean="0">
-                <a:solidFill>
-                  <a:schemeClr val="tx1"/>
-                </a:solidFill>
-                <a:effectLst/>
-                <a:latin typeface="+mn-lt"/>
-                <a:ea typeface="+mn-ea"/>
-                <a:cs typeface="+mn-cs"/>
-              </a:rPr>
-              <a:t>是最近很火的一个东西，利用它你可以在一台机器上模拟出很多互相隔离的环境，相当于就有了很多台虚拟机的意思，它的特点是非常轻量级，占用的资源很少</a:t>
-            </a:r>
-            <a:r>
-              <a:rPr lang="zh-CN" altLang="en-US" sz="1200" b="0" i="0" kern="1200" dirty="0" smtClean="0">
-                <a:solidFill>
-                  <a:schemeClr val="tx1"/>
-                </a:solidFill>
-                <a:effectLst/>
-                <a:latin typeface="+mn-lt"/>
-                <a:ea typeface="+mn-ea"/>
-                <a:cs typeface="+mn-cs"/>
-              </a:rPr>
-              <a:t>，</a:t>
-            </a:r>
-            <a:endParaRPr lang="en-US" altLang="zh-CN" sz="1200" b="0" i="0" kern="1200" dirty="0" smtClean="0">
-              <a:solidFill>
-                <a:schemeClr val="tx1"/>
-              </a:solidFill>
-              <a:effectLst/>
-              <a:latin typeface="+mn-lt"/>
-              <a:ea typeface="+mn-ea"/>
-              <a:cs typeface="+mn-cs"/>
-            </a:endParaRPr>
-          </a:p>
-          <a:p>
-            <a:endParaRPr lang="en-US" altLang="zh-CN" sz="1200" b="0" i="0" kern="1200" dirty="0" smtClean="0">
-              <a:solidFill>
-                <a:schemeClr val="tx1"/>
-              </a:solidFill>
-              <a:effectLst/>
-              <a:latin typeface="+mn-lt"/>
-              <a:ea typeface="+mn-ea"/>
-              <a:cs typeface="+mn-cs"/>
-            </a:endParaRPr>
-          </a:p>
-          <a:p>
-            <a:pPr marL="0" marR="0" indent="0" algn="l" defTabSz="457200" rtl="0" eaLnBrk="1" fontAlgn="auto" latinLnBrk="0" hangingPunct="1">
-              <a:lnSpc>
-                <a:spcPct val="100000"/>
-              </a:lnSpc>
-              <a:spcBef>
-                <a:spcPts val="0"/>
-              </a:spcBef>
-              <a:spcAft>
-                <a:spcPts val="0"/>
-              </a:spcAft>
-              <a:buClrTx/>
-              <a:buSzTx/>
-              <a:buFontTx/>
-              <a:buNone/>
-              <a:tabLst/>
-              <a:defRPr/>
-            </a:pPr>
-            <a:r>
-              <a:rPr lang="en-US" altLang="zh-CN" sz="1200" b="0" i="0" u="none" strike="noStrike" kern="1200" dirty="0" err="1" smtClean="0">
-                <a:solidFill>
-                  <a:schemeClr val="tx1"/>
-                </a:solidFill>
-                <a:effectLst/>
-                <a:latin typeface="+mn-lt"/>
-                <a:ea typeface="+mn-ea"/>
-                <a:cs typeface="+mn-cs"/>
-              </a:rPr>
-              <a:t>Docker</a:t>
-            </a:r>
-            <a:r>
-              <a:rPr lang="zh-CN" altLang="en-US" sz="1200" b="0" i="0" u="none" strike="noStrike" kern="1200" dirty="0" smtClean="0">
-                <a:solidFill>
-                  <a:schemeClr val="tx1"/>
-                </a:solidFill>
-                <a:effectLst/>
-                <a:latin typeface="+mn-lt"/>
-                <a:ea typeface="+mn-ea"/>
-                <a:cs typeface="+mn-cs"/>
-              </a:rPr>
-              <a:t>和</a:t>
-            </a:r>
-            <a:r>
-              <a:rPr lang="en-US" altLang="zh-CN" sz="1200" b="0" i="0" u="none" strike="noStrike" kern="1200" dirty="0" err="1" smtClean="0">
-                <a:solidFill>
-                  <a:schemeClr val="tx1"/>
-                </a:solidFill>
-                <a:effectLst/>
-                <a:latin typeface="+mn-lt"/>
-                <a:ea typeface="+mn-ea"/>
-                <a:cs typeface="+mn-cs"/>
-              </a:rPr>
-              <a:t>Kubernetes</a:t>
-            </a:r>
-            <a:r>
-              <a:rPr lang="zh-CN" altLang="en-US" sz="1200" b="0" i="0" u="none" strike="noStrike" kern="1200" dirty="0" smtClean="0">
-                <a:solidFill>
-                  <a:schemeClr val="tx1"/>
-                </a:solidFill>
-                <a:effectLst/>
-                <a:latin typeface="+mn-lt"/>
-                <a:ea typeface="+mn-ea"/>
-                <a:cs typeface="+mn-cs"/>
-              </a:rPr>
-              <a:t>或将加速</a:t>
-            </a:r>
-            <a:r>
-              <a:rPr lang="en-US" altLang="zh-CN" sz="1200" b="0" i="0" u="none" strike="noStrike" kern="1200" dirty="0" smtClean="0">
-                <a:solidFill>
-                  <a:schemeClr val="tx1"/>
-                </a:solidFill>
-                <a:effectLst/>
-                <a:latin typeface="+mn-lt"/>
-                <a:ea typeface="+mn-ea"/>
-                <a:cs typeface="+mn-cs"/>
-              </a:rPr>
-              <a:t>SDN</a:t>
-            </a:r>
-            <a:r>
-              <a:rPr lang="zh-CN" altLang="en-US" sz="1200" b="0" i="0" u="none" strike="noStrike" kern="1200" dirty="0" smtClean="0">
-                <a:solidFill>
-                  <a:schemeClr val="tx1"/>
-                </a:solidFill>
-                <a:effectLst/>
-                <a:latin typeface="+mn-lt"/>
-                <a:ea typeface="+mn-ea"/>
-                <a:cs typeface="+mn-cs"/>
-              </a:rPr>
-              <a:t>发展</a:t>
-            </a:r>
-            <a:endParaRPr lang="en-US" altLang="zh-CN" sz="1200" b="0" i="0" kern="1200" dirty="0" smtClean="0">
-              <a:solidFill>
-                <a:schemeClr val="tx1"/>
-              </a:solidFill>
-              <a:effectLst/>
-              <a:latin typeface="+mn-lt"/>
-              <a:ea typeface="+mn-ea"/>
-              <a:cs typeface="+mn-cs"/>
-            </a:endParaRPr>
-          </a:p>
-          <a:p>
-            <a:r>
-              <a:rPr lang="en-US" altLang="zh-CN" dirty="0" smtClean="0"/>
-              <a:t>http://www.csdn.net/article/2014-08-20/2821283-Docker-Kubernetes</a:t>
-            </a:r>
-          </a:p>
-          <a:p>
-            <a:endParaRPr lang="zh-CN" altLang="en-US" dirty="0"/>
-          </a:p>
-        </p:txBody>
-      </p:sp>
-      <p:sp>
-        <p:nvSpPr>
-          <p:cNvPr id="4" name="灯片编号占位符 3"/>
+              <a:rPr lang="en-US" dirty="0" smtClean="0"/>
+              <a:t>http://</a:t>
+            </a:r>
+            <a:r>
+              <a:rPr lang="en-US" dirty="0" err="1" smtClean="0"/>
+              <a:t>www.cnblogs.com</a:t>
+            </a:r>
+            <a:r>
+              <a:rPr lang="en-US" dirty="0" smtClean="0"/>
+              <a:t>/</a:t>
+            </a:r>
+            <a:r>
+              <a:rPr lang="en-US" dirty="0" err="1" smtClean="0"/>
+              <a:t>Lifehacker</a:t>
+            </a:r>
+            <a:r>
+              <a:rPr lang="en-US" dirty="0" smtClean="0"/>
+              <a:t>/p/</a:t>
+            </a:r>
+            <a:r>
+              <a:rPr lang="en-US" dirty="0" err="1" smtClean="0"/>
+              <a:t>groupcache_inside.html</a:t>
+            </a:r>
+            <a:r>
+              <a:rPr lang="en-US" dirty="0" smtClean="0"/>
+              <a:t/>
+            </a:r>
+            <a:br>
+              <a:rPr lang="en-US" dirty="0" smtClean="0"/>
+            </a:br>
+            <a:r>
+              <a:rPr lang="en-US" dirty="0" smtClean="0"/>
+              <a:t>http://</a:t>
+            </a:r>
+            <a:r>
+              <a:rPr lang="en-US" dirty="0" err="1" smtClean="0"/>
+              <a:t>www.open-open.com</a:t>
+            </a:r>
+            <a:r>
+              <a:rPr lang="en-US" dirty="0" smtClean="0"/>
+              <a:t>/lib/view/open1375366614921.html</a:t>
+            </a:r>
+            <a:endParaRPr lang="en-US" dirty="0"/>
+          </a:p>
+        </p:txBody>
+      </p:sp>
+      <p:sp>
+        <p:nvSpPr>
+          <p:cNvPr id="4" name="Slide Number Placeholder 3"/>
           <p:cNvSpPr>
             <a:spLocks noGrp="1"/>
           </p:cNvSpPr>
@@ -2122,7 +2010,7 @@
           <a:p>
             <a:fld id="{9E77C0C7-3AAD-424C-B2C1-35E46B9AB317}" type="slidenum">
               <a:rPr lang="en-US" smtClean="0"/>
-              <a:t>29</a:t>
+              <a:t>27</a:t>
             </a:fld>
             <a:endParaRPr lang="en-US"/>
           </a:p>
@@ -2131,7 +2019,7 @@
     </p:spTree>
     <p:extLst>
       <p:ext uri="{BB962C8B-B14F-4D97-AF65-F5344CB8AC3E}">
-        <p14:creationId xmlns:p14="http://schemas.microsoft.com/office/powerpoint/2010/main" val="2894482666"/>
+        <p14:creationId xmlns:p14="http://schemas.microsoft.com/office/powerpoint/2010/main" val="1697726302"/>
       </p:ext>
     </p:extLst>
   </p:cSld>
@@ -2189,7 +2077,7 @@
               <a:rPr lang="en-US" altLang="zh-CN" dirty="0" smtClean="0">
                 <a:hlinkClick r:id="rId3"/>
               </a:rPr>
-              <a:t>http://www.zhihu.com/question/21615032/answer/18781477</a:t>
+              <a:t>http://www.infoq.com/cn/news/2013/04/Docker</a:t>
             </a:r>
             <a:endParaRPr lang="en-US" altLang="zh-CN" dirty="0" smtClean="0"/>
           </a:p>
@@ -2198,64 +2086,158 @@
           </a:p>
           <a:p>
             <a:r>
-              <a:rPr lang="zh-CN" altLang="en-US" dirty="0" smtClean="0"/>
-              <a:t>心动</a:t>
-            </a:r>
-            <a:r>
-              <a:rPr lang="zh-CN" altLang="en-US" dirty="0" smtClean="0"/>
-              <a:t>游戏</a:t>
-            </a:r>
-            <a:endParaRPr lang="en-US" altLang="zh-CN" dirty="0" smtClean="0"/>
-          </a:p>
-          <a:p>
-            <a:endParaRPr lang="en-US" altLang="zh-CN" dirty="0" smtClean="0"/>
-          </a:p>
-          <a:p>
-            <a:r>
-              <a:rPr lang="zh-CN" altLang="en-US" dirty="0" smtClean="0"/>
-              <a:t>为什么</a:t>
-            </a:r>
+              <a:rPr lang="en-US" altLang="zh-CN" sz="1200" b="0" i="0" u="none" strike="noStrike" kern="1200" dirty="0" err="1" smtClean="0">
+                <a:solidFill>
+                  <a:schemeClr val="tx1"/>
+                </a:solidFill>
+                <a:effectLst/>
+                <a:latin typeface="+mn-lt"/>
+                <a:ea typeface="+mn-ea"/>
+                <a:cs typeface="+mn-cs"/>
+                <a:hlinkClick r:id="rId4" tooltip="Docker"/>
+              </a:rPr>
+              <a:t>Docker</a:t>
+            </a:r>
+            <a:r>
+              <a:rPr lang="zh-CN" altLang="en-US" sz="1200" b="0" i="0" kern="1200" dirty="0" smtClean="0">
+                <a:solidFill>
+                  <a:schemeClr val="tx1"/>
+                </a:solidFill>
+                <a:effectLst/>
+                <a:latin typeface="+mn-lt"/>
+                <a:ea typeface="+mn-ea"/>
+                <a:cs typeface="+mn-cs"/>
+              </a:rPr>
+              <a:t>是最近很火的一个东西，利用它你可以在一台机器上模拟出很多互相隔离的环境，相当于就有了很多台虚拟机的意思，它的特点是非常轻量级，占用的资源很少，</a:t>
+            </a:r>
+            <a:endParaRPr lang="en-US" altLang="zh-CN" sz="1200" b="0" i="0" kern="1200" dirty="0" smtClean="0">
+              <a:solidFill>
+                <a:schemeClr val="tx1"/>
+              </a:solidFill>
+              <a:effectLst/>
+              <a:latin typeface="+mn-lt"/>
+              <a:ea typeface="+mn-ea"/>
+              <a:cs typeface="+mn-cs"/>
+            </a:endParaRPr>
+          </a:p>
+          <a:p>
+            <a:endParaRPr lang="en-US" altLang="zh-CN" sz="1200" b="0" i="0" kern="1200" dirty="0" smtClean="0">
+              <a:solidFill>
+                <a:schemeClr val="tx1"/>
+              </a:solidFill>
+              <a:effectLst/>
+              <a:latin typeface="+mn-lt"/>
+              <a:ea typeface="+mn-ea"/>
+              <a:cs typeface="+mn-cs"/>
+            </a:endParaRPr>
+          </a:p>
+          <a:p>
+            <a:pPr marL="0" marR="0" indent="0" algn="l" defTabSz="457200" rtl="0" eaLnBrk="1" fontAlgn="auto" latinLnBrk="0" hangingPunct="1">
+              <a:lnSpc>
+                <a:spcPct val="100000"/>
+              </a:lnSpc>
+              <a:spcBef>
+                <a:spcPts val="0"/>
+              </a:spcBef>
+              <a:spcAft>
+                <a:spcPts val="0"/>
+              </a:spcAft>
+              <a:buClrTx/>
+              <a:buSzTx/>
+              <a:buFontTx/>
+              <a:buNone/>
+              <a:tabLst/>
+              <a:defRPr/>
+            </a:pPr>
+            <a:r>
+              <a:rPr lang="en-US" altLang="zh-CN" sz="1200" b="0" i="0" u="none" strike="noStrike" kern="1200" dirty="0" err="1" smtClean="0">
+                <a:solidFill>
+                  <a:schemeClr val="tx1"/>
+                </a:solidFill>
+                <a:effectLst/>
+                <a:latin typeface="+mn-lt"/>
+                <a:ea typeface="+mn-ea"/>
+                <a:cs typeface="+mn-cs"/>
+              </a:rPr>
+              <a:t>Docker</a:t>
+            </a:r>
+            <a:r>
+              <a:rPr lang="zh-CN" altLang="en-US" sz="1200" b="0" i="0" u="none" strike="noStrike" kern="1200" dirty="0" smtClean="0">
+                <a:solidFill>
+                  <a:schemeClr val="tx1"/>
+                </a:solidFill>
+                <a:effectLst/>
+                <a:latin typeface="+mn-lt"/>
+                <a:ea typeface="+mn-ea"/>
+                <a:cs typeface="+mn-cs"/>
+              </a:rPr>
+              <a:t>和</a:t>
+            </a:r>
+            <a:r>
+              <a:rPr lang="en-US" altLang="zh-CN" sz="1200" b="0" i="0" u="none" strike="noStrike" kern="1200" dirty="0" err="1" smtClean="0">
+                <a:solidFill>
+                  <a:schemeClr val="tx1"/>
+                </a:solidFill>
+                <a:effectLst/>
+                <a:latin typeface="+mn-lt"/>
+                <a:ea typeface="+mn-ea"/>
+                <a:cs typeface="+mn-cs"/>
+              </a:rPr>
+              <a:t>Kubernetes</a:t>
+            </a:r>
+            <a:r>
+              <a:rPr lang="zh-CN" altLang="en-US" sz="1200" b="0" i="0" u="none" strike="noStrike" kern="1200" dirty="0" smtClean="0">
+                <a:solidFill>
+                  <a:schemeClr val="tx1"/>
+                </a:solidFill>
+                <a:effectLst/>
+                <a:latin typeface="+mn-lt"/>
+                <a:ea typeface="+mn-ea"/>
+                <a:cs typeface="+mn-cs"/>
+              </a:rPr>
+              <a:t>或将加速</a:t>
+            </a:r>
+            <a:r>
+              <a:rPr lang="en-US" altLang="zh-CN" sz="1200" b="0" i="0" u="none" strike="noStrike" kern="1200" dirty="0" smtClean="0">
+                <a:solidFill>
+                  <a:schemeClr val="tx1"/>
+                </a:solidFill>
+                <a:effectLst/>
+                <a:latin typeface="+mn-lt"/>
+                <a:ea typeface="+mn-ea"/>
+                <a:cs typeface="+mn-cs"/>
+              </a:rPr>
+              <a:t>SDN</a:t>
+            </a:r>
+            <a:r>
+              <a:rPr lang="zh-CN" altLang="en-US" sz="1200" b="0" i="0" u="none" strike="noStrike" kern="1200" dirty="0" smtClean="0">
+                <a:solidFill>
+                  <a:schemeClr val="tx1"/>
+                </a:solidFill>
+                <a:effectLst/>
+                <a:latin typeface="+mn-lt"/>
+                <a:ea typeface="+mn-ea"/>
+                <a:cs typeface="+mn-cs"/>
+              </a:rPr>
+              <a:t>发展</a:t>
+            </a:r>
+            <a:endParaRPr lang="en-US" altLang="zh-CN" sz="1200" b="0" i="0" kern="1200" dirty="0" smtClean="0">
+              <a:solidFill>
+                <a:schemeClr val="tx1"/>
+              </a:solidFill>
+              <a:effectLst/>
+              <a:latin typeface="+mn-lt"/>
+              <a:ea typeface="+mn-ea"/>
+              <a:cs typeface="+mn-cs"/>
+            </a:endParaRPr>
+          </a:p>
+          <a:p>
             <a:r>
               <a:rPr lang="en-US" altLang="zh-CN" dirty="0" smtClean="0"/>
-              <a:t>go</a:t>
-            </a:r>
-            <a:r>
-              <a:rPr lang="zh-CN" altLang="en-US" dirty="0" smtClean="0"/>
-              <a:t>语言适合开发网游服务器端</a:t>
-            </a:r>
-          </a:p>
-          <a:p>
-            <a:r>
-              <a:rPr lang="en-US" altLang="zh-CN" dirty="0" smtClean="0"/>
-              <a:t>http://studygolang.com/articles/447</a:t>
-            </a:r>
-          </a:p>
-          <a:p>
-            <a:endParaRPr lang="en-US" altLang="zh-CN" dirty="0" smtClean="0"/>
-          </a:p>
-          <a:p>
-            <a:r>
-              <a:rPr lang="en-US" altLang="zh-CN" dirty="0" smtClean="0"/>
-              <a:t>[Go</a:t>
-            </a:r>
-            <a:r>
-              <a:rPr lang="zh-CN" altLang="en-US" dirty="0" smtClean="0"/>
-              <a:t>语言</a:t>
-            </a:r>
-            <a:r>
-              <a:rPr lang="en-US" altLang="zh-CN" dirty="0" smtClean="0"/>
-              <a:t>]</a:t>
-            </a:r>
-            <a:r>
-              <a:rPr lang="zh-CN" altLang="en-US" dirty="0" smtClean="0"/>
-              <a:t>一种用于网游服务器的支持多路复用的网络协议处理框架</a:t>
-            </a:r>
-          </a:p>
-          <a:p>
-            <a:r>
-              <a:rPr lang="en-US" altLang="zh-CN" dirty="0" smtClean="0"/>
-              <a:t>http://studygolang.com/articles/1703</a:t>
-            </a:r>
+              <a:t>http://www.csdn.net/article/2014-08-20/2821283-Docker-Kubernetes</a:t>
+            </a:r>
+          </a:p>
+          <a:p>
             <a:endParaRPr lang="zh-CN" altLang="en-US" dirty="0"/>
           </a:p>
         </p:txBody>
@@ -2277,7 +2259,7 @@
           <a:p>
             <a:fld id="{9E77C0C7-3AAD-424C-B2C1-35E46B9AB317}" type="slidenum">
               <a:rPr lang="en-US" smtClean="0"/>
-              <a:t>31</a:t>
+              <a:t>29</a:t>
             </a:fld>
             <a:endParaRPr lang="en-US"/>
           </a:p>
@@ -2286,7 +2268,7 @@
     </p:spTree>
     <p:extLst>
       <p:ext uri="{BB962C8B-B14F-4D97-AF65-F5344CB8AC3E}">
-        <p14:creationId xmlns:p14="http://schemas.microsoft.com/office/powerpoint/2010/main" val="22865301"/>
+        <p14:creationId xmlns:p14="http://schemas.microsoft.com/office/powerpoint/2010/main" val="2894482666"/>
       </p:ext>
     </p:extLst>
   </p:cSld>
@@ -2315,7 +2297,7 @@
       </p:grpSpPr>
       <p:sp>
         <p:nvSpPr>
-          <p:cNvPr id="2" name="Slide Image Placeholder 1"/>
+          <p:cNvPr id="2" name="幻灯片图像占位符 1"/>
           <p:cNvSpPr>
             <a:spLocks noGrp="1" noRot="1" noChangeAspect="1"/>
           </p:cNvSpPr>
@@ -2327,7 +2309,7 @@
       </p:sp>
       <p:sp>
         <p:nvSpPr>
-          <p:cNvPr id="3" name="Notes Placeholder 2"/>
+          <p:cNvPr id="3" name="备注占位符 2"/>
           <p:cNvSpPr>
             <a:spLocks noGrp="1"/>
           </p:cNvSpPr>
@@ -2340,250 +2322,80 @@
           <a:bodyPr/>
           <a:lstStyle/>
           <a:p>
-            <a:pPr latinLnBrk="0"/>
-            <a:r>
-              <a:rPr lang="zh-CN" altLang="en-US" sz="1200" b="0" i="0" kern="1200" dirty="0" smtClean="0">
-                <a:solidFill>
-                  <a:schemeClr val="tx1"/>
-                </a:solidFill>
-                <a:effectLst/>
-                <a:latin typeface="+mn-lt"/>
-                <a:ea typeface="+mn-ea"/>
-                <a:cs typeface="+mn-cs"/>
-              </a:rPr>
-              <a:t>看图班</a:t>
-            </a:r>
-            <a:r>
-              <a:rPr lang="en-US" altLang="zh-CN" sz="1200" b="0" i="0" kern="1200" dirty="0" smtClean="0">
-                <a:solidFill>
-                  <a:schemeClr val="tx1"/>
-                </a:solidFill>
-                <a:effectLst/>
-                <a:latin typeface="+mn-lt"/>
-                <a:ea typeface="+mn-ea"/>
-                <a:cs typeface="+mn-cs"/>
-              </a:rPr>
-              <a:t>(kantuban.com)</a:t>
-            </a:r>
-            <a:r>
-              <a:rPr lang="zh-CN" altLang="en-US" sz="1200" b="0" i="0" kern="1200" dirty="0" smtClean="0">
-                <a:solidFill>
-                  <a:schemeClr val="tx1"/>
-                </a:solidFill>
-                <a:effectLst/>
-                <a:latin typeface="+mn-lt"/>
-                <a:ea typeface="+mn-ea"/>
-                <a:cs typeface="+mn-cs"/>
-              </a:rPr>
-              <a:t> 使用</a:t>
-            </a:r>
-            <a:r>
-              <a:rPr lang="en-US" altLang="zh-CN" sz="1200" b="0" i="0" kern="1200" dirty="0" smtClean="0">
-                <a:solidFill>
-                  <a:schemeClr val="tx1"/>
-                </a:solidFill>
-                <a:effectLst/>
-                <a:latin typeface="+mn-lt"/>
-                <a:ea typeface="+mn-ea"/>
-                <a:cs typeface="+mn-cs"/>
-              </a:rPr>
-              <a:t>tornado</a:t>
-            </a:r>
-            <a:r>
-              <a:rPr lang="zh-CN" altLang="en-US" sz="1200" b="0" i="0" kern="1200" dirty="0" smtClean="0">
-                <a:solidFill>
-                  <a:schemeClr val="tx1"/>
-                </a:solidFill>
-                <a:effectLst/>
-                <a:latin typeface="+mn-lt"/>
-                <a:ea typeface="+mn-ea"/>
-                <a:cs typeface="+mn-cs"/>
-              </a:rPr>
-              <a:t>来开发</a:t>
-            </a:r>
-            <a:r>
-              <a:rPr lang="en-US" altLang="zh-CN" sz="1200" b="0" i="0" kern="1200" dirty="0" smtClean="0">
-                <a:solidFill>
-                  <a:schemeClr val="tx1"/>
-                </a:solidFill>
-                <a:effectLst/>
-                <a:latin typeface="+mn-lt"/>
-                <a:ea typeface="+mn-ea"/>
-                <a:cs typeface="+mn-cs"/>
-              </a:rPr>
-              <a:t>web</a:t>
-            </a:r>
-            <a:r>
-              <a:rPr lang="zh-CN" altLang="en-US" sz="1200" b="0" i="0" kern="1200" dirty="0" smtClean="0">
-                <a:solidFill>
-                  <a:schemeClr val="tx1"/>
-                </a:solidFill>
-                <a:effectLst/>
-                <a:latin typeface="+mn-lt"/>
-                <a:ea typeface="+mn-ea"/>
-                <a:cs typeface="+mn-cs"/>
-              </a:rPr>
-              <a:t>的前台，以及后台服务。直到我使用</a:t>
-            </a:r>
-            <a:r>
-              <a:rPr lang="en-US" altLang="zh-CN" sz="1200" b="0" i="0" kern="1200" dirty="0" smtClean="0">
-                <a:solidFill>
-                  <a:schemeClr val="tx1"/>
-                </a:solidFill>
-                <a:effectLst/>
-                <a:latin typeface="+mn-lt"/>
-                <a:ea typeface="+mn-ea"/>
-                <a:cs typeface="+mn-cs"/>
-              </a:rPr>
-              <a:t>tornado</a:t>
-            </a:r>
-            <a:r>
-              <a:rPr lang="zh-CN" altLang="en-US" sz="1200" b="0" i="0" kern="1200" dirty="0" smtClean="0">
-                <a:solidFill>
-                  <a:schemeClr val="tx1"/>
-                </a:solidFill>
-                <a:effectLst/>
-                <a:latin typeface="+mn-lt"/>
-                <a:ea typeface="+mn-ea"/>
-                <a:cs typeface="+mn-cs"/>
-              </a:rPr>
-              <a:t>开发的后台服务遇上了性能瓶颈。</a:t>
-            </a:r>
-          </a:p>
-          <a:p>
-            <a:pPr latinLnBrk="0"/>
-            <a:r>
-              <a:rPr lang="zh-CN" altLang="en-US" sz="1200" b="0" i="0" kern="1200" dirty="0" smtClean="0">
-                <a:solidFill>
-                  <a:schemeClr val="tx1"/>
-                </a:solidFill>
-                <a:effectLst/>
-                <a:latin typeface="+mn-lt"/>
-                <a:ea typeface="+mn-ea"/>
-                <a:cs typeface="+mn-cs"/>
-              </a:rPr>
-              <a:t> </a:t>
-            </a:r>
-          </a:p>
-          <a:p>
-            <a:pPr latinLnBrk="0"/>
-            <a:r>
-              <a:rPr lang="zh-CN" altLang="en-US" sz="1200" b="0" i="0" kern="1200" dirty="0" smtClean="0">
-                <a:solidFill>
-                  <a:schemeClr val="tx1"/>
-                </a:solidFill>
-                <a:effectLst/>
-                <a:latin typeface="+mn-lt"/>
-                <a:ea typeface="+mn-ea"/>
-                <a:cs typeface="+mn-cs"/>
-              </a:rPr>
-              <a:t>这是一个缓存加上算法的服务，需要从数据库加载</a:t>
-            </a:r>
-            <a:r>
-              <a:rPr lang="en-US" altLang="zh-CN" sz="1200" b="0" i="0" kern="1200" dirty="0" smtClean="0">
-                <a:solidFill>
-                  <a:schemeClr val="tx1"/>
-                </a:solidFill>
-                <a:effectLst/>
-                <a:latin typeface="+mn-lt"/>
-                <a:ea typeface="+mn-ea"/>
-                <a:cs typeface="+mn-cs"/>
-              </a:rPr>
-              <a:t>800</a:t>
-            </a:r>
-            <a:r>
-              <a:rPr lang="zh-CN" altLang="en-US" sz="1200" b="0" i="0" kern="1200" dirty="0" smtClean="0">
-                <a:solidFill>
-                  <a:schemeClr val="tx1"/>
-                </a:solidFill>
-                <a:effectLst/>
-                <a:latin typeface="+mn-lt"/>
-                <a:ea typeface="+mn-ea"/>
-                <a:cs typeface="+mn-cs"/>
-              </a:rPr>
-              <a:t>万条记录到内存中，然后响应客户端请求，在内存中计算出结果返回客户端。这个服务占用</a:t>
-            </a:r>
-            <a:r>
-              <a:rPr lang="en-US" altLang="zh-CN" sz="1200" b="0" i="0" kern="1200" dirty="0" smtClean="0">
-                <a:solidFill>
-                  <a:schemeClr val="tx1"/>
-                </a:solidFill>
-                <a:effectLst/>
-                <a:latin typeface="+mn-lt"/>
-                <a:ea typeface="+mn-ea"/>
-                <a:cs typeface="+mn-cs"/>
-              </a:rPr>
-              <a:t>2.1G</a:t>
-            </a:r>
-            <a:r>
-              <a:rPr lang="zh-CN" altLang="en-US" sz="1200" b="0" i="0" kern="1200" dirty="0" smtClean="0">
-                <a:solidFill>
-                  <a:schemeClr val="tx1"/>
-                </a:solidFill>
-                <a:effectLst/>
-                <a:latin typeface="+mn-lt"/>
-                <a:ea typeface="+mn-ea"/>
-                <a:cs typeface="+mn-cs"/>
-              </a:rPr>
-              <a:t>内存，初始化加载数据时间（也就是启动时间）</a:t>
-            </a:r>
-            <a:r>
-              <a:rPr lang="en-US" altLang="zh-CN" sz="1200" b="0" i="0" kern="1200" dirty="0" smtClean="0">
-                <a:solidFill>
-                  <a:schemeClr val="tx1"/>
-                </a:solidFill>
-                <a:effectLst/>
-                <a:latin typeface="+mn-lt"/>
-                <a:ea typeface="+mn-ea"/>
-                <a:cs typeface="+mn-cs"/>
-              </a:rPr>
-              <a:t>30</a:t>
-            </a:r>
-            <a:r>
-              <a:rPr lang="zh-CN" altLang="en-US" sz="1200" b="0" i="0" kern="1200" dirty="0" smtClean="0">
-                <a:solidFill>
-                  <a:schemeClr val="tx1"/>
-                </a:solidFill>
-                <a:effectLst/>
-                <a:latin typeface="+mn-lt"/>
-                <a:ea typeface="+mn-ea"/>
-                <a:cs typeface="+mn-cs"/>
-              </a:rPr>
-              <a:t>分钟。服务的平均响应时间在</a:t>
-            </a:r>
-            <a:r>
-              <a:rPr lang="en-US" altLang="zh-CN" sz="1200" b="0" i="0" kern="1200" dirty="0" smtClean="0">
-                <a:solidFill>
-                  <a:schemeClr val="tx1"/>
-                </a:solidFill>
-                <a:effectLst/>
-                <a:latin typeface="+mn-lt"/>
-                <a:ea typeface="+mn-ea"/>
-                <a:cs typeface="+mn-cs"/>
-              </a:rPr>
-              <a:t>10ms</a:t>
-            </a:r>
-            <a:r>
-              <a:rPr lang="zh-CN" altLang="en-US" sz="1200" b="0" i="0" kern="1200" dirty="0" smtClean="0">
-                <a:solidFill>
-                  <a:schemeClr val="tx1"/>
-                </a:solidFill>
-                <a:effectLst/>
-                <a:latin typeface="+mn-lt"/>
-                <a:ea typeface="+mn-ea"/>
-                <a:cs typeface="+mn-cs"/>
-              </a:rPr>
-              <a:t>以下。</a:t>
-            </a:r>
-          </a:p>
-          <a:p>
-            <a:endParaRPr lang="en-US" dirty="0"/>
-          </a:p>
-        </p:txBody>
-      </p:sp>
-      <p:sp>
-        <p:nvSpPr>
-          <p:cNvPr id="4" name="Slide Number Placeholder 3"/>
+            <a:r>
+              <a:rPr lang="en-US" altLang="zh-CN" dirty="0" smtClean="0">
+                <a:hlinkClick r:id="rId3"/>
+              </a:rPr>
+              <a:t>http://www.zhihu.com/question/21615032/answer/18781477</a:t>
+            </a:r>
+            <a:endParaRPr lang="en-US" altLang="zh-CN" dirty="0" smtClean="0"/>
+          </a:p>
+          <a:p>
+            <a:endParaRPr lang="en-US" altLang="zh-CN" dirty="0" smtClean="0"/>
+          </a:p>
+          <a:p>
+            <a:r>
+              <a:rPr lang="zh-CN" altLang="en-US" dirty="0" smtClean="0"/>
+              <a:t>心动游戏</a:t>
+            </a:r>
+            <a:endParaRPr lang="en-US" altLang="zh-CN" dirty="0" smtClean="0"/>
+          </a:p>
+          <a:p>
+            <a:endParaRPr lang="en-US" altLang="zh-CN" dirty="0" smtClean="0"/>
+          </a:p>
+          <a:p>
+            <a:r>
+              <a:rPr lang="zh-CN" altLang="en-US" dirty="0" smtClean="0"/>
+              <a:t>为什么</a:t>
+            </a:r>
+            <a:r>
+              <a:rPr lang="en-US" altLang="zh-CN" dirty="0" smtClean="0"/>
+              <a:t>go</a:t>
+            </a:r>
+            <a:r>
+              <a:rPr lang="zh-CN" altLang="en-US" dirty="0" smtClean="0"/>
+              <a:t>语言适合开发网游服务器端</a:t>
+            </a:r>
+          </a:p>
+          <a:p>
+            <a:r>
+              <a:rPr lang="en-US" altLang="zh-CN" dirty="0" smtClean="0"/>
+              <a:t>http://studygolang.com/articles/447</a:t>
+            </a:r>
+          </a:p>
+          <a:p>
+            <a:endParaRPr lang="en-US" altLang="zh-CN" dirty="0" smtClean="0"/>
+          </a:p>
+          <a:p>
+            <a:r>
+              <a:rPr lang="en-US" altLang="zh-CN" dirty="0" smtClean="0"/>
+              <a:t>[Go</a:t>
+            </a:r>
+            <a:r>
+              <a:rPr lang="zh-CN" altLang="en-US" dirty="0" smtClean="0"/>
+              <a:t>语言</a:t>
+            </a:r>
+            <a:r>
+              <a:rPr lang="en-US" altLang="zh-CN" dirty="0" smtClean="0"/>
+              <a:t>]</a:t>
+            </a:r>
+            <a:r>
+              <a:rPr lang="zh-CN" altLang="en-US" dirty="0" smtClean="0"/>
+              <a:t>一种用于网游服务器的支持多路复用的网络协议处理框架</a:t>
+            </a:r>
+          </a:p>
+          <a:p>
+            <a:r>
+              <a:rPr lang="en-US" altLang="zh-CN" dirty="0" smtClean="0"/>
+              <a:t>http://studygolang.com/articles/1703</a:t>
+            </a:r>
+            <a:endParaRPr lang="zh-CN" altLang="en-US" dirty="0"/>
+          </a:p>
+        </p:txBody>
+      </p:sp>
+      <p:sp>
+        <p:nvSpPr>
+          <p:cNvPr id="4" name="灯片编号占位符 3"/>
           <p:cNvSpPr>
             <a:spLocks noGrp="1"/>
           </p:cNvSpPr>
@@ -2598,7 +2410,7 @@
           <a:p>
             <a:fld id="{9E77C0C7-3AAD-424C-B2C1-35E46B9AB317}" type="slidenum">
               <a:rPr lang="en-US" smtClean="0"/>
-              <a:t>32</a:t>
+              <a:t>31</a:t>
             </a:fld>
             <a:endParaRPr lang="en-US"/>
           </a:p>
@@ -2607,7 +2419,7 @@
     </p:spTree>
     <p:extLst>
       <p:ext uri="{BB962C8B-B14F-4D97-AF65-F5344CB8AC3E}">
-        <p14:creationId xmlns:p14="http://schemas.microsoft.com/office/powerpoint/2010/main" val="2124521358"/>
+        <p14:creationId xmlns:p14="http://schemas.microsoft.com/office/powerpoint/2010/main" val="22865301"/>
       </p:ext>
     </p:extLst>
   </p:cSld>
@@ -2636,7 +2448,7 @@
       </p:grpSpPr>
       <p:sp>
         <p:nvSpPr>
-          <p:cNvPr id="2" name="幻灯片图像占位符 1"/>
+          <p:cNvPr id="2" name="Slide Image Placeholder 1"/>
           <p:cNvSpPr>
             <a:spLocks noGrp="1" noRot="1" noChangeAspect="1"/>
           </p:cNvSpPr>
@@ -2648,7 +2460,7 @@
       </p:sp>
       <p:sp>
         <p:nvSpPr>
-          <p:cNvPr id="3" name="备注占位符 2"/>
+          <p:cNvPr id="3" name="Notes Placeholder 2"/>
           <p:cNvSpPr>
             <a:spLocks noGrp="1"/>
           </p:cNvSpPr>
@@ -2661,69 +2473,250 @@
           <a:bodyPr/>
           <a:lstStyle/>
           <a:p>
-            <a:r>
-              <a:rPr lang="en-US" altLang="zh-CN" sz="1200" b="0" i="0" u="none" strike="noStrike" kern="1200" baseline="0" dirty="0" smtClean="0">
+            <a:pPr latinLnBrk="0"/>
+            <a:r>
+              <a:rPr lang="zh-CN" altLang="en-US" sz="1200" b="0" i="0" kern="1200" dirty="0" smtClean="0">
                 <a:solidFill>
                   <a:schemeClr val="tx1"/>
                 </a:solidFill>
+                <a:effectLst/>
                 <a:latin typeface="+mn-lt"/>
                 <a:ea typeface="+mn-ea"/>
                 <a:cs typeface="+mn-cs"/>
               </a:rPr>
-              <a:t>RTB: Real Time Bidding</a:t>
-            </a:r>
-            <a:r>
-              <a:rPr lang="zh-CN" altLang="en-US" sz="1200" b="0" i="0" u="none" strike="noStrike" kern="1200" baseline="0" dirty="0" smtClean="0">
+              <a:t>看图班</a:t>
+            </a:r>
+            <a:r>
+              <a:rPr lang="en-US" altLang="zh-CN" sz="1200" b="0" i="0" kern="1200" dirty="0" smtClean="0">
                 <a:solidFill>
                   <a:schemeClr val="tx1"/>
                 </a:solidFill>
+                <a:effectLst/>
                 <a:latin typeface="+mn-lt"/>
                 <a:ea typeface="+mn-ea"/>
                 <a:cs typeface="+mn-cs"/>
               </a:rPr>
-              <a:t>，实时竞价，允许广告买家根据活动目标、目标人群以及费用门槛等因素对每一个广告及每次广告展示的费用进行竞价。</a:t>
-            </a:r>
-          </a:p>
-          <a:p>
-            <a:endParaRPr lang="en-US" altLang="zh-CN" sz="1200" b="0" i="0" u="none" strike="noStrike" kern="1200" baseline="0" dirty="0" smtClean="0">
-              <a:solidFill>
-                <a:schemeClr val="tx1"/>
-              </a:solidFill>
-              <a:latin typeface="+mn-lt"/>
-              <a:ea typeface="+mn-ea"/>
-              <a:cs typeface="+mn-cs"/>
-            </a:endParaRPr>
-          </a:p>
-          <a:p>
-            <a:r>
-              <a:rPr lang="en-US" altLang="zh-CN" sz="1200" b="0" i="0" u="none" strike="noStrike" kern="1200" baseline="0" dirty="0" smtClean="0">
+              <a:t>(kantuban.com)</a:t>
+            </a:r>
+            <a:r>
+              <a:rPr lang="zh-CN" altLang="en-US" sz="1200" b="0" i="0" kern="1200" dirty="0" smtClean="0">
                 <a:solidFill>
                   <a:schemeClr val="tx1"/>
                 </a:solidFill>
+                <a:effectLst/>
                 <a:latin typeface="+mn-lt"/>
                 <a:ea typeface="+mn-ea"/>
                 <a:cs typeface="+mn-cs"/>
               </a:rPr>
-              <a:t>DSP: Demand Side Platform</a:t>
-            </a:r>
-            <a:r>
-              <a:rPr lang="zh-CN" altLang="en-US" sz="1200" b="0" i="0" u="none" strike="noStrike" kern="1200" baseline="0" dirty="0" smtClean="0">
+              <a:t> 使用</a:t>
+            </a:r>
+            <a:r>
+              <a:rPr lang="en-US" altLang="zh-CN" sz="1200" b="0" i="0" kern="1200" dirty="0" smtClean="0">
                 <a:solidFill>
                   <a:schemeClr val="tx1"/>
                 </a:solidFill>
+                <a:effectLst/>
                 <a:latin typeface="+mn-lt"/>
                 <a:ea typeface="+mn-ea"/>
                 <a:cs typeface="+mn-cs"/>
               </a:rPr>
-              <a:t>，需求方平台，允许广告客户和广告机构更方便地访问，以及更有效地购买广告库存，因为该平台汇集了各种广告交易平台的库存。</a:t>
-            </a:r>
-            <a:endParaRPr lang="zh-CN" altLang="en-US" dirty="0"/>
-          </a:p>
-        </p:txBody>
-      </p:sp>
-      <p:sp>
-        <p:nvSpPr>
-          <p:cNvPr id="4" name="灯片编号占位符 3"/>
+              <a:t>tornado</a:t>
+            </a:r>
+            <a:r>
+              <a:rPr lang="zh-CN" altLang="en-US" sz="1200" b="0" i="0" kern="1200" dirty="0" smtClean="0">
+                <a:solidFill>
+                  <a:schemeClr val="tx1"/>
+                </a:solidFill>
+                <a:effectLst/>
+                <a:latin typeface="+mn-lt"/>
+                <a:ea typeface="+mn-ea"/>
+                <a:cs typeface="+mn-cs"/>
+              </a:rPr>
+              <a:t>来开发</a:t>
+            </a:r>
+            <a:r>
+              <a:rPr lang="en-US" altLang="zh-CN" sz="1200" b="0" i="0" kern="1200" dirty="0" smtClean="0">
+                <a:solidFill>
+                  <a:schemeClr val="tx1"/>
+                </a:solidFill>
+                <a:effectLst/>
+                <a:latin typeface="+mn-lt"/>
+                <a:ea typeface="+mn-ea"/>
+                <a:cs typeface="+mn-cs"/>
+              </a:rPr>
+              <a:t>web</a:t>
+            </a:r>
+            <a:r>
+              <a:rPr lang="zh-CN" altLang="en-US" sz="1200" b="0" i="0" kern="1200" dirty="0" smtClean="0">
+                <a:solidFill>
+                  <a:schemeClr val="tx1"/>
+                </a:solidFill>
+                <a:effectLst/>
+                <a:latin typeface="+mn-lt"/>
+                <a:ea typeface="+mn-ea"/>
+                <a:cs typeface="+mn-cs"/>
+              </a:rPr>
+              <a:t>的前台，以及后台服务。直到我使用</a:t>
+            </a:r>
+            <a:r>
+              <a:rPr lang="en-US" altLang="zh-CN" sz="1200" b="0" i="0" kern="1200" dirty="0" smtClean="0">
+                <a:solidFill>
+                  <a:schemeClr val="tx1"/>
+                </a:solidFill>
+                <a:effectLst/>
+                <a:latin typeface="+mn-lt"/>
+                <a:ea typeface="+mn-ea"/>
+                <a:cs typeface="+mn-cs"/>
+              </a:rPr>
+              <a:t>tornado</a:t>
+            </a:r>
+            <a:r>
+              <a:rPr lang="zh-CN" altLang="en-US" sz="1200" b="0" i="0" kern="1200" dirty="0" smtClean="0">
+                <a:solidFill>
+                  <a:schemeClr val="tx1"/>
+                </a:solidFill>
+                <a:effectLst/>
+                <a:latin typeface="+mn-lt"/>
+                <a:ea typeface="+mn-ea"/>
+                <a:cs typeface="+mn-cs"/>
+              </a:rPr>
+              <a:t>开发的后台服务遇上了性能瓶颈。</a:t>
+            </a:r>
+          </a:p>
+          <a:p>
+            <a:pPr latinLnBrk="0"/>
+            <a:r>
+              <a:rPr lang="zh-CN" altLang="en-US" sz="1200" b="0" i="0" kern="1200" dirty="0" smtClean="0">
+                <a:solidFill>
+                  <a:schemeClr val="tx1"/>
+                </a:solidFill>
+                <a:effectLst/>
+                <a:latin typeface="+mn-lt"/>
+                <a:ea typeface="+mn-ea"/>
+                <a:cs typeface="+mn-cs"/>
+              </a:rPr>
+              <a:t> </a:t>
+            </a:r>
+          </a:p>
+          <a:p>
+            <a:pPr latinLnBrk="0"/>
+            <a:r>
+              <a:rPr lang="zh-CN" altLang="en-US" sz="1200" b="0" i="0" kern="1200" dirty="0" smtClean="0">
+                <a:solidFill>
+                  <a:schemeClr val="tx1"/>
+                </a:solidFill>
+                <a:effectLst/>
+                <a:latin typeface="+mn-lt"/>
+                <a:ea typeface="+mn-ea"/>
+                <a:cs typeface="+mn-cs"/>
+              </a:rPr>
+              <a:t>这是一个缓存加上算法的服务，需要从数据库加载</a:t>
+            </a:r>
+            <a:r>
+              <a:rPr lang="en-US" altLang="zh-CN" sz="1200" b="0" i="0" kern="1200" dirty="0" smtClean="0">
+                <a:solidFill>
+                  <a:schemeClr val="tx1"/>
+                </a:solidFill>
+                <a:effectLst/>
+                <a:latin typeface="+mn-lt"/>
+                <a:ea typeface="+mn-ea"/>
+                <a:cs typeface="+mn-cs"/>
+              </a:rPr>
+              <a:t>800</a:t>
+            </a:r>
+            <a:r>
+              <a:rPr lang="zh-CN" altLang="en-US" sz="1200" b="0" i="0" kern="1200" dirty="0" smtClean="0">
+                <a:solidFill>
+                  <a:schemeClr val="tx1"/>
+                </a:solidFill>
+                <a:effectLst/>
+                <a:latin typeface="+mn-lt"/>
+                <a:ea typeface="+mn-ea"/>
+                <a:cs typeface="+mn-cs"/>
+              </a:rPr>
+              <a:t>万条记录到内存中，然后响应客户端请求，在内存中计算出结果返回客户端。这个服务占用</a:t>
+            </a:r>
+            <a:r>
+              <a:rPr lang="en-US" altLang="zh-CN" sz="1200" b="0" i="0" kern="1200" dirty="0" smtClean="0">
+                <a:solidFill>
+                  <a:schemeClr val="tx1"/>
+                </a:solidFill>
+                <a:effectLst/>
+                <a:latin typeface="+mn-lt"/>
+                <a:ea typeface="+mn-ea"/>
+                <a:cs typeface="+mn-cs"/>
+              </a:rPr>
+              <a:t>2.1G</a:t>
+            </a:r>
+            <a:r>
+              <a:rPr lang="zh-CN" altLang="en-US" sz="1200" b="0" i="0" kern="1200" dirty="0" smtClean="0">
+                <a:solidFill>
+                  <a:schemeClr val="tx1"/>
+                </a:solidFill>
+                <a:effectLst/>
+                <a:latin typeface="+mn-lt"/>
+                <a:ea typeface="+mn-ea"/>
+                <a:cs typeface="+mn-cs"/>
+              </a:rPr>
+              <a:t>内存，初始化加载数据时间（也就是启动时间）</a:t>
+            </a:r>
+            <a:r>
+              <a:rPr lang="en-US" altLang="zh-CN" sz="1200" b="0" i="0" kern="1200" dirty="0" smtClean="0">
+                <a:solidFill>
+                  <a:schemeClr val="tx1"/>
+                </a:solidFill>
+                <a:effectLst/>
+                <a:latin typeface="+mn-lt"/>
+                <a:ea typeface="+mn-ea"/>
+                <a:cs typeface="+mn-cs"/>
+              </a:rPr>
+              <a:t>30</a:t>
+            </a:r>
+            <a:r>
+              <a:rPr lang="zh-CN" altLang="en-US" sz="1200" b="0" i="0" kern="1200" dirty="0" smtClean="0">
+                <a:solidFill>
+                  <a:schemeClr val="tx1"/>
+                </a:solidFill>
+                <a:effectLst/>
+                <a:latin typeface="+mn-lt"/>
+                <a:ea typeface="+mn-ea"/>
+                <a:cs typeface="+mn-cs"/>
+              </a:rPr>
+              <a:t>分钟。服务的平均响应时间在</a:t>
+            </a:r>
+            <a:r>
+              <a:rPr lang="en-US" altLang="zh-CN" sz="1200" b="0" i="0" kern="1200" dirty="0" smtClean="0">
+                <a:solidFill>
+                  <a:schemeClr val="tx1"/>
+                </a:solidFill>
+                <a:effectLst/>
+                <a:latin typeface="+mn-lt"/>
+                <a:ea typeface="+mn-ea"/>
+                <a:cs typeface="+mn-cs"/>
+              </a:rPr>
+              <a:t>10ms</a:t>
+            </a:r>
+            <a:r>
+              <a:rPr lang="zh-CN" altLang="en-US" sz="1200" b="0" i="0" kern="1200" dirty="0" smtClean="0">
+                <a:solidFill>
+                  <a:schemeClr val="tx1"/>
+                </a:solidFill>
+                <a:effectLst/>
+                <a:latin typeface="+mn-lt"/>
+                <a:ea typeface="+mn-ea"/>
+                <a:cs typeface="+mn-cs"/>
+              </a:rPr>
+              <a:t>以下。</a:t>
+            </a:r>
+          </a:p>
+          <a:p>
+            <a:endParaRPr lang="en-US" dirty="0"/>
+          </a:p>
+        </p:txBody>
+      </p:sp>
+      <p:sp>
+        <p:nvSpPr>
+          <p:cNvPr id="4" name="Slide Number Placeholder 3"/>
           <p:cNvSpPr>
             <a:spLocks noGrp="1"/>
           </p:cNvSpPr>
@@ -2738,7 +2731,7 @@
           <a:p>
             <a:fld id="{9E77C0C7-3AAD-424C-B2C1-35E46B9AB317}" type="slidenum">
               <a:rPr lang="en-US" smtClean="0"/>
-              <a:t>35</a:t>
+              <a:t>32</a:t>
             </a:fld>
             <a:endParaRPr lang="en-US"/>
           </a:p>
@@ -2747,7 +2740,7 @@
     </p:spTree>
     <p:extLst>
       <p:ext uri="{BB962C8B-B14F-4D97-AF65-F5344CB8AC3E}">
-        <p14:creationId xmlns:p14="http://schemas.microsoft.com/office/powerpoint/2010/main" val="542219492"/>
+        <p14:creationId xmlns:p14="http://schemas.microsoft.com/office/powerpoint/2010/main" val="2124521358"/>
       </p:ext>
     </p:extLst>
   </p:cSld>
@@ -2967,59 +2960,33 @@
           <a:lstStyle/>
           <a:p>
             <a:r>
-              <a:rPr lang="en-US" altLang="zh-CN" sz="1200" kern="1200" dirty="0" err="1" smtClean="0">
+              <a:rPr lang="en-US" altLang="zh-CN" sz="1200" b="0" i="0" u="none" strike="noStrike" kern="1200" baseline="0" dirty="0" smtClean="0">
                 <a:solidFill>
                   <a:schemeClr val="tx1"/>
                 </a:solidFill>
-                <a:effectLst/>
                 <a:latin typeface="+mn-lt"/>
                 <a:ea typeface="+mn-ea"/>
                 <a:cs typeface="+mn-cs"/>
               </a:rPr>
-              <a:t>Github</a:t>
-            </a:r>
-            <a:r>
-              <a:rPr lang="en-US" altLang="zh-CN" sz="1200" kern="1200" dirty="0" smtClean="0">
+              <a:t>RTB: Real Time Bidding</a:t>
+            </a:r>
+            <a:r>
+              <a:rPr lang="zh-CN" altLang="en-US" sz="1200" b="0" i="0" u="none" strike="noStrike" kern="1200" baseline="0" dirty="0" smtClean="0">
                 <a:solidFill>
                   <a:schemeClr val="tx1"/>
                 </a:solidFill>
-                <a:effectLst/>
                 <a:latin typeface="+mn-lt"/>
                 <a:ea typeface="+mn-ea"/>
                 <a:cs typeface="+mn-cs"/>
               </a:rPr>
-              <a:t> project:  </a:t>
-            </a:r>
-            <a:r>
-              <a:rPr lang="en-US" altLang="zh-CN" sz="1200" u="sng" kern="1200" dirty="0" smtClean="0">
-                <a:solidFill>
-                  <a:schemeClr val="tx1"/>
-                </a:solidFill>
-                <a:effectLst/>
-                <a:latin typeface="+mn-lt"/>
-                <a:ea typeface="+mn-ea"/>
-                <a:cs typeface="+mn-cs"/>
-                <a:hlinkClick r:id="rId3"/>
-              </a:rPr>
-              <a:t>https://github.com/mozilla-services/heka</a:t>
-            </a:r>
-            <a:r>
-              <a:rPr lang="en-US" altLang="zh-CN" sz="1200" kern="1200" dirty="0" smtClean="0">
-                <a:solidFill>
-                  <a:schemeClr val="tx1"/>
-                </a:solidFill>
-                <a:effectLst/>
-                <a:latin typeface="+mn-lt"/>
-                <a:ea typeface="+mn-ea"/>
-                <a:cs typeface="+mn-cs"/>
-              </a:rPr>
-              <a:t> </a:t>
-            </a:r>
-            <a:endParaRPr lang="zh-CN" altLang="zh-CN" sz="1200" kern="1200" dirty="0" smtClean="0">
+              <a:t>，实时竞价，允许广告买家根据活动目标、目标人群以及费用门槛等因素对每一个广告及每次广告展示的费用进行竞价。</a:t>
+            </a:r>
+          </a:p>
+          <a:p>
+            <a:endParaRPr lang="en-US" altLang="zh-CN" sz="1200" b="0" i="0" u="none" strike="noStrike" kern="1200" baseline="0" dirty="0" smtClean="0">
               <a:solidFill>
                 <a:schemeClr val="tx1"/>
               </a:solidFill>
-              <a:effectLst/>
               <a:latin typeface="+mn-lt"/>
               <a:ea typeface="+mn-ea"/>
               <a:cs typeface="+mn-cs"/>
@@ -3027,582 +2994,27 @@
           </a:p>
           <a:p>
             <a:r>
-              <a:rPr lang="en-US" altLang="zh-CN" sz="1200" kern="1200" dirty="0" smtClean="0">
+              <a:rPr lang="en-US" altLang="zh-CN" sz="1200" b="0" i="0" u="none" strike="noStrike" kern="1200" baseline="0" dirty="0" smtClean="0">
                 <a:solidFill>
                   <a:schemeClr val="tx1"/>
                 </a:solidFill>
-                <a:effectLst/>
                 <a:latin typeface="+mn-lt"/>
                 <a:ea typeface="+mn-ea"/>
                 <a:cs typeface="+mn-cs"/>
               </a:rPr>
-              <a:t>Documentation:  </a:t>
-            </a:r>
-            <a:r>
-              <a:rPr lang="en-US" altLang="zh-CN" sz="1200" u="sng" kern="1200" dirty="0" smtClean="0">
+              <a:t>DSP: Demand Side Platform</a:t>
+            </a:r>
+            <a:r>
+              <a:rPr lang="zh-CN" altLang="en-US" sz="1200" b="0" i="0" u="none" strike="noStrike" kern="1200" baseline="0" dirty="0" smtClean="0">
                 <a:solidFill>
                   <a:schemeClr val="tx1"/>
                 </a:solidFill>
-                <a:effectLst/>
                 <a:latin typeface="+mn-lt"/>
                 <a:ea typeface="+mn-ea"/>
                 <a:cs typeface="+mn-cs"/>
-                <a:hlinkClick r:id="rId4"/>
-              </a:rPr>
-              <a:t>http://hekad.readthedocs.org</a:t>
-            </a:r>
-            <a:r>
-              <a:rPr lang="en-US" altLang="zh-CN" sz="1200" kern="1200" dirty="0" smtClean="0">
-                <a:solidFill>
-                  <a:schemeClr val="tx1"/>
-                </a:solidFill>
-                <a:effectLst/>
-                <a:latin typeface="+mn-lt"/>
-                <a:ea typeface="+mn-ea"/>
-                <a:cs typeface="+mn-cs"/>
-              </a:rPr>
-              <a:t> </a:t>
-            </a:r>
-            <a:endParaRPr lang="zh-CN" altLang="zh-CN" sz="1200" kern="1200" dirty="0" smtClean="0">
-              <a:solidFill>
-                <a:schemeClr val="tx1"/>
-              </a:solidFill>
-              <a:effectLst/>
-              <a:latin typeface="+mn-lt"/>
-              <a:ea typeface="+mn-ea"/>
-              <a:cs typeface="+mn-cs"/>
-            </a:endParaRPr>
-          </a:p>
-          <a:p>
-            <a:r>
-              <a:rPr lang="en-US" altLang="zh-CN" sz="1200" kern="1200" dirty="0" err="1" smtClean="0">
-                <a:solidFill>
-                  <a:schemeClr val="tx1"/>
-                </a:solidFill>
-                <a:effectLst/>
-                <a:latin typeface="+mn-lt"/>
-                <a:ea typeface="+mn-ea"/>
-                <a:cs typeface="+mn-cs"/>
-              </a:rPr>
-              <a:t>Heka</a:t>
-            </a:r>
-            <a:r>
-              <a:rPr lang="zh-CN" altLang="zh-CN" sz="1200" kern="1200" dirty="0" smtClean="0">
-                <a:solidFill>
-                  <a:schemeClr val="tx1"/>
-                </a:solidFill>
-                <a:effectLst/>
-                <a:latin typeface="+mn-lt"/>
-                <a:ea typeface="+mn-ea"/>
-                <a:cs typeface="+mn-cs"/>
-              </a:rPr>
-              <a:t>：</a:t>
-            </a:r>
-            <a:r>
-              <a:rPr lang="en-US" altLang="zh-CN" sz="1200" kern="1200" dirty="0" smtClean="0">
-                <a:solidFill>
-                  <a:schemeClr val="tx1"/>
-                </a:solidFill>
-                <a:effectLst/>
-                <a:latin typeface="+mn-lt"/>
-                <a:ea typeface="+mn-ea"/>
-                <a:cs typeface="+mn-cs"/>
-              </a:rPr>
-              <a:t>Go</a:t>
-            </a:r>
-            <a:r>
-              <a:rPr lang="zh-CN" altLang="zh-CN" sz="1200" kern="1200" dirty="0" smtClean="0">
-                <a:solidFill>
-                  <a:schemeClr val="tx1"/>
-                </a:solidFill>
-                <a:effectLst/>
-                <a:latin typeface="+mn-lt"/>
-                <a:ea typeface="+mn-ea"/>
-                <a:cs typeface="+mn-cs"/>
-              </a:rPr>
-              <a:t>编写，来自</a:t>
-            </a:r>
-            <a:r>
-              <a:rPr lang="en-US" altLang="zh-CN" sz="1200" kern="1200" dirty="0" smtClean="0">
-                <a:solidFill>
-                  <a:schemeClr val="tx1"/>
-                </a:solidFill>
-                <a:effectLst/>
-                <a:latin typeface="+mn-lt"/>
-                <a:ea typeface="+mn-ea"/>
-                <a:cs typeface="+mn-cs"/>
-              </a:rPr>
-              <a:t>Mozilla</a:t>
-            </a:r>
-            <a:r>
-              <a:rPr lang="zh-CN" altLang="zh-CN" sz="1200" kern="1200" dirty="0" smtClean="0">
-                <a:solidFill>
-                  <a:schemeClr val="tx1"/>
-                </a:solidFill>
-                <a:effectLst/>
-                <a:latin typeface="+mn-lt"/>
-                <a:ea typeface="+mn-ea"/>
-                <a:cs typeface="+mn-cs"/>
-              </a:rPr>
-              <a:t>，高效、灵活的插件式数据挖掘工具</a:t>
-            </a:r>
-          </a:p>
-          <a:p>
-            <a:r>
-              <a:rPr lang="en-US" altLang="zh-CN" sz="1200" u="sng" kern="1200" dirty="0" smtClean="0">
-                <a:solidFill>
-                  <a:schemeClr val="tx1"/>
-                </a:solidFill>
-                <a:effectLst/>
-                <a:latin typeface="+mn-lt"/>
-                <a:ea typeface="+mn-ea"/>
-                <a:cs typeface="+mn-cs"/>
-                <a:hlinkClick r:id="rId5"/>
-              </a:rPr>
-              <a:t>http://www.csdn.net/article/2013-05-02/2815116-introduce-from-mozilla-heka-go</a:t>
-            </a:r>
-            <a:endParaRPr lang="zh-CN" altLang="zh-CN" sz="1200" kern="1200" dirty="0" smtClean="0">
-              <a:solidFill>
-                <a:schemeClr val="tx1"/>
-              </a:solidFill>
-              <a:effectLst/>
-              <a:latin typeface="+mn-lt"/>
-              <a:ea typeface="+mn-ea"/>
-              <a:cs typeface="+mn-cs"/>
-            </a:endParaRPr>
-          </a:p>
-          <a:p>
-            <a:r>
-              <a:rPr lang="en-US" altLang="zh-CN" sz="1200" u="sng" kern="1200" dirty="0" smtClean="0">
-                <a:solidFill>
-                  <a:schemeClr val="tx1"/>
-                </a:solidFill>
-                <a:effectLst/>
-                <a:latin typeface="+mn-lt"/>
-                <a:ea typeface="+mn-ea"/>
-                <a:cs typeface="+mn-cs"/>
-                <a:hlinkClick r:id="rId6"/>
-              </a:rPr>
-              <a:t>http://blog.mozilla.org/services/2013/04/30/introducing-heka/</a:t>
-            </a:r>
-            <a:r>
-              <a:rPr lang="en-US" altLang="zh-CN" sz="1200" kern="1200" dirty="0" smtClean="0">
-                <a:solidFill>
-                  <a:schemeClr val="tx1"/>
-                </a:solidFill>
-                <a:effectLst/>
-                <a:latin typeface="+mn-lt"/>
-                <a:ea typeface="+mn-ea"/>
-                <a:cs typeface="+mn-cs"/>
-              </a:rPr>
-              <a:t> </a:t>
-            </a:r>
-            <a:endParaRPr lang="zh-CN" altLang="zh-CN" sz="1200" kern="1200" dirty="0" smtClean="0">
-              <a:solidFill>
-                <a:schemeClr val="tx1"/>
-              </a:solidFill>
-              <a:effectLst/>
-              <a:latin typeface="+mn-lt"/>
-              <a:ea typeface="+mn-ea"/>
-              <a:cs typeface="+mn-cs"/>
-            </a:endParaRPr>
-          </a:p>
-          <a:p>
-            <a:r>
-              <a:rPr lang="en-US" altLang="zh-CN" sz="1200" kern="1200" dirty="0" smtClean="0">
-                <a:solidFill>
-                  <a:schemeClr val="tx1"/>
-                </a:solidFill>
-                <a:effectLst/>
-                <a:latin typeface="+mn-lt"/>
-                <a:ea typeface="+mn-ea"/>
-                <a:cs typeface="+mn-cs"/>
-              </a:rPr>
-              <a:t> </a:t>
-            </a:r>
-            <a:endParaRPr lang="zh-CN" altLang="zh-CN" sz="1200" kern="1200" dirty="0" smtClean="0">
-              <a:solidFill>
-                <a:schemeClr val="tx1"/>
-              </a:solidFill>
-              <a:effectLst/>
-              <a:latin typeface="+mn-lt"/>
-              <a:ea typeface="+mn-ea"/>
-              <a:cs typeface="+mn-cs"/>
-            </a:endParaRPr>
-          </a:p>
-          <a:p>
-            <a:r>
-              <a:rPr lang="en-US" altLang="zh-CN" sz="1200" kern="1200" dirty="0" smtClean="0">
-                <a:solidFill>
-                  <a:schemeClr val="tx1"/>
-                </a:solidFill>
-                <a:effectLst/>
-                <a:latin typeface="+mn-lt"/>
-                <a:ea typeface="+mn-ea"/>
-                <a:cs typeface="+mn-cs"/>
-              </a:rPr>
-              <a:t>PPT</a:t>
-            </a:r>
-            <a:r>
-              <a:rPr lang="zh-CN" altLang="zh-CN" sz="1200" kern="1200" dirty="0" smtClean="0">
-                <a:solidFill>
-                  <a:schemeClr val="tx1"/>
-                </a:solidFill>
-                <a:effectLst/>
-                <a:latin typeface="+mn-lt"/>
-                <a:ea typeface="+mn-ea"/>
-                <a:cs typeface="+mn-cs"/>
-              </a:rPr>
-              <a:t>介绍</a:t>
-            </a:r>
-          </a:p>
-          <a:p>
-            <a:r>
-              <a:rPr lang="en-US" altLang="zh-CN" sz="1200" u="sng" kern="1200" dirty="0" smtClean="0">
-                <a:solidFill>
-                  <a:schemeClr val="tx1"/>
-                </a:solidFill>
-                <a:effectLst/>
-                <a:latin typeface="+mn-lt"/>
-                <a:ea typeface="+mn-ea"/>
-                <a:cs typeface="+mn-cs"/>
-                <a:hlinkClick r:id="rId7"/>
-              </a:rPr>
-              <a:t>https://cdn.rawgit.com/gophercon/2014-talks/master/rob_miller_heka/index.html#/</a:t>
-            </a:r>
-            <a:endParaRPr lang="zh-CN" altLang="zh-CN" sz="1200" kern="1200" dirty="0" smtClean="0">
-              <a:solidFill>
-                <a:schemeClr val="tx1"/>
-              </a:solidFill>
-              <a:effectLst/>
-              <a:latin typeface="+mn-lt"/>
-              <a:ea typeface="+mn-ea"/>
-              <a:cs typeface="+mn-cs"/>
-            </a:endParaRPr>
-          </a:p>
-          <a:p>
-            <a:r>
-              <a:rPr lang="en-US" altLang="zh-CN" sz="1200" kern="1200" dirty="0" smtClean="0">
-                <a:solidFill>
-                  <a:schemeClr val="tx1"/>
-                </a:solidFill>
-                <a:effectLst/>
-                <a:latin typeface="+mn-lt"/>
-                <a:ea typeface="+mn-ea"/>
-                <a:cs typeface="+mn-cs"/>
-              </a:rPr>
-              <a:t> </a:t>
-            </a:r>
-            <a:endParaRPr lang="zh-CN" altLang="zh-CN" sz="1200" kern="1200" dirty="0" smtClean="0">
-              <a:solidFill>
-                <a:schemeClr val="tx1"/>
-              </a:solidFill>
-              <a:effectLst/>
-              <a:latin typeface="+mn-lt"/>
-              <a:ea typeface="+mn-ea"/>
-              <a:cs typeface="+mn-cs"/>
-            </a:endParaRPr>
-          </a:p>
-          <a:p>
-            <a:r>
-              <a:rPr lang="en-US" altLang="zh-CN" sz="1200" kern="1200" dirty="0" err="1" smtClean="0">
-                <a:solidFill>
-                  <a:schemeClr val="tx1"/>
-                </a:solidFill>
-                <a:effectLst/>
-                <a:latin typeface="+mn-lt"/>
-                <a:ea typeface="+mn-ea"/>
-                <a:cs typeface="+mn-cs"/>
-              </a:rPr>
-              <a:t>Heka</a:t>
-            </a:r>
-            <a:r>
-              <a:rPr lang="en-US" altLang="zh-CN" sz="1200" kern="1200" dirty="0" smtClean="0">
-                <a:solidFill>
-                  <a:schemeClr val="tx1"/>
-                </a:solidFill>
-                <a:effectLst/>
-                <a:latin typeface="+mn-lt"/>
-                <a:ea typeface="+mn-ea"/>
-                <a:cs typeface="+mn-cs"/>
-              </a:rPr>
-              <a:t>, </a:t>
-            </a:r>
-            <a:r>
-              <a:rPr lang="zh-CN" altLang="zh-CN" sz="1200" kern="1200" dirty="0" smtClean="0">
-                <a:solidFill>
-                  <a:schemeClr val="tx1"/>
-                </a:solidFill>
-                <a:effectLst/>
-                <a:latin typeface="+mn-lt"/>
-                <a:ea typeface="+mn-ea"/>
-                <a:cs typeface="+mn-cs"/>
-              </a:rPr>
-              <a:t>一个高可扩展的实时数据收集和处理工具</a:t>
-            </a:r>
-          </a:p>
-          <a:p>
-            <a:r>
-              <a:rPr lang="en-US" altLang="zh-CN" sz="1200" u="sng" kern="1200" dirty="0" smtClean="0">
-                <a:solidFill>
-                  <a:schemeClr val="tx1"/>
-                </a:solidFill>
-                <a:effectLst/>
-                <a:latin typeface="+mn-lt"/>
-                <a:ea typeface="+mn-ea"/>
-                <a:cs typeface="+mn-cs"/>
-                <a:hlinkClick r:id="rId8"/>
-              </a:rPr>
-              <a:t>http://skoo.me/system/2014/04/02/hekad/</a:t>
-            </a:r>
-            <a:r>
-              <a:rPr lang="en-US" altLang="zh-CN" sz="1200" kern="1200" dirty="0" smtClean="0">
-                <a:solidFill>
-                  <a:schemeClr val="tx1"/>
-                </a:solidFill>
-                <a:effectLst/>
-                <a:latin typeface="+mn-lt"/>
-                <a:ea typeface="+mn-ea"/>
-                <a:cs typeface="+mn-cs"/>
-              </a:rPr>
-              <a:t> </a:t>
-            </a:r>
-            <a:endParaRPr lang="zh-CN" altLang="zh-CN" sz="1200" kern="1200" dirty="0" smtClean="0">
-              <a:solidFill>
-                <a:schemeClr val="tx1"/>
-              </a:solidFill>
-              <a:effectLst/>
-              <a:latin typeface="+mn-lt"/>
-              <a:ea typeface="+mn-ea"/>
-              <a:cs typeface="+mn-cs"/>
-            </a:endParaRPr>
-          </a:p>
-          <a:p>
-            <a:r>
-              <a:rPr lang="en-US" altLang="zh-CN" sz="1200" kern="1200" dirty="0" smtClean="0">
-                <a:solidFill>
-                  <a:schemeClr val="tx1"/>
-                </a:solidFill>
-                <a:effectLst/>
-                <a:latin typeface="+mn-lt"/>
-                <a:ea typeface="+mn-ea"/>
-                <a:cs typeface="+mn-cs"/>
-              </a:rPr>
-              <a:t> </a:t>
-            </a:r>
-            <a:endParaRPr lang="zh-CN" altLang="zh-CN" sz="1200" kern="1200" dirty="0" smtClean="0">
-              <a:solidFill>
-                <a:schemeClr val="tx1"/>
-              </a:solidFill>
-              <a:effectLst/>
-              <a:latin typeface="+mn-lt"/>
-              <a:ea typeface="+mn-ea"/>
-              <a:cs typeface="+mn-cs"/>
-            </a:endParaRPr>
-          </a:p>
-          <a:p>
-            <a:r>
-              <a:rPr lang="en-US" altLang="zh-CN" sz="1200" kern="1200" dirty="0" err="1" smtClean="0">
-                <a:solidFill>
-                  <a:schemeClr val="tx1"/>
-                </a:solidFill>
-                <a:effectLst/>
-                <a:latin typeface="+mn-lt"/>
-                <a:ea typeface="+mn-ea"/>
-                <a:cs typeface="+mn-cs"/>
-              </a:rPr>
-              <a:t>Heka</a:t>
-            </a:r>
-            <a:r>
-              <a:rPr lang="zh-CN" altLang="zh-CN" sz="1200" kern="1200" dirty="0" smtClean="0">
-                <a:solidFill>
-                  <a:schemeClr val="tx1"/>
-                </a:solidFill>
-                <a:effectLst/>
-                <a:latin typeface="+mn-lt"/>
-                <a:ea typeface="+mn-ea"/>
-                <a:cs typeface="+mn-cs"/>
-              </a:rPr>
-              <a:t>插件开发</a:t>
-            </a:r>
-          </a:p>
-          <a:p>
-            <a:r>
-              <a:rPr lang="en-US" altLang="zh-CN" sz="1200" u="sng" kern="1200" dirty="0" smtClean="0">
-                <a:solidFill>
-                  <a:schemeClr val="tx1"/>
-                </a:solidFill>
-                <a:effectLst/>
-                <a:latin typeface="+mn-lt"/>
-                <a:ea typeface="+mn-ea"/>
-                <a:cs typeface="+mn-cs"/>
-                <a:hlinkClick r:id="rId9"/>
-              </a:rPr>
-              <a:t>http://skoo.me/system/2014/04/30/heka-plugin-devel/</a:t>
-            </a:r>
-            <a:r>
-              <a:rPr lang="en-US" altLang="zh-CN" sz="1200" kern="1200" dirty="0" smtClean="0">
-                <a:solidFill>
-                  <a:schemeClr val="tx1"/>
-                </a:solidFill>
-                <a:effectLst/>
-                <a:latin typeface="+mn-lt"/>
-                <a:ea typeface="+mn-ea"/>
-                <a:cs typeface="+mn-cs"/>
-              </a:rPr>
-              <a:t> </a:t>
-            </a:r>
-            <a:endParaRPr lang="zh-CN" altLang="zh-CN" sz="1200" kern="1200" dirty="0" smtClean="0">
-              <a:solidFill>
-                <a:schemeClr val="tx1"/>
-              </a:solidFill>
-              <a:effectLst/>
-              <a:latin typeface="+mn-lt"/>
-              <a:ea typeface="+mn-ea"/>
-              <a:cs typeface="+mn-cs"/>
-            </a:endParaRPr>
-          </a:p>
-          <a:p>
-            <a:r>
-              <a:rPr lang="en-US" altLang="zh-CN" sz="1200" kern="1200" dirty="0" smtClean="0">
-                <a:solidFill>
-                  <a:schemeClr val="tx1"/>
-                </a:solidFill>
-                <a:effectLst/>
-                <a:latin typeface="+mn-lt"/>
-                <a:ea typeface="+mn-ea"/>
-                <a:cs typeface="+mn-cs"/>
-              </a:rPr>
-              <a:t> </a:t>
-            </a:r>
-            <a:endParaRPr lang="zh-CN" altLang="zh-CN" sz="1200" kern="1200" dirty="0" smtClean="0">
-              <a:solidFill>
-                <a:schemeClr val="tx1"/>
-              </a:solidFill>
-              <a:effectLst/>
-              <a:latin typeface="+mn-lt"/>
-              <a:ea typeface="+mn-ea"/>
-              <a:cs typeface="+mn-cs"/>
-            </a:endParaRPr>
-          </a:p>
-          <a:p>
-            <a:r>
-              <a:rPr lang="en-US" altLang="zh-CN" sz="1200" kern="1200" dirty="0" smtClean="0">
-                <a:solidFill>
-                  <a:schemeClr val="tx1"/>
-                </a:solidFill>
-                <a:effectLst/>
-                <a:latin typeface="+mn-lt"/>
-                <a:ea typeface="+mn-ea"/>
-                <a:cs typeface="+mn-cs"/>
-              </a:rPr>
-              <a:t> </a:t>
-            </a:r>
-            <a:endParaRPr lang="zh-CN" altLang="zh-CN" sz="1200" kern="1200" dirty="0" smtClean="0">
-              <a:solidFill>
-                <a:schemeClr val="tx1"/>
-              </a:solidFill>
-              <a:effectLst/>
-              <a:latin typeface="+mn-lt"/>
-              <a:ea typeface="+mn-ea"/>
-              <a:cs typeface="+mn-cs"/>
-            </a:endParaRPr>
-          </a:p>
-          <a:p>
-            <a:r>
-              <a:rPr lang="en-US" altLang="zh-CN" sz="1200" u="sng" kern="1200" dirty="0" smtClean="0">
-                <a:solidFill>
-                  <a:schemeClr val="tx1"/>
-                </a:solidFill>
-                <a:effectLst/>
-                <a:latin typeface="+mn-lt"/>
-                <a:ea typeface="+mn-ea"/>
-                <a:cs typeface="+mn-cs"/>
-                <a:hlinkClick r:id="rId10"/>
-              </a:rPr>
-              <a:t>http://youngsterxyf.github.io/sphinx/work_note/operations/heka.html#id1</a:t>
-            </a:r>
-            <a:endParaRPr lang="zh-CN" altLang="zh-CN" sz="1200" kern="1200" dirty="0" smtClean="0">
-              <a:solidFill>
-                <a:schemeClr val="tx1"/>
-              </a:solidFill>
-              <a:effectLst/>
-              <a:latin typeface="+mn-lt"/>
-              <a:ea typeface="+mn-ea"/>
-              <a:cs typeface="+mn-cs"/>
-            </a:endParaRPr>
-          </a:p>
-          <a:p>
-            <a:r>
-              <a:rPr lang="en-US" altLang="zh-CN" sz="1200" kern="1200" dirty="0" smtClean="0">
-                <a:solidFill>
-                  <a:schemeClr val="tx1"/>
-                </a:solidFill>
-                <a:effectLst/>
-                <a:latin typeface="+mn-lt"/>
-                <a:ea typeface="+mn-ea"/>
-                <a:cs typeface="+mn-cs"/>
-              </a:rPr>
-              <a:t> </a:t>
-            </a:r>
-            <a:endParaRPr lang="zh-CN" altLang="zh-CN" sz="1200" kern="1200" dirty="0" smtClean="0">
-              <a:solidFill>
-                <a:schemeClr val="tx1"/>
-              </a:solidFill>
-              <a:effectLst/>
-              <a:latin typeface="+mn-lt"/>
-              <a:ea typeface="+mn-ea"/>
-              <a:cs typeface="+mn-cs"/>
-            </a:endParaRPr>
-          </a:p>
-          <a:p>
-            <a:r>
-              <a:rPr lang="en-US" altLang="zh-CN" sz="1200" kern="1200" dirty="0" smtClean="0">
-                <a:solidFill>
-                  <a:schemeClr val="tx1"/>
-                </a:solidFill>
-                <a:effectLst/>
-                <a:latin typeface="+mn-lt"/>
-                <a:ea typeface="+mn-ea"/>
-                <a:cs typeface="+mn-cs"/>
-              </a:rPr>
-              <a:t> </a:t>
-            </a:r>
-            <a:endParaRPr lang="zh-CN" altLang="zh-CN" sz="1200" kern="1200" dirty="0" smtClean="0">
-              <a:solidFill>
-                <a:schemeClr val="tx1"/>
-              </a:solidFill>
-              <a:effectLst/>
-              <a:latin typeface="+mn-lt"/>
-              <a:ea typeface="+mn-ea"/>
-              <a:cs typeface="+mn-cs"/>
-            </a:endParaRPr>
-          </a:p>
-          <a:p>
-            <a:r>
-              <a:rPr lang="en-US" altLang="zh-CN" sz="1200" u="sng" kern="1200" dirty="0" smtClean="0">
-                <a:solidFill>
-                  <a:schemeClr val="tx1"/>
-                </a:solidFill>
-                <a:effectLst/>
-                <a:latin typeface="+mn-lt"/>
-                <a:ea typeface="+mn-ea"/>
-                <a:cs typeface="+mn-cs"/>
-                <a:hlinkClick r:id="rId11"/>
-              </a:rPr>
-              <a:t>http://blog.mozilla.org/services/category/heka/</a:t>
-            </a:r>
-            <a:endParaRPr lang="zh-CN" altLang="zh-CN" sz="1200" kern="1200" dirty="0" smtClean="0">
-              <a:solidFill>
-                <a:schemeClr val="tx1"/>
-              </a:solidFill>
-              <a:effectLst/>
-              <a:latin typeface="+mn-lt"/>
-              <a:ea typeface="+mn-ea"/>
-              <a:cs typeface="+mn-cs"/>
-            </a:endParaRPr>
-          </a:p>
-          <a:p>
+              </a:rPr>
+              <a:t>，需求方平台，允许广告客户和广告机构更方便地访问，以及更有效地购买广告库存，因为该平台汇集了各种广告交易平台的库存。</a:t>
+            </a:r>
             <a:endParaRPr lang="zh-CN" altLang="en-US" dirty="0"/>
           </a:p>
         </p:txBody>
@@ -3624,7 +3036,7 @@
           <a:p>
             <a:fld id="{9E77C0C7-3AAD-424C-B2C1-35E46B9AB317}" type="slidenum">
               <a:rPr lang="en-US" smtClean="0"/>
-              <a:t>37</a:t>
+              <a:t>35</a:t>
             </a:fld>
             <a:endParaRPr lang="en-US"/>
           </a:p>
@@ -3633,7 +3045,7 @@
     </p:spTree>
     <p:extLst>
       <p:ext uri="{BB962C8B-B14F-4D97-AF65-F5344CB8AC3E}">
-        <p14:creationId xmlns:p14="http://schemas.microsoft.com/office/powerpoint/2010/main" val="774266907"/>
+        <p14:creationId xmlns:p14="http://schemas.microsoft.com/office/powerpoint/2010/main" val="542219492"/>
       </p:ext>
     </p:extLst>
   </p:cSld>
@@ -3662,7 +3074,7 @@
       </p:grpSpPr>
       <p:sp>
         <p:nvSpPr>
-          <p:cNvPr id="2" name="幻灯片图像占位符 1"/>
+          <p:cNvPr id="2" name="Slide Image Placeholder 1"/>
           <p:cNvSpPr>
             <a:spLocks noGrp="1" noRot="1" noChangeAspect="1"/>
           </p:cNvSpPr>
@@ -3674,7 +3086,7 @@
       </p:sp>
       <p:sp>
         <p:nvSpPr>
-          <p:cNvPr id="3" name="备注占位符 2"/>
+          <p:cNvPr id="3" name="Notes Placeholder 2"/>
           <p:cNvSpPr>
             <a:spLocks noGrp="1"/>
           </p:cNvSpPr>
@@ -3688,6 +3100,872 @@
           <a:lstStyle/>
           <a:p>
             <a:r>
+              <a:rPr lang="en-US" dirty="0" smtClean="0"/>
+              <a:t>http://</a:t>
+            </a:r>
+            <a:r>
+              <a:rPr lang="en-US" dirty="0" err="1" smtClean="0"/>
+              <a:t>www.infoq.com</a:t>
+            </a:r>
+            <a:r>
+              <a:rPr lang="en-US" dirty="0" smtClean="0"/>
+              <a:t>/</a:t>
+            </a:r>
+            <a:r>
+              <a:rPr lang="en-US" dirty="0" err="1" smtClean="0"/>
+              <a:t>cn</a:t>
+            </a:r>
+            <a:r>
+              <a:rPr lang="en-US" dirty="0" smtClean="0"/>
+              <a:t>/news/2015/02/</a:t>
+            </a:r>
+            <a:r>
+              <a:rPr lang="en-US" dirty="0" err="1" smtClean="0"/>
+              <a:t>nsq</a:t>
+            </a:r>
+            <a:r>
+              <a:rPr lang="en-US" dirty="0" smtClean="0"/>
+              <a:t>-distributed-message-platform/</a:t>
+            </a:r>
+          </a:p>
+          <a:p>
+            <a:r>
+              <a:rPr lang="en-US" dirty="0" smtClean="0"/>
+              <a:t>http://</a:t>
+            </a:r>
+            <a:r>
+              <a:rPr lang="en-US" dirty="0" err="1" smtClean="0"/>
+              <a:t>www.baiyuxiong.com</a:t>
+            </a:r>
+            <a:r>
+              <a:rPr lang="en-US" dirty="0" smtClean="0"/>
+              <a:t>/?p=960</a:t>
+            </a:r>
+          </a:p>
+          <a:p>
+            <a:r>
+              <a:rPr lang="en-US" dirty="0" smtClean="0"/>
+              <a:t>http://</a:t>
+            </a:r>
+            <a:r>
+              <a:rPr lang="en-US" dirty="0" err="1" smtClean="0"/>
+              <a:t>itindex.net</a:t>
+            </a:r>
+            <a:r>
+              <a:rPr lang="en-US" dirty="0" smtClean="0"/>
+              <a:t>/detail/45203-%E5%BC%80%E6%BA%90-%E6%B6%88%E6%81%AF-%E7%B3%BB%E7%BB%9F</a:t>
+            </a:r>
+          </a:p>
+          <a:p>
+            <a:endParaRPr lang="en-US" dirty="0" smtClean="0"/>
+          </a:p>
+          <a:p>
+            <a:endParaRPr lang="en-US" dirty="0"/>
+          </a:p>
+        </p:txBody>
+      </p:sp>
+      <p:sp>
+        <p:nvSpPr>
+          <p:cNvPr id="4" name="Slide Number Placeholder 3"/>
+          <p:cNvSpPr>
+            <a:spLocks noGrp="1"/>
+          </p:cNvSpPr>
+          <p:nvPr>
+            <p:ph type="sldNum" sz="quarter" idx="10"/>
+          </p:nvPr>
+        </p:nvSpPr>
+        <p:spPr/>
+        <p:txBody>
+          <a:bodyPr/>
+          <a:lstStyle/>
+          <a:p>
+            <a:fld id="{9E77C0C7-3AAD-424C-B2C1-35E46B9AB317}" type="slidenum">
+              <a:rPr lang="en-US" smtClean="0"/>
+              <a:t>36</a:t>
+            </a:fld>
+            <a:endParaRPr lang="en-US"/>
+          </a:p>
+        </p:txBody>
+      </p:sp>
+    </p:spTree>
+    <p:extLst>
+      <p:ext uri="{BB962C8B-B14F-4D97-AF65-F5344CB8AC3E}">
+        <p14:creationId xmlns:p14="http://schemas.microsoft.com/office/powerpoint/2010/main" val="1788336819"/>
+      </p:ext>
+    </p:extLst>
+  </p:cSld>
+  <p:clrMapOvr>
+    <a:masterClrMapping/>
+  </p:clrMapOvr>
+</p:notes>
+</file>
+
+<file path=ppt/notesSlides/notesSlide22.xml><?xml version="1.0" encoding="utf-8"?>
+<p:notes xmlns:a="http://schemas.openxmlformats.org/drawingml/2006/main" xmlns:r="http://schemas.openxmlformats.org/officeDocument/2006/relationships" xmlns:p="http://schemas.openxmlformats.org/presentationml/2006/main">
+  <p:cSld>
+    <p:spTree>
+      <p:nvGrpSpPr>
+        <p:cNvPr id="1" name=""/>
+        <p:cNvGrpSpPr/>
+        <p:nvPr/>
+      </p:nvGrpSpPr>
+      <p:grpSpPr>
+        <a:xfrm>
+          <a:off x="0" y="0"/>
+          <a:ext cx="0" cy="0"/>
+          <a:chOff x="0" y="0"/>
+          <a:chExt cx="0" cy="0"/>
+        </a:xfrm>
+      </p:grpSpPr>
+      <p:sp>
+        <p:nvSpPr>
+          <p:cNvPr id="2" name="幻灯片图像占位符 1"/>
+          <p:cNvSpPr>
+            <a:spLocks noGrp="1" noRot="1" noChangeAspect="1"/>
+          </p:cNvSpPr>
+          <p:nvPr>
+            <p:ph type="sldImg"/>
+          </p:nvPr>
+        </p:nvSpPr>
+        <p:spPr/>
+      </p:sp>
+      <p:sp>
+        <p:nvSpPr>
+          <p:cNvPr id="3" name="备注占位符 2"/>
+          <p:cNvSpPr>
+            <a:spLocks noGrp="1"/>
+          </p:cNvSpPr>
+          <p:nvPr>
+            <p:ph type="body" idx="1"/>
+          </p:nvPr>
+        </p:nvSpPr>
+        <p:spPr/>
+        <p:txBody>
+          <a:bodyPr/>
+          <a:lstStyle/>
+          <a:p>
+            <a:r>
+              <a:rPr lang="en-US" altLang="zh-CN" sz="1200" kern="1200" dirty="0" err="1" smtClean="0">
+                <a:solidFill>
+                  <a:schemeClr val="tx1"/>
+                </a:solidFill>
+                <a:effectLst/>
+                <a:latin typeface="+mn-lt"/>
+                <a:ea typeface="+mn-ea"/>
+                <a:cs typeface="+mn-cs"/>
+              </a:rPr>
+              <a:t>Github</a:t>
+            </a:r>
+            <a:r>
+              <a:rPr lang="en-US" altLang="zh-CN" sz="1200" kern="1200" dirty="0" smtClean="0">
+                <a:solidFill>
+                  <a:schemeClr val="tx1"/>
+                </a:solidFill>
+                <a:effectLst/>
+                <a:latin typeface="+mn-lt"/>
+                <a:ea typeface="+mn-ea"/>
+                <a:cs typeface="+mn-cs"/>
+              </a:rPr>
+              <a:t> project:  </a:t>
+            </a:r>
+            <a:r>
+              <a:rPr lang="en-US" altLang="zh-CN" sz="1200" u="sng" kern="1200" dirty="0" smtClean="0">
+                <a:solidFill>
+                  <a:schemeClr val="tx1"/>
+                </a:solidFill>
+                <a:effectLst/>
+                <a:latin typeface="+mn-lt"/>
+                <a:ea typeface="+mn-ea"/>
+                <a:cs typeface="+mn-cs"/>
+                <a:hlinkClick r:id="rId3"/>
+              </a:rPr>
+              <a:t>https://github.com/mozilla-services/heka</a:t>
+            </a:r>
+            <a:r>
+              <a:rPr lang="en-US" altLang="zh-CN" sz="1200" kern="1200" dirty="0" smtClean="0">
+                <a:solidFill>
+                  <a:schemeClr val="tx1"/>
+                </a:solidFill>
+                <a:effectLst/>
+                <a:latin typeface="+mn-lt"/>
+                <a:ea typeface="+mn-ea"/>
+                <a:cs typeface="+mn-cs"/>
+              </a:rPr>
+              <a:t> </a:t>
+            </a:r>
+            <a:endParaRPr lang="zh-CN" altLang="zh-CN" sz="1200" kern="1200" dirty="0" smtClean="0">
+              <a:solidFill>
+                <a:schemeClr val="tx1"/>
+              </a:solidFill>
+              <a:effectLst/>
+              <a:latin typeface="+mn-lt"/>
+              <a:ea typeface="+mn-ea"/>
+              <a:cs typeface="+mn-cs"/>
+            </a:endParaRPr>
+          </a:p>
+          <a:p>
+            <a:r>
+              <a:rPr lang="en-US" altLang="zh-CN" sz="1200" kern="1200" dirty="0" smtClean="0">
+                <a:solidFill>
+                  <a:schemeClr val="tx1"/>
+                </a:solidFill>
+                <a:effectLst/>
+                <a:latin typeface="+mn-lt"/>
+                <a:ea typeface="+mn-ea"/>
+                <a:cs typeface="+mn-cs"/>
+              </a:rPr>
+              <a:t>Documentation:  </a:t>
+            </a:r>
+            <a:r>
+              <a:rPr lang="en-US" altLang="zh-CN" sz="1200" u="sng" kern="1200" dirty="0" smtClean="0">
+                <a:solidFill>
+                  <a:schemeClr val="tx1"/>
+                </a:solidFill>
+                <a:effectLst/>
+                <a:latin typeface="+mn-lt"/>
+                <a:ea typeface="+mn-ea"/>
+                <a:cs typeface="+mn-cs"/>
+                <a:hlinkClick r:id="rId4"/>
+              </a:rPr>
+              <a:t>http://hekad.readthedocs.org</a:t>
+            </a:r>
+            <a:r>
+              <a:rPr lang="en-US" altLang="zh-CN" sz="1200" kern="1200" dirty="0" smtClean="0">
+                <a:solidFill>
+                  <a:schemeClr val="tx1"/>
+                </a:solidFill>
+                <a:effectLst/>
+                <a:latin typeface="+mn-lt"/>
+                <a:ea typeface="+mn-ea"/>
+                <a:cs typeface="+mn-cs"/>
+              </a:rPr>
+              <a:t> </a:t>
+            </a:r>
+            <a:endParaRPr lang="zh-CN" altLang="zh-CN" sz="1200" kern="1200" dirty="0" smtClean="0">
+              <a:solidFill>
+                <a:schemeClr val="tx1"/>
+              </a:solidFill>
+              <a:effectLst/>
+              <a:latin typeface="+mn-lt"/>
+              <a:ea typeface="+mn-ea"/>
+              <a:cs typeface="+mn-cs"/>
+            </a:endParaRPr>
+          </a:p>
+          <a:p>
+            <a:r>
+              <a:rPr lang="en-US" altLang="zh-CN" sz="1200" kern="1200" dirty="0" err="1" smtClean="0">
+                <a:solidFill>
+                  <a:schemeClr val="tx1"/>
+                </a:solidFill>
+                <a:effectLst/>
+                <a:latin typeface="+mn-lt"/>
+                <a:ea typeface="+mn-ea"/>
+                <a:cs typeface="+mn-cs"/>
+              </a:rPr>
+              <a:t>Heka</a:t>
+            </a:r>
+            <a:r>
+              <a:rPr lang="zh-CN" altLang="zh-CN" sz="1200" kern="1200" dirty="0" smtClean="0">
+                <a:solidFill>
+                  <a:schemeClr val="tx1"/>
+                </a:solidFill>
+                <a:effectLst/>
+                <a:latin typeface="+mn-lt"/>
+                <a:ea typeface="+mn-ea"/>
+                <a:cs typeface="+mn-cs"/>
+              </a:rPr>
+              <a:t>：</a:t>
+            </a:r>
+            <a:r>
+              <a:rPr lang="en-US" altLang="zh-CN" sz="1200" kern="1200" dirty="0" smtClean="0">
+                <a:solidFill>
+                  <a:schemeClr val="tx1"/>
+                </a:solidFill>
+                <a:effectLst/>
+                <a:latin typeface="+mn-lt"/>
+                <a:ea typeface="+mn-ea"/>
+                <a:cs typeface="+mn-cs"/>
+              </a:rPr>
+              <a:t>Go</a:t>
+            </a:r>
+            <a:r>
+              <a:rPr lang="zh-CN" altLang="zh-CN" sz="1200" kern="1200" dirty="0" smtClean="0">
+                <a:solidFill>
+                  <a:schemeClr val="tx1"/>
+                </a:solidFill>
+                <a:effectLst/>
+                <a:latin typeface="+mn-lt"/>
+                <a:ea typeface="+mn-ea"/>
+                <a:cs typeface="+mn-cs"/>
+              </a:rPr>
+              <a:t>编写，来自</a:t>
+            </a:r>
+            <a:r>
+              <a:rPr lang="en-US" altLang="zh-CN" sz="1200" kern="1200" dirty="0" smtClean="0">
+                <a:solidFill>
+                  <a:schemeClr val="tx1"/>
+                </a:solidFill>
+                <a:effectLst/>
+                <a:latin typeface="+mn-lt"/>
+                <a:ea typeface="+mn-ea"/>
+                <a:cs typeface="+mn-cs"/>
+              </a:rPr>
+              <a:t>Mozilla</a:t>
+            </a:r>
+            <a:r>
+              <a:rPr lang="zh-CN" altLang="zh-CN" sz="1200" kern="1200" dirty="0" smtClean="0">
+                <a:solidFill>
+                  <a:schemeClr val="tx1"/>
+                </a:solidFill>
+                <a:effectLst/>
+                <a:latin typeface="+mn-lt"/>
+                <a:ea typeface="+mn-ea"/>
+                <a:cs typeface="+mn-cs"/>
+              </a:rPr>
+              <a:t>，高效、灵活的插件式数据挖掘工具</a:t>
+            </a:r>
+          </a:p>
+          <a:p>
+            <a:r>
+              <a:rPr lang="en-US" altLang="zh-CN" sz="1200" u="sng" kern="1200" dirty="0" smtClean="0">
+                <a:solidFill>
+                  <a:schemeClr val="tx1"/>
+                </a:solidFill>
+                <a:effectLst/>
+                <a:latin typeface="+mn-lt"/>
+                <a:ea typeface="+mn-ea"/>
+                <a:cs typeface="+mn-cs"/>
+                <a:hlinkClick r:id="rId5"/>
+              </a:rPr>
+              <a:t>http://www.csdn.net/article/2013-05-02/2815116-introduce-from-mozilla-heka-go</a:t>
+            </a:r>
+            <a:endParaRPr lang="zh-CN" altLang="zh-CN" sz="1200" kern="1200" dirty="0" smtClean="0">
+              <a:solidFill>
+                <a:schemeClr val="tx1"/>
+              </a:solidFill>
+              <a:effectLst/>
+              <a:latin typeface="+mn-lt"/>
+              <a:ea typeface="+mn-ea"/>
+              <a:cs typeface="+mn-cs"/>
+            </a:endParaRPr>
+          </a:p>
+          <a:p>
+            <a:r>
+              <a:rPr lang="en-US" altLang="zh-CN" sz="1200" u="sng" kern="1200" dirty="0" smtClean="0">
+                <a:solidFill>
+                  <a:schemeClr val="tx1"/>
+                </a:solidFill>
+                <a:effectLst/>
+                <a:latin typeface="+mn-lt"/>
+                <a:ea typeface="+mn-ea"/>
+                <a:cs typeface="+mn-cs"/>
+                <a:hlinkClick r:id="rId6"/>
+              </a:rPr>
+              <a:t>http://blog.mozilla.org/services/2013/04/30/introducing-heka/</a:t>
+            </a:r>
+            <a:r>
+              <a:rPr lang="en-US" altLang="zh-CN" sz="1200" kern="1200" dirty="0" smtClean="0">
+                <a:solidFill>
+                  <a:schemeClr val="tx1"/>
+                </a:solidFill>
+                <a:effectLst/>
+                <a:latin typeface="+mn-lt"/>
+                <a:ea typeface="+mn-ea"/>
+                <a:cs typeface="+mn-cs"/>
+              </a:rPr>
+              <a:t> </a:t>
+            </a:r>
+            <a:endParaRPr lang="zh-CN" altLang="zh-CN" sz="1200" kern="1200" dirty="0" smtClean="0">
+              <a:solidFill>
+                <a:schemeClr val="tx1"/>
+              </a:solidFill>
+              <a:effectLst/>
+              <a:latin typeface="+mn-lt"/>
+              <a:ea typeface="+mn-ea"/>
+              <a:cs typeface="+mn-cs"/>
+            </a:endParaRPr>
+          </a:p>
+          <a:p>
+            <a:r>
+              <a:rPr lang="en-US" altLang="zh-CN" sz="1200" kern="1200" dirty="0" smtClean="0">
+                <a:solidFill>
+                  <a:schemeClr val="tx1"/>
+                </a:solidFill>
+                <a:effectLst/>
+                <a:latin typeface="+mn-lt"/>
+                <a:ea typeface="+mn-ea"/>
+                <a:cs typeface="+mn-cs"/>
+              </a:rPr>
+              <a:t> </a:t>
+            </a:r>
+            <a:endParaRPr lang="zh-CN" altLang="zh-CN" sz="1200" kern="1200" dirty="0" smtClean="0">
+              <a:solidFill>
+                <a:schemeClr val="tx1"/>
+              </a:solidFill>
+              <a:effectLst/>
+              <a:latin typeface="+mn-lt"/>
+              <a:ea typeface="+mn-ea"/>
+              <a:cs typeface="+mn-cs"/>
+            </a:endParaRPr>
+          </a:p>
+          <a:p>
+            <a:r>
+              <a:rPr lang="en-US" altLang="zh-CN" sz="1200" kern="1200" dirty="0" smtClean="0">
+                <a:solidFill>
+                  <a:schemeClr val="tx1"/>
+                </a:solidFill>
+                <a:effectLst/>
+                <a:latin typeface="+mn-lt"/>
+                <a:ea typeface="+mn-ea"/>
+                <a:cs typeface="+mn-cs"/>
+              </a:rPr>
+              <a:t>PPT</a:t>
+            </a:r>
+            <a:r>
+              <a:rPr lang="zh-CN" altLang="zh-CN" sz="1200" kern="1200" dirty="0" smtClean="0">
+                <a:solidFill>
+                  <a:schemeClr val="tx1"/>
+                </a:solidFill>
+                <a:effectLst/>
+                <a:latin typeface="+mn-lt"/>
+                <a:ea typeface="+mn-ea"/>
+                <a:cs typeface="+mn-cs"/>
+              </a:rPr>
+              <a:t>介绍</a:t>
+            </a:r>
+          </a:p>
+          <a:p>
+            <a:r>
+              <a:rPr lang="en-US" altLang="zh-CN" sz="1200" u="sng" kern="1200" dirty="0" smtClean="0">
+                <a:solidFill>
+                  <a:schemeClr val="tx1"/>
+                </a:solidFill>
+                <a:effectLst/>
+                <a:latin typeface="+mn-lt"/>
+                <a:ea typeface="+mn-ea"/>
+                <a:cs typeface="+mn-cs"/>
+                <a:hlinkClick r:id="rId7"/>
+              </a:rPr>
+              <a:t>https://cdn.rawgit.com/gophercon/2014-talks/master/rob_miller_heka/index.html#/</a:t>
+            </a:r>
+            <a:endParaRPr lang="zh-CN" altLang="zh-CN" sz="1200" kern="1200" dirty="0" smtClean="0">
+              <a:solidFill>
+                <a:schemeClr val="tx1"/>
+              </a:solidFill>
+              <a:effectLst/>
+              <a:latin typeface="+mn-lt"/>
+              <a:ea typeface="+mn-ea"/>
+              <a:cs typeface="+mn-cs"/>
+            </a:endParaRPr>
+          </a:p>
+          <a:p>
+            <a:r>
+              <a:rPr lang="en-US" altLang="zh-CN" sz="1200" kern="1200" dirty="0" smtClean="0">
+                <a:solidFill>
+                  <a:schemeClr val="tx1"/>
+                </a:solidFill>
+                <a:effectLst/>
+                <a:latin typeface="+mn-lt"/>
+                <a:ea typeface="+mn-ea"/>
+                <a:cs typeface="+mn-cs"/>
+              </a:rPr>
+              <a:t> </a:t>
+            </a:r>
+            <a:endParaRPr lang="zh-CN" altLang="zh-CN" sz="1200" kern="1200" dirty="0" smtClean="0">
+              <a:solidFill>
+                <a:schemeClr val="tx1"/>
+              </a:solidFill>
+              <a:effectLst/>
+              <a:latin typeface="+mn-lt"/>
+              <a:ea typeface="+mn-ea"/>
+              <a:cs typeface="+mn-cs"/>
+            </a:endParaRPr>
+          </a:p>
+          <a:p>
+            <a:r>
+              <a:rPr lang="en-US" altLang="zh-CN" sz="1200" kern="1200" dirty="0" err="1" smtClean="0">
+                <a:solidFill>
+                  <a:schemeClr val="tx1"/>
+                </a:solidFill>
+                <a:effectLst/>
+                <a:latin typeface="+mn-lt"/>
+                <a:ea typeface="+mn-ea"/>
+                <a:cs typeface="+mn-cs"/>
+              </a:rPr>
+              <a:t>Heka</a:t>
+            </a:r>
+            <a:r>
+              <a:rPr lang="en-US" altLang="zh-CN" sz="1200" kern="1200" dirty="0" smtClean="0">
+                <a:solidFill>
+                  <a:schemeClr val="tx1"/>
+                </a:solidFill>
+                <a:effectLst/>
+                <a:latin typeface="+mn-lt"/>
+                <a:ea typeface="+mn-ea"/>
+                <a:cs typeface="+mn-cs"/>
+              </a:rPr>
+              <a:t>, </a:t>
+            </a:r>
+            <a:r>
+              <a:rPr lang="zh-CN" altLang="zh-CN" sz="1200" kern="1200" dirty="0" smtClean="0">
+                <a:solidFill>
+                  <a:schemeClr val="tx1"/>
+                </a:solidFill>
+                <a:effectLst/>
+                <a:latin typeface="+mn-lt"/>
+                <a:ea typeface="+mn-ea"/>
+                <a:cs typeface="+mn-cs"/>
+              </a:rPr>
+              <a:t>一个高可扩展的实时数据收集和处理工具</a:t>
+            </a:r>
+          </a:p>
+          <a:p>
+            <a:r>
+              <a:rPr lang="en-US" altLang="zh-CN" sz="1200" u="sng" kern="1200" dirty="0" smtClean="0">
+                <a:solidFill>
+                  <a:schemeClr val="tx1"/>
+                </a:solidFill>
+                <a:effectLst/>
+                <a:latin typeface="+mn-lt"/>
+                <a:ea typeface="+mn-ea"/>
+                <a:cs typeface="+mn-cs"/>
+                <a:hlinkClick r:id="rId8"/>
+              </a:rPr>
+              <a:t>http://skoo.me/system/2014/04/02/hekad/</a:t>
+            </a:r>
+            <a:r>
+              <a:rPr lang="en-US" altLang="zh-CN" sz="1200" kern="1200" dirty="0" smtClean="0">
+                <a:solidFill>
+                  <a:schemeClr val="tx1"/>
+                </a:solidFill>
+                <a:effectLst/>
+                <a:latin typeface="+mn-lt"/>
+                <a:ea typeface="+mn-ea"/>
+                <a:cs typeface="+mn-cs"/>
+              </a:rPr>
+              <a:t> </a:t>
+            </a:r>
+            <a:endParaRPr lang="zh-CN" altLang="zh-CN" sz="1200" kern="1200" dirty="0" smtClean="0">
+              <a:solidFill>
+                <a:schemeClr val="tx1"/>
+              </a:solidFill>
+              <a:effectLst/>
+              <a:latin typeface="+mn-lt"/>
+              <a:ea typeface="+mn-ea"/>
+              <a:cs typeface="+mn-cs"/>
+            </a:endParaRPr>
+          </a:p>
+          <a:p>
+            <a:r>
+              <a:rPr lang="en-US" altLang="zh-CN" sz="1200" kern="1200" dirty="0" smtClean="0">
+                <a:solidFill>
+                  <a:schemeClr val="tx1"/>
+                </a:solidFill>
+                <a:effectLst/>
+                <a:latin typeface="+mn-lt"/>
+                <a:ea typeface="+mn-ea"/>
+                <a:cs typeface="+mn-cs"/>
+              </a:rPr>
+              <a:t> </a:t>
+            </a:r>
+            <a:endParaRPr lang="zh-CN" altLang="zh-CN" sz="1200" kern="1200" dirty="0" smtClean="0">
+              <a:solidFill>
+                <a:schemeClr val="tx1"/>
+              </a:solidFill>
+              <a:effectLst/>
+              <a:latin typeface="+mn-lt"/>
+              <a:ea typeface="+mn-ea"/>
+              <a:cs typeface="+mn-cs"/>
+            </a:endParaRPr>
+          </a:p>
+          <a:p>
+            <a:r>
+              <a:rPr lang="en-US" altLang="zh-CN" sz="1200" kern="1200" dirty="0" err="1" smtClean="0">
+                <a:solidFill>
+                  <a:schemeClr val="tx1"/>
+                </a:solidFill>
+                <a:effectLst/>
+                <a:latin typeface="+mn-lt"/>
+                <a:ea typeface="+mn-ea"/>
+                <a:cs typeface="+mn-cs"/>
+              </a:rPr>
+              <a:t>Heka</a:t>
+            </a:r>
+            <a:r>
+              <a:rPr lang="zh-CN" altLang="zh-CN" sz="1200" kern="1200" dirty="0" smtClean="0">
+                <a:solidFill>
+                  <a:schemeClr val="tx1"/>
+                </a:solidFill>
+                <a:effectLst/>
+                <a:latin typeface="+mn-lt"/>
+                <a:ea typeface="+mn-ea"/>
+                <a:cs typeface="+mn-cs"/>
+              </a:rPr>
+              <a:t>插件开发</a:t>
+            </a:r>
+          </a:p>
+          <a:p>
+            <a:r>
+              <a:rPr lang="en-US" altLang="zh-CN" sz="1200" u="sng" kern="1200" dirty="0" smtClean="0">
+                <a:solidFill>
+                  <a:schemeClr val="tx1"/>
+                </a:solidFill>
+                <a:effectLst/>
+                <a:latin typeface="+mn-lt"/>
+                <a:ea typeface="+mn-ea"/>
+                <a:cs typeface="+mn-cs"/>
+                <a:hlinkClick r:id="rId9"/>
+              </a:rPr>
+              <a:t>http://skoo.me/system/2014/04/30/heka-plugin-devel/</a:t>
+            </a:r>
+            <a:r>
+              <a:rPr lang="en-US" altLang="zh-CN" sz="1200" kern="1200" dirty="0" smtClean="0">
+                <a:solidFill>
+                  <a:schemeClr val="tx1"/>
+                </a:solidFill>
+                <a:effectLst/>
+                <a:latin typeface="+mn-lt"/>
+                <a:ea typeface="+mn-ea"/>
+                <a:cs typeface="+mn-cs"/>
+              </a:rPr>
+              <a:t> </a:t>
+            </a:r>
+            <a:endParaRPr lang="zh-CN" altLang="zh-CN" sz="1200" kern="1200" dirty="0" smtClean="0">
+              <a:solidFill>
+                <a:schemeClr val="tx1"/>
+              </a:solidFill>
+              <a:effectLst/>
+              <a:latin typeface="+mn-lt"/>
+              <a:ea typeface="+mn-ea"/>
+              <a:cs typeface="+mn-cs"/>
+            </a:endParaRPr>
+          </a:p>
+          <a:p>
+            <a:r>
+              <a:rPr lang="en-US" altLang="zh-CN" sz="1200" kern="1200" dirty="0" smtClean="0">
+                <a:solidFill>
+                  <a:schemeClr val="tx1"/>
+                </a:solidFill>
+                <a:effectLst/>
+                <a:latin typeface="+mn-lt"/>
+                <a:ea typeface="+mn-ea"/>
+                <a:cs typeface="+mn-cs"/>
+              </a:rPr>
+              <a:t> </a:t>
+            </a:r>
+            <a:endParaRPr lang="zh-CN" altLang="zh-CN" sz="1200" kern="1200" dirty="0" smtClean="0">
+              <a:solidFill>
+                <a:schemeClr val="tx1"/>
+              </a:solidFill>
+              <a:effectLst/>
+              <a:latin typeface="+mn-lt"/>
+              <a:ea typeface="+mn-ea"/>
+              <a:cs typeface="+mn-cs"/>
+            </a:endParaRPr>
+          </a:p>
+          <a:p>
+            <a:r>
+              <a:rPr lang="en-US" altLang="zh-CN" sz="1200" kern="1200" dirty="0" smtClean="0">
+                <a:solidFill>
+                  <a:schemeClr val="tx1"/>
+                </a:solidFill>
+                <a:effectLst/>
+                <a:latin typeface="+mn-lt"/>
+                <a:ea typeface="+mn-ea"/>
+                <a:cs typeface="+mn-cs"/>
+              </a:rPr>
+              <a:t> </a:t>
+            </a:r>
+            <a:endParaRPr lang="zh-CN" altLang="zh-CN" sz="1200" kern="1200" dirty="0" smtClean="0">
+              <a:solidFill>
+                <a:schemeClr val="tx1"/>
+              </a:solidFill>
+              <a:effectLst/>
+              <a:latin typeface="+mn-lt"/>
+              <a:ea typeface="+mn-ea"/>
+              <a:cs typeface="+mn-cs"/>
+            </a:endParaRPr>
+          </a:p>
+          <a:p>
+            <a:r>
+              <a:rPr lang="en-US" altLang="zh-CN" sz="1200" u="sng" kern="1200" dirty="0" smtClean="0">
+                <a:solidFill>
+                  <a:schemeClr val="tx1"/>
+                </a:solidFill>
+                <a:effectLst/>
+                <a:latin typeface="+mn-lt"/>
+                <a:ea typeface="+mn-ea"/>
+                <a:cs typeface="+mn-cs"/>
+                <a:hlinkClick r:id="rId10"/>
+              </a:rPr>
+              <a:t>http://youngsterxyf.github.io/sphinx/work_note/operations/heka.html#id1</a:t>
+            </a:r>
+            <a:endParaRPr lang="zh-CN" altLang="zh-CN" sz="1200" kern="1200" dirty="0" smtClean="0">
+              <a:solidFill>
+                <a:schemeClr val="tx1"/>
+              </a:solidFill>
+              <a:effectLst/>
+              <a:latin typeface="+mn-lt"/>
+              <a:ea typeface="+mn-ea"/>
+              <a:cs typeface="+mn-cs"/>
+            </a:endParaRPr>
+          </a:p>
+          <a:p>
+            <a:r>
+              <a:rPr lang="en-US" altLang="zh-CN" sz="1200" kern="1200" dirty="0" smtClean="0">
+                <a:solidFill>
+                  <a:schemeClr val="tx1"/>
+                </a:solidFill>
+                <a:effectLst/>
+                <a:latin typeface="+mn-lt"/>
+                <a:ea typeface="+mn-ea"/>
+                <a:cs typeface="+mn-cs"/>
+              </a:rPr>
+              <a:t> </a:t>
+            </a:r>
+            <a:endParaRPr lang="zh-CN" altLang="zh-CN" sz="1200" kern="1200" dirty="0" smtClean="0">
+              <a:solidFill>
+                <a:schemeClr val="tx1"/>
+              </a:solidFill>
+              <a:effectLst/>
+              <a:latin typeface="+mn-lt"/>
+              <a:ea typeface="+mn-ea"/>
+              <a:cs typeface="+mn-cs"/>
+            </a:endParaRPr>
+          </a:p>
+          <a:p>
+            <a:r>
+              <a:rPr lang="en-US" altLang="zh-CN" sz="1200" kern="1200" dirty="0" smtClean="0">
+                <a:solidFill>
+                  <a:schemeClr val="tx1"/>
+                </a:solidFill>
+                <a:effectLst/>
+                <a:latin typeface="+mn-lt"/>
+                <a:ea typeface="+mn-ea"/>
+                <a:cs typeface="+mn-cs"/>
+              </a:rPr>
+              <a:t> </a:t>
+            </a:r>
+            <a:endParaRPr lang="zh-CN" altLang="zh-CN" sz="1200" kern="1200" dirty="0" smtClean="0">
+              <a:solidFill>
+                <a:schemeClr val="tx1"/>
+              </a:solidFill>
+              <a:effectLst/>
+              <a:latin typeface="+mn-lt"/>
+              <a:ea typeface="+mn-ea"/>
+              <a:cs typeface="+mn-cs"/>
+            </a:endParaRPr>
+          </a:p>
+          <a:p>
+            <a:r>
+              <a:rPr lang="en-US" altLang="zh-CN" sz="1200" u="sng" kern="1200" dirty="0" smtClean="0">
+                <a:solidFill>
+                  <a:schemeClr val="tx1"/>
+                </a:solidFill>
+                <a:effectLst/>
+                <a:latin typeface="+mn-lt"/>
+                <a:ea typeface="+mn-ea"/>
+                <a:cs typeface="+mn-cs"/>
+                <a:hlinkClick r:id="rId11"/>
+              </a:rPr>
+              <a:t>http://blog.mozilla.org/services/category/heka/</a:t>
+            </a:r>
+            <a:endParaRPr lang="zh-CN" altLang="zh-CN" sz="1200" kern="1200" dirty="0" smtClean="0">
+              <a:solidFill>
+                <a:schemeClr val="tx1"/>
+              </a:solidFill>
+              <a:effectLst/>
+              <a:latin typeface="+mn-lt"/>
+              <a:ea typeface="+mn-ea"/>
+              <a:cs typeface="+mn-cs"/>
+            </a:endParaRPr>
+          </a:p>
+          <a:p>
+            <a:endParaRPr lang="zh-CN" altLang="en-US" dirty="0"/>
+          </a:p>
+        </p:txBody>
+      </p:sp>
+      <p:sp>
+        <p:nvSpPr>
+          <p:cNvPr id="4" name="灯片编号占位符 3"/>
+          <p:cNvSpPr>
+            <a:spLocks noGrp="1"/>
+          </p:cNvSpPr>
+          <p:nvPr>
+            <p:ph type="sldNum" sz="quarter" idx="10"/>
+          </p:nvPr>
+        </p:nvSpPr>
+        <p:spPr/>
+        <p:txBody>
+          <a:bodyPr/>
+          <a:lstStyle/>
+          <a:p>
+            <a:fld id="{9E77C0C7-3AAD-424C-B2C1-35E46B9AB317}" type="slidenum">
+              <a:rPr lang="en-US" smtClean="0"/>
+              <a:t>38</a:t>
+            </a:fld>
+            <a:endParaRPr lang="en-US"/>
+          </a:p>
+        </p:txBody>
+      </p:sp>
+    </p:spTree>
+    <p:extLst>
+      <p:ext uri="{BB962C8B-B14F-4D97-AF65-F5344CB8AC3E}">
+        <p14:creationId xmlns:p14="http://schemas.microsoft.com/office/powerpoint/2010/main" val="774266907"/>
+      </p:ext>
+    </p:extLst>
+  </p:cSld>
+  <p:clrMapOvr>
+    <a:masterClrMapping/>
+  </p:clrMapOvr>
+</p:notes>
+</file>
+
+<file path=ppt/notesSlides/notesSlide23.xml><?xml version="1.0" encoding="utf-8"?>
+<p:notes xmlns:a="http://schemas.openxmlformats.org/drawingml/2006/main" xmlns:r="http://schemas.openxmlformats.org/officeDocument/2006/relationships" xmlns:p="http://schemas.openxmlformats.org/presentationml/2006/main">
+  <p:cSld>
+    <p:spTree>
+      <p:nvGrpSpPr>
+        <p:cNvPr id="1" name=""/>
+        <p:cNvGrpSpPr/>
+        <p:nvPr/>
+      </p:nvGrpSpPr>
+      <p:grpSpPr>
+        <a:xfrm>
+          <a:off x="0" y="0"/>
+          <a:ext cx="0" cy="0"/>
+          <a:chOff x="0" y="0"/>
+          <a:chExt cx="0" cy="0"/>
+        </a:xfrm>
+      </p:grpSpPr>
+      <p:sp>
+        <p:nvSpPr>
+          <p:cNvPr id="2" name="幻灯片图像占位符 1"/>
+          <p:cNvSpPr>
+            <a:spLocks noGrp="1" noRot="1" noChangeAspect="1"/>
+          </p:cNvSpPr>
+          <p:nvPr>
+            <p:ph type="sldImg"/>
+          </p:nvPr>
+        </p:nvSpPr>
+        <p:spPr/>
+      </p:sp>
+      <p:sp>
+        <p:nvSpPr>
+          <p:cNvPr id="3" name="备注占位符 2"/>
+          <p:cNvSpPr>
+            <a:spLocks noGrp="1"/>
+          </p:cNvSpPr>
+          <p:nvPr>
+            <p:ph type="body" idx="1"/>
+          </p:nvPr>
+        </p:nvSpPr>
+        <p:spPr/>
+        <p:txBody>
+          <a:bodyPr/>
+          <a:lstStyle/>
+          <a:p>
+            <a:r>
               <a:rPr lang="en-US" altLang="zh-CN" dirty="0" smtClean="0">
                 <a:hlinkClick r:id="rId3"/>
               </a:rPr>
@@ -3738,7 +4016,7 @@
           <a:p>
             <a:fld id="{9E77C0C7-3AAD-424C-B2C1-35E46B9AB317}" type="slidenum">
               <a:rPr lang="en-US" smtClean="0"/>
-              <a:t>42</a:t>
+              <a:t>44</a:t>
             </a:fld>
             <a:endParaRPr lang="en-US"/>
           </a:p>
@@ -5664,7 +5942,7 @@
           <a:p>
             <a:fld id="{2CCF9F61-0AC4-6746-919A-207B3DC15DC3}" type="datetimeFigureOut">
               <a:rPr lang="en-US" smtClean="0"/>
-              <a:t>11/12/2014</a:t>
+              <a:t>15/6/28</a:t>
             </a:fld>
             <a:endParaRPr lang="en-US"/>
           </a:p>
@@ -5858,7 +6136,7 @@
           <a:p>
             <a:fld id="{2CCF9F61-0AC4-6746-919A-207B3DC15DC3}" type="datetimeFigureOut">
               <a:rPr lang="en-US" smtClean="0"/>
-              <a:t>11/12/2014</a:t>
+              <a:t>15/6/28</a:t>
             </a:fld>
             <a:endParaRPr lang="en-US"/>
           </a:p>
@@ -6046,7 +6324,7 @@
           <a:p>
             <a:fld id="{2CCF9F61-0AC4-6746-919A-207B3DC15DC3}" type="datetimeFigureOut">
               <a:rPr lang="en-US" smtClean="0"/>
-              <a:t>11/12/2014</a:t>
+              <a:t>15/6/28</a:t>
             </a:fld>
             <a:endParaRPr lang="en-US"/>
           </a:p>
@@ -6275,7 +6553,7 @@
           <a:p>
             <a:fld id="{2CCF9F61-0AC4-6746-919A-207B3DC15DC3}" type="datetimeFigureOut">
               <a:rPr lang="en-US" smtClean="0"/>
-              <a:t>11/12/2014</a:t>
+              <a:t>15/6/28</a:t>
             </a:fld>
             <a:endParaRPr lang="en-US"/>
           </a:p>
@@ -6556,7 +6834,7 @@
           <a:p>
             <a:fld id="{2CCF9F61-0AC4-6746-919A-207B3DC15DC3}" type="datetimeFigureOut">
               <a:rPr lang="en-US" smtClean="0"/>
-              <a:t>11/12/2014</a:t>
+              <a:t>15/6/28</a:t>
             </a:fld>
             <a:endParaRPr lang="en-US"/>
           </a:p>
@@ -6844,7 +7122,7 @@
           <a:p>
             <a:fld id="{2CCF9F61-0AC4-6746-919A-207B3DC15DC3}" type="datetimeFigureOut">
               <a:rPr lang="en-US" smtClean="0"/>
-              <a:t>11/12/2014</a:t>
+              <a:t>15/6/28</a:t>
             </a:fld>
             <a:endParaRPr lang="en-US"/>
           </a:p>
@@ -7398,7 +7676,7 @@
           <a:p>
             <a:fld id="{2CCF9F61-0AC4-6746-919A-207B3DC15DC3}" type="datetimeFigureOut">
               <a:rPr lang="en-US" smtClean="0"/>
-              <a:t>11/12/2014</a:t>
+              <a:t>15/6/28</a:t>
             </a:fld>
             <a:endParaRPr lang="en-US"/>
           </a:p>
@@ -7529,7 +7807,7 @@
           <a:p>
             <a:fld id="{2CCF9F61-0AC4-6746-919A-207B3DC15DC3}" type="datetimeFigureOut">
               <a:rPr lang="en-US" smtClean="0"/>
-              <a:t>11/12/2014</a:t>
+              <a:t>15/6/28</a:t>
             </a:fld>
             <a:endParaRPr lang="en-US"/>
           </a:p>
@@ -7679,7 +7957,7 @@
           <a:p>
             <a:fld id="{2CCF9F61-0AC4-6746-919A-207B3DC15DC3}" type="datetimeFigureOut">
               <a:rPr lang="en-US" smtClean="0"/>
-              <a:t>11/12/2014</a:t>
+              <a:t>15/6/28</a:t>
             </a:fld>
             <a:endParaRPr lang="en-US"/>
           </a:p>
@@ -8000,7 +8278,7 @@
           <a:p>
             <a:fld id="{2CCF9F61-0AC4-6746-919A-207B3DC15DC3}" type="datetimeFigureOut">
               <a:rPr lang="en-US" smtClean="0"/>
-              <a:t>11/12/2014</a:t>
+              <a:t>15/6/28</a:t>
             </a:fld>
             <a:endParaRPr lang="en-US"/>
           </a:p>
@@ -8297,7 +8575,7 @@
           <a:p>
             <a:fld id="{2CCF9F61-0AC4-6746-919A-207B3DC15DC3}" type="datetimeFigureOut">
               <a:rPr lang="en-US" smtClean="0"/>
-              <a:t>11/12/2014</a:t>
+              <a:t>15/6/28</a:t>
             </a:fld>
             <a:endParaRPr lang="en-US"/>
           </a:p>
@@ -8542,7 +8820,7 @@
           <a:p>
             <a:fld id="{2CCF9F61-0AC4-6746-919A-207B3DC15DC3}" type="datetimeFigureOut">
               <a:rPr lang="en-US" smtClean="0"/>
-              <a:t>11/12/2014</a:t>
+              <a:t>15/6/28</a:t>
             </a:fld>
             <a:endParaRPr lang="en-US"/>
           </a:p>
@@ -9054,6 +9332,10 @@
               <a:t>lang</a:t>
             </a:r>
             <a:r>
+              <a:rPr lang="en-US" altLang="zh-CN" dirty="0" smtClean="0"/>
+              <a:t> </a:t>
+            </a:r>
+            <a:r>
               <a:rPr lang="zh-CN" altLang="en-US" dirty="0" smtClean="0"/>
               <a:t>介绍</a:t>
             </a:r>
@@ -9074,11 +9356,15 @@
         <p:spPr/>
         <p:txBody>
           <a:bodyPr>
-            <a:normAutofit fontScale="92500"/>
+            <a:normAutofit fontScale="85000" lnSpcReduction="20000"/>
           </a:bodyPr>
           <a:lstStyle/>
           <a:p>
-            <a:pPr algn="r"/>
+            <a:pPr algn="r">
+              <a:lnSpc>
+                <a:spcPct val="150000"/>
+              </a:lnSpc>
+            </a:pPr>
             <a:r>
               <a:rPr lang="zh-CN" altLang="en-US" dirty="0"/>
               <a:t>郭红俊</a:t>
@@ -9086,7 +9372,11 @@
             <a:endParaRPr lang="en-US" altLang="zh-CN" dirty="0"/>
           </a:p>
           <a:p>
-            <a:pPr algn="r"/>
+            <a:pPr algn="r">
+              <a:lnSpc>
+                <a:spcPct val="150000"/>
+              </a:lnSpc>
+            </a:pPr>
             <a:r>
               <a:rPr lang="en-US" dirty="0">
                 <a:hlinkClick r:id="rId2"/>
@@ -9096,7 +9386,11 @@
             <a:endParaRPr lang="en-US" dirty="0"/>
           </a:p>
           <a:p>
-            <a:pPr algn="r"/>
+            <a:pPr algn="r">
+              <a:lnSpc>
+                <a:spcPct val="150000"/>
+              </a:lnSpc>
+            </a:pPr>
             <a:r>
               <a:rPr lang="en-US" dirty="0">
                 <a:hlinkClick r:id="rId3"/>
@@ -9123,7 +9417,7 @@
   <p:timing>
     <p:tnLst>
       <p:par>
-        <p:cTn id="1" dur="indefinite" restart="never" nodeType="tmRoot"/>
+        <p:cTn xmlns:p14="http://schemas.microsoft.com/office/powerpoint/2010/main" id="1" dur="indefinite" restart="never" nodeType="tmRoot"/>
       </p:par>
     </p:tnLst>
   </p:timing>
@@ -9187,158 +9481,199 @@
         <p:spPr/>
         <p:txBody>
           <a:bodyPr>
-            <a:normAutofit fontScale="92500" lnSpcReduction="20000"/>
+            <a:normAutofit/>
           </a:bodyPr>
           <a:lstStyle/>
           <a:p>
-            <a:r>
-              <a:rPr lang="en-US" altLang="zh-TW" dirty="0"/>
+            <a:pPr>
+              <a:lnSpc>
+                <a:spcPct val="170000"/>
+              </a:lnSpc>
+            </a:pPr>
+            <a:r>
+              <a:rPr lang="en-US" altLang="zh-TW" sz="2000" dirty="0"/>
               <a:t>360</a:t>
             </a:r>
             <a:r>
-              <a:rPr lang="zh-TW" altLang="en-US" dirty="0"/>
+              <a:rPr lang="zh-TW" altLang="en-US" sz="2000" dirty="0"/>
               <a:t>线上一个</a:t>
             </a:r>
             <a:r>
-              <a:rPr lang="en-US" altLang="zh-TW" dirty="0"/>
+              <a:rPr lang="en-US" altLang="zh-TW" sz="2000" dirty="0"/>
               <a:t>go</a:t>
             </a:r>
             <a:r>
-              <a:rPr lang="zh-TW" altLang="en-US" dirty="0"/>
-              <a:t>语言实现的消息推送服务听说单机一百万并发连接没压力，</a:t>
-            </a:r>
-            <a:r>
-              <a:rPr lang="zh-TW" altLang="en-US" dirty="0" smtClean="0"/>
+              <a:rPr lang="zh-TW" altLang="en-US" sz="2000" dirty="0"/>
+              <a:t>语言实现</a:t>
+            </a:r>
+            <a:r>
+              <a:rPr lang="zh-TW" altLang="en-US" sz="2000" dirty="0" smtClean="0"/>
+              <a:t>的消息推送服务</a:t>
+            </a:r>
+            <a:r>
+              <a:rPr lang="zh-TW" altLang="en-US" sz="2000" dirty="0" smtClean="0">
+                <a:solidFill>
+                  <a:srgbClr val="FFFF00"/>
+                </a:solidFill>
+              </a:rPr>
+              <a:t>单机一百万</a:t>
+            </a:r>
+            <a:r>
+              <a:rPr lang="zh-TW" altLang="en-US" sz="2000" dirty="0" smtClean="0"/>
+              <a:t>并发连接没压力</a:t>
+            </a:r>
+            <a:r>
+              <a:rPr lang="zh-TW" altLang="en-US" sz="2000" dirty="0"/>
+              <a:t>，</a:t>
+            </a:r>
+            <a:r>
+              <a:rPr lang="zh-TW" altLang="en-US" sz="2000" dirty="0" smtClean="0"/>
               <a:t>目标是单机两百万并发。</a:t>
             </a:r>
-            <a:endParaRPr lang="en-US" altLang="zh-TW" dirty="0" smtClean="0"/>
-          </a:p>
-          <a:p>
-            <a:pPr lvl="1"/>
-            <a:r>
-              <a:rPr lang="en-US" dirty="0">
+            <a:endParaRPr lang="en-US" altLang="zh-TW" sz="2000" dirty="0" smtClean="0"/>
+          </a:p>
+          <a:p>
+            <a:pPr lvl="1">
+              <a:lnSpc>
+                <a:spcPct val="170000"/>
+              </a:lnSpc>
+            </a:pPr>
+            <a:r>
+              <a:rPr lang="en-US" sz="1600" dirty="0">
                 <a:hlinkClick r:id="rId3"/>
               </a:rPr>
               <a:t>http://milnk.com/link/</a:t>
             </a:r>
             <a:r>
-              <a:rPr lang="en-US" dirty="0" smtClean="0">
+              <a:rPr lang="en-US" sz="1600" dirty="0" smtClean="0">
                 <a:hlinkClick r:id="rId3"/>
               </a:rPr>
               <a:t>10079</a:t>
             </a:r>
             <a:r>
-              <a:rPr lang="en-US" dirty="0" smtClean="0"/>
+              <a:rPr lang="en-US" sz="1600" dirty="0" smtClean="0"/>
               <a:t> </a:t>
             </a:r>
           </a:p>
           <a:p>
-            <a:pPr lvl="1"/>
-            <a:endParaRPr lang="en-US" dirty="0" smtClean="0"/>
-          </a:p>
-          <a:p>
-            <a:r>
-              <a:rPr lang="en-US" altLang="zh-CN" dirty="0" smtClean="0"/>
+            <a:pPr lvl="1">
+              <a:lnSpc>
+                <a:spcPct val="170000"/>
+              </a:lnSpc>
+            </a:pPr>
+            <a:endParaRPr lang="en-US" sz="1600" dirty="0" smtClean="0"/>
+          </a:p>
+          <a:p>
+            <a:pPr>
+              <a:lnSpc>
+                <a:spcPct val="170000"/>
+              </a:lnSpc>
+            </a:pPr>
+            <a:r>
+              <a:rPr lang="en-US" altLang="zh-CN" sz="2000" dirty="0" smtClean="0"/>
               <a:t>Go</a:t>
             </a:r>
             <a:r>
-              <a:rPr lang="zh-CN" altLang="en-US" dirty="0" smtClean="0"/>
+              <a:rPr lang="zh-CN" altLang="en-US" sz="2000" dirty="0" smtClean="0"/>
               <a:t>语言高并发实战</a:t>
             </a:r>
             <a:r>
-              <a:rPr lang="en-US" altLang="zh-CN" dirty="0" smtClean="0"/>
+              <a:rPr lang="en-US" altLang="zh-CN" sz="2000" dirty="0" smtClean="0"/>
               <a:t>PPT</a:t>
             </a:r>
             <a:r>
-              <a:rPr lang="zh-CN" altLang="en-US" dirty="0" smtClean="0"/>
+              <a:rPr lang="zh-CN" altLang="en-US" sz="2000" dirty="0" smtClean="0"/>
               <a:t>：构建千万级在线的实时消息推送服务</a:t>
             </a:r>
             <a:r>
-              <a:rPr lang="en-US" altLang="zh-CN" dirty="0" smtClean="0">
+              <a:rPr lang="en-US" altLang="zh-CN" sz="2000" dirty="0" smtClean="0">
                 <a:hlinkClick r:id="rId4"/>
               </a:rPr>
               <a:t/>
             </a:r>
             <a:br>
-              <a:rPr lang="en-US" altLang="zh-CN" dirty="0" smtClean="0">
+              <a:rPr lang="en-US" altLang="zh-CN" sz="2000" dirty="0" smtClean="0">
                 <a:hlinkClick r:id="rId4"/>
               </a:rPr>
             </a:br>
             <a:r>
-              <a:rPr lang="en-US" dirty="0" smtClean="0">
+              <a:rPr lang="en-US" sz="2000" dirty="0" smtClean="0">
                 <a:hlinkClick r:id="rId4"/>
               </a:rPr>
               <a:t>http</a:t>
             </a:r>
             <a:r>
-              <a:rPr lang="en-US" dirty="0">
+              <a:rPr lang="en-US" sz="2000" dirty="0">
                 <a:hlinkClick r:id="rId4"/>
               </a:rPr>
               <a:t>://vdisk.weibo.com/s/</a:t>
             </a:r>
             <a:r>
-              <a:rPr lang="en-US" dirty="0" smtClean="0">
+              <a:rPr lang="en-US" sz="2000" dirty="0" smtClean="0">
                 <a:hlinkClick r:id="rId4"/>
               </a:rPr>
               <a:t>loqVM</a:t>
             </a:r>
             <a:r>
-              <a:rPr lang="en-US" dirty="0" smtClean="0"/>
+              <a:rPr lang="en-US" sz="2000" dirty="0" smtClean="0"/>
               <a:t> </a:t>
             </a:r>
             <a:r>
-              <a:rPr lang="en-US" dirty="0"/>
+              <a:rPr lang="en-US" sz="2000" dirty="0"/>
               <a:t/>
             </a:r>
             <a:br>
-              <a:rPr lang="en-US" dirty="0"/>
+              <a:rPr lang="en-US" sz="2000" dirty="0"/>
             </a:br>
             <a:r>
-              <a:rPr lang="en-US" dirty="0">
+              <a:rPr lang="en-US" sz="2000" dirty="0">
                 <a:hlinkClick r:id="rId5"/>
               </a:rPr>
               <a:t>http://vdisk.weibo.com/s/lonzW/</a:t>
             </a:r>
             <a:r>
-              <a:rPr lang="en-US" dirty="0" smtClean="0">
+              <a:rPr lang="en-US" sz="2000" dirty="0" smtClean="0">
                 <a:hlinkClick r:id="rId5"/>
               </a:rPr>
               <a:t>1356269923</a:t>
             </a:r>
             <a:r>
-              <a:rPr lang="en-US" dirty="0" smtClean="0"/>
+              <a:rPr lang="en-US" sz="2000" dirty="0" smtClean="0"/>
               <a:t> </a:t>
             </a:r>
           </a:p>
           <a:p>
             <a:pPr marL="0" indent="0">
+              <a:lnSpc>
+                <a:spcPct val="170000"/>
+              </a:lnSpc>
               <a:buNone/>
             </a:pPr>
             <a:r>
-              <a:rPr lang="en-US" altLang="zh-CN" dirty="0" smtClean="0"/>
+              <a:rPr lang="en-US" altLang="zh-CN" sz="2000" dirty="0" smtClean="0"/>
               <a:t>    </a:t>
             </a:r>
             <a:r>
-              <a:rPr lang="zh-CN" altLang="en-US" dirty="0" smtClean="0"/>
+              <a:rPr lang="zh-CN" altLang="en-US" sz="2000" dirty="0" smtClean="0"/>
               <a:t>作者：</a:t>
             </a:r>
             <a:r>
-              <a:rPr lang="en-US" altLang="zh-CN" dirty="0">
+              <a:rPr lang="en-US" altLang="zh-CN" sz="2000" dirty="0">
                 <a:hlinkClick r:id="rId6"/>
               </a:rPr>
               <a:t>http://weibo.com/</a:t>
             </a:r>
             <a:r>
-              <a:rPr lang="en-US" altLang="zh-CN" dirty="0" smtClean="0">
+              <a:rPr lang="en-US" altLang="zh-CN" sz="2000" dirty="0" smtClean="0">
                 <a:hlinkClick r:id="rId6"/>
               </a:rPr>
               <a:t>diogin</a:t>
             </a:r>
             <a:r>
-              <a:rPr lang="en-US" altLang="zh-CN" dirty="0" smtClean="0"/>
+              <a:rPr lang="en-US" altLang="zh-CN" sz="2000" dirty="0" smtClean="0"/>
               <a:t> </a:t>
             </a:r>
-            <a:endParaRPr lang="en-US" dirty="0"/>
+            <a:endParaRPr lang="en-US" sz="2000" dirty="0"/>
           </a:p>
         </p:txBody>
       </p:sp>
@@ -9355,7 +9690,7 @@
   <p:timing>
     <p:tnLst>
       <p:par>
-        <p:cTn id="1" dur="indefinite" restart="never" nodeType="tmRoot"/>
+        <p:cTn xmlns:p14="http://schemas.microsoft.com/office/powerpoint/2010/main" id="1" dur="indefinite" restart="never" nodeType="tmRoot"/>
       </p:par>
     </p:tnLst>
   </p:timing>
@@ -9789,7 +10124,7 @@
   <p:timing>
     <p:tnLst>
       <p:par>
-        <p:cTn id="1" dur="indefinite" restart="never" nodeType="tmRoot"/>
+        <p:cTn xmlns:p14="http://schemas.microsoft.com/office/powerpoint/2010/main" id="1" dur="indefinite" restart="never" nodeType="tmRoot"/>
       </p:par>
     </p:tnLst>
   </p:timing>
@@ -10109,7 +10444,7 @@
   <p:timing>
     <p:tnLst>
       <p:par>
-        <p:cTn id="1" dur="indefinite" restart="never" nodeType="tmRoot"/>
+        <p:cTn xmlns:p14="http://schemas.microsoft.com/office/powerpoint/2010/main" id="1" dur="indefinite" restart="never" nodeType="tmRoot"/>
       </p:par>
     </p:tnLst>
   </p:timing>
@@ -10445,7 +10780,7 @@
   <p:timing>
     <p:tnLst>
       <p:par>
-        <p:cTn id="1" dur="indefinite" restart="never" nodeType="tmRoot"/>
+        <p:cTn xmlns:p14="http://schemas.microsoft.com/office/powerpoint/2010/main" id="1" dur="indefinite" restart="never" nodeType="tmRoot"/>
       </p:par>
     </p:tnLst>
   </p:timing>
@@ -10501,13 +10836,13 @@
         <p:spPr/>
         <p:txBody>
           <a:bodyPr>
-            <a:normAutofit fontScale="77500" lnSpcReduction="20000"/>
+            <a:normAutofit fontScale="55000" lnSpcReduction="20000"/>
           </a:bodyPr>
           <a:lstStyle/>
           <a:p>
             <a:pPr>
               <a:lnSpc>
-                <a:spcPct val="120000"/>
+                <a:spcPct val="170000"/>
               </a:lnSpc>
             </a:pPr>
             <a:r>
@@ -10567,7 +10902,7 @@
           <a:p>
             <a:pPr>
               <a:lnSpc>
-                <a:spcPct val="120000"/>
+                <a:spcPct val="170000"/>
               </a:lnSpc>
             </a:pPr>
             <a:r>
@@ -10603,7 +10938,7 @@
           <a:p>
             <a:pPr>
               <a:lnSpc>
-                <a:spcPct val="120000"/>
+                <a:spcPct val="170000"/>
               </a:lnSpc>
             </a:pPr>
             <a:r>
@@ -10655,7 +10990,7 @@
           <a:p>
             <a:pPr>
               <a:lnSpc>
-                <a:spcPct val="120000"/>
+                <a:spcPct val="170000"/>
               </a:lnSpc>
             </a:pPr>
             <a:r>
@@ -10727,7 +11062,7 @@
   <p:timing>
     <p:tnLst>
       <p:par>
-        <p:cTn id="1" dur="indefinite" restart="never" nodeType="tmRoot"/>
+        <p:cTn xmlns:p14="http://schemas.microsoft.com/office/powerpoint/2010/main" id="1" dur="indefinite" restart="never" nodeType="tmRoot"/>
       </p:par>
     </p:tnLst>
   </p:timing>
@@ -10814,7 +11149,7 @@
   <p:timing>
     <p:tnLst>
       <p:par>
-        <p:cTn id="1" dur="indefinite" restart="never" nodeType="tmRoot"/>
+        <p:cTn xmlns:p14="http://schemas.microsoft.com/office/powerpoint/2010/main" id="1" dur="indefinite" restart="never" nodeType="tmRoot"/>
       </p:par>
     </p:tnLst>
   </p:timing>
@@ -10916,7 +11251,7 @@
           </a:prstGeom>
           <a:noFill/>
           <a:extLst>
-            <a:ext uri="{909E8E84-426E-40DD-AFC4-6F175D3DCCD1}">
+            <a:ext uri="{909E8E84-426E-40dd-AFC4-6F175D3DCCD1}">
               <a14:hiddenFill xmlns:a14="http://schemas.microsoft.com/office/drawing/2010/main">
                 <a:solidFill>
                   <a:srgbClr val="FFFFFF"/>
@@ -10939,7 +11274,7 @@
   <p:timing>
     <p:tnLst>
       <p:par>
-        <p:cTn id="1" dur="indefinite" restart="never" nodeType="tmRoot"/>
+        <p:cTn xmlns:p14="http://schemas.microsoft.com/office/powerpoint/2010/main" id="1" dur="indefinite" restart="never" nodeType="tmRoot"/>
       </p:par>
     </p:tnLst>
   </p:timing>
@@ -11084,7 +11419,7 @@
   <p:timing>
     <p:tnLst>
       <p:par>
-        <p:cTn id="1" dur="indefinite" restart="never" nodeType="tmRoot"/>
+        <p:cTn xmlns:p14="http://schemas.microsoft.com/office/powerpoint/2010/main" id="1" dur="indefinite" restart="never" nodeType="tmRoot"/>
       </p:par>
     </p:tnLst>
   </p:timing>
@@ -11300,7 +11635,7 @@
   <p:timing>
     <p:tnLst>
       <p:par>
-        <p:cTn id="1" dur="indefinite" restart="never" nodeType="tmRoot"/>
+        <p:cTn xmlns:p14="http://schemas.microsoft.com/office/powerpoint/2010/main" id="1" dur="indefinite" restart="never" nodeType="tmRoot"/>
       </p:par>
     </p:tnLst>
   </p:timing>
@@ -11485,7 +11820,7 @@
   <p:timing>
     <p:tnLst>
       <p:par>
-        <p:cTn id="1" dur="indefinite" restart="never" nodeType="tmRoot"/>
+        <p:cTn xmlns:p14="http://schemas.microsoft.com/office/powerpoint/2010/main" id="1" dur="indefinite" restart="never" nodeType="tmRoot"/>
       </p:par>
     </p:tnLst>
   </p:timing>
@@ -11549,7 +11884,7 @@
         <p:spPr/>
         <p:txBody>
           <a:bodyPr>
-            <a:normAutofit fontScale="92500" lnSpcReduction="10000"/>
+            <a:normAutofit fontScale="77500" lnSpcReduction="20000"/>
           </a:bodyPr>
           <a:lstStyle/>
           <a:p>
@@ -11662,7 +11997,58 @@
             </a:pPr>
             <a:r>
               <a:rPr lang="en-US" altLang="zh-CN" dirty="0" smtClean="0"/>
-              <a:t>2014-12-01 Go 1.4</a:t>
+              <a:t>2014-12-01 Go </a:t>
+            </a:r>
+            <a:r>
+              <a:rPr lang="en-US" altLang="zh-CN" dirty="0" smtClean="0"/>
+              <a:t>1.4</a:t>
+            </a:r>
+          </a:p>
+          <a:p>
+            <a:pPr lvl="1">
+              <a:lnSpc>
+                <a:spcPct val="150000"/>
+              </a:lnSpc>
+            </a:pPr>
+            <a:r>
+              <a:rPr lang="zh-CN" altLang="zh-CN" dirty="0" smtClean="0"/>
+              <a:t>2</a:t>
+            </a:r>
+            <a:r>
+              <a:rPr lang="en-US" altLang="zh-CN" dirty="0" smtClean="0"/>
+              <a:t>015-07-31 Go 1.5   </a:t>
+            </a:r>
+            <a:r>
+              <a:rPr lang="en-US" altLang="zh-CN" dirty="0">
+                <a:hlinkClick r:id="rId3"/>
+              </a:rPr>
+              <a:t>https://github.com/golang/go/</a:t>
+            </a:r>
+            <a:r>
+              <a:rPr lang="en-US" altLang="zh-CN" dirty="0" smtClean="0">
+                <a:hlinkClick r:id="rId3"/>
+              </a:rPr>
+              <a:t>milestones</a:t>
+            </a:r>
+            <a:r>
+              <a:rPr lang="en-US" altLang="zh-CN" dirty="0" smtClean="0"/>
+              <a:t> </a:t>
+            </a:r>
+            <a:endParaRPr lang="en-US" altLang="zh-CN" dirty="0" smtClean="0"/>
+          </a:p>
+          <a:p>
+            <a:pPr lvl="1">
+              <a:lnSpc>
+                <a:spcPct val="150000"/>
+              </a:lnSpc>
+            </a:pPr>
+            <a:r>
+              <a:rPr lang="zh-CN" altLang="zh-CN" dirty="0" smtClean="0"/>
+              <a:t>2</a:t>
+            </a:r>
+            <a:r>
+              <a:rPr lang="en-US" altLang="zh-CN" dirty="0" smtClean="0"/>
+              <a:t>016-01-31 Go 1.6</a:t>
             </a:r>
             <a:endParaRPr lang="zh-CN" altLang="en-US" dirty="0"/>
           </a:p>
@@ -11678,18 +12064,18 @@
   <p:clrMapOvr>
     <a:masterClrMapping/>
   </p:clrMapOvr>
-  <mc:AlternateContent xmlns:mc="http://schemas.openxmlformats.org/markup-compatibility/2006">
-    <mc:Choice xmlns:p14="http://schemas.microsoft.com/office/powerpoint/2010/main" Requires="p14">
+  <mc:AlternateContent xmlns:mc="http://schemas.openxmlformats.org/markup-compatibility/2006" xmlns:p14="http://schemas.microsoft.com/office/powerpoint/2010/main">
+    <mc:Choice Requires="p14">
       <p:transition p14:dur="0"/>
     </mc:Choice>
-    <mc:Fallback>
+    <mc:Fallback xmlns="">
       <p:transition/>
     </mc:Fallback>
   </mc:AlternateContent>
   <p:timing>
     <p:tnLst>
       <p:par>
-        <p:cTn id="1" dur="indefinite" restart="never" nodeType="tmRoot">
+        <p:cTn xmlns:p14="http://schemas.microsoft.com/office/powerpoint/2010/main" id="1" dur="indefinite" restart="never" nodeType="tmRoot">
           <p:childTnLst>
             <p:seq concurrent="1" nextAc="seek">
               <p:cTn id="2" dur="indefinite" nodeType="mainSeq">
@@ -11977,6 +12363,68 @@
                                   </p:childTnLst>
                                 </p:cTn>
                               </p:par>
+                              <p:par>
+                                <p:cTn id="25" presetID="1" presetClass="entr" presetSubtype="0" fill="hold" grpId="0" nodeType="withEffect">
+                                  <p:stCondLst>
+                                    <p:cond delay="0"/>
+                                  </p:stCondLst>
+                                  <p:childTnLst>
+                                    <p:set>
+                                      <p:cBhvr>
+                                        <p:cTn id="26" dur="1" fill="hold">
+                                          <p:stCondLst>
+                                            <p:cond delay="0"/>
+                                          </p:stCondLst>
+                                        </p:cTn>
+                                        <p:tgtEl>
+                                          <p:spTgt spid="3">
+                                            <p:txEl>
+                                              <p:pRg st="7" end="7"/>
+                                            </p:txEl>
+                                          </p:spTgt>
+                                        </p:tgtEl>
+                                        <p:attrNameLst>
+                                          <p:attrName>style.visibility</p:attrName>
+                                        </p:attrNameLst>
+                                      </p:cBhvr>
+                                      <p:to>
+                                        <p:strVal val="visible"/>
+                                      </p:to>
+                                    </p:set>
+                                  </p:childTnLst>
+                                </p:cTn>
+                              </p:par>
+                              <p:par>
+                                <p:cTn id="27" presetID="1" presetClass="entr" presetSubtype="0" fill="hold" grpId="0" nodeType="withEffect">
+                                  <p:stCondLst>
+                                    <p:cond delay="0"/>
+                                  </p:stCondLst>
+                                  <p:childTnLst>
+                                    <p:set>
+                                      <p:cBhvr>
+                                        <p:cTn id="28" dur="1" fill="hold">
+                                          <p:stCondLst>
+                                            <p:cond delay="0"/>
+                                          </p:stCondLst>
+                                        </p:cTn>
+                                        <p:tgtEl>
+                                          <p:spTgt spid="3">
+                                            <p:txEl>
+                                              <p:pRg st="8" end="8"/>
+                                            </p:txEl>
+                                          </p:spTgt>
+                                        </p:tgtEl>
+                                        <p:attrNameLst>
+                                          <p:attrName>style.visibility</p:attrName>
+                                        </p:attrNameLst>
+                                      </p:cBhvr>
+                                      <p:to>
+                                        <p:strVal val="visible"/>
+                                      </p:to>
+                                    </p:set>
+                                  </p:childTnLst>
+                                </p:cTn>
+                              </p:par>
                             </p:childTnLst>
                           </p:cTn>
                         </p:par>
@@ -12215,23 +12663,31 @@
             </a:r>
             <a:r>
               <a:rPr lang="zh-CN" altLang="en-US" dirty="0"/>
-              <a:t>或流行的服务器端</a:t>
-            </a:r>
-            <a:r>
-              <a:rPr lang="en-US" altLang="zh-CN" dirty="0" err="1"/>
-              <a:t>javaScript</a:t>
+              <a:t>或</a:t>
+            </a:r>
+            <a:r>
+              <a:rPr lang="zh-CN" altLang="en-US" dirty="0" smtClean="0"/>
+              <a:t>流行的服务器端</a:t>
+            </a:r>
+            <a:r>
+              <a:rPr lang="en-US" altLang="zh-CN" dirty="0" err="1" smtClean="0"/>
+              <a:t>Node.js</a:t>
             </a:r>
             <a:r>
               <a:rPr lang="zh-CN" altLang="en-US" dirty="0"/>
-              <a:t>平台</a:t>
-            </a:r>
-            <a:r>
-              <a:rPr lang="en-US" altLang="zh-CN" dirty="0"/>
-              <a:t>Node.js</a:t>
+              <a:t>那样</a:t>
+            </a:r>
+            <a:r>
+              <a:rPr lang="zh-CN" altLang="en-US" dirty="0">
+                <a:solidFill>
+                  <a:srgbClr val="FFFF00"/>
+                </a:solidFill>
+              </a:rPr>
+              <a:t>处理大规模并发用户</a:t>
             </a:r>
             <a:r>
               <a:rPr lang="zh-CN" altLang="en-US" dirty="0"/>
-              <a:t>那样处理大规模并发用户，同时又能像</a:t>
+              <a:t>，同时又能像</a:t>
             </a:r>
             <a:r>
               <a:rPr lang="en-US" altLang="zh-CN" dirty="0"/>
@@ -12239,7 +12695,19 @@
             </a:r>
             <a:r>
               <a:rPr lang="zh-CN" altLang="en-US" dirty="0"/>
-              <a:t>那样迅捷。</a:t>
+              <a:t>那样</a:t>
+            </a:r>
+            <a:r>
+              <a:rPr lang="zh-CN" altLang="en-US" dirty="0">
+                <a:solidFill>
+                  <a:srgbClr val="FFFF00"/>
+                </a:solidFill>
+              </a:rPr>
+              <a:t>迅捷</a:t>
+            </a:r>
+            <a:r>
+              <a:rPr lang="zh-CN" altLang="en-US" dirty="0"/>
+              <a:t>。</a:t>
             </a:r>
           </a:p>
           <a:p>
@@ -12268,7 +12736,7 @@
   <p:timing>
     <p:tnLst>
       <p:par>
-        <p:cTn id="1" dur="indefinite" restart="never" nodeType="tmRoot"/>
+        <p:cTn xmlns:p14="http://schemas.microsoft.com/office/powerpoint/2010/main" id="1" dur="indefinite" restart="never" nodeType="tmRoot"/>
       </p:par>
     </p:tnLst>
   </p:timing>
@@ -12333,6 +12801,11 @@
           <a:bodyPr/>
           <a:lstStyle/>
           <a:p>
+            <a:pPr>
+              <a:lnSpc>
+                <a:spcPct val="150000"/>
+              </a:lnSpc>
+            </a:pPr>
             <a:r>
               <a:rPr lang="zh-CN" altLang="en-US" dirty="0" smtClean="0"/>
               <a:t>最小心智负担原则</a:t>
@@ -12340,7 +12813,11 @@
             <a:endParaRPr lang="en-US" altLang="zh-CN" dirty="0" smtClean="0"/>
           </a:p>
           <a:p>
-            <a:pPr lvl="1"/>
+            <a:pPr lvl="1">
+              <a:lnSpc>
+                <a:spcPct val="150000"/>
+              </a:lnSpc>
+            </a:pPr>
             <a:r>
               <a:rPr lang="zh-CN" altLang="en-US" dirty="0" smtClean="0"/>
               <a:t>最小特征：</a:t>
@@ -12348,7 +12825,11 @@
             <a:endParaRPr lang="en-US" altLang="zh-CN" dirty="0" smtClean="0"/>
           </a:p>
           <a:p>
-            <a:pPr lvl="2"/>
+            <a:pPr lvl="2">
+              <a:lnSpc>
+                <a:spcPct val="150000"/>
+              </a:lnSpc>
+            </a:pPr>
             <a:r>
               <a:rPr lang="zh-CN" altLang="en-US" dirty="0" smtClean="0"/>
               <a:t>如果</a:t>
@@ -12360,7 +12841,11 @@
             <a:endParaRPr lang="en-US" altLang="zh-CN" dirty="0" smtClean="0"/>
           </a:p>
           <a:p>
-            <a:pPr lvl="1"/>
+            <a:pPr lvl="1">
+              <a:lnSpc>
+                <a:spcPct val="150000"/>
+              </a:lnSpc>
+            </a:pPr>
             <a:r>
               <a:rPr lang="zh-CN" altLang="en-US" dirty="0" smtClean="0"/>
               <a:t>最小惊异</a:t>
@@ -12368,7 +12853,11 @@
             <a:endParaRPr lang="en-US" altLang="zh-CN" dirty="0" smtClean="0"/>
           </a:p>
           <a:p>
-            <a:pPr lvl="1"/>
+            <a:pPr lvl="1">
+              <a:lnSpc>
+                <a:spcPct val="150000"/>
+              </a:lnSpc>
+            </a:pPr>
             <a:r>
               <a:rPr lang="zh-CN" altLang="en-US" dirty="0" smtClean="0"/>
               <a:t>最少犯错机会</a:t>
@@ -12390,7 +12879,7 @@
   <p:timing>
     <p:tnLst>
       <p:par>
-        <p:cTn id="1" dur="indefinite" restart="never" nodeType="tmRoot"/>
+        <p:cTn xmlns:p14="http://schemas.microsoft.com/office/powerpoint/2010/main" id="1" dur="indefinite" restart="never" nodeType="tmRoot"/>
       </p:par>
     </p:tnLst>
   </p:timing>
@@ -12456,6 +12945,11 @@
           <a:bodyPr/>
           <a:lstStyle/>
           <a:p>
+            <a:pPr>
+              <a:lnSpc>
+                <a:spcPct val="150000"/>
+              </a:lnSpc>
+            </a:pPr>
             <a:r>
               <a:rPr lang="zh-CN" altLang="en-US" dirty="0" smtClean="0"/>
               <a:t>以软件工程为目的的语言设计</a:t>
@@ -12463,7 +12957,11 @@
             <a:endParaRPr lang="en-US" altLang="zh-CN" dirty="0" smtClean="0"/>
           </a:p>
           <a:p>
-            <a:pPr lvl="1"/>
+            <a:pPr lvl="1">
+              <a:lnSpc>
+                <a:spcPct val="150000"/>
+              </a:lnSpc>
+            </a:pPr>
             <a:r>
               <a:rPr lang="zh-CN" altLang="en-US" dirty="0" smtClean="0"/>
               <a:t>快速编译</a:t>
@@ -12471,7 +12969,11 @@
             <a:endParaRPr lang="en-US" altLang="zh-CN" dirty="0" smtClean="0"/>
           </a:p>
           <a:p>
-            <a:pPr lvl="1"/>
+            <a:pPr lvl="1">
+              <a:lnSpc>
+                <a:spcPct val="150000"/>
+              </a:lnSpc>
+            </a:pPr>
             <a:r>
               <a:rPr lang="zh-CN" altLang="en-US" dirty="0" smtClean="0"/>
               <a:t>严格的依赖管理</a:t>
@@ -12479,7 +12981,11 @@
             <a:endParaRPr lang="en-US" altLang="zh-CN" dirty="0" smtClean="0"/>
           </a:p>
           <a:p>
-            <a:pPr lvl="1"/>
+            <a:pPr lvl="1">
+              <a:lnSpc>
+                <a:spcPct val="150000"/>
+              </a:lnSpc>
+            </a:pPr>
             <a:r>
               <a:rPr lang="zh-CN" altLang="en-US" dirty="0" smtClean="0"/>
               <a:t>代码风格的强一致性</a:t>
@@ -12487,7 +12993,11 @@
             <a:endParaRPr lang="en-US" altLang="zh-CN" dirty="0" smtClean="0"/>
           </a:p>
           <a:p>
-            <a:pPr lvl="1"/>
+            <a:pPr lvl="1">
+              <a:lnSpc>
+                <a:spcPct val="150000"/>
+              </a:lnSpc>
+            </a:pPr>
             <a:r>
               <a:rPr lang="zh-CN" altLang="en-US" dirty="0" smtClean="0"/>
               <a:t>偏向组合而不是继承</a:t>
@@ -12509,7 +13019,7 @@
   <p:timing>
     <p:tnLst>
       <p:par>
-        <p:cTn id="1" dur="indefinite" restart="never" nodeType="tmRoot"/>
+        <p:cTn xmlns:p14="http://schemas.microsoft.com/office/powerpoint/2010/main" id="1" dur="indefinite" restart="never" nodeType="tmRoot"/>
       </p:par>
     </p:tnLst>
   </p:timing>
@@ -12596,7 +13106,7 @@
   <p:timing>
     <p:tnLst>
       <p:par>
-        <p:cTn id="1" dur="indefinite" restart="never" nodeType="tmRoot"/>
+        <p:cTn xmlns:p14="http://schemas.microsoft.com/office/powerpoint/2010/main" id="1" dur="indefinite" restart="never" nodeType="tmRoot"/>
       </p:par>
     </p:tnLst>
   </p:timing>
@@ -12720,7 +13230,7 @@
   <p:timing>
     <p:tnLst>
       <p:par>
-        <p:cTn id="1" dur="indefinite" restart="never" nodeType="tmRoot"/>
+        <p:cTn xmlns:p14="http://schemas.microsoft.com/office/powerpoint/2010/main" id="1" dur="indefinite" restart="never" nodeType="tmRoot"/>
       </p:par>
     </p:tnLst>
   </p:timing>
@@ -12779,9 +13289,16 @@
         </p:nvSpPr>
         <p:spPr/>
         <p:txBody>
-          <a:bodyPr/>
+          <a:bodyPr>
+            <a:normAutofit fontScale="85000" lnSpcReduction="20000"/>
+          </a:bodyPr>
           <a:lstStyle/>
           <a:p>
+            <a:pPr>
+              <a:lnSpc>
+                <a:spcPct val="150000"/>
+              </a:lnSpc>
+            </a:pPr>
             <a:r>
               <a:rPr lang="en-US" dirty="0">
                 <a:hlinkClick r:id="rId2"/>
@@ -12797,6 +13314,11 @@
             <a:endParaRPr lang="en-US" dirty="0"/>
           </a:p>
           <a:p>
+            <a:pPr>
+              <a:lnSpc>
+                <a:spcPct val="150000"/>
+              </a:lnSpc>
+            </a:pPr>
             <a:r>
               <a:rPr lang="zh-TW" altLang="en-US" dirty="0" smtClean="0"/>
               <a:t>产</a:t>
@@ -12807,6 +13329,11 @@
             </a:r>
           </a:p>
           <a:p>
+            <a:pPr>
+              <a:lnSpc>
+                <a:spcPct val="150000"/>
+              </a:lnSpc>
+            </a:pPr>
             <a:r>
               <a:rPr lang="zh-TW" altLang="en-US" dirty="0"/>
               <a:t>产品网址：</a:t>
@@ -12825,6 +13352,11 @@
             </a:r>
           </a:p>
           <a:p>
+            <a:pPr>
+              <a:lnSpc>
+                <a:spcPct val="150000"/>
+              </a:lnSpc>
+            </a:pPr>
             <a:r>
               <a:rPr lang="zh-TW" altLang="en-US" dirty="0"/>
               <a:t>上线时间（或预计上线时间）：</a:t>
@@ -12835,6 +13367,11 @@
             </a:r>
           </a:p>
           <a:p>
+            <a:pPr>
+              <a:lnSpc>
+                <a:spcPct val="150000"/>
+              </a:lnSpc>
+            </a:pPr>
             <a:r>
               <a:rPr lang="zh-TW" altLang="en-US" dirty="0"/>
               <a:t>应用范围：整个产品（包括基础服务、</a:t>
@@ -12849,6 +13386,11 @@
             </a:r>
           </a:p>
           <a:p>
+            <a:pPr>
+              <a:lnSpc>
+                <a:spcPct val="150000"/>
+              </a:lnSpc>
+            </a:pPr>
             <a:r>
               <a:rPr lang="en-US" altLang="zh-TW" dirty="0"/>
               <a:t>Go</a:t>
@@ -12863,6 +13405,11 @@
             </a:r>
           </a:p>
           <a:p>
+            <a:pPr>
+              <a:lnSpc>
+                <a:spcPct val="150000"/>
+              </a:lnSpc>
+            </a:pPr>
             <a:r>
               <a:rPr lang="zh-TW" altLang="en-US" dirty="0"/>
               <a:t>代码行数：近</a:t>
@@ -12878,6 +13425,11 @@
             <a:endParaRPr lang="en-US" dirty="0" smtClean="0"/>
           </a:p>
           <a:p>
+            <a:pPr>
+              <a:lnSpc>
+                <a:spcPct val="150000"/>
+              </a:lnSpc>
+            </a:pPr>
             <a:endParaRPr lang="en-US" dirty="0"/>
           </a:p>
         </p:txBody>
@@ -12919,7 +13471,7 @@
   <p:timing>
     <p:tnLst>
       <p:par>
-        <p:cTn id="1" dur="indefinite" restart="never" nodeType="tmRoot"/>
+        <p:cTn xmlns:p14="http://schemas.microsoft.com/office/powerpoint/2010/main" id="1" dur="indefinite" restart="never" nodeType="tmRoot"/>
       </p:par>
     </p:tnLst>
   </p:timing>
@@ -13005,7 +13557,7 @@
           <a:p>
             <a:pPr>
               <a:lnSpc>
-                <a:spcPct val="160000"/>
+                <a:spcPct val="170000"/>
               </a:lnSpc>
             </a:pPr>
             <a:r>
@@ -13037,7 +13589,7 @@
           <a:p>
             <a:pPr>
               <a:lnSpc>
-                <a:spcPct val="160000"/>
+                <a:spcPct val="170000"/>
               </a:lnSpc>
             </a:pPr>
             <a:endParaRPr lang="en-US" altLang="zh-CN" dirty="0" smtClean="0"/>
@@ -13045,7 +13597,7 @@
           <a:p>
             <a:pPr>
               <a:lnSpc>
-                <a:spcPct val="160000"/>
+                <a:spcPct val="170000"/>
               </a:lnSpc>
             </a:pPr>
             <a:r>
@@ -13118,7 +13670,7 @@
   <p:timing>
     <p:tnLst>
       <p:par>
-        <p:cTn id="1" dur="indefinite" restart="never" nodeType="tmRoot"/>
+        <p:cTn xmlns:p14="http://schemas.microsoft.com/office/powerpoint/2010/main" id="1" dur="indefinite" restart="never" nodeType="tmRoot"/>
       </p:par>
     </p:tnLst>
   </p:timing>
@@ -13178,142 +13730,282 @@
         <p:spPr/>
         <p:txBody>
           <a:bodyPr>
-            <a:normAutofit fontScale="92500" lnSpcReduction="20000"/>
+            <a:normAutofit/>
           </a:bodyPr>
           <a:lstStyle/>
           <a:p>
-            <a:r>
-              <a:rPr lang="en-US" altLang="zh-CN" dirty="0" err="1"/>
+            <a:pPr>
+              <a:lnSpc>
+                <a:spcPct val="170000"/>
+              </a:lnSpc>
+            </a:pPr>
+            <a:r>
+              <a:rPr lang="en-US" altLang="zh-CN" sz="1800" dirty="0" err="1"/>
               <a:t>memcached</a:t>
             </a:r>
             <a:r>
-              <a:rPr lang="zh-CN" altLang="en-US" dirty="0"/>
+              <a:rPr lang="zh-CN" altLang="en-US" sz="1800" dirty="0"/>
               <a:t>作者</a:t>
             </a:r>
             <a:r>
-              <a:rPr lang="en-US" altLang="zh-CN" dirty="0"/>
+              <a:rPr lang="en-US" altLang="zh-CN" sz="1800" dirty="0"/>
               <a:t>Brad Fitzpatrick</a:t>
             </a:r>
             <a:r>
-              <a:rPr lang="zh-CN" altLang="en-US" dirty="0"/>
+              <a:rPr lang="zh-CN" altLang="en-US" sz="1800" dirty="0"/>
               <a:t>用</a:t>
             </a:r>
             <a:r>
-              <a:rPr lang="en-US" altLang="zh-CN" dirty="0"/>
+              <a:rPr lang="en-US" altLang="zh-CN" sz="1800" dirty="0"/>
               <a:t>Go</a:t>
             </a:r>
             <a:r>
-              <a:rPr lang="zh-CN" altLang="en-US" dirty="0"/>
+              <a:rPr lang="zh-CN" altLang="en-US" sz="1800" dirty="0"/>
               <a:t>开发了</a:t>
             </a:r>
             <a:r>
-              <a:rPr lang="en-US" altLang="zh-CN" dirty="0" err="1" smtClean="0"/>
+              <a:rPr lang="en-US" altLang="zh-CN" sz="1800" dirty="0" err="1" smtClean="0"/>
               <a:t>groupcache</a:t>
             </a:r>
             <a:r>
-              <a:rPr lang="zh-CN" altLang="en-US" dirty="0" smtClean="0"/>
+              <a:rPr lang="zh-CN" altLang="en-US" sz="1800" dirty="0" smtClean="0"/>
               <a:t>，它是</a:t>
             </a:r>
             <a:r>
-              <a:rPr lang="zh-CN" altLang="en-US" dirty="0"/>
+              <a:rPr lang="zh-CN" altLang="en-US" sz="1800" dirty="0"/>
               <a:t>使用</a:t>
             </a:r>
             <a:r>
-              <a:rPr lang="en-US" altLang="zh-CN" dirty="0"/>
+              <a:rPr lang="en-US" altLang="zh-CN" sz="1800" dirty="0"/>
               <a:t>Go</a:t>
             </a:r>
             <a:r>
-              <a:rPr lang="zh-CN" altLang="en-US" dirty="0"/>
+              <a:rPr lang="zh-CN" altLang="en-US" sz="1800" dirty="0"/>
               <a:t>语言编写的缓存及缓存过滤库，作为</a:t>
             </a:r>
             <a:r>
-              <a:rPr lang="en-US" altLang="zh-CN" dirty="0" err="1"/>
+              <a:rPr lang="en-US" altLang="zh-CN" sz="1800" dirty="0" err="1"/>
               <a:t>memcached</a:t>
             </a:r>
             <a:r>
-              <a:rPr lang="zh-CN" altLang="en-US" dirty="0"/>
+              <a:rPr lang="zh-CN" altLang="en-US" sz="1800" dirty="0"/>
               <a:t>许多场景下的替代版本</a:t>
             </a:r>
             <a:r>
-              <a:rPr lang="zh-CN" altLang="en-US" dirty="0" smtClean="0"/>
+              <a:rPr lang="zh-CN" altLang="en-US" sz="1800" dirty="0" smtClean="0"/>
               <a:t>。</a:t>
             </a:r>
-            <a:endParaRPr lang="en-US" altLang="zh-CN" dirty="0" smtClean="0"/>
-          </a:p>
-          <a:p>
-            <a:endParaRPr lang="en-US" altLang="zh-CN" dirty="0"/>
-          </a:p>
-          <a:p>
-            <a:r>
-              <a:rPr lang="en-US" altLang="zh-CN" dirty="0" err="1"/>
+            <a:endParaRPr lang="en-US" altLang="zh-CN" sz="1800" dirty="0"/>
+          </a:p>
+          <a:p>
+            <a:pPr>
+              <a:lnSpc>
+                <a:spcPct val="170000"/>
+              </a:lnSpc>
+            </a:pPr>
+            <a:r>
+              <a:rPr lang="en-US" altLang="zh-CN" sz="1800" dirty="0" err="1" smtClean="0"/>
+              <a:t>Groupcache</a:t>
+            </a:r>
+            <a:r>
+              <a:rPr lang="en-US" altLang="zh-CN" sz="1800" dirty="0" smtClean="0"/>
+              <a:t> </a:t>
+            </a:r>
+            <a:r>
+              <a:rPr lang="zh-CN" altLang="en-US" sz="1800" dirty="0" smtClean="0"/>
+              <a:t>已经在</a:t>
+            </a:r>
+            <a:r>
+              <a:rPr lang="en-US" altLang="zh-CN" sz="1800" dirty="0"/>
+              <a:t>dl.Google.com</a:t>
+            </a:r>
+            <a:r>
+              <a:rPr lang="zh-CN" altLang="en-US" sz="1800" dirty="0"/>
+              <a:t>、</a:t>
+            </a:r>
+            <a:r>
+              <a:rPr lang="en-US" altLang="zh-CN" sz="1800" dirty="0"/>
+              <a:t>Blogger</a:t>
+            </a:r>
+            <a:r>
+              <a:rPr lang="zh-CN" altLang="en-US" sz="1800" dirty="0"/>
+              <a:t>、</a:t>
+            </a:r>
+            <a:r>
+              <a:rPr lang="en-US" altLang="zh-CN" sz="1800" dirty="0"/>
+              <a:t>Google Code</a:t>
+            </a:r>
+            <a:r>
+              <a:rPr lang="zh-CN" altLang="en-US" sz="1800" dirty="0"/>
+              <a:t>、</a:t>
+            </a:r>
+            <a:r>
+              <a:rPr lang="en-US" altLang="zh-CN" sz="1800" dirty="0"/>
+              <a:t>Google Fiber</a:t>
+            </a:r>
+            <a:r>
+              <a:rPr lang="zh-CN" altLang="en-US" sz="1800" dirty="0"/>
+              <a:t>、</a:t>
+            </a:r>
+            <a:r>
+              <a:rPr lang="en-US" altLang="zh-CN" sz="1800" dirty="0"/>
+              <a:t>Google</a:t>
+            </a:r>
+            <a:r>
+              <a:rPr lang="zh-CN" altLang="en-US" sz="1800" dirty="0" smtClean="0"/>
+              <a:t>生产监视系统</a:t>
+            </a:r>
+            <a:r>
+              <a:rPr lang="en-US" altLang="zh-CN" sz="1800" dirty="0" smtClean="0"/>
+              <a:t> </a:t>
+            </a:r>
+            <a:r>
+              <a:rPr lang="zh-CN" altLang="en-US" sz="1800" dirty="0" smtClean="0"/>
+              <a:t>等</a:t>
+            </a:r>
+            <a:r>
+              <a:rPr lang="zh-CN" altLang="en-US" sz="1800" dirty="0"/>
+              <a:t>项目中投入使用。</a:t>
+            </a:r>
+          </a:p>
+          <a:p>
+            <a:pPr>
+              <a:lnSpc>
+                <a:spcPct val="170000"/>
+              </a:lnSpc>
+            </a:pPr>
+            <a:endParaRPr lang="en-US" altLang="zh-CN" sz="1800" dirty="0" smtClean="0"/>
+          </a:p>
+          <a:p>
+            <a:pPr>
+              <a:lnSpc>
+                <a:spcPct val="170000"/>
+              </a:lnSpc>
+            </a:pPr>
+            <a:r>
+              <a:rPr lang="en-US" altLang="zh-CN" sz="1800" dirty="0">
+                <a:hlinkClick r:id="rId3"/>
+              </a:rPr>
+              <a:t>https://github.com/golang/</a:t>
+            </a:r>
+            <a:r>
+              <a:rPr lang="en-US" altLang="zh-CN" sz="1800" dirty="0" smtClean="0">
+                <a:hlinkClick r:id="rId3"/>
+              </a:rPr>
               <a:t>groupcache</a:t>
             </a:r>
-            <a:r>
-              <a:rPr lang="zh-CN" altLang="en-US" dirty="0"/>
-              <a:t>已经在</a:t>
-            </a:r>
-            <a:r>
-              <a:rPr lang="en-US" altLang="zh-CN" dirty="0"/>
-              <a:t>dl.Google.com</a:t>
-            </a:r>
-            <a:r>
-              <a:rPr lang="zh-CN" altLang="en-US" dirty="0"/>
-              <a:t>、</a:t>
-            </a:r>
-            <a:r>
-              <a:rPr lang="en-US" altLang="zh-CN" dirty="0"/>
-              <a:t>Blogger</a:t>
-            </a:r>
-            <a:r>
-              <a:rPr lang="zh-CN" altLang="en-US" dirty="0"/>
-              <a:t>、</a:t>
-            </a:r>
-            <a:r>
-              <a:rPr lang="en-US" altLang="zh-CN" dirty="0"/>
-              <a:t>Google Code</a:t>
-            </a:r>
-            <a:r>
-              <a:rPr lang="zh-CN" altLang="en-US" dirty="0"/>
-              <a:t>、</a:t>
-            </a:r>
-            <a:r>
-              <a:rPr lang="en-US" altLang="zh-CN" dirty="0"/>
-              <a:t>Google Fiber</a:t>
-            </a:r>
-            <a:r>
-              <a:rPr lang="zh-CN" altLang="en-US" dirty="0"/>
-              <a:t>、</a:t>
-            </a:r>
-            <a:r>
-              <a:rPr lang="en-US" altLang="zh-CN" dirty="0"/>
-              <a:t>Google</a:t>
-            </a:r>
-            <a:r>
-              <a:rPr lang="zh-CN" altLang="en-US" dirty="0"/>
-              <a:t>生产监视系统等项目中投入使用。</a:t>
-            </a:r>
-          </a:p>
-          <a:p>
-            <a:r>
-              <a:rPr lang="zh-CN" altLang="en-US" dirty="0"/>
+            <a:endParaRPr lang="en-US" altLang="zh-CN" sz="1800" dirty="0" smtClean="0"/>
+          </a:p>
+          <a:p>
+            <a:pPr>
+              <a:lnSpc>
+                <a:spcPct val="170000"/>
+              </a:lnSpc>
+            </a:pPr>
+            <a:r>
+              <a:rPr lang="zh-TW" altLang="en-US" sz="1600" dirty="0"/>
+              <a:t>不同于</a:t>
+            </a:r>
+            <a:r>
+              <a:rPr lang="en-US" altLang="zh-TW" sz="1600" dirty="0" err="1"/>
+              <a:t>memcached</a:t>
+            </a:r>
+            <a:r>
+              <a:rPr lang="zh-TW" altLang="en-US" sz="1600" dirty="0"/>
+              <a:t>，</a:t>
+            </a:r>
+            <a:r>
+              <a:rPr lang="en-US" altLang="zh-TW" sz="1600" dirty="0" err="1"/>
+              <a:t>groupcache</a:t>
+            </a:r>
+            <a:r>
+              <a:rPr lang="zh-TW" altLang="en-US" sz="1600" dirty="0"/>
+              <a:t>面</a:t>
+            </a:r>
+            <a:r>
+              <a:rPr lang="zh-TW" altLang="en-US" sz="1600" dirty="0" smtClean="0"/>
+              <a:t>向的是</a:t>
+            </a:r>
+            <a:endParaRPr lang="en-US" altLang="zh-TW" sz="1600" dirty="0" smtClean="0"/>
+          </a:p>
+          <a:p>
+            <a:pPr marL="0" indent="0">
+              <a:lnSpc>
+                <a:spcPct val="170000"/>
+              </a:lnSpc>
+              <a:buNone/>
+            </a:pPr>
+            <a:r>
+              <a:rPr lang="zh-TW" altLang="en-US" sz="1600" dirty="0" smtClean="0">
+                <a:solidFill>
+                  <a:srgbClr val="FFFF00"/>
+                </a:solidFill>
+              </a:rPr>
+              <a:t>静态</a:t>
+            </a:r>
+            <a:r>
+              <a:rPr lang="zh-TW" altLang="en-US" sz="1600" dirty="0">
+                <a:solidFill>
+                  <a:srgbClr val="FFFF00"/>
+                </a:solidFill>
+              </a:rPr>
+              <a:t>的缓存系统</a:t>
+            </a:r>
+            <a:r>
+              <a:rPr lang="zh-TW" altLang="en-US" sz="1600" dirty="0"/>
+              <a:t>，比如</a:t>
+            </a:r>
+            <a:r>
+              <a:rPr lang="en-US" altLang="zh-TW" sz="1600" dirty="0" err="1"/>
+              <a:t>google</a:t>
+            </a:r>
+            <a:r>
+              <a:rPr lang="zh-TW" altLang="en-US" sz="1600" dirty="0" smtClean="0"/>
+              <a:t>家的下载站，用来</a:t>
+            </a:r>
+            <a:r>
+              <a:rPr lang="en-US" altLang="zh-TW" sz="1600" dirty="0" smtClean="0"/>
               <a:t/>
             </a:r>
             <a:br>
-              <a:rPr lang="zh-CN" altLang="en-US" dirty="0"/>
+              <a:rPr lang="en-US" altLang="zh-TW" sz="1600" dirty="0" smtClean="0"/>
             </a:br>
-            <a:endParaRPr lang="en-US" altLang="zh-CN" dirty="0" smtClean="0"/>
-          </a:p>
-          <a:p>
-            <a:r>
-              <a:rPr lang="en-US" altLang="zh-CN" dirty="0">
-                <a:hlinkClick r:id="rId2"/>
-              </a:rPr>
-              <a:t>https://github.com/golang/groupcache</a:t>
-            </a:r>
-            <a:endParaRPr lang="zh-CN" altLang="en-US" dirty="0"/>
-          </a:p>
-        </p:txBody>
-      </p:sp>
+            <a:r>
+              <a:rPr lang="zh-TW" altLang="en-US" sz="1600" dirty="0" smtClean="0"/>
+              <a:t>缓存对应</a:t>
+            </a:r>
+            <a:r>
+              <a:rPr lang="zh-TW" altLang="en-US" sz="1600" dirty="0"/>
+              <a:t>的文件区块。</a:t>
+            </a:r>
+            <a:endParaRPr lang="zh-CN" altLang="en-US" sz="1600" dirty="0"/>
+          </a:p>
+        </p:txBody>
+      </p:sp>
+      <p:pic>
+        <p:nvPicPr>
+          <p:cNvPr id="4" name="Picture 3"/>
+          <p:cNvPicPr>
+            <a:picLocks noChangeAspect="1"/>
+          </p:cNvPicPr>
+          <p:nvPr/>
+        </p:nvPicPr>
+        <p:blipFill>
+          <a:blip r:embed="rId4"/>
+          <a:stretch>
+            <a:fillRect/>
+          </a:stretch>
+        </p:blipFill>
+        <p:spPr>
+          <a:xfrm>
+            <a:off x="5031348" y="3607574"/>
+            <a:ext cx="4117446" cy="3088085"/>
+          </a:xfrm>
+          <a:prstGeom prst="rect">
+            <a:avLst/>
+          </a:prstGeom>
+        </p:spPr>
+      </p:pic>
     </p:spTree>
     <p:extLst>
       <p:ext uri="{BB962C8B-B14F-4D97-AF65-F5344CB8AC3E}">
@@ -13327,7 +14019,7 @@
   <p:timing>
     <p:tnLst>
       <p:par>
-        <p:cTn id="1" dur="indefinite" restart="never" nodeType="tmRoot"/>
+        <p:cTn xmlns:p14="http://schemas.microsoft.com/office/powerpoint/2010/main" id="1" dur="indefinite" restart="never" nodeType="tmRoot"/>
       </p:par>
     </p:tnLst>
   </p:timing>
@@ -13550,7 +14242,7 @@
   <p:timing>
     <p:tnLst>
       <p:par>
-        <p:cTn id="1" dur="indefinite" restart="never" nodeType="tmRoot"/>
+        <p:cTn xmlns:p14="http://schemas.microsoft.com/office/powerpoint/2010/main" id="1" dur="indefinite" restart="never" nodeType="tmRoot"/>
       </p:par>
     </p:tnLst>
   </p:timing>
@@ -13609,15 +14301,22 @@
         </p:nvSpPr>
         <p:spPr/>
         <p:txBody>
-          <a:bodyPr/>
+          <a:bodyPr>
+            <a:normAutofit/>
+          </a:bodyPr>
           <a:lstStyle/>
           <a:p>
-            <a:r>
-              <a:rPr lang="zh-CN" altLang="en-US" dirty="0"/>
+            <a:pPr>
+              <a:lnSpc>
+                <a:spcPct val="150000"/>
+              </a:lnSpc>
+            </a:pPr>
+            <a:r>
+              <a:rPr lang="zh-CN" altLang="en-US" sz="2400" dirty="0"/>
               <a:t>可重复的</a:t>
             </a:r>
             <a:r>
-              <a:rPr lang="zh-CN" altLang="en-US" dirty="0">
+              <a:rPr lang="zh-CN" altLang="en-US" sz="2400" dirty="0">
                 <a:solidFill>
                   <a:srgbClr val="FFFF00"/>
                 </a:solidFill>
@@ -13625,66 +14324,71 @@
               <a:t>轻量级</a:t>
             </a:r>
             <a:r>
-              <a:rPr lang="zh-CN" altLang="en-US" dirty="0"/>
+              <a:rPr lang="zh-CN" altLang="en-US" sz="2400" dirty="0"/>
               <a:t>虚拟化解决方案</a:t>
             </a:r>
-            <a:endParaRPr lang="en-US" altLang="zh-CN" dirty="0" smtClean="0"/>
-          </a:p>
-          <a:p>
-            <a:r>
-              <a:rPr lang="en-US" altLang="zh-CN" dirty="0" err="1" smtClean="0"/>
+            <a:endParaRPr lang="en-US" altLang="zh-CN" sz="2400" dirty="0" smtClean="0"/>
+          </a:p>
+          <a:p>
+            <a:pPr>
+              <a:lnSpc>
+                <a:spcPct val="150000"/>
+              </a:lnSpc>
+            </a:pPr>
+            <a:r>
+              <a:rPr lang="en-US" altLang="zh-CN" sz="2400" dirty="0" err="1" smtClean="0"/>
               <a:t>docker</a:t>
             </a:r>
             <a:r>
-              <a:rPr lang="zh-CN" altLang="en-US" dirty="0"/>
+              <a:rPr lang="zh-CN" altLang="en-US" sz="2400" dirty="0"/>
               <a:t>是一个云计算平台，他利用了</a:t>
             </a:r>
             <a:r>
-              <a:rPr lang="en-US" altLang="zh-CN" dirty="0" err="1"/>
+              <a:rPr lang="en-US" altLang="zh-CN" sz="2400" dirty="0" err="1"/>
               <a:t>linux</a:t>
             </a:r>
             <a:r>
-              <a:rPr lang="zh-CN" altLang="en-US" dirty="0"/>
+              <a:rPr lang="zh-CN" altLang="en-US" sz="2400" dirty="0"/>
               <a:t>的</a:t>
             </a:r>
             <a:r>
-              <a:rPr lang="en-US" altLang="zh-CN" dirty="0" err="1"/>
+              <a:rPr lang="en-US" altLang="zh-CN" sz="2400" dirty="0" err="1"/>
               <a:t>lxc</a:t>
             </a:r>
             <a:r>
-              <a:rPr lang="zh-CN" altLang="en-US" dirty="0"/>
+              <a:rPr lang="zh-CN" altLang="en-US" sz="2400" dirty="0"/>
               <a:t>、</a:t>
             </a:r>
             <a:r>
-              <a:rPr lang="en-US" altLang="zh-CN" dirty="0"/>
+              <a:rPr lang="en-US" altLang="zh-CN" sz="2400" dirty="0"/>
               <a:t>AUFU</a:t>
             </a:r>
             <a:r>
-              <a:rPr lang="zh-CN" altLang="en-US" dirty="0"/>
+              <a:rPr lang="zh-CN" altLang="en-US" sz="2400" dirty="0"/>
               <a:t>、</a:t>
             </a:r>
             <a:r>
-              <a:rPr lang="en-US" altLang="zh-CN" dirty="0"/>
+              <a:rPr lang="en-US" altLang="zh-CN" sz="2400" dirty="0"/>
               <a:t>Go</a:t>
             </a:r>
             <a:r>
-              <a:rPr lang="zh-CN" altLang="en-US" dirty="0"/>
+              <a:rPr lang="zh-CN" altLang="en-US" sz="2400" dirty="0"/>
               <a:t>语言、</a:t>
             </a:r>
             <a:r>
-              <a:rPr lang="en-US" altLang="zh-CN" dirty="0" err="1"/>
+              <a:rPr lang="en-US" altLang="zh-CN" sz="2400" dirty="0" err="1"/>
               <a:t>cgroup</a:t>
             </a:r>
             <a:r>
-              <a:rPr lang="zh-CN" altLang="en-US" dirty="0"/>
+              <a:rPr lang="zh-CN" altLang="en-US" sz="2400" dirty="0"/>
               <a:t>实现了资源的独立，可以很轻松的实现文件、资源、网络等隔离，他最终的目标是想实现类似</a:t>
             </a:r>
             <a:r>
-              <a:rPr lang="en-US" altLang="zh-CN" dirty="0"/>
+              <a:rPr lang="en-US" altLang="zh-CN" sz="2400" dirty="0"/>
               <a:t>PAAS</a:t>
             </a:r>
             <a:r>
-              <a:rPr lang="zh-CN" altLang="en-US" dirty="0"/>
+              <a:rPr lang="zh-CN" altLang="en-US" sz="2400" dirty="0"/>
               <a:t>平台的应用隔离。</a:t>
             </a:r>
           </a:p>
@@ -13713,7 +14417,7 @@
         </p:blipFill>
         <p:spPr bwMode="auto">
           <a:xfrm>
-            <a:off x="6100762" y="4400550"/>
+            <a:off x="6334125" y="4111944"/>
             <a:ext cx="2352675" cy="1943100"/>
           </a:xfrm>
           <a:prstGeom prst="rect">
@@ -13721,7 +14425,7 @@
           </a:prstGeom>
           <a:noFill/>
           <a:extLst>
-            <a:ext uri="{909E8E84-426E-40DD-AFC4-6F175D3DCCD1}">
+            <a:ext uri="{909E8E84-426E-40dd-AFC4-6F175D3DCCD1}">
               <a14:hiddenFill xmlns:a14="http://schemas.microsoft.com/office/drawing/2010/main">
                 <a:solidFill>
                   <a:srgbClr val="FFFFFF"/>
@@ -13744,7 +14448,7 @@
   <p:timing>
     <p:tnLst>
       <p:par>
-        <p:cTn id="1" dur="indefinite" restart="never" nodeType="tmRoot"/>
+        <p:cTn xmlns:p14="http://schemas.microsoft.com/office/powerpoint/2010/main" id="1" dur="indefinite" restart="never" nodeType="tmRoot"/>
       </p:par>
     </p:tnLst>
   </p:timing>
@@ -13880,7 +14584,7 @@
   <p:timing>
     <p:tnLst>
       <p:par>
-        <p:cTn id="1" dur="indefinite" restart="never" nodeType="tmRoot"/>
+        <p:cTn xmlns:p14="http://schemas.microsoft.com/office/powerpoint/2010/main" id="1" dur="indefinite" restart="never" nodeType="tmRoot"/>
       </p:par>
     </p:tnLst>
   </p:timing>
@@ -13959,7 +14663,7 @@
   <p:timing>
     <p:tnLst>
       <p:par>
-        <p:cTn id="1" dur="indefinite" restart="never" nodeType="tmRoot"/>
+        <p:cTn xmlns:p14="http://schemas.microsoft.com/office/powerpoint/2010/main" id="1" dur="indefinite" restart="never" nodeType="tmRoot"/>
       </p:par>
     </p:tnLst>
   </p:timing>
@@ -14023,10 +14727,15 @@
         <p:spPr/>
         <p:txBody>
           <a:bodyPr>
-            <a:normAutofit fontScale="92500" lnSpcReduction="10000"/>
+            <a:normAutofit fontScale="70000" lnSpcReduction="20000"/>
           </a:bodyPr>
           <a:lstStyle/>
           <a:p>
+            <a:pPr>
+              <a:lnSpc>
+                <a:spcPct val="160000"/>
+              </a:lnSpc>
+            </a:pPr>
             <a:r>
               <a:rPr lang="zh-CN" altLang="en-US" dirty="0" smtClean="0"/>
               <a:t>仙侠道（</a:t>
@@ -14056,7 +14765,11 @@
             <a:endParaRPr lang="en-US" altLang="zh-CN" dirty="0" smtClean="0"/>
           </a:p>
           <a:p>
-            <a:pPr lvl="1"/>
+            <a:pPr lvl="1">
+              <a:lnSpc>
+                <a:spcPct val="160000"/>
+              </a:lnSpc>
+            </a:pPr>
             <a:r>
               <a:rPr lang="zh-CN" altLang="en-US" dirty="0" smtClean="0"/>
               <a:t>服务</a:t>
@@ -14084,9 +14797,21 @@
             <a:endParaRPr lang="en-US" altLang="zh-CN" dirty="0" smtClean="0"/>
           </a:p>
           <a:p>
-            <a:pPr lvl="1"/>
-            <a:r>
-              <a:rPr lang="en-US" altLang="zh-CN" dirty="0"/>
+            <a:pPr lvl="1">
+              <a:lnSpc>
+                <a:spcPct val="160000"/>
+              </a:lnSpc>
+            </a:pPr>
+            <a:r>
+              <a:rPr lang="en-US" altLang="zh-CN" dirty="0" smtClean="0"/>
+              <a:t>2013</a:t>
+            </a:r>
+            <a:r>
+              <a:rPr lang="zh-CN" altLang="en-US" dirty="0" smtClean="0"/>
+              <a:t>年</a:t>
+            </a:r>
+            <a:r>
+              <a:rPr lang="en-US" altLang="zh-CN" dirty="0" smtClean="0"/>
               <a:t>7</a:t>
             </a:r>
             <a:r>
@@ -14108,7 +14833,11 @@
             <a:endParaRPr lang="en-US" altLang="zh-CN" dirty="0" smtClean="0"/>
           </a:p>
           <a:p>
-            <a:pPr lvl="1"/>
+            <a:pPr lvl="1">
+              <a:lnSpc>
+                <a:spcPct val="160000"/>
+              </a:lnSpc>
+            </a:pPr>
             <a:r>
               <a:rPr lang="zh-CN" altLang="en-US" dirty="0" smtClean="0"/>
               <a:t>主程博客：</a:t>
@@ -14123,15 +14852,27 @@
           </a:p>
           <a:p>
             <a:pPr marL="411480" lvl="1" indent="0">
+              <a:lnSpc>
+                <a:spcPct val="160000"/>
+              </a:lnSpc>
               <a:buNone/>
             </a:pPr>
             <a:endParaRPr lang="en-US" altLang="zh-CN" dirty="0"/>
           </a:p>
           <a:p>
-            <a:pPr lvl="1"/>
+            <a:pPr lvl="1">
+              <a:lnSpc>
+                <a:spcPct val="160000"/>
+              </a:lnSpc>
+            </a:pPr>
             <a:endParaRPr lang="en-US" altLang="zh-CN" dirty="0"/>
           </a:p>
           <a:p>
+            <a:pPr>
+              <a:lnSpc>
+                <a:spcPct val="160000"/>
+              </a:lnSpc>
+            </a:pPr>
             <a:r>
               <a:rPr lang="zh-CN" altLang="en-US" sz="1800" dirty="0"/>
               <a:t>游戏后端</a:t>
@@ -14176,6 +14917,11 @@
             <a:endParaRPr lang="en-US" altLang="zh-CN" sz="1800" dirty="0" smtClean="0"/>
           </a:p>
           <a:p>
+            <a:pPr>
+              <a:lnSpc>
+                <a:spcPct val="160000"/>
+              </a:lnSpc>
+            </a:pPr>
             <a:r>
               <a:rPr lang="zh-CN" altLang="en-US" sz="1800" dirty="0"/>
               <a:t>为什么</a:t>
@@ -14191,6 +14937,9 @@
           </a:p>
           <a:p>
             <a:pPr marL="0" indent="0">
+              <a:lnSpc>
+                <a:spcPct val="160000"/>
+              </a:lnSpc>
               <a:buNone/>
             </a:pPr>
             <a:r>
@@ -14222,6 +14971,11 @@
             <a:endParaRPr lang="pl-PL" altLang="zh-CN" sz="1800" dirty="0"/>
           </a:p>
           <a:p>
+            <a:pPr>
+              <a:lnSpc>
+                <a:spcPct val="160000"/>
+              </a:lnSpc>
+            </a:pPr>
             <a:r>
               <a:rPr lang="zh-TW" altLang="en-US" sz="1800" dirty="0"/>
               <a:t>一种用于网游服务器的支持多路复用的网络协议处理框架</a:t>
@@ -14255,6 +15009,11 @@
             </a:r>
           </a:p>
           <a:p>
+            <a:pPr>
+              <a:lnSpc>
+                <a:spcPct val="160000"/>
+              </a:lnSpc>
+            </a:pPr>
             <a:endParaRPr lang="zh-CN" altLang="en-US" dirty="0"/>
           </a:p>
         </p:txBody>
@@ -14277,7 +15036,7 @@
           </a:prstGeom>
           <a:noFill/>
           <a:extLst>
-            <a:ext uri="{909E8E84-426E-40DD-AFC4-6F175D3DCCD1}">
+            <a:ext uri="{909E8E84-426E-40dd-AFC4-6F175D3DCCD1}">
               <a14:hiddenFill xmlns:a14="http://schemas.microsoft.com/office/drawing/2010/main">
                 <a:solidFill>
                   <a:srgbClr val="FFFFFF"/>
@@ -14316,7 +15075,7 @@
           </a:prstGeom>
           <a:noFill/>
           <a:extLst>
-            <a:ext uri="{909E8E84-426E-40DD-AFC4-6F175D3DCCD1}">
+            <a:ext uri="{909E8E84-426E-40dd-AFC4-6F175D3DCCD1}">
               <a14:hiddenFill xmlns:a14="http://schemas.microsoft.com/office/drawing/2010/main">
                 <a:solidFill>
                   <a:srgbClr val="FFFFFF"/>
@@ -14355,7 +15114,7 @@
           </a:prstGeom>
           <a:noFill/>
           <a:extLst>
-            <a:ext uri="{909E8E84-426E-40DD-AFC4-6F175D3DCCD1}">
+            <a:ext uri="{909E8E84-426E-40dd-AFC4-6F175D3DCCD1}">
               <a14:hiddenFill xmlns:a14="http://schemas.microsoft.com/office/drawing/2010/main">
                 <a:solidFill>
                   <a:srgbClr val="FFFFFF"/>
@@ -14394,7 +15153,7 @@
           </a:prstGeom>
           <a:noFill/>
           <a:extLst>
-            <a:ext uri="{909E8E84-426E-40DD-AFC4-6F175D3DCCD1}">
+            <a:ext uri="{909E8E84-426E-40dd-AFC4-6F175D3DCCD1}">
               <a14:hiddenFill xmlns:a14="http://schemas.microsoft.com/office/drawing/2010/main">
                 <a:solidFill>
                   <a:srgbClr val="FFFFFF"/>
@@ -14438,7 +15197,7 @@
         </p:blipFill>
         <p:spPr bwMode="auto">
           <a:xfrm>
-            <a:off x="6067425" y="2895600"/>
+            <a:off x="6081856" y="2809020"/>
             <a:ext cx="2657475" cy="1714500"/>
           </a:xfrm>
           <a:prstGeom prst="rect">
@@ -14446,7 +15205,7 @@
           </a:prstGeom>
           <a:noFill/>
           <a:extLst>
-            <a:ext uri="{909E8E84-426E-40DD-AFC4-6F175D3DCCD1}">
+            <a:ext uri="{909E8E84-426E-40dd-AFC4-6F175D3DCCD1}">
               <a14:hiddenFill xmlns:a14="http://schemas.microsoft.com/office/drawing/2010/main">
                 <a:solidFill>
                   <a:srgbClr val="FFFFFF"/>
@@ -14469,7 +15228,7 @@
   <p:timing>
     <p:tnLst>
       <p:par>
-        <p:cTn id="1" dur="indefinite" restart="never" nodeType="tmRoot"/>
+        <p:cTn xmlns:p14="http://schemas.microsoft.com/office/powerpoint/2010/main" id="1" dur="indefinite" restart="never" nodeType="tmRoot"/>
       </p:par>
     </p:tnLst>
   </p:timing>
@@ -14506,7 +15265,7 @@
         <p:spPr/>
         <p:txBody>
           <a:bodyPr>
-            <a:normAutofit fontScale="90000"/>
+            <a:normAutofit/>
           </a:bodyPr>
           <a:lstStyle/>
           <a:p>
@@ -14530,22 +15289,22 @@
               <a:rPr lang="en-US" altLang="zh-CN" dirty="0" smtClean="0"/>
             </a:br>
             <a:r>
-              <a:rPr lang="en-US" altLang="zh-CN" dirty="0" err="1" smtClean="0"/>
+              <a:rPr lang="en-US" altLang="zh-CN" sz="2200" dirty="0" err="1" smtClean="0"/>
               <a:t>Golang</a:t>
             </a:r>
             <a:r>
-              <a:rPr lang="zh-CN" altLang="en-US" dirty="0" smtClean="0"/>
+              <a:rPr lang="zh-CN" altLang="en-US" sz="2200" dirty="0" smtClean="0"/>
               <a:t>和</a:t>
             </a:r>
             <a:r>
-              <a:rPr lang="en-US" altLang="zh-CN" dirty="0" smtClean="0"/>
+              <a:rPr lang="en-US" altLang="zh-CN" sz="2200" dirty="0" smtClean="0"/>
               <a:t>Python</a:t>
             </a:r>
             <a:r>
-              <a:rPr lang="zh-CN" altLang="en-US" dirty="0" smtClean="0"/>
+              <a:rPr lang="zh-CN" altLang="en-US" sz="2200" dirty="0" smtClean="0"/>
               <a:t>的比较</a:t>
             </a:r>
-            <a:endParaRPr lang="en-US" dirty="0"/>
+            <a:endParaRPr lang="en-US" sz="2200" dirty="0"/>
           </a:p>
         </p:txBody>
       </p:sp>
@@ -14779,7 +15538,7 @@
   <p:timing>
     <p:tnLst>
       <p:par>
-        <p:cTn id="1" dur="indefinite" restart="never" nodeType="tmRoot"/>
+        <p:cTn xmlns:p14="http://schemas.microsoft.com/office/powerpoint/2010/main" id="1" dur="indefinite" restart="never" nodeType="tmRoot"/>
       </p:par>
     </p:tnLst>
   </p:timing>
@@ -14879,7 +15638,7 @@
   <p:timing>
     <p:tnLst>
       <p:par>
-        <p:cTn id="1" dur="indefinite" restart="never" nodeType="tmRoot"/>
+        <p:cTn xmlns:p14="http://schemas.microsoft.com/office/powerpoint/2010/main" id="1" dur="indefinite" restart="never" nodeType="tmRoot"/>
       </p:par>
     </p:tnLst>
   </p:timing>
@@ -14916,20 +15675,35 @@
         <p:spPr/>
         <p:txBody>
           <a:bodyPr>
-            <a:normAutofit/>
+            <a:normAutofit fontScale="90000"/>
           </a:bodyPr>
           <a:lstStyle/>
           <a:p>
             <a:r>
-              <a:rPr lang="en-US" altLang="zh-TW" dirty="0"/>
+              <a:rPr lang="zh-TW" altLang="en-US" sz="4800" dirty="0"/>
+              <a:t>英国最大的证券交易</a:t>
+            </a:r>
+            <a:r>
+              <a:rPr lang="zh-TW" altLang="en-US" sz="4800" dirty="0" smtClean="0"/>
+              <a:t>公司</a:t>
+            </a:r>
+            <a:r>
+              <a:rPr lang="en-US" altLang="zh-TW" sz="4800" dirty="0" smtClean="0"/>
+              <a:t/>
+            </a:r>
+            <a:br>
+              <a:rPr lang="en-US" altLang="zh-TW" sz="4800" dirty="0" smtClean="0"/>
+            </a:br>
+            <a:r>
+              <a:rPr lang="en-US" altLang="zh-TW" sz="2200" dirty="0" smtClean="0"/>
               <a:t>GO </a:t>
             </a:r>
             <a:r>
-              <a:rPr lang="zh-TW" altLang="en-US" dirty="0"/>
+              <a:rPr lang="zh-TW" altLang="en-US" sz="2200" dirty="0"/>
               <a:t>语言的可靠</a:t>
             </a:r>
             <a:r>
-              <a:rPr lang="zh-TW" altLang="en-US" dirty="0" smtClean="0"/>
+              <a:rPr lang="zh-TW" altLang="en-US" sz="2200" dirty="0" smtClean="0"/>
               <a:t>性</a:t>
             </a:r>
             <a:endParaRPr lang="en-US" dirty="0"/>
@@ -15299,7 +16073,7 @@
   <p:timing>
     <p:tnLst>
       <p:par>
-        <p:cTn id="1" dur="indefinite" restart="never" nodeType="tmRoot"/>
+        <p:cTn xmlns:p14="http://schemas.microsoft.com/office/powerpoint/2010/main" id="1" dur="indefinite" restart="never" nodeType="tmRoot"/>
       </p:par>
     </p:tnLst>
   </p:timing>
@@ -15657,14 +16431,14 @@
             <a:noFill/>
           </a:ln>
           <a:extLst>
-            <a:ext uri="{909E8E84-426E-40DD-AFC4-6F175D3DCCD1}">
+            <a:ext uri="{909E8E84-426E-40dd-AFC4-6F175D3DCCD1}">
               <a14:hiddenFill xmlns:a14="http://schemas.microsoft.com/office/drawing/2010/main">
                 <a:solidFill>
                   <a:schemeClr val="accent1"/>
                 </a:solidFill>
               </a14:hiddenFill>
             </a:ext>
-            <a:ext uri="{91240B29-F687-4F45-9708-019B960494DF}">
+            <a:ext uri="{91240B29-F687-4f45-9708-019B960494DF}">
               <a14:hiddenLine xmlns:a14="http://schemas.microsoft.com/office/drawing/2010/main" w="9525">
                 <a:solidFill>
                   <a:schemeClr val="tx1"/>
@@ -15690,7 +16464,7 @@
   <p:timing>
     <p:tnLst>
       <p:par>
-        <p:cTn id="1" dur="indefinite" restart="never" nodeType="tmRoot"/>
+        <p:cTn xmlns:p14="http://schemas.microsoft.com/office/powerpoint/2010/main" id="1" dur="indefinite" restart="never" nodeType="tmRoot"/>
       </p:par>
     </p:tnLst>
   </p:timing>
@@ -15716,6 +16490,251 @@
       </p:grpSpPr>
       <p:sp>
         <p:nvSpPr>
+          <p:cNvPr id="2" name="Title 1"/>
+          <p:cNvSpPr>
+            <a:spLocks noGrp="1"/>
+          </p:cNvSpPr>
+          <p:nvPr>
+            <p:ph type="title"/>
+          </p:nvPr>
+        </p:nvSpPr>
+        <p:spPr/>
+        <p:txBody>
+          <a:bodyPr/>
+          <a:lstStyle/>
+          <a:p>
+            <a:r>
+              <a:rPr lang="en-US" altLang="zh-CN" dirty="0" smtClean="0"/>
+              <a:t>NSQ</a:t>
+            </a:r>
+            <a:endParaRPr lang="en-US" dirty="0"/>
+          </a:p>
+        </p:txBody>
+      </p:sp>
+      <p:sp>
+        <p:nvSpPr>
+          <p:cNvPr id="3" name="Content Placeholder 2"/>
+          <p:cNvSpPr>
+            <a:spLocks noGrp="1"/>
+          </p:cNvSpPr>
+          <p:nvPr>
+            <p:ph idx="1"/>
+          </p:nvPr>
+        </p:nvSpPr>
+        <p:spPr>
+          <a:xfrm>
+            <a:off x="457200" y="1646237"/>
+            <a:ext cx="8229600" cy="2192223"/>
+          </a:xfrm>
+        </p:spPr>
+        <p:txBody>
+          <a:bodyPr>
+            <a:normAutofit fontScale="77500" lnSpcReduction="20000"/>
+          </a:bodyPr>
+          <a:lstStyle/>
+          <a:p>
+            <a:pPr>
+              <a:lnSpc>
+                <a:spcPct val="150000"/>
+              </a:lnSpc>
+            </a:pPr>
+            <a:r>
+              <a:rPr lang="en-US" altLang="zh-TW" dirty="0"/>
+              <a:t>NSQ</a:t>
+            </a:r>
+            <a:r>
+              <a:rPr lang="zh-TW" altLang="en-US" dirty="0"/>
+              <a:t>是由知名短链接服务商</a:t>
+            </a:r>
+            <a:r>
+              <a:rPr lang="en-US" altLang="zh-TW" dirty="0" err="1"/>
+              <a:t>bitly</a:t>
+            </a:r>
+            <a:r>
+              <a:rPr lang="zh-TW" altLang="en-US" dirty="0"/>
+              <a:t>用</a:t>
+            </a:r>
+            <a:r>
+              <a:rPr lang="en-US" altLang="zh-TW" dirty="0"/>
+              <a:t>Go</a:t>
+            </a:r>
+            <a:r>
+              <a:rPr lang="zh-TW" altLang="en-US" dirty="0"/>
+              <a:t>语言开发的实时消息处理系统，具有高性能、高可靠、无视单点故障等优点，是一个非常不错的新兴的消息队列解决方案</a:t>
+            </a:r>
+            <a:r>
+              <a:rPr lang="zh-TW" altLang="en-US" dirty="0" smtClean="0"/>
+              <a:t>。</a:t>
+            </a:r>
+            <a:endParaRPr lang="zh-TW" altLang="en-US" dirty="0"/>
+          </a:p>
+        </p:txBody>
+      </p:sp>
+      <p:pic>
+        <p:nvPicPr>
+          <p:cNvPr id="4" name="Picture 3"/>
+          <p:cNvPicPr>
+            <a:picLocks noChangeAspect="1"/>
+          </p:cNvPicPr>
+          <p:nvPr/>
+        </p:nvPicPr>
+        <p:blipFill>
+          <a:blip r:embed="rId3"/>
+          <a:stretch>
+            <a:fillRect/>
+          </a:stretch>
+        </p:blipFill>
+        <p:spPr>
+          <a:xfrm>
+            <a:off x="356183" y="4027106"/>
+            <a:ext cx="3756725" cy="2513428"/>
+          </a:xfrm>
+          <a:prstGeom prst="rect">
+            <a:avLst/>
+          </a:prstGeom>
+        </p:spPr>
+      </p:pic>
+      <p:sp>
+        <p:nvSpPr>
+          <p:cNvPr id="5" name="Rectangle 4"/>
+          <p:cNvSpPr/>
+          <p:nvPr/>
+        </p:nvSpPr>
+        <p:spPr>
+          <a:xfrm>
+            <a:off x="4320806" y="4018059"/>
+            <a:ext cx="4572000" cy="1918474"/>
+          </a:xfrm>
+          <a:prstGeom prst="rect">
+            <a:avLst/>
+          </a:prstGeom>
+        </p:spPr>
+        <p:txBody>
+          <a:bodyPr>
+            <a:spAutoFit/>
+          </a:bodyPr>
+          <a:lstStyle/>
+          <a:p>
+            <a:pPr>
+              <a:lnSpc>
+                <a:spcPct val="150000"/>
+              </a:lnSpc>
+            </a:pPr>
+            <a:r>
+              <a:rPr lang="zh-TW" altLang="en-US" sz="1600" dirty="0" smtClean="0"/>
+              <a:t>有众</a:t>
+            </a:r>
+            <a:r>
+              <a:rPr lang="zh-TW" altLang="en-US" sz="1600" dirty="0"/>
+              <a:t>多著名的应用在使用</a:t>
+            </a:r>
+            <a:r>
+              <a:rPr lang="en-US" altLang="zh-TW" sz="1600" dirty="0"/>
+              <a:t>NSQ</a:t>
+            </a:r>
+            <a:r>
+              <a:rPr lang="zh-TW" altLang="en-US" sz="1600" dirty="0"/>
+              <a:t>，如社交新闻网站</a:t>
+            </a:r>
+            <a:r>
+              <a:rPr lang="en-US" altLang="zh-TW" sz="1600" dirty="0" err="1"/>
+              <a:t>Digg</a:t>
+            </a:r>
+            <a:r>
+              <a:rPr lang="zh-TW" altLang="en-US" sz="1600" dirty="0"/>
+              <a:t>、私密的社交应用</a:t>
+            </a:r>
+            <a:r>
+              <a:rPr lang="en-US" altLang="zh-TW" sz="1600" dirty="0"/>
+              <a:t>Path</a:t>
+            </a:r>
+            <a:r>
+              <a:rPr lang="zh-TW" altLang="en-US" sz="1600" dirty="0"/>
+              <a:t>、著名的开源的应用容器引擎</a:t>
+            </a:r>
+            <a:r>
+              <a:rPr lang="en-US" altLang="zh-TW" sz="1600" dirty="0" err="1"/>
+              <a:t>Docker</a:t>
+            </a:r>
+            <a:r>
+              <a:rPr lang="zh-TW" altLang="en-US" sz="1600" dirty="0"/>
+              <a:t>、支付公司</a:t>
+            </a:r>
+            <a:r>
+              <a:rPr lang="en-US" altLang="zh-TW" sz="1600" dirty="0"/>
+              <a:t>Stripe</a:t>
+            </a:r>
+            <a:r>
+              <a:rPr lang="zh-TW" altLang="en-US" sz="1600" dirty="0"/>
+              <a:t>、新闻聚合网站</a:t>
+            </a:r>
+            <a:r>
+              <a:rPr lang="en-US" altLang="zh-TW" sz="1600" dirty="0" err="1"/>
+              <a:t>Buzzfeed</a:t>
+            </a:r>
+            <a:r>
+              <a:rPr lang="zh-TW" altLang="en-US" sz="1600" dirty="0"/>
+              <a:t>、查看家人所在位置的移动应用</a:t>
+            </a:r>
+            <a:r>
+              <a:rPr lang="en-US" altLang="zh-TW" sz="1600" dirty="0"/>
+              <a:t>Life360</a:t>
+            </a:r>
+            <a:r>
+              <a:rPr lang="zh-TW" altLang="en-US" sz="1600" dirty="0"/>
+              <a:t>、网络工具公司</a:t>
+            </a:r>
+            <a:r>
+              <a:rPr lang="en-US" altLang="zh-TW" sz="1600" dirty="0" err="1"/>
+              <a:t>SimpleReach</a:t>
+            </a:r>
+            <a:r>
+              <a:rPr lang="zh-TW" altLang="en-US" sz="1600" dirty="0"/>
+              <a:t>等。</a:t>
+            </a:r>
+            <a:endParaRPr lang="en-US" sz="1600" dirty="0"/>
+          </a:p>
+        </p:txBody>
+      </p:sp>
+    </p:spTree>
+    <p:extLst>
+      <p:ext uri="{BB962C8B-B14F-4D97-AF65-F5344CB8AC3E}">
+        <p14:creationId xmlns:p14="http://schemas.microsoft.com/office/powerpoint/2010/main" val="2932754887"/>
+      </p:ext>
+    </p:extLst>
+  </p:cSld>
+  <p:clrMapOvr>
+    <a:masterClrMapping/>
+  </p:clrMapOvr>
+  <p:timing>
+    <p:tnLst>
+      <p:par>
+        <p:cTn xmlns:p14="http://schemas.microsoft.com/office/powerpoint/2010/main" id="1" dur="indefinite" restart="never" nodeType="tmRoot"/>
+      </p:par>
+    </p:tnLst>
+  </p:timing>
+</p:sld>
+</file>
+
+<file path=ppt/slides/slide37.xml><?xml version="1.0" encoding="utf-8"?>
+<p:sld xmlns:a="http://schemas.openxmlformats.org/drawingml/2006/main" xmlns:r="http://schemas.openxmlformats.org/officeDocument/2006/relationships" xmlns:p="http://schemas.openxmlformats.org/presentationml/2006/main">
+  <p:cSld>
+    <p:spTree>
+      <p:nvGrpSpPr>
+        <p:cNvPr id="1" name=""/>
+        <p:cNvGrpSpPr/>
+        <p:nvPr/>
+      </p:nvGrpSpPr>
+      <p:grpSpPr>
+        <a:xfrm>
+          <a:off x="0" y="0"/>
+          <a:ext cx="0" cy="0"/>
+          <a:chOff x="0" y="0"/>
+          <a:chExt cx="0" cy="0"/>
+        </a:xfrm>
+      </p:grpSpPr>
+      <p:sp>
+        <p:nvSpPr>
           <p:cNvPr id="4" name="标题 3"/>
           <p:cNvSpPr>
             <a:spLocks noGrp="1"/>
@@ -15769,14 +16788,14 @@
   <p:timing>
     <p:tnLst>
       <p:par>
-        <p:cTn id="1" dur="indefinite" restart="never" nodeType="tmRoot"/>
+        <p:cTn xmlns:p14="http://schemas.microsoft.com/office/powerpoint/2010/main" id="1" dur="indefinite" restart="never" nodeType="tmRoot"/>
       </p:par>
     </p:tnLst>
   </p:timing>
 </p:sld>
 </file>
 
-<file path=ppt/slides/slide37.xml><?xml version="1.0" encoding="utf-8"?>
+<file path=ppt/slides/slide38.xml><?xml version="1.0" encoding="utf-8"?>
 <p:sld xmlns:a="http://schemas.openxmlformats.org/drawingml/2006/main" xmlns:r="http://schemas.openxmlformats.org/officeDocument/2006/relationships" xmlns:p="http://schemas.openxmlformats.org/presentationml/2006/main">
   <p:cSld>
     <p:spTree>
@@ -15866,7 +16885,7 @@
           </a:prstGeom>
           <a:noFill/>
           <a:extLst>
-            <a:ext uri="{909E8E84-426E-40DD-AFC4-6F175D3DCCD1}">
+            <a:ext uri="{909E8E84-426E-40dd-AFC4-6F175D3DCCD1}">
               <a14:hiddenFill xmlns:a14="http://schemas.microsoft.com/office/drawing/2010/main">
                 <a:solidFill>
                   <a:srgbClr val="FFFFFF"/>
@@ -15889,14 +16908,14 @@
   <p:timing>
     <p:tnLst>
       <p:par>
-        <p:cTn id="1" dur="indefinite" restart="never" nodeType="tmRoot"/>
+        <p:cTn xmlns:p14="http://schemas.microsoft.com/office/powerpoint/2010/main" id="1" dur="indefinite" restart="never" nodeType="tmRoot"/>
       </p:par>
     </p:tnLst>
   </p:timing>
 </p:sld>
 </file>
 
-<file path=ppt/slides/slide38.xml><?xml version="1.0" encoding="utf-8"?>
+<file path=ppt/slides/slide39.xml><?xml version="1.0" encoding="utf-8"?>
 <p:sld xmlns:a="http://schemas.openxmlformats.org/drawingml/2006/main" xmlns:r="http://schemas.openxmlformats.org/officeDocument/2006/relationships" xmlns:p="http://schemas.openxmlformats.org/presentationml/2006/main" show="0">
   <p:cSld>
     <p:spTree>
@@ -15954,6 +16973,11 @@
           <a:bodyPr/>
           <a:lstStyle/>
           <a:p>
+            <a:pPr>
+              <a:lnSpc>
+                <a:spcPct val="150000"/>
+              </a:lnSpc>
+            </a:pPr>
             <a:r>
               <a:rPr lang="en-US" altLang="zh-CN" sz="2000" dirty="0">
                 <a:hlinkClick r:id="rId2"/>
@@ -15973,6 +16997,11 @@
             <a:endParaRPr lang="en-US" altLang="zh-CN" sz="2000" dirty="0" smtClean="0"/>
           </a:p>
           <a:p>
+            <a:pPr>
+              <a:lnSpc>
+                <a:spcPct val="150000"/>
+              </a:lnSpc>
+            </a:pPr>
             <a:r>
               <a:rPr lang="zh-CN" altLang="en-US" dirty="0" smtClean="0"/>
               <a:t>用</a:t>
@@ -16036,6 +17065,11 @@
             </a:endParaRPr>
           </a:p>
           <a:p>
+            <a:pPr>
+              <a:lnSpc>
+                <a:spcPct val="150000"/>
+              </a:lnSpc>
+            </a:pPr>
             <a:r>
               <a:rPr lang="zh-CN" altLang="en-US" dirty="0" smtClean="0"/>
               <a:t>用</a:t>
@@ -16101,135 +17135,7 @@
   <p:timing>
     <p:tnLst>
       <p:par>
-        <p:cTn id="1" dur="indefinite" restart="never" nodeType="tmRoot"/>
-      </p:par>
-    </p:tnLst>
-  </p:timing>
-</p:sld>
-</file>
-
-<file path=ppt/slides/slide39.xml><?xml version="1.0" encoding="utf-8"?>
-<p:sld xmlns:a="http://schemas.openxmlformats.org/drawingml/2006/main" xmlns:r="http://schemas.openxmlformats.org/officeDocument/2006/relationships" xmlns:p="http://schemas.openxmlformats.org/presentationml/2006/main">
-  <p:cSld>
-    <p:spTree>
-      <p:nvGrpSpPr>
-        <p:cNvPr id="1" name=""/>
-        <p:cNvGrpSpPr/>
-        <p:nvPr/>
-      </p:nvGrpSpPr>
-      <p:grpSpPr>
-        <a:xfrm>
-          <a:off x="0" y="0"/>
-          <a:ext cx="0" cy="0"/>
-          <a:chOff x="0" y="0"/>
-          <a:chExt cx="0" cy="0"/>
-        </a:xfrm>
-      </p:grpSpPr>
-      <p:sp>
-        <p:nvSpPr>
-          <p:cNvPr id="2" name="标题 1"/>
-          <p:cNvSpPr>
-            <a:spLocks noGrp="1"/>
-          </p:cNvSpPr>
-          <p:nvPr>
-            <p:ph type="title"/>
-          </p:nvPr>
-        </p:nvSpPr>
-        <p:spPr/>
-        <p:txBody>
-          <a:bodyPr/>
-          <a:lstStyle/>
-          <a:p>
-            <a:r>
-              <a:rPr lang="en-US" altLang="zh-CN" dirty="0" err="1">
-                <a:effectLst/>
-              </a:rPr>
-              <a:t>InfluxDB</a:t>
-            </a:r>
-            <a:r>
-              <a:rPr lang="en-US" altLang="zh-CN" dirty="0">
-                <a:effectLst/>
-              </a:rPr>
-              <a:t> </a:t>
-            </a:r>
-            <a:endParaRPr lang="zh-CN" altLang="en-US" dirty="0"/>
-          </a:p>
-        </p:txBody>
-      </p:sp>
-      <p:sp>
-        <p:nvSpPr>
-          <p:cNvPr id="3" name="内容占位符 2"/>
-          <p:cNvSpPr>
-            <a:spLocks noGrp="1"/>
-          </p:cNvSpPr>
-          <p:nvPr>
-            <p:ph idx="1"/>
-          </p:nvPr>
-        </p:nvSpPr>
-        <p:spPr/>
-        <p:txBody>
-          <a:bodyPr/>
-          <a:lstStyle/>
-          <a:p>
-            <a:endParaRPr lang="zh-CN" altLang="en-US"/>
-          </a:p>
-        </p:txBody>
-      </p:sp>
-      <p:pic>
-        <p:nvPicPr>
-          <p:cNvPr id="1026" name="Picture 2" descr="Cpu idle time in 30 minute windows"/>
-          <p:cNvPicPr>
-            <a:picLocks noChangeAspect="1" noChangeArrowheads="1"/>
-          </p:cNvPicPr>
-          <p:nvPr/>
-        </p:nvPicPr>
-        <p:blipFill>
-          <a:blip r:embed="rId2">
-            <a:extLst>
-              <a:ext uri="{28A0092B-C50C-407E-A947-70E740481C1C}">
-                <a14:useLocalDpi xmlns:a14="http://schemas.microsoft.com/office/drawing/2010/main" val="0"/>
-              </a:ext>
-            </a:extLst>
-          </a:blip>
-          <a:srcRect/>
-          <a:stretch>
-            <a:fillRect/>
-          </a:stretch>
-        </p:blipFill>
-        <p:spPr bwMode="auto">
-          <a:xfrm>
-            <a:off x="1012825" y="1646237"/>
-            <a:ext cx="7483475" cy="4413784"/>
-          </a:xfrm>
-          <a:prstGeom prst="rect">
-            <a:avLst/>
-          </a:prstGeom>
-          <a:noFill/>
-          <a:extLst>
-            <a:ext uri="{909E8E84-426E-40DD-AFC4-6F175D3DCCD1}">
-              <a14:hiddenFill xmlns:a14="http://schemas.microsoft.com/office/drawing/2010/main">
-                <a:solidFill>
-                  <a:srgbClr val="FFFFFF"/>
-                </a:solidFill>
-              </a14:hiddenFill>
-            </a:ext>
-          </a:extLst>
-        </p:spPr>
-      </p:pic>
-    </p:spTree>
-    <p:extLst>
-      <p:ext uri="{BB962C8B-B14F-4D97-AF65-F5344CB8AC3E}">
-        <p14:creationId xmlns:p14="http://schemas.microsoft.com/office/powerpoint/2010/main" val="547336435"/>
-      </p:ext>
-    </p:extLst>
-  </p:cSld>
-  <p:clrMapOvr>
-    <a:masterClrMapping/>
-  </p:clrMapOvr>
-  <p:timing>
-    <p:tnLst>
-      <p:par>
-        <p:cTn id="1" dur="indefinite" restart="never" nodeType="tmRoot"/>
+        <p:cTn xmlns:p14="http://schemas.microsoft.com/office/powerpoint/2010/main" id="1" dur="indefinite" restart="never" nodeType="tmRoot"/>
       </p:par>
     </p:tnLst>
   </p:timing>
@@ -16269,7 +17175,7 @@
         </p:blipFill>
         <p:spPr>
           <a:xfrm>
-            <a:off x="778400" y="1640440"/>
+            <a:off x="572964" y="1715136"/>
             <a:ext cx="5626100" cy="4025900"/>
           </a:xfrm>
           <a:prstGeom prst="rect">
@@ -16326,16 +17232,26 @@
         </p:spPr>
         <p:txBody>
           <a:bodyPr>
-            <a:normAutofit fontScale="92500" lnSpcReduction="20000"/>
+            <a:normAutofit fontScale="70000" lnSpcReduction="20000"/>
           </a:bodyPr>
           <a:lstStyle/>
           <a:p>
+            <a:pPr>
+              <a:lnSpc>
+                <a:spcPct val="170000"/>
+              </a:lnSpc>
+            </a:pPr>
             <a:r>
               <a:rPr lang="en-US" dirty="0" smtClean="0"/>
               <a:t>Gopher</a:t>
             </a:r>
           </a:p>
           <a:p>
+            <a:pPr>
+              <a:lnSpc>
+                <a:spcPct val="170000"/>
+              </a:lnSpc>
+            </a:pPr>
             <a:r>
               <a:rPr lang="en-US" altLang="zh-TW" dirty="0"/>
               <a:t>(</a:t>
@@ -16380,47 +17296,6 @@
           </a:prstGeom>
         </p:spPr>
       </p:pic>
-      <p:pic>
-        <p:nvPicPr>
-          <p:cNvPr id="1026" name="Picture 2" descr="http://ww3.sinaimg.cn/bmiddle/70e7cafagw1eagqmbel4lj204604ijra.jpg"/>
-          <p:cNvPicPr>
-            <a:picLocks noChangeAspect="1" noChangeArrowheads="1"/>
-          </p:cNvPicPr>
-          <p:nvPr/>
-        </p:nvPicPr>
-        <p:blipFill>
-          <a:blip r:embed="rId5">
-            <a:extLst>
-              <a:ext uri="{28A0092B-C50C-407E-A947-70E740481C1C}">
-                <a14:useLocalDpi xmlns:a14="http://schemas.microsoft.com/office/drawing/2010/main" val="0"/>
-              </a:ext>
-            </a:extLst>
-          </a:blip>
-          <a:srcRect/>
-          <a:stretch>
-            <a:fillRect/>
-          </a:stretch>
-        </p:blipFill>
-        <p:spPr bwMode="auto">
-          <a:xfrm>
-            <a:off x="4919792" y="4754562"/>
-            <a:ext cx="1428750" cy="1543051"/>
-          </a:xfrm>
-          <a:prstGeom prst="rect">
-            <a:avLst/>
-          </a:prstGeom>
-          <a:noFill/>
-          <a:extLst>
-            <a:ext uri="{909E8E84-426E-40DD-AFC4-6F175D3DCCD1}">
-              <a14:hiddenFill xmlns:a14="http://schemas.microsoft.com/office/drawing/2010/main">
-                <a:solidFill>
-                  <a:srgbClr val="FFFFFF"/>
-                </a:solidFill>
-              </a14:hiddenFill>
-            </a:ext>
-          </a:extLst>
-        </p:spPr>
-      </p:pic>
     </p:spTree>
     <p:extLst>
       <p:ext uri="{BB962C8B-B14F-4D97-AF65-F5344CB8AC3E}">
@@ -16434,7 +17309,7 @@
   <p:timing>
     <p:tnLst>
       <p:par>
-        <p:cTn id="1" dur="indefinite" restart="never" nodeType="tmRoot"/>
+        <p:cTn xmlns:p14="http://schemas.microsoft.com/office/powerpoint/2010/main" id="1" dur="indefinite" restart="never" nodeType="tmRoot"/>
       </p:par>
     </p:tnLst>
   </p:timing>
@@ -16460,7 +17335,7 @@
       </p:grpSpPr>
       <p:sp>
         <p:nvSpPr>
-          <p:cNvPr id="2" name="Title 1"/>
+          <p:cNvPr id="2" name="标题 1"/>
           <p:cNvSpPr>
             <a:spLocks noGrp="1"/>
           </p:cNvSpPr>
@@ -16474,20 +17349,24 @@
           <a:lstStyle/>
           <a:p>
             <a:r>
-              <a:rPr lang="en-US" altLang="zh-CN" dirty="0" smtClean="0"/>
-              <a:t>Go</a:t>
-            </a:r>
-            <a:r>
-              <a:rPr lang="zh-CN" altLang="en-US" dirty="0" smtClean="0"/>
-              <a:t>的问题和前途</a:t>
-            </a:r>
-            <a:endParaRPr lang="en-US" dirty="0"/>
-          </a:p>
-        </p:txBody>
-      </p:sp>
-      <p:sp>
-        <p:nvSpPr>
-          <p:cNvPr id="3" name="Content Placeholder 2"/>
+              <a:rPr lang="en-US" altLang="zh-CN" dirty="0" err="1">
+                <a:effectLst/>
+              </a:rPr>
+              <a:t>InfluxDB</a:t>
+            </a:r>
+            <a:r>
+              <a:rPr lang="en-US" altLang="zh-CN" dirty="0">
+                <a:effectLst/>
+              </a:rPr>
+              <a:t> </a:t>
+            </a:r>
+            <a:endParaRPr lang="zh-CN" altLang="en-US" dirty="0"/>
+          </a:p>
+        </p:txBody>
+      </p:sp>
+      <p:sp>
+        <p:nvSpPr>
+          <p:cNvPr id="3" name="内容占位符 2"/>
           <p:cNvSpPr>
             <a:spLocks noGrp="1"/>
           </p:cNvSpPr>
@@ -16497,257 +17376,58 @@
         </p:nvSpPr>
         <p:spPr/>
         <p:txBody>
-          <a:bodyPr>
-            <a:normAutofit fontScale="70000" lnSpcReduction="20000"/>
-          </a:bodyPr>
+          <a:bodyPr/>
           <a:lstStyle/>
           <a:p>
-            <a:pPr marL="0" indent="0">
-              <a:buNone/>
-            </a:pPr>
-            <a:r>
-              <a:rPr lang="en-US" altLang="zh-CN" dirty="0" smtClean="0"/>
-              <a:t>Go</a:t>
-            </a:r>
-            <a:r>
-              <a:rPr lang="zh-CN" altLang="en-US" dirty="0" smtClean="0"/>
-              <a:t>语言很新，发展很快。新语言的文档、框架库目前信息如下：</a:t>
-            </a:r>
-            <a:endParaRPr lang="en-US" altLang="zh-CN" dirty="0" smtClean="0"/>
-          </a:p>
-          <a:p>
-            <a:pPr marL="0" indent="0">
-              <a:buNone/>
-            </a:pPr>
-            <a:endParaRPr lang="en-US" altLang="zh-CN" dirty="0" smtClean="0"/>
-          </a:p>
-          <a:p>
-            <a:r>
-              <a:rPr lang="en-US" altLang="zh-CN" dirty="0" smtClean="0"/>
-              <a:t>Go</a:t>
-            </a:r>
-            <a:r>
-              <a:rPr lang="zh-CN" altLang="en-US" dirty="0" smtClean="0"/>
-              <a:t>开源库</a:t>
-            </a:r>
-            <a:r>
-              <a:rPr lang="zh-CN" altLang="en-US" dirty="0" smtClean="0"/>
-              <a:t>（</a:t>
-            </a:r>
-            <a:r>
-              <a:rPr lang="en-US" altLang="zh-CN" dirty="0" smtClean="0"/>
-              <a:t>131203</a:t>
-            </a:r>
-            <a:r>
-              <a:rPr lang="zh-CN" altLang="en-US" dirty="0" smtClean="0"/>
-              <a:t>：</a:t>
-            </a:r>
-            <a:r>
-              <a:rPr lang="en-US" altLang="zh-CN" dirty="0" smtClean="0"/>
-              <a:t>900</a:t>
-            </a:r>
-            <a:r>
-              <a:rPr lang="zh-CN" altLang="en-US" dirty="0" smtClean="0"/>
-              <a:t>多，</a:t>
-            </a:r>
-            <a:r>
-              <a:rPr lang="en-US" altLang="zh-CN" dirty="0" smtClean="0"/>
-              <a:t>141112</a:t>
-            </a:r>
-            <a:r>
-              <a:rPr lang="en-US" altLang="zh-CN" dirty="0" smtClean="0"/>
-              <a:t>:1023</a:t>
-            </a:r>
-            <a:r>
-              <a:rPr lang="zh-CN" altLang="en-US" dirty="0" smtClean="0"/>
-              <a:t>）</a:t>
-            </a:r>
-            <a:r>
-              <a:rPr lang="zh-CN" altLang="en-US" dirty="0" smtClean="0"/>
-              <a:t>：</a:t>
-            </a:r>
-            <a:r>
-              <a:rPr lang="en-US" altLang="zh-CN" dirty="0"/>
-              <a:t/>
-            </a:r>
-            <a:br>
-              <a:rPr lang="en-US" altLang="zh-CN" dirty="0"/>
-            </a:br>
-            <a:r>
-              <a:rPr lang="en-US" altLang="zh-CN" dirty="0">
-                <a:hlinkClick r:id="rId2"/>
-              </a:rPr>
-              <a:t>https://</a:t>
-            </a:r>
-            <a:r>
-              <a:rPr lang="en-US" altLang="zh-CN" dirty="0" smtClean="0">
-                <a:hlinkClick r:id="rId2"/>
-              </a:rPr>
-              <a:t>code.google.com/p/go-wiki/wiki/Projects</a:t>
-            </a:r>
-            <a:endParaRPr lang="en-US" altLang="zh-CN" dirty="0" smtClean="0"/>
-          </a:p>
-          <a:p>
-            <a:endParaRPr lang="en-US" altLang="zh-CN" dirty="0" smtClean="0"/>
-          </a:p>
-          <a:p>
-            <a:r>
-              <a:rPr lang="zh-TW" altLang="en-US" dirty="0"/>
-              <a:t>入门级的中文文档资料，已经非常丰</a:t>
-            </a:r>
-            <a:r>
-              <a:rPr lang="zh-TW" altLang="en-US" dirty="0" smtClean="0"/>
-              <a:t>富</a:t>
-            </a:r>
-            <a:endParaRPr lang="en-US" altLang="zh-TW" dirty="0" smtClean="0"/>
-          </a:p>
-          <a:p>
-            <a:pPr lvl="1"/>
-            <a:r>
-              <a:rPr lang="en-US" altLang="zh-CN" dirty="0" smtClean="0"/>
-              <a:t>Go Web</a:t>
-            </a:r>
-            <a:r>
-              <a:rPr lang="zh-CN" altLang="en-US" dirty="0" smtClean="0"/>
-              <a:t>编程：</a:t>
-            </a:r>
-            <a:r>
-              <a:rPr lang="en-US" altLang="zh-CN" dirty="0" smtClean="0">
-                <a:hlinkClick r:id="rId3"/>
-              </a:rPr>
-              <a:t>https</a:t>
-            </a:r>
-            <a:r>
-              <a:rPr lang="en-US" altLang="zh-CN" dirty="0">
-                <a:hlinkClick r:id="rId3"/>
-              </a:rPr>
-              <a:t>://github.com/astaxie/build-web-application-with-golang/blob/master/ebook/</a:t>
-            </a:r>
-            <a:r>
-              <a:rPr lang="en-US" altLang="zh-CN" dirty="0" smtClean="0">
-                <a:hlinkClick r:id="rId3"/>
-              </a:rPr>
-              <a:t>preface.md</a:t>
-            </a:r>
-            <a:r>
-              <a:rPr lang="en-US" altLang="zh-CN" dirty="0" smtClean="0"/>
-              <a:t> </a:t>
-            </a:r>
-          </a:p>
-          <a:p>
-            <a:pPr lvl="1"/>
-            <a:r>
-              <a:rPr lang="en-US" altLang="zh-TW" dirty="0" err="1"/>
-              <a:t>google</a:t>
-            </a:r>
-            <a:r>
-              <a:rPr lang="en-US" altLang="zh-TW" dirty="0"/>
-              <a:t> code</a:t>
-            </a:r>
-            <a:r>
-              <a:rPr lang="zh-TW" altLang="en-US" dirty="0"/>
-              <a:t>上面有专门的翻译小组</a:t>
-            </a:r>
-            <a:r>
-              <a:rPr lang="en-US" dirty="0" smtClean="0"/>
-              <a:t> </a:t>
-            </a:r>
-            <a:r>
-              <a:rPr lang="en-US" dirty="0">
-                <a:hlinkClick r:id="rId4"/>
-              </a:rPr>
-              <a:t>http://code.google.com/p/golang-china</a:t>
-            </a:r>
-            <a:r>
-              <a:rPr lang="en-US" dirty="0" smtClean="0">
-                <a:hlinkClick r:id="rId4"/>
-              </a:rPr>
-              <a:t>/</a:t>
-            </a:r>
-            <a:r>
-              <a:rPr lang="en-US" dirty="0" smtClean="0"/>
-              <a:t> </a:t>
-            </a:r>
-          </a:p>
-          <a:p>
-            <a:pPr lvl="1"/>
-            <a:r>
-              <a:rPr lang="zh-CN" altLang="en-US" dirty="0" smtClean="0"/>
-              <a:t>讨论最活跃的社区</a:t>
-            </a:r>
-            <a:endParaRPr lang="en-US" altLang="zh-CN" dirty="0" smtClean="0"/>
-          </a:p>
-          <a:p>
-            <a:pPr lvl="2"/>
-            <a:r>
-              <a:rPr lang="en-US" altLang="zh-CN" dirty="0">
-                <a:hlinkClick r:id="rId5"/>
-              </a:rPr>
-              <a:t>https://groups.google.com/forum/#!forum/golang-</a:t>
-            </a:r>
-            <a:r>
-              <a:rPr lang="en-US" altLang="zh-CN" dirty="0" smtClean="0">
-                <a:hlinkClick r:id="rId5"/>
-              </a:rPr>
-              <a:t>nuts</a:t>
-            </a:r>
-            <a:r>
-              <a:rPr lang="en-US" altLang="zh-CN" dirty="0" smtClean="0"/>
-              <a:t> </a:t>
-            </a:r>
-          </a:p>
-          <a:p>
-            <a:pPr lvl="2"/>
-            <a:r>
-              <a:rPr lang="en-US" dirty="0">
-                <a:hlinkClick r:id="rId6"/>
-              </a:rPr>
-              <a:t>https://groups.google.com/forum/#!forum/golang-</a:t>
-            </a:r>
-            <a:r>
-              <a:rPr lang="en-US" dirty="0" smtClean="0">
-                <a:hlinkClick r:id="rId6"/>
-              </a:rPr>
-              <a:t>china</a:t>
-            </a:r>
-            <a:r>
-              <a:rPr lang="en-US" dirty="0" smtClean="0"/>
-              <a:t> </a:t>
-            </a:r>
-          </a:p>
-          <a:p>
-            <a:pPr lvl="1"/>
-            <a:r>
-              <a:rPr lang="zh-CN" altLang="en-US" dirty="0"/>
-              <a:t>学习视频： </a:t>
-            </a:r>
-            <a:endParaRPr lang="en-US" altLang="zh-CN" dirty="0">
-              <a:hlinkClick r:id="rId7"/>
-            </a:endParaRPr>
-          </a:p>
-          <a:p>
-            <a:pPr lvl="2"/>
-            <a:r>
-              <a:rPr lang="en-US" altLang="zh-CN" dirty="0">
-                <a:hlinkClick r:id="rId7"/>
-              </a:rPr>
-              <a:t>http://www.ucai.cn/course/show/69</a:t>
-            </a:r>
-            <a:r>
-              <a:rPr lang="en-US" altLang="zh-CN" dirty="0"/>
-              <a:t> </a:t>
-            </a:r>
-          </a:p>
-          <a:p>
-            <a:pPr lvl="1"/>
-            <a:endParaRPr lang="en-US" dirty="0"/>
-          </a:p>
-        </p:txBody>
-      </p:sp>
+            <a:endParaRPr lang="zh-CN" altLang="en-US"/>
+          </a:p>
+        </p:txBody>
+      </p:sp>
+      <p:pic>
+        <p:nvPicPr>
+          <p:cNvPr id="1026" name="Picture 2" descr="Cpu idle time in 30 minute windows"/>
+          <p:cNvPicPr>
+            <a:picLocks noChangeAspect="1" noChangeArrowheads="1"/>
+          </p:cNvPicPr>
+          <p:nvPr/>
+        </p:nvPicPr>
+        <p:blipFill>
+          <a:blip r:embed="rId2">
+            <a:extLst>
+              <a:ext uri="{28A0092B-C50C-407E-A947-70E740481C1C}">
+                <a14:useLocalDpi xmlns:a14="http://schemas.microsoft.com/office/drawing/2010/main" val="0"/>
+              </a:ext>
+            </a:extLst>
+          </a:blip>
+          <a:srcRect/>
+          <a:stretch>
+            <a:fillRect/>
+          </a:stretch>
+        </p:blipFill>
+        <p:spPr bwMode="auto">
+          <a:xfrm>
+            <a:off x="1012825" y="1646237"/>
+            <a:ext cx="7483475" cy="4413784"/>
+          </a:xfrm>
+          <a:prstGeom prst="rect">
+            <a:avLst/>
+          </a:prstGeom>
+          <a:noFill/>
+          <a:extLst>
+            <a:ext uri="{909E8E84-426E-40dd-AFC4-6F175D3DCCD1}">
+              <a14:hiddenFill xmlns:a14="http://schemas.microsoft.com/office/drawing/2010/main">
+                <a:solidFill>
+                  <a:srgbClr val="FFFFFF"/>
+                </a:solidFill>
+              </a14:hiddenFill>
+            </a:ext>
+          </a:extLst>
+        </p:spPr>
+      </p:pic>
     </p:spTree>
     <p:extLst>
       <p:ext uri="{BB962C8B-B14F-4D97-AF65-F5344CB8AC3E}">
-        <p14:creationId xmlns:p14="http://schemas.microsoft.com/office/powerpoint/2010/main" val="2245493674"/>
+        <p14:creationId xmlns:p14="http://schemas.microsoft.com/office/powerpoint/2010/main" val="547336435"/>
       </p:ext>
     </p:extLst>
   </p:cSld>
@@ -16757,7 +17437,7 @@
   <p:timing>
     <p:tnLst>
       <p:par>
-        <p:cTn id="1" dur="indefinite" restart="never" nodeType="tmRoot"/>
+        <p:cTn xmlns:p14="http://schemas.microsoft.com/office/powerpoint/2010/main" id="1" dur="indefinite" restart="never" nodeType="tmRoot"/>
       </p:par>
     </p:tnLst>
   </p:timing>
@@ -16797,8 +17477,16 @@
           <a:lstStyle/>
           <a:p>
             <a:r>
-              <a:rPr lang="zh-CN" altLang="en-US" dirty="0"/>
-              <a:t>Golang 的风险与建议</a:t>
+              <a:rPr lang="zh-CN" altLang="en-US" dirty="0" smtClean="0"/>
+              <a:t>一些热门的</a:t>
+            </a:r>
+            <a:r>
+              <a:rPr lang="en-US" altLang="zh-CN" dirty="0" smtClean="0"/>
+              <a:t>Go</a:t>
+            </a:r>
+            <a:r>
+              <a:rPr lang="zh-CN" altLang="en-US" dirty="0" smtClean="0"/>
+              <a:t>开源项目</a:t>
             </a:r>
             <a:endParaRPr lang="en-US" dirty="0"/>
           </a:p>
@@ -16817,159 +17505,354 @@
         <p:spPr/>
         <p:txBody>
           <a:bodyPr>
-            <a:normAutofit fontScale="77500" lnSpcReduction="20000"/>
+            <a:normAutofit fontScale="32500" lnSpcReduction="20000"/>
           </a:bodyPr>
           <a:lstStyle/>
           <a:p>
             <a:pPr>
               <a:lnSpc>
-                <a:spcPct val="150000"/>
+                <a:spcPct val="170000"/>
               </a:lnSpc>
             </a:pPr>
             <a:r>
-              <a:rPr lang="zh-CN" altLang="en-US" sz="2400" dirty="0"/>
-              <a:t>历史积累</a:t>
-            </a:r>
-          </a:p>
-          <a:p>
-            <a:pPr lvl="1">
+              <a:rPr lang="en-US" dirty="0" err="1"/>
+              <a:t>docker</a:t>
+            </a:r>
+            <a:r>
+              <a:rPr lang="en-US" dirty="0"/>
+              <a:t> - 基于 Linux 容器技术的虚拟化实现，能够轻易实现 </a:t>
+            </a:r>
+            <a:r>
+              <a:rPr lang="en-US" dirty="0" err="1"/>
+              <a:t>PaaS</a:t>
+            </a:r>
+            <a:r>
+              <a:rPr lang="en-US" dirty="0"/>
+              <a:t> 平台的搭建</a:t>
+            </a:r>
+          </a:p>
+          <a:p>
+            <a:pPr>
               <a:lnSpc>
-                <a:spcPct val="150000"/>
+                <a:spcPct val="170000"/>
               </a:lnSpc>
             </a:pPr>
             <a:r>
-              <a:rPr lang="zh-CN" altLang="en-US" sz="2000" dirty="0"/>
-              <a:t>如果团队已经有较多的代码积累，不建议换 Go 来重写一遍。</a:t>
-            </a:r>
-          </a:p>
-          <a:p>
-            <a:pPr lvl="1">
+              <a:rPr lang="en-US" dirty="0"/>
+              <a:t>packer - vagrant 的作者开源的用来生成不同平台的镜像文件，例如 </a:t>
+            </a:r>
+            <a:r>
+              <a:rPr lang="en-US" dirty="0" err="1"/>
+              <a:t>QEMU、KVM、Xen、VM、vbox、AWS</a:t>
+            </a:r>
+            <a:r>
+              <a:rPr lang="en-US" dirty="0"/>
+              <a:t> 等</a:t>
+            </a:r>
+          </a:p>
+          <a:p>
+            <a:pPr>
               <a:lnSpc>
-                <a:spcPct val="150000"/>
+                <a:spcPct val="170000"/>
               </a:lnSpc>
             </a:pPr>
             <a:r>
-              <a:rPr lang="zh-CN" altLang="en-US" sz="2000" dirty="0"/>
-              <a:t>新模块可尝试 Go，但是需要考虑跨语言调用带来的额外负担。</a:t>
+              <a:rPr lang="en-US" dirty="0"/>
+              <a:t>drone - 基于 </a:t>
+            </a:r>
+            <a:r>
+              <a:rPr lang="en-US" dirty="0" err="1"/>
+              <a:t>docker</a:t>
+            </a:r>
+            <a:r>
+              <a:rPr lang="en-US" dirty="0"/>
+              <a:t> 构建的持续集成测试平台，类似 </a:t>
+            </a:r>
+            <a:r>
+              <a:rPr lang="en-US" dirty="0" err="1"/>
+              <a:t>jenkins</a:t>
+            </a:r>
+            <a:r>
+              <a:rPr lang="en-US" dirty="0"/>
+              <a:t>-ci</a:t>
             </a:r>
           </a:p>
           <a:p>
             <a:pPr>
               <a:lnSpc>
-                <a:spcPct val="150000"/>
+                <a:spcPct val="170000"/>
               </a:lnSpc>
             </a:pPr>
             <a:r>
-              <a:rPr lang="zh-CN" altLang="en-US" sz="2400" dirty="0"/>
-              <a:t>开发 Windows 桌面、手机应用</a:t>
-            </a:r>
-          </a:p>
-          <a:p>
-            <a:pPr lvl="1">
+              <a:rPr lang="en-US" dirty="0" err="1"/>
+              <a:t>libcontainer</a:t>
+            </a:r>
+            <a:r>
+              <a:rPr lang="en-US" dirty="0"/>
+              <a:t> - </a:t>
+            </a:r>
+            <a:r>
+              <a:rPr lang="en-US" dirty="0" err="1"/>
+              <a:t>docker</a:t>
+            </a:r>
+            <a:r>
+              <a:rPr lang="en-US" dirty="0"/>
+              <a:t> 官方开源用 Go 实现的 Linux Containers</a:t>
+            </a:r>
+          </a:p>
+          <a:p>
+            <a:pPr>
               <a:lnSpc>
-                <a:spcPct val="150000"/>
+                <a:spcPct val="170000"/>
               </a:lnSpc>
             </a:pPr>
             <a:r>
-              <a:rPr lang="zh-CN" altLang="en-US" sz="2000" dirty="0"/>
-              <a:t>Go 语言目前主要面向服务端开发，不推荐应用于客户端开发领域</a:t>
-            </a:r>
-            <a:r>
-              <a:rPr lang="zh-CN" altLang="en-US" sz="2000" dirty="0" smtClean="0"/>
-              <a:t>。</a:t>
-            </a:r>
-            <a:endParaRPr lang="en-US" altLang="zh-CN" sz="2000" dirty="0" smtClean="0"/>
-          </a:p>
-          <a:p>
-            <a:pPr lvl="1">
+              <a:rPr lang="en-US" dirty="0" err="1"/>
+              <a:t>tsuru</a:t>
+            </a:r>
+            <a:r>
+              <a:rPr lang="en-US" dirty="0"/>
+              <a:t> - 开源的 </a:t>
+            </a:r>
+            <a:r>
+              <a:rPr lang="en-US" dirty="0" err="1"/>
+              <a:t>PaaS</a:t>
+            </a:r>
+            <a:r>
+              <a:rPr lang="en-US" dirty="0"/>
+              <a:t> 平台，类似 GAE、SAE</a:t>
+            </a:r>
+          </a:p>
+          <a:p>
+            <a:pPr>
               <a:lnSpc>
-                <a:spcPct val="150000"/>
+                <a:spcPct val="170000"/>
               </a:lnSpc>
             </a:pPr>
             <a:r>
-              <a:rPr lang="en-US" altLang="zh-CN" sz="2000" dirty="0" smtClean="0"/>
-              <a:t>Go 1.4 </a:t>
-            </a:r>
-            <a:r>
-              <a:rPr lang="zh-CN" altLang="en-US" sz="2000" dirty="0" smtClean="0"/>
-              <a:t>支持 </a:t>
-            </a:r>
-            <a:r>
-              <a:rPr lang="en-US" altLang="zh-CN" sz="2000" dirty="0" smtClean="0"/>
-              <a:t>android</a:t>
-            </a:r>
-            <a:r>
-              <a:rPr lang="zh-CN" altLang="en-US" sz="2000" dirty="0" smtClean="0"/>
-              <a:t>开发</a:t>
-            </a:r>
-            <a:endParaRPr lang="zh-CN" altLang="en-US" sz="2000" dirty="0"/>
+              <a:rPr lang="en-US" dirty="0" err="1"/>
+              <a:t>groupcache</a:t>
+            </a:r>
+            <a:r>
+              <a:rPr lang="en-US" dirty="0"/>
+              <a:t> - </a:t>
+            </a:r>
+            <a:r>
+              <a:rPr lang="en-US" dirty="0" err="1"/>
+              <a:t>Memcached</a:t>
+            </a:r>
+            <a:r>
+              <a:rPr lang="en-US" dirty="0"/>
+              <a:t> 作者(Brad Fitzpatrick) 写的用于 </a:t>
+            </a:r>
+            <a:r>
+              <a:rPr lang="en-US" dirty="0" err="1"/>
+              <a:t>dl.google.com</a:t>
+            </a:r>
+            <a:r>
+              <a:rPr lang="en-US" dirty="0"/>
+              <a:t> 线上使用的缓存系统</a:t>
+            </a:r>
           </a:p>
           <a:p>
             <a:pPr>
               <a:lnSpc>
-                <a:spcPct val="150000"/>
+                <a:spcPct val="170000"/>
               </a:lnSpc>
             </a:pPr>
             <a:r>
-              <a:rPr lang="zh-CN" altLang="en-US" sz="2400" dirty="0"/>
-              <a:t>Golang 仍然在快速迭代变化</a:t>
-            </a:r>
-          </a:p>
-          <a:p>
-            <a:pPr lvl="1">
+              <a:rPr lang="en-US" dirty="0" err="1"/>
+              <a:t>nsq</a:t>
+            </a:r>
+            <a:r>
+              <a:rPr lang="en-US" dirty="0"/>
+              <a:t> - </a:t>
+            </a:r>
+            <a:r>
+              <a:rPr lang="en-US" dirty="0" err="1"/>
+              <a:t>bit.ly</a:t>
+            </a:r>
+            <a:r>
+              <a:rPr lang="en-US" dirty="0"/>
+              <a:t> 开源的高性能消息队列系统，用以每天处理数十亿条的消息</a:t>
+            </a:r>
+          </a:p>
+          <a:p>
+            <a:pPr>
               <a:lnSpc>
-                <a:spcPct val="150000"/>
+                <a:spcPct val="170000"/>
               </a:lnSpc>
             </a:pPr>
             <a:r>
-              <a:rPr lang="zh-CN" altLang="en-US" sz="2000" dirty="0"/>
-              <a:t>尽管已经可用，但 Golang 仍然在快速演变，语言细节可能变更，特别是库可能承受较大的演变。</a:t>
-            </a:r>
-          </a:p>
-          <a:p>
-            <a:pPr lvl="1">
+              <a:rPr lang="en-US" dirty="0" err="1"/>
+              <a:t>influxdb</a:t>
+            </a:r>
+            <a:r>
+              <a:rPr lang="en-US" dirty="0"/>
+              <a:t> - 开源分布式时序、事件和指标数据库</a:t>
+            </a:r>
+          </a:p>
+          <a:p>
+            <a:pPr>
               <a:lnSpc>
-                <a:spcPct val="150000"/>
+                <a:spcPct val="170000"/>
               </a:lnSpc>
             </a:pPr>
             <a:r>
-              <a:rPr lang="zh-CN" altLang="en-US" sz="2000" dirty="0"/>
-              <a:t>团队需要预见此风险并进行风险防范。</a:t>
+              <a:rPr lang="en-US" dirty="0" err="1"/>
+              <a:t>heka</a:t>
+            </a:r>
+            <a:r>
+              <a:rPr lang="en-US" dirty="0"/>
+              <a:t> - Mozilla 开源的日志处理系统</a:t>
             </a:r>
           </a:p>
           <a:p>
             <a:pPr>
               <a:lnSpc>
-                <a:spcPct val="150000"/>
+                <a:spcPct val="170000"/>
               </a:lnSpc>
             </a:pPr>
             <a:r>
-              <a:rPr lang="zh-CN" altLang="en-US" sz="2300" dirty="0"/>
-              <a:t>Golang 的社区仍然小众</a:t>
-            </a:r>
-          </a:p>
-          <a:p>
-            <a:pPr lvl="1">
+              <a:rPr lang="en-US" dirty="0" err="1"/>
+              <a:t>doozer</a:t>
+            </a:r>
+            <a:r>
+              <a:rPr lang="en-US" dirty="0"/>
+              <a:t> - 分布式同步工具，类似 </a:t>
+            </a:r>
+            <a:r>
+              <a:rPr lang="en-US" dirty="0" err="1"/>
+              <a:t>ZooKeeper</a:t>
+            </a:r>
+            <a:endParaRPr lang="en-US" dirty="0"/>
+          </a:p>
+          <a:p>
+            <a:pPr>
               <a:lnSpc>
-                <a:spcPct val="150000"/>
+                <a:spcPct val="170000"/>
               </a:lnSpc>
             </a:pPr>
             <a:r>
-              <a:rPr lang="zh-CN" altLang="en-US" sz="2000" dirty="0"/>
-              <a:t>人员招聘和培训成本较其他语言高</a:t>
-            </a:r>
-            <a:r>
-              <a:rPr lang="zh-CN" altLang="en-US" sz="2000" dirty="0" smtClean="0"/>
-              <a:t>。</a:t>
-            </a:r>
-            <a:endParaRPr lang="en-US" altLang="en-US" sz="2000" dirty="0"/>
+              <a:rPr lang="en-US" dirty="0" err="1"/>
+              <a:t>etcd</a:t>
+            </a:r>
+            <a:r>
+              <a:rPr lang="en-US" dirty="0"/>
+              <a:t> - 高可用的 Key/Value 存储系统，主要用于分享配置和服务发现。灵感来自于 </a:t>
+            </a:r>
+            <a:r>
+              <a:rPr lang="en-US" dirty="0" err="1"/>
+              <a:t>ZooKeeper</a:t>
+            </a:r>
+            <a:r>
+              <a:rPr lang="en-US" dirty="0"/>
+              <a:t> 和 </a:t>
+            </a:r>
+            <a:r>
+              <a:rPr lang="en-US" dirty="0" err="1"/>
+              <a:t>Doozer</a:t>
+            </a:r>
+            <a:endParaRPr lang="en-US" dirty="0"/>
+          </a:p>
+          <a:p>
+            <a:pPr>
+              <a:lnSpc>
+                <a:spcPct val="170000"/>
+              </a:lnSpc>
+            </a:pPr>
+            <a:r>
+              <a:rPr lang="en-US" dirty="0" err="1"/>
+              <a:t>goandroid</a:t>
+            </a:r>
+            <a:r>
+              <a:rPr lang="en-US" dirty="0"/>
+              <a:t> - 使之用 Go 编写动态库，在原生的 Android 应用中运行</a:t>
+            </a:r>
+          </a:p>
+          <a:p>
+            <a:pPr>
+              <a:lnSpc>
+                <a:spcPct val="170000"/>
+              </a:lnSpc>
+            </a:pPr>
+            <a:r>
+              <a:rPr lang="en-US" dirty="0"/>
+              <a:t>mandala - 基于 </a:t>
+            </a:r>
+            <a:r>
+              <a:rPr lang="en-US" dirty="0" err="1"/>
+              <a:t>goandroid</a:t>
+            </a:r>
+            <a:r>
+              <a:rPr lang="en-US" dirty="0"/>
+              <a:t> 的工具链，用 Go 编写原生的 Android 应用的一个便捷框架</a:t>
+            </a:r>
+          </a:p>
+          <a:p>
+            <a:pPr>
+              <a:lnSpc>
+                <a:spcPct val="170000"/>
+              </a:lnSpc>
+            </a:pPr>
+            <a:r>
+              <a:rPr lang="en-US" dirty="0" err="1"/>
+              <a:t>beego</a:t>
+            </a:r>
+            <a:r>
+              <a:rPr lang="en-US" dirty="0"/>
+              <a:t> - 国内 Go 开发者开发的 Web 开发框架</a:t>
+            </a:r>
+          </a:p>
+          <a:p>
+            <a:pPr>
+              <a:lnSpc>
+                <a:spcPct val="170000"/>
+              </a:lnSpc>
+            </a:pPr>
+            <a:r>
+              <a:rPr lang="en-US" dirty="0"/>
+              <a:t>revel - 另一个高产的 Web 开发框架，类似 Java Play </a:t>
+            </a:r>
+            <a:r>
+              <a:rPr lang="en-US" dirty="0" smtClean="0"/>
+              <a:t>Framework</a:t>
+            </a:r>
+          </a:p>
+          <a:p>
+            <a:pPr>
+              <a:lnSpc>
+                <a:spcPct val="170000"/>
+              </a:lnSpc>
+            </a:pPr>
+            <a:endParaRPr lang="en-US" dirty="0"/>
+          </a:p>
+          <a:p>
+            <a:pPr marL="0" indent="0">
+              <a:lnSpc>
+                <a:spcPct val="170000"/>
+              </a:lnSpc>
+              <a:buNone/>
+            </a:pPr>
+            <a:r>
+              <a:rPr lang="en-US" dirty="0"/>
+              <a:t>更多: https://</a:t>
+            </a:r>
+            <a:r>
+              <a:rPr lang="en-US" dirty="0" err="1"/>
+              <a:t>code.google.com</a:t>
+            </a:r>
+            <a:r>
+              <a:rPr lang="en-US" dirty="0"/>
+              <a:t>/p/go-wiki/wiki/Projects</a:t>
+            </a:r>
           </a:p>
         </p:txBody>
       </p:sp>
     </p:spTree>
     <p:extLst>
       <p:ext uri="{BB962C8B-B14F-4D97-AF65-F5344CB8AC3E}">
-        <p14:creationId xmlns:p14="http://schemas.microsoft.com/office/powerpoint/2010/main" val="3434865157"/>
+        <p14:creationId xmlns:p14="http://schemas.microsoft.com/office/powerpoint/2010/main" val="1410111568"/>
       </p:ext>
     </p:extLst>
   </p:cSld>
@@ -16979,7 +17862,7 @@
   <p:timing>
     <p:tnLst>
       <p:par>
-        <p:cTn id="1" dur="indefinite" restart="never" nodeType="tmRoot"/>
+        <p:cTn xmlns:p14="http://schemas.microsoft.com/office/powerpoint/2010/main" id="1" dur="indefinite" restart="never" nodeType="tmRoot"/>
       </p:par>
     </p:tnLst>
   </p:timing>
@@ -17005,7 +17888,7 @@
       </p:grpSpPr>
       <p:sp>
         <p:nvSpPr>
-          <p:cNvPr id="2" name="标题 1"/>
+          <p:cNvPr id="2" name="Title 1"/>
           <p:cNvSpPr>
             <a:spLocks noGrp="1"/>
           </p:cNvSpPr>
@@ -17019,20 +17902,20 @@
           <a:lstStyle/>
           <a:p>
             <a:r>
-              <a:rPr lang="zh-CN" altLang="en-US" dirty="0"/>
-              <a:t>有哪些公司在用</a:t>
-            </a:r>
-            <a:r>
-              <a:rPr lang="en-US" altLang="zh-CN" dirty="0"/>
+              <a:rPr lang="en-US" altLang="zh-CN" dirty="0" smtClean="0"/>
               <a:t>Go</a:t>
             </a:r>
-            <a:endParaRPr lang="zh-CN" altLang="en-US" dirty="0"/>
-          </a:p>
-        </p:txBody>
-      </p:sp>
-      <p:sp>
-        <p:nvSpPr>
-          <p:cNvPr id="3" name="内容占位符 2"/>
+            <a:r>
+              <a:rPr lang="zh-CN" altLang="en-US" dirty="0" smtClean="0"/>
+              <a:t>的问题和前途</a:t>
+            </a:r>
+            <a:endParaRPr lang="en-US" dirty="0"/>
+          </a:p>
+        </p:txBody>
+      </p:sp>
+      <p:sp>
+        <p:nvSpPr>
+          <p:cNvPr id="3" name="Content Placeholder 2"/>
           <p:cNvSpPr>
             <a:spLocks noGrp="1"/>
           </p:cNvSpPr>
@@ -17043,170 +17926,260 @@
         <p:spPr/>
         <p:txBody>
           <a:bodyPr>
-            <a:normAutofit fontScale="92500" lnSpcReduction="20000"/>
+            <a:normAutofit fontScale="70000" lnSpcReduction="20000"/>
           </a:bodyPr>
           <a:lstStyle/>
           <a:p>
+            <a:pPr marL="0" indent="0">
+              <a:buNone/>
+            </a:pPr>
+            <a:r>
+              <a:rPr lang="en-US" altLang="zh-CN" dirty="0" smtClean="0"/>
+              <a:t>Go</a:t>
+            </a:r>
             <a:r>
               <a:rPr lang="zh-CN" altLang="en-US" dirty="0" smtClean="0"/>
-              <a:t>国外公司：</a:t>
+              <a:t>语言很新，发展很快。新语言的文档、框架库目前信息如下：</a:t>
             </a:r>
             <a:endParaRPr lang="en-US" altLang="zh-CN" dirty="0" smtClean="0"/>
           </a:p>
           <a:p>
+            <a:pPr marL="0" indent="0">
+              <a:buNone/>
+            </a:pPr>
+            <a:endParaRPr lang="en-US" altLang="zh-CN" dirty="0" smtClean="0"/>
+          </a:p>
+          <a:p>
+            <a:r>
+              <a:rPr lang="en-US" altLang="zh-CN" dirty="0" smtClean="0"/>
+              <a:t>Go</a:t>
+            </a:r>
+            <a:r>
+              <a:rPr lang="zh-CN" altLang="en-US" dirty="0" smtClean="0"/>
+              <a:t>开源库（</a:t>
+            </a:r>
+            <a:r>
+              <a:rPr lang="en-US" altLang="zh-CN" dirty="0" smtClean="0"/>
+              <a:t>131203</a:t>
+            </a:r>
+            <a:r>
+              <a:rPr lang="zh-CN" altLang="en-US" dirty="0" smtClean="0"/>
+              <a:t>：</a:t>
+            </a:r>
+            <a:r>
+              <a:rPr lang="en-US" altLang="zh-CN" dirty="0" smtClean="0"/>
+              <a:t>900</a:t>
+            </a:r>
+            <a:r>
+              <a:rPr lang="zh-CN" altLang="en-US" dirty="0" smtClean="0"/>
+              <a:t>多，</a:t>
+            </a:r>
+            <a:r>
+              <a:rPr lang="en-US" altLang="zh-CN" dirty="0" smtClean="0"/>
+              <a:t>141112:1023</a:t>
+            </a:r>
+            <a:r>
+              <a:rPr lang="zh-CN" altLang="en-US" dirty="0" smtClean="0"/>
+              <a:t>，</a:t>
+            </a:r>
+            <a:r>
+              <a:rPr lang="en-US" altLang="zh-CN" dirty="0" smtClean="0"/>
+              <a:t>150628:1179</a:t>
+            </a:r>
+            <a:r>
+              <a:rPr lang="zh-CN" altLang="en-US" dirty="0" smtClean="0"/>
+              <a:t>）</a:t>
+            </a:r>
+            <a:r>
+              <a:rPr lang="zh-CN" altLang="en-US" dirty="0" smtClean="0"/>
+              <a:t>：</a:t>
+            </a:r>
+            <a:r>
+              <a:rPr lang="en-US" altLang="zh-CN" dirty="0"/>
+              <a:t/>
+            </a:r>
+            <a:br>
+              <a:rPr lang="en-US" altLang="zh-CN" dirty="0"/>
+            </a:br>
+            <a:r>
+              <a:rPr lang="en-US" altLang="zh-CN" dirty="0">
+                <a:hlinkClick r:id="rId2"/>
+              </a:rPr>
+              <a:t>https://github.com/golang/go/wiki/</a:t>
+            </a:r>
+            <a:r>
+              <a:rPr lang="en-US" altLang="zh-CN" dirty="0" smtClean="0">
+                <a:hlinkClick r:id="rId2"/>
+              </a:rPr>
+              <a:t>Projects</a:t>
+            </a:r>
+            <a:r>
+              <a:rPr lang="en-US" altLang="zh-CN" dirty="0" smtClean="0"/>
+              <a:t> </a:t>
+            </a:r>
+            <a:endParaRPr lang="en-US" altLang="zh-CN" dirty="0" smtClean="0"/>
+          </a:p>
+          <a:p>
+            <a:endParaRPr lang="en-US" altLang="zh-CN" dirty="0" smtClean="0"/>
+          </a:p>
+          <a:p>
+            <a:r>
+              <a:rPr lang="zh-TW" altLang="en-US" dirty="0"/>
+              <a:t>入门级的中文文档资料，已经非常丰</a:t>
+            </a:r>
+            <a:r>
+              <a:rPr lang="zh-TW" altLang="en-US" dirty="0" smtClean="0"/>
+              <a:t>富</a:t>
+            </a:r>
+            <a:endParaRPr lang="en-US" altLang="zh-TW" dirty="0" smtClean="0"/>
+          </a:p>
+          <a:p>
             <a:pPr lvl="1"/>
+            <a:r>
+              <a:rPr lang="en-US" altLang="zh-CN" dirty="0" smtClean="0"/>
+              <a:t>Go Web</a:t>
+            </a:r>
+            <a:r>
+              <a:rPr lang="zh-CN" altLang="en-US" dirty="0" smtClean="0"/>
+              <a:t>编程：</a:t>
+            </a:r>
+            <a:r>
+              <a:rPr lang="en-US" altLang="zh-CN" dirty="0" smtClean="0">
+                <a:hlinkClick r:id="rId3"/>
+              </a:rPr>
+              <a:t>https</a:t>
+            </a:r>
             <a:r>
               <a:rPr lang="en-US" altLang="zh-CN" dirty="0">
                 <a:hlinkClick r:id="rId3"/>
               </a:rPr>
-              <a:t>http://</a:t>
+              <a:t>://github.com/astaxie/build-web-application-with-golang/blob/master/ebook/</a:t>
             </a:r>
             <a:r>
               <a:rPr lang="en-US" altLang="zh-CN" dirty="0" smtClean="0">
                 <a:hlinkClick r:id="rId3"/>
               </a:rPr>
-              <a:t>go-lang.cat-v.org/organizations-using-go</a:t>
+              <a:t>preface.md</a:t>
+            </a:r>
+            <a:r>
+              <a:rPr lang="en-US" altLang="zh-CN" dirty="0" smtClean="0"/>
+              <a:t> </a:t>
+            </a:r>
+          </a:p>
+          <a:p>
+            <a:pPr lvl="1"/>
+            <a:r>
+              <a:rPr lang="en-US" altLang="zh-TW" dirty="0" err="1"/>
+              <a:t>google</a:t>
+            </a:r>
+            <a:r>
+              <a:rPr lang="en-US" altLang="zh-TW" dirty="0"/>
+              <a:t> code</a:t>
+            </a:r>
+            <a:r>
+              <a:rPr lang="zh-TW" altLang="en-US" dirty="0"/>
+              <a:t>上面有专门的翻译小组</a:t>
+            </a:r>
+            <a:r>
+              <a:rPr lang="en-US" dirty="0" smtClean="0"/>
+              <a:t> </a:t>
+            </a:r>
+            <a:r>
+              <a:rPr lang="en-US" dirty="0">
+                <a:hlinkClick r:id="rId4"/>
+              </a:rPr>
+              <a:t>http://code.google.com/p/golang-china</a:t>
+            </a:r>
+            <a:r>
+              <a:rPr lang="en-US" dirty="0" smtClean="0">
+                <a:hlinkClick r:id="rId4"/>
+              </a:rPr>
+              <a:t>/</a:t>
+            </a:r>
+            <a:r>
+              <a:rPr lang="en-US" dirty="0" smtClean="0"/>
+              <a:t> </a:t>
+            </a:r>
+          </a:p>
+          <a:p>
+            <a:pPr lvl="1"/>
+            <a:r>
+              <a:rPr lang="zh-CN" altLang="en-US" dirty="0" smtClean="0"/>
+              <a:t>讨论最活跃的社区</a:t>
             </a:r>
             <a:endParaRPr lang="en-US" altLang="zh-CN" dirty="0" smtClean="0"/>
           </a:p>
           <a:p>
+            <a:pPr lvl="2"/>
+            <a:r>
+              <a:rPr lang="en-US" altLang="zh-CN" dirty="0">
+                <a:hlinkClick r:id="rId5"/>
+              </a:rPr>
+              <a:t>https://groups.google.com/forum/#!forum/golang-</a:t>
+            </a:r>
+            <a:r>
+              <a:rPr lang="en-US" altLang="zh-CN" dirty="0" smtClean="0">
+                <a:hlinkClick r:id="rId5"/>
+              </a:rPr>
+              <a:t>nuts</a:t>
+            </a:r>
+            <a:r>
+              <a:rPr lang="en-US" altLang="zh-CN" dirty="0" smtClean="0"/>
+              <a:t> </a:t>
+            </a:r>
+          </a:p>
+          <a:p>
+            <a:pPr lvl="2"/>
+            <a:r>
+              <a:rPr lang="en-US" dirty="0">
+                <a:hlinkClick r:id="rId6"/>
+              </a:rPr>
+              <a:t>https://groups.google.com/forum/#!forum/golang-</a:t>
+            </a:r>
+            <a:r>
+              <a:rPr lang="en-US" dirty="0" smtClean="0">
+                <a:hlinkClick r:id="rId6"/>
+              </a:rPr>
+              <a:t>china</a:t>
+            </a:r>
+            <a:r>
+              <a:rPr lang="en-US" dirty="0" smtClean="0"/>
+              <a:t> </a:t>
+            </a:r>
+          </a:p>
+          <a:p>
             <a:pPr lvl="1"/>
-            <a:endParaRPr lang="en-US" altLang="zh-CN" dirty="0" smtClean="0"/>
-          </a:p>
-          <a:p>
-            <a:r>
-              <a:rPr lang="zh-CN" altLang="en-US" dirty="0" smtClean="0"/>
-              <a:t>国内公司：</a:t>
-            </a:r>
-            <a:endParaRPr lang="en-US" altLang="zh-CN" dirty="0" smtClean="0"/>
-          </a:p>
-          <a:p>
-            <a:pPr lvl="1"/>
             <a:r>
               <a:rPr lang="zh-CN" altLang="en-US" dirty="0"/>
-              <a:t>支付宝即时到账接口 </a:t>
-            </a:r>
-            <a:r>
-              <a:rPr lang="en-US" altLang="zh-CN" dirty="0" err="1"/>
-              <a:t>golang</a:t>
+              <a:t>学习视频： </a:t>
+            </a:r>
+            <a:endParaRPr lang="en-US" altLang="zh-CN" dirty="0">
+              <a:hlinkClick r:id="rId7"/>
+            </a:endParaRPr>
+          </a:p>
+          <a:p>
+            <a:pPr lvl="2"/>
+            <a:r>
+              <a:rPr lang="en-US" altLang="zh-CN" dirty="0">
+                <a:hlinkClick r:id="rId7"/>
+              </a:rPr>
+              <a:t>http://www.ucai.cn/course/show/69</a:t>
             </a:r>
             <a:r>
               <a:rPr lang="en-US" altLang="zh-CN" dirty="0"/>
               <a:t> </a:t>
             </a:r>
-            <a:r>
-              <a:rPr lang="zh-CN" altLang="en-US" dirty="0" smtClean="0"/>
-              <a:t>实现</a:t>
-            </a:r>
-            <a:r>
-              <a:rPr lang="en-US" altLang="zh-CN" dirty="0" smtClean="0"/>
-              <a:t/>
-            </a:r>
-            <a:br>
-              <a:rPr lang="en-US" altLang="zh-CN" dirty="0" smtClean="0"/>
-            </a:br>
-            <a:r>
-              <a:rPr lang="en-US" altLang="zh-CN" dirty="0">
-                <a:hlinkClick r:id="rId4"/>
-              </a:rPr>
-              <a:t>https://github.com/go-av/alipay</a:t>
-            </a:r>
-            <a:endParaRPr lang="en-US" altLang="zh-CN" dirty="0" smtClean="0"/>
           </a:p>
           <a:p>
             <a:pPr lvl="1"/>
-            <a:r>
-              <a:rPr lang="zh-CN" altLang="en-US" dirty="0" smtClean="0"/>
-              <a:t>盛大云</a:t>
-            </a:r>
-            <a:r>
-              <a:rPr lang="zh-CN" altLang="en-US" dirty="0"/>
-              <a:t>的日志系统，文件分发</a:t>
-            </a:r>
-            <a:r>
-              <a:rPr lang="zh-CN" altLang="en-US" dirty="0" smtClean="0"/>
-              <a:t>系统</a:t>
-            </a:r>
-            <a:endParaRPr lang="en-US" altLang="zh-CN" dirty="0" smtClean="0"/>
-          </a:p>
-          <a:p>
-            <a:pPr lvl="1"/>
-            <a:r>
-              <a:rPr lang="zh-CN" altLang="en-US" dirty="0"/>
-              <a:t>豆瓣已经将</a:t>
-            </a:r>
-            <a:r>
-              <a:rPr lang="en-US" altLang="zh-CN" dirty="0" err="1"/>
-              <a:t>golang</a:t>
-            </a:r>
-            <a:r>
-              <a:rPr lang="zh-CN" altLang="en-US" dirty="0"/>
-              <a:t>用到线上系统了，</a:t>
-            </a:r>
-            <a:r>
-              <a:rPr lang="en-US" altLang="zh-CN" dirty="0" err="1"/>
-              <a:t>beansdb</a:t>
-            </a:r>
-            <a:r>
-              <a:rPr lang="zh-CN" altLang="en-US" dirty="0"/>
-              <a:t>的一个</a:t>
-            </a:r>
-            <a:r>
-              <a:rPr lang="en-US" altLang="zh-CN" dirty="0"/>
-              <a:t>proxy</a:t>
-            </a:r>
-            <a:r>
-              <a:rPr lang="zh-CN" altLang="en-US" dirty="0"/>
-              <a:t>就是用</a:t>
-            </a:r>
-            <a:r>
-              <a:rPr lang="en-US" altLang="zh-CN" dirty="0" err="1"/>
-              <a:t>golang</a:t>
-            </a:r>
-            <a:r>
-              <a:rPr lang="zh-CN" altLang="en-US" dirty="0"/>
-              <a:t>写的。不过开源的</a:t>
-            </a:r>
-            <a:r>
-              <a:rPr lang="en-US" altLang="zh-CN" dirty="0" err="1"/>
-              <a:t>beansdb</a:t>
-            </a:r>
-            <a:r>
-              <a:rPr lang="zh-CN" altLang="en-US" dirty="0"/>
-              <a:t>中没有这部分的</a:t>
-            </a:r>
-            <a:r>
-              <a:rPr lang="zh-CN" altLang="en-US" dirty="0" smtClean="0"/>
-              <a:t>代码</a:t>
-            </a:r>
-            <a:endParaRPr lang="en-US" altLang="zh-CN" dirty="0" smtClean="0"/>
-          </a:p>
-          <a:p>
-            <a:pPr lvl="1"/>
-            <a:r>
-              <a:rPr lang="zh-CN" altLang="en-US" dirty="0"/>
-              <a:t>七牛</a:t>
-            </a:r>
-            <a:r>
-              <a:rPr lang="zh-CN" altLang="en-US" dirty="0" smtClean="0"/>
-              <a:t>云</a:t>
-            </a:r>
-            <a:endParaRPr lang="en-US" altLang="zh-CN" dirty="0" smtClean="0"/>
-          </a:p>
-          <a:p>
-            <a:pPr lvl="1"/>
-            <a:r>
-              <a:rPr lang="en-US" altLang="zh-CN" dirty="0" smtClean="0"/>
-              <a:t>…</a:t>
-            </a:r>
-            <a:endParaRPr lang="zh-CN" altLang="en-US" dirty="0"/>
+            <a:endParaRPr lang="en-US" dirty="0"/>
           </a:p>
         </p:txBody>
       </p:sp>
     </p:spTree>
     <p:extLst>
       <p:ext uri="{BB962C8B-B14F-4D97-AF65-F5344CB8AC3E}">
-        <p14:creationId xmlns:p14="http://schemas.microsoft.com/office/powerpoint/2010/main" val="2600721283"/>
+        <p14:creationId xmlns:p14="http://schemas.microsoft.com/office/powerpoint/2010/main" val="2245493674"/>
       </p:ext>
     </p:extLst>
   </p:cSld>
@@ -17216,7 +18189,7 @@
   <p:timing>
     <p:tnLst>
       <p:par>
-        <p:cTn id="1" dur="indefinite" restart="never" nodeType="tmRoot"/>
+        <p:cTn xmlns:p14="http://schemas.microsoft.com/office/powerpoint/2010/main" id="1" dur="indefinite" restart="never" nodeType="tmRoot"/>
       </p:par>
     </p:tnLst>
   </p:timing>
@@ -17256,12 +18229,8 @@
           <a:lstStyle/>
           <a:p>
             <a:r>
-              <a:rPr lang="en-US" altLang="zh-CN" dirty="0" err="1" smtClean="0"/>
-              <a:t>Golang</a:t>
-            </a:r>
-            <a:r>
-              <a:rPr lang="zh-CN" altLang="en-US" dirty="0" smtClean="0"/>
-              <a:t>商业中国案例</a:t>
+              <a:rPr lang="zh-CN" altLang="en-US" dirty="0"/>
+              <a:t>Golang 的风险与建议</a:t>
             </a:r>
             <a:endParaRPr lang="en-US" dirty="0"/>
           </a:p>
@@ -17279,33 +18248,160 @@
         </p:nvSpPr>
         <p:spPr/>
         <p:txBody>
-          <a:bodyPr/>
+          <a:bodyPr>
+            <a:normAutofit fontScale="77500" lnSpcReduction="20000"/>
+          </a:bodyPr>
           <a:lstStyle/>
           <a:p>
-            <a:r>
-              <a:rPr lang="en-US" dirty="0">
-                <a:hlinkClick r:id="rId2"/>
-              </a:rPr>
-              <a:t>https://github.com/qiniu/go/issues/</a:t>
-            </a:r>
-            <a:r>
-              <a:rPr lang="en-US" dirty="0" smtClean="0">
-                <a:hlinkClick r:id="rId2"/>
-              </a:rPr>
-              <a:t>15</a:t>
-            </a:r>
-            <a:r>
-              <a:rPr lang="en-US" dirty="0" smtClean="0"/>
-              <a:t> </a:t>
-            </a:r>
-            <a:endParaRPr lang="en-US" dirty="0"/>
+            <a:pPr>
+              <a:lnSpc>
+                <a:spcPct val="150000"/>
+              </a:lnSpc>
+            </a:pPr>
+            <a:r>
+              <a:rPr lang="zh-CN" altLang="en-US" sz="2400" dirty="0"/>
+              <a:t>历史积累</a:t>
+            </a:r>
+          </a:p>
+          <a:p>
+            <a:pPr lvl="1">
+              <a:lnSpc>
+                <a:spcPct val="150000"/>
+              </a:lnSpc>
+            </a:pPr>
+            <a:r>
+              <a:rPr lang="zh-CN" altLang="en-US" sz="2000" dirty="0"/>
+              <a:t>如果团队已经有较多的代码积累，不建议换 Go 来重写一遍。</a:t>
+            </a:r>
+          </a:p>
+          <a:p>
+            <a:pPr lvl="1">
+              <a:lnSpc>
+                <a:spcPct val="150000"/>
+              </a:lnSpc>
+            </a:pPr>
+            <a:r>
+              <a:rPr lang="zh-CN" altLang="en-US" sz="2000" dirty="0"/>
+              <a:t>新模块可尝试 Go，但是需要考虑跨语言调用带来的额外负担。</a:t>
+            </a:r>
+          </a:p>
+          <a:p>
+            <a:pPr>
+              <a:lnSpc>
+                <a:spcPct val="150000"/>
+              </a:lnSpc>
+            </a:pPr>
+            <a:r>
+              <a:rPr lang="zh-CN" altLang="en-US" sz="2400" dirty="0"/>
+              <a:t>开发 Windows 桌面、手机应用</a:t>
+            </a:r>
+          </a:p>
+          <a:p>
+            <a:pPr lvl="1">
+              <a:lnSpc>
+                <a:spcPct val="150000"/>
+              </a:lnSpc>
+            </a:pPr>
+            <a:r>
+              <a:rPr lang="zh-CN" altLang="en-US" sz="2000" dirty="0"/>
+              <a:t>Go 语言目前主要面向服务端开发，不推荐应用于客户端开发领域</a:t>
+            </a:r>
+            <a:r>
+              <a:rPr lang="zh-CN" altLang="en-US" sz="2000" dirty="0" smtClean="0"/>
+              <a:t>。</a:t>
+            </a:r>
+            <a:endParaRPr lang="en-US" altLang="zh-CN" sz="2000" dirty="0" smtClean="0"/>
+          </a:p>
+          <a:p>
+            <a:pPr lvl="1">
+              <a:lnSpc>
+                <a:spcPct val="150000"/>
+              </a:lnSpc>
+            </a:pPr>
+            <a:r>
+              <a:rPr lang="en-US" altLang="zh-CN" sz="2000" dirty="0" smtClean="0"/>
+              <a:t>Go 1.4 </a:t>
+            </a:r>
+            <a:r>
+              <a:rPr lang="zh-CN" altLang="en-US" sz="2000" dirty="0" smtClean="0"/>
+              <a:t>支持 </a:t>
+            </a:r>
+            <a:r>
+              <a:rPr lang="en-US" altLang="zh-CN" sz="2000" dirty="0" smtClean="0"/>
+              <a:t>android</a:t>
+            </a:r>
+            <a:r>
+              <a:rPr lang="zh-CN" altLang="en-US" sz="2000" dirty="0" smtClean="0"/>
+              <a:t>开发</a:t>
+            </a:r>
+            <a:endParaRPr lang="zh-CN" altLang="en-US" sz="2000" dirty="0"/>
+          </a:p>
+          <a:p>
+            <a:pPr>
+              <a:lnSpc>
+                <a:spcPct val="150000"/>
+              </a:lnSpc>
+            </a:pPr>
+            <a:r>
+              <a:rPr lang="zh-CN" altLang="en-US" sz="2400" dirty="0"/>
+              <a:t>Golang 仍然在快速迭代变化</a:t>
+            </a:r>
+          </a:p>
+          <a:p>
+            <a:pPr lvl="1">
+              <a:lnSpc>
+                <a:spcPct val="150000"/>
+              </a:lnSpc>
+            </a:pPr>
+            <a:r>
+              <a:rPr lang="zh-CN" altLang="en-US" sz="2000" dirty="0"/>
+              <a:t>尽管已经可用，但 Golang 仍然在快速演变，语言细节可能变更，特别是库可能承受较大的演变。</a:t>
+            </a:r>
+          </a:p>
+          <a:p>
+            <a:pPr lvl="1">
+              <a:lnSpc>
+                <a:spcPct val="150000"/>
+              </a:lnSpc>
+            </a:pPr>
+            <a:r>
+              <a:rPr lang="zh-CN" altLang="en-US" sz="2000" dirty="0"/>
+              <a:t>团队需要预见此风险并进行风险防范。</a:t>
+            </a:r>
+          </a:p>
+          <a:p>
+            <a:pPr>
+              <a:lnSpc>
+                <a:spcPct val="150000"/>
+              </a:lnSpc>
+            </a:pPr>
+            <a:r>
+              <a:rPr lang="zh-CN" altLang="en-US" sz="2300" dirty="0"/>
+              <a:t>Golang 的社区仍然小众</a:t>
+            </a:r>
+          </a:p>
+          <a:p>
+            <a:pPr lvl="1">
+              <a:lnSpc>
+                <a:spcPct val="150000"/>
+              </a:lnSpc>
+            </a:pPr>
+            <a:r>
+              <a:rPr lang="zh-CN" altLang="en-US" sz="2000" dirty="0"/>
+              <a:t>人员招聘和培训成本较其他语言高</a:t>
+            </a:r>
+            <a:r>
+              <a:rPr lang="zh-CN" altLang="en-US" sz="2000" dirty="0" smtClean="0"/>
+              <a:t>。</a:t>
+            </a:r>
+            <a:endParaRPr lang="en-US" altLang="en-US" sz="2000" dirty="0"/>
           </a:p>
         </p:txBody>
       </p:sp>
     </p:spTree>
     <p:extLst>
       <p:ext uri="{BB962C8B-B14F-4D97-AF65-F5344CB8AC3E}">
-        <p14:creationId xmlns:p14="http://schemas.microsoft.com/office/powerpoint/2010/main" val="590624109"/>
+        <p14:creationId xmlns:p14="http://schemas.microsoft.com/office/powerpoint/2010/main" val="3434865157"/>
       </p:ext>
     </p:extLst>
   </p:cSld>
@@ -17315,7 +18411,7 @@
   <p:timing>
     <p:tnLst>
       <p:par>
-        <p:cTn id="1" dur="indefinite" restart="never" nodeType="tmRoot"/>
+        <p:cTn xmlns:p14="http://schemas.microsoft.com/office/powerpoint/2010/main" id="1" dur="indefinite" restart="never" nodeType="tmRoot"/>
       </p:par>
     </p:tnLst>
   </p:timing>
@@ -17323,7 +18419,7 @@
 </file>
 
 <file path=ppt/slides/slide44.xml><?xml version="1.0" encoding="utf-8"?>
-<p:sld xmlns:a="http://schemas.openxmlformats.org/drawingml/2006/main" xmlns:r="http://schemas.openxmlformats.org/officeDocument/2006/relationships" xmlns:p="http://schemas.openxmlformats.org/presentationml/2006/main" show="0">
+<p:sld xmlns:a="http://schemas.openxmlformats.org/drawingml/2006/main" xmlns:r="http://schemas.openxmlformats.org/officeDocument/2006/relationships" xmlns:p="http://schemas.openxmlformats.org/presentationml/2006/main">
   <p:cSld>
     <p:spTree>
       <p:nvGrpSpPr>
@@ -17355,91 +18451,409 @@
           <a:lstStyle/>
           <a:p>
             <a:r>
+              <a:rPr lang="zh-CN" altLang="en-US" dirty="0"/>
+              <a:t>有哪些公司在用</a:t>
+            </a:r>
+            <a:r>
+              <a:rPr lang="en-US" altLang="zh-CN" dirty="0"/>
+              <a:t>Go</a:t>
+            </a:r>
+            <a:endParaRPr lang="zh-CN" altLang="en-US" dirty="0"/>
+          </a:p>
+        </p:txBody>
+      </p:sp>
+      <p:sp>
+        <p:nvSpPr>
+          <p:cNvPr id="3" name="内容占位符 2"/>
+          <p:cNvSpPr>
+            <a:spLocks noGrp="1"/>
+          </p:cNvSpPr>
+          <p:nvPr>
+            <p:ph idx="1"/>
+          </p:nvPr>
+        </p:nvSpPr>
+        <p:spPr/>
+        <p:txBody>
+          <a:bodyPr>
+            <a:normAutofit fontScale="47500" lnSpcReduction="20000"/>
+          </a:bodyPr>
+          <a:lstStyle/>
+          <a:p>
+            <a:pPr>
+              <a:lnSpc>
+                <a:spcPct val="170000"/>
+              </a:lnSpc>
+            </a:pPr>
+            <a:r>
+              <a:rPr lang="zh-CN" altLang="en-US" dirty="0" smtClean="0"/>
+              <a:t>国外公司：</a:t>
+            </a:r>
+            <a:endParaRPr lang="en-US" altLang="zh-CN" dirty="0" smtClean="0"/>
+          </a:p>
+          <a:p>
+            <a:pPr lvl="1">
+              <a:lnSpc>
+                <a:spcPct val="170000"/>
+              </a:lnSpc>
+            </a:pPr>
+            <a:r>
+              <a:rPr lang="en-US" altLang="zh-CN" dirty="0">
+                <a:hlinkClick r:id="rId3"/>
+              </a:rPr>
+              <a:t>http://</a:t>
+            </a:r>
+            <a:r>
+              <a:rPr lang="en-US" altLang="zh-CN" dirty="0" smtClean="0">
+                <a:hlinkClick r:id="rId3"/>
+              </a:rPr>
+              <a:t>go-lang.cat-v.org/organizations-using-go</a:t>
+            </a:r>
+            <a:endParaRPr lang="en-US" altLang="zh-CN" dirty="0" smtClean="0"/>
+          </a:p>
+          <a:p>
+            <a:pPr lvl="1">
+              <a:lnSpc>
+                <a:spcPct val="170000"/>
+              </a:lnSpc>
+            </a:pPr>
+            <a:r>
+              <a:rPr lang="en-US" altLang="zh-CN" dirty="0"/>
+              <a:t>Google</a:t>
+            </a:r>
+            <a:r>
+              <a:rPr lang="zh-CN" altLang="en-US" dirty="0"/>
+              <a:t>、</a:t>
+            </a:r>
+            <a:r>
+              <a:rPr lang="en-US" altLang="zh-CN" dirty="0"/>
+              <a:t>YouTube</a:t>
+            </a:r>
+            <a:r>
+              <a:rPr lang="zh-CN" altLang="en-US" dirty="0"/>
+              <a:t>、</a:t>
+            </a:r>
+            <a:r>
+              <a:rPr lang="en-US" altLang="zh-CN" dirty="0" err="1"/>
+              <a:t>Dropbox</a:t>
+            </a:r>
+            <a:r>
+              <a:rPr lang="zh-CN" altLang="en-US" dirty="0"/>
+              <a:t>、</a:t>
+            </a:r>
+            <a:r>
+              <a:rPr lang="en-US" altLang="zh-CN" dirty="0" err="1"/>
+              <a:t>dotCloud</a:t>
+            </a:r>
+            <a:r>
+              <a:rPr lang="zh-CN" altLang="en-US" dirty="0"/>
+              <a:t>、</a:t>
+            </a:r>
+            <a:r>
+              <a:rPr lang="en-US" altLang="zh-CN" dirty="0"/>
+              <a:t>10gen</a:t>
+            </a:r>
+            <a:r>
+              <a:rPr lang="zh-CN" altLang="en-US" dirty="0"/>
+              <a:t>、</a:t>
+            </a:r>
+            <a:r>
+              <a:rPr lang="en-US" altLang="zh-CN" dirty="0" err="1"/>
+              <a:t>Apcera</a:t>
+            </a:r>
+            <a:r>
+              <a:rPr lang="zh-CN" altLang="en-US" dirty="0"/>
+              <a:t>、</a:t>
+            </a:r>
+            <a:r>
+              <a:rPr lang="en-US" altLang="zh-CN" dirty="0"/>
+              <a:t>Mozilla</a:t>
+            </a:r>
+            <a:r>
+              <a:rPr lang="zh-CN" altLang="en-US" dirty="0"/>
+              <a:t>、</a:t>
+            </a:r>
+            <a:r>
+              <a:rPr lang="en-US" altLang="zh-CN" dirty="0" err="1"/>
+              <a:t>Heroku</a:t>
+            </a:r>
+            <a:r>
+              <a:rPr lang="zh-CN" altLang="en-US" dirty="0"/>
+              <a:t>、</a:t>
+            </a:r>
+            <a:r>
+              <a:rPr lang="en-US" altLang="zh-CN" dirty="0" err="1"/>
+              <a:t>Github</a:t>
+            </a:r>
+            <a:r>
+              <a:rPr lang="zh-CN" altLang="en-US" dirty="0"/>
+              <a:t>、</a:t>
+            </a:r>
+            <a:r>
+              <a:rPr lang="en-US" altLang="zh-CN" dirty="0" err="1"/>
+              <a:t>Bitbucket</a:t>
+            </a:r>
+            <a:r>
+              <a:rPr lang="zh-CN" altLang="en-US" dirty="0"/>
+              <a:t>、</a:t>
+            </a:r>
+            <a:r>
+              <a:rPr lang="en-US" altLang="zh-CN" dirty="0" err="1"/>
+              <a:t>Bitly</a:t>
+            </a:r>
+            <a:r>
+              <a:rPr lang="zh-CN" altLang="en-US" dirty="0"/>
+              <a:t>、</a:t>
+            </a:r>
+            <a:r>
+              <a:rPr lang="en-US" altLang="zh-CN" dirty="0" err="1"/>
+              <a:t>CloudFlare</a:t>
+            </a:r>
+            <a:r>
+              <a:rPr lang="zh-CN" altLang="en-US" dirty="0"/>
+              <a:t>、</a:t>
+            </a:r>
+            <a:r>
+              <a:rPr lang="en-US" altLang="zh-CN" dirty="0"/>
+              <a:t>Cloud Foundry</a:t>
+            </a:r>
+            <a:r>
+              <a:rPr lang="zh-CN" altLang="en-US" dirty="0"/>
+              <a:t>、</a:t>
+            </a:r>
+            <a:r>
+              <a:rPr lang="en-US" altLang="zh-CN" dirty="0" err="1"/>
+              <a:t>Flipboard</a:t>
+            </a:r>
+            <a:r>
+              <a:rPr lang="zh-CN" altLang="en-US" dirty="0"/>
+              <a:t>、</a:t>
+            </a:r>
+            <a:r>
+              <a:rPr lang="en-US" altLang="zh-CN" dirty="0" err="1"/>
+              <a:t>Disqus</a:t>
+            </a:r>
+            <a:r>
+              <a:rPr lang="zh-CN" altLang="en-US" dirty="0"/>
+              <a:t>、</a:t>
+            </a:r>
+            <a:r>
+              <a:rPr lang="en-US" altLang="zh-CN" dirty="0" err="1"/>
+              <a:t>SendGrid</a:t>
+            </a:r>
+            <a:r>
+              <a:rPr lang="zh-CN" altLang="en-US" dirty="0"/>
+              <a:t>、</a:t>
+            </a:r>
+            <a:r>
+              <a:rPr lang="en-US" altLang="zh-CN" dirty="0" err="1"/>
+              <a:t>Tumblr</a:t>
+            </a:r>
+            <a:r>
+              <a:rPr lang="zh-CN" altLang="en-US" dirty="0"/>
+              <a:t>、</a:t>
+            </a:r>
+            <a:r>
+              <a:rPr lang="en-US" altLang="zh-CN" dirty="0" err="1"/>
+              <a:t>Zynga</a:t>
+            </a:r>
+            <a:r>
+              <a:rPr lang="zh-CN" altLang="en-US" dirty="0"/>
+              <a:t>、</a:t>
+            </a:r>
+            <a:r>
               <a:rPr lang="en-US" altLang="zh-CN" dirty="0" err="1" smtClean="0"/>
-              <a:t>Golang</a:t>
+              <a:t>Soundcloud</a:t>
+            </a:r>
+            <a:r>
+              <a:rPr lang="en-US" altLang="zh-CN" dirty="0"/>
+              <a:t> </a:t>
             </a:r>
             <a:r>
               <a:rPr lang="en-US" altLang="zh-CN" dirty="0" smtClean="0"/>
+              <a:t>…</a:t>
+            </a:r>
+            <a:endParaRPr lang="en-US" altLang="zh-CN" dirty="0" smtClean="0"/>
+          </a:p>
+          <a:p>
+            <a:pPr lvl="1">
+              <a:lnSpc>
+                <a:spcPct val="170000"/>
+              </a:lnSpc>
+            </a:pPr>
+            <a:endParaRPr lang="en-US" altLang="zh-CN" dirty="0" smtClean="0"/>
+          </a:p>
+          <a:p>
+            <a:pPr>
+              <a:lnSpc>
+                <a:spcPct val="170000"/>
+              </a:lnSpc>
+            </a:pPr>
+            <a:r>
+              <a:rPr lang="zh-CN" altLang="en-US" dirty="0" smtClean="0"/>
+              <a:t>国内公司：</a:t>
+            </a:r>
+            <a:endParaRPr lang="en-US" altLang="zh-CN" dirty="0" smtClean="0"/>
+          </a:p>
+          <a:p>
+            <a:pPr lvl="1">
+              <a:lnSpc>
+                <a:spcPct val="170000"/>
+              </a:lnSpc>
+            </a:pPr>
+            <a:r>
+              <a:rPr lang="zh-CN" altLang="en-US" dirty="0"/>
+              <a:t>支付宝即时到账接口 </a:t>
+            </a:r>
+            <a:r>
+              <a:rPr lang="en-US" altLang="zh-CN" dirty="0" err="1"/>
+              <a:t>golang</a:t>
+            </a:r>
+            <a:r>
+              <a:rPr lang="en-US" altLang="zh-CN" dirty="0"/>
               <a:t> </a:t>
             </a:r>
             <a:r>
               <a:rPr lang="zh-CN" altLang="en-US" dirty="0" smtClean="0"/>
-              <a:t>实战</a:t>
+              <a:t>实现</a:t>
+            </a:r>
+            <a:r>
+              <a:rPr lang="en-US" altLang="zh-CN" dirty="0"/>
+              <a:t> </a:t>
+            </a:r>
+            <a:r>
+              <a:rPr lang="en-US" altLang="zh-CN" dirty="0" smtClean="0">
+                <a:hlinkClick r:id="rId4"/>
+              </a:rPr>
+              <a:t>https</a:t>
+            </a:r>
+            <a:r>
+              <a:rPr lang="en-US" altLang="zh-CN" dirty="0">
+                <a:hlinkClick r:id="rId4"/>
+              </a:rPr>
+              <a:t>://github.com/go-av/alipay</a:t>
+            </a:r>
+            <a:endParaRPr lang="en-US" altLang="zh-CN" dirty="0" smtClean="0"/>
+          </a:p>
+          <a:p>
+            <a:pPr lvl="1">
+              <a:lnSpc>
+                <a:spcPct val="170000"/>
+              </a:lnSpc>
+            </a:pPr>
+            <a:r>
+              <a:rPr lang="zh-CN" altLang="en-US" dirty="0" smtClean="0"/>
+              <a:t>盛大云</a:t>
+            </a:r>
+            <a:r>
+              <a:rPr lang="zh-CN" altLang="en-US" dirty="0"/>
+              <a:t>的日志系统，文件分发</a:t>
+            </a:r>
+            <a:r>
+              <a:rPr lang="zh-CN" altLang="en-US" dirty="0" smtClean="0"/>
+              <a:t>系统</a:t>
+            </a:r>
+            <a:endParaRPr lang="en-US" altLang="zh-CN" dirty="0" smtClean="0"/>
+          </a:p>
+          <a:p>
+            <a:pPr lvl="1">
+              <a:lnSpc>
+                <a:spcPct val="170000"/>
+              </a:lnSpc>
+            </a:pPr>
+            <a:r>
+              <a:rPr lang="zh-CN" altLang="en-US" dirty="0"/>
+              <a:t>豆瓣已经将</a:t>
+            </a:r>
+            <a:r>
+              <a:rPr lang="en-US" altLang="zh-CN" dirty="0" err="1"/>
+              <a:t>golang</a:t>
+            </a:r>
+            <a:r>
+              <a:rPr lang="zh-CN" altLang="en-US" dirty="0"/>
+              <a:t>用到线上系统了，</a:t>
+            </a:r>
+            <a:r>
+              <a:rPr lang="en-US" altLang="zh-CN" dirty="0" err="1"/>
+              <a:t>beansdb</a:t>
+            </a:r>
+            <a:r>
+              <a:rPr lang="zh-CN" altLang="en-US" dirty="0"/>
+              <a:t>的一个</a:t>
+            </a:r>
+            <a:r>
+              <a:rPr lang="en-US" altLang="zh-CN" dirty="0"/>
+              <a:t>proxy</a:t>
+            </a:r>
+            <a:r>
+              <a:rPr lang="zh-CN" altLang="en-US" dirty="0"/>
+              <a:t>就是用</a:t>
+            </a:r>
+            <a:r>
+              <a:rPr lang="en-US" altLang="zh-CN" dirty="0" err="1"/>
+              <a:t>golang</a:t>
+            </a:r>
+            <a:r>
+              <a:rPr lang="zh-CN" altLang="en-US" dirty="0"/>
+              <a:t>写的。不过开源的</a:t>
+            </a:r>
+            <a:r>
+              <a:rPr lang="en-US" altLang="zh-CN" dirty="0" err="1"/>
+              <a:t>beansdb</a:t>
+            </a:r>
+            <a:r>
+              <a:rPr lang="zh-CN" altLang="en-US" dirty="0"/>
+              <a:t>中没有这部分的</a:t>
+            </a:r>
+            <a:r>
+              <a:rPr lang="zh-CN" altLang="en-US" dirty="0" smtClean="0"/>
+              <a:t>代码</a:t>
+            </a:r>
+            <a:endParaRPr lang="en-US" altLang="zh-CN" dirty="0" smtClean="0"/>
+          </a:p>
+          <a:p>
+            <a:pPr lvl="1">
+              <a:lnSpc>
+                <a:spcPct val="170000"/>
+              </a:lnSpc>
+            </a:pPr>
+            <a:r>
+              <a:rPr lang="zh-CN" altLang="en-US" dirty="0"/>
+              <a:t>七牛</a:t>
+            </a:r>
+            <a:r>
+              <a:rPr lang="zh-CN" altLang="en-US" dirty="0" smtClean="0"/>
+              <a:t>云</a:t>
+            </a:r>
+            <a:endParaRPr lang="en-US" altLang="zh-CN" dirty="0" smtClean="0"/>
+          </a:p>
+          <a:p>
+            <a:pPr lvl="1">
+              <a:lnSpc>
+                <a:spcPct val="170000"/>
+              </a:lnSpc>
+            </a:pPr>
+            <a:r>
+              <a:rPr lang="en-US" altLang="zh-CN" dirty="0" smtClean="0"/>
+              <a:t>…</a:t>
             </a:r>
             <a:endParaRPr lang="zh-CN" altLang="en-US" dirty="0"/>
-          </a:p>
-        </p:txBody>
-      </p:sp>
-      <p:sp>
-        <p:nvSpPr>
-          <p:cNvPr id="3" name="内容占位符 2"/>
-          <p:cNvSpPr>
-            <a:spLocks noGrp="1"/>
-          </p:cNvSpPr>
-          <p:nvPr>
-            <p:ph idx="1"/>
-          </p:nvPr>
-        </p:nvSpPr>
-        <p:spPr/>
-        <p:txBody>
-          <a:bodyPr/>
-          <a:lstStyle/>
-          <a:p>
-            <a:r>
-              <a:rPr lang="en-US" altLang="zh-CN" dirty="0" err="1" smtClean="0"/>
-              <a:t>Godoc</a:t>
-            </a:r>
-            <a:r>
-              <a:rPr lang="zh-CN" altLang="en-US" dirty="0" smtClean="0"/>
-              <a:t>介绍</a:t>
-            </a:r>
-            <a:endParaRPr lang="en-US" altLang="zh-CN" dirty="0" smtClean="0"/>
-          </a:p>
-          <a:p>
-            <a:r>
-              <a:rPr lang="en-US" altLang="zh-CN" dirty="0" smtClean="0"/>
-              <a:t>Go-tour</a:t>
-            </a:r>
-            <a:r>
-              <a:rPr lang="zh-CN" altLang="en-US" dirty="0" smtClean="0"/>
-              <a:t>介绍（</a:t>
-            </a:r>
-            <a:r>
-              <a:rPr lang="en-US" altLang="zh-CN" dirty="0">
-                <a:hlinkClick r:id="rId2"/>
-              </a:rPr>
-              <a:t>http://tour.golang.org/</a:t>
-            </a:r>
-            <a:r>
-              <a:rPr lang="zh-CN" altLang="en-US" dirty="0" smtClean="0"/>
-              <a:t>）</a:t>
-            </a:r>
-            <a:endParaRPr lang="en-US" altLang="zh-CN" dirty="0" smtClean="0"/>
           </a:p>
         </p:txBody>
       </p:sp>
     </p:spTree>
     <p:extLst>
       <p:ext uri="{BB962C8B-B14F-4D97-AF65-F5344CB8AC3E}">
-        <p14:creationId xmlns:p14="http://schemas.microsoft.com/office/powerpoint/2010/main" val="3165518108"/>
+        <p14:creationId xmlns:p14="http://schemas.microsoft.com/office/powerpoint/2010/main" val="2600721283"/>
       </p:ext>
     </p:extLst>
   </p:cSld>
   <p:clrMapOvr>
     <a:masterClrMapping/>
   </p:clrMapOvr>
-  <mc:AlternateContent xmlns:mc="http://schemas.openxmlformats.org/markup-compatibility/2006" xmlns:p14="http://schemas.microsoft.com/office/powerpoint/2010/main">
-    <mc:Choice Requires="p14">
-      <p:transition spd="slow" p14:dur="2000"/>
-    </mc:Choice>
-    <mc:Fallback xmlns="">
-      <p:transition spd="slow"/>
-    </mc:Fallback>
-  </mc:AlternateContent>
   <p:timing>
     <p:tnLst>
       <p:par>
-        <p:cTn id="1" dur="indefinite" restart="never" nodeType="tmRoot"/>
+        <p:cTn xmlns:p14="http://schemas.microsoft.com/office/powerpoint/2010/main" id="1" dur="indefinite" restart="never" nodeType="tmRoot"/>
       </p:par>
     </p:tnLst>
   </p:timing>
@@ -17465,7 +18879,7 @@
       </p:grpSpPr>
       <p:sp>
         <p:nvSpPr>
-          <p:cNvPr id="4" name="Title 3"/>
+          <p:cNvPr id="2" name="Title 1"/>
           <p:cNvSpPr>
             <a:spLocks noGrp="1"/>
           </p:cNvSpPr>
@@ -17479,44 +18893,135 @@
           <a:lstStyle/>
           <a:p>
             <a:r>
-              <a:rPr lang="en-US" dirty="0"/>
-              <a:t> </a:t>
+              <a:rPr lang="en-US" altLang="zh-CN" dirty="0" err="1" smtClean="0"/>
+              <a:t>Golang</a:t>
+            </a:r>
+            <a:r>
+              <a:rPr lang="zh-CN" altLang="en-US" dirty="0" smtClean="0"/>
+              <a:t>商业中国案例</a:t>
+            </a:r>
+            <a:endParaRPr lang="en-US" dirty="0"/>
+          </a:p>
+        </p:txBody>
+      </p:sp>
+      <p:sp>
+        <p:nvSpPr>
+          <p:cNvPr id="3" name="Content Placeholder 2"/>
+          <p:cNvSpPr>
+            <a:spLocks noGrp="1"/>
+          </p:cNvSpPr>
+          <p:nvPr>
+            <p:ph idx="1"/>
+          </p:nvPr>
+        </p:nvSpPr>
+        <p:spPr/>
+        <p:txBody>
+          <a:bodyPr>
+            <a:normAutofit fontScale="92500"/>
+          </a:bodyPr>
+          <a:lstStyle/>
+          <a:p>
+            <a:pPr>
+              <a:lnSpc>
+                <a:spcPct val="150000"/>
+              </a:lnSpc>
+            </a:pPr>
+            <a:r>
+              <a:rPr lang="en-US" dirty="0">
+                <a:hlinkClick r:id="rId2"/>
+              </a:rPr>
+              <a:t>https://github.com/qiniu/go/issues/</a:t>
+            </a:r>
+            <a:r>
+              <a:rPr lang="en-US" dirty="0" smtClean="0">
+                <a:hlinkClick r:id="rId2"/>
+              </a:rPr>
+              <a:t>15</a:t>
             </a:r>
             <a:r>
               <a:rPr lang="en-US" dirty="0" smtClean="0"/>
-              <a:t>Go</a:t>
-            </a:r>
+              <a:t> </a:t>
+            </a:r>
+            <a:endParaRPr lang="en-US" dirty="0" smtClean="0"/>
+          </a:p>
+          <a:p>
+            <a:pPr>
+              <a:lnSpc>
+                <a:spcPct val="150000"/>
+              </a:lnSpc>
+            </a:pPr>
             <a:r>
               <a:rPr lang="zh-CN" altLang="en-US" dirty="0" smtClean="0"/>
-              <a:t>如何开始入门？</a:t>
+              <a:t>七牛、美团、</a:t>
+            </a:r>
+            <a:r>
+              <a:rPr lang="en-US" altLang="zh-CN" dirty="0" err="1" smtClean="0"/>
+              <a:t>weico</a:t>
+            </a:r>
+            <a:r>
+              <a:rPr lang="zh-CN" altLang="en-US" dirty="0" smtClean="0"/>
+              <a:t>、仙侠道、快玩游戏、金山微看、盛大云</a:t>
+            </a:r>
+            <a:r>
+              <a:rPr lang="en-US" altLang="zh-CN" dirty="0" smtClean="0"/>
+              <a:t>CDN</a:t>
+            </a:r>
+            <a:r>
+              <a:rPr lang="zh-CN" altLang="en-US" dirty="0" smtClean="0"/>
+              <a:t>、京东消息</a:t>
+            </a:r>
+            <a:r>
+              <a:rPr lang="en-US" altLang="zh-CN" dirty="0" smtClean="0"/>
+              <a:t>PUSH/</a:t>
+            </a:r>
+            <a:r>
+              <a:rPr lang="zh-CN" altLang="en-US" dirty="0" smtClean="0"/>
+              <a:t>文件存储、华大基因交互式数据分析、</a:t>
+            </a:r>
+            <a:r>
+              <a:rPr lang="en-US" altLang="zh-CN" dirty="0" err="1" smtClean="0"/>
+              <a:t>Bmob</a:t>
+            </a:r>
+            <a:r>
+              <a:rPr lang="zh-CN" altLang="en-US" dirty="0" smtClean="0"/>
+              <a:t>移动后端云服务平台、群策、</a:t>
+            </a:r>
+            <a:r>
+              <a:rPr lang="en-US" altLang="zh-CN" dirty="0" smtClean="0"/>
+              <a:t>DSP</a:t>
+            </a:r>
+            <a:r>
+              <a:rPr lang="zh-CN" altLang="en-US" dirty="0" smtClean="0"/>
+              <a:t>管广告投放、小米抢购系统</a:t>
+            </a:r>
+            <a:r>
+              <a:rPr lang="en-US" altLang="zh-CN" dirty="0" smtClean="0"/>
+              <a:t>/</a:t>
+            </a:r>
+            <a:r>
+              <a:rPr lang="zh-CN" altLang="en-US" dirty="0" smtClean="0"/>
+              <a:t>日志平台、</a:t>
+            </a:r>
+            <a:r>
+              <a:rPr lang="en-US" altLang="zh-CN" dirty="0" smtClean="0"/>
+              <a:t>360</a:t>
+            </a:r>
+            <a:r>
+              <a:rPr lang="zh-CN" altLang="en-US" dirty="0" smtClean="0"/>
+              <a:t>消息推送</a:t>
+            </a:r>
+            <a:r>
+              <a:rPr lang="en-US" altLang="zh-CN" dirty="0" smtClean="0"/>
+              <a:t>…</a:t>
             </a:r>
             <a:endParaRPr lang="en-US" dirty="0"/>
-          </a:p>
-        </p:txBody>
-      </p:sp>
-      <p:sp>
-        <p:nvSpPr>
-          <p:cNvPr id="5" name="Text Placeholder 4"/>
-          <p:cNvSpPr>
-            <a:spLocks noGrp="1"/>
-          </p:cNvSpPr>
-          <p:nvPr>
-            <p:ph type="body" idx="1"/>
-          </p:nvPr>
-        </p:nvSpPr>
-        <p:spPr/>
-        <p:txBody>
-          <a:bodyPr/>
-          <a:lstStyle/>
-          <a:p>
-            <a:endParaRPr lang="en-US"/>
           </a:p>
         </p:txBody>
       </p:sp>
     </p:spTree>
     <p:extLst>
       <p:ext uri="{BB962C8B-B14F-4D97-AF65-F5344CB8AC3E}">
-        <p14:creationId xmlns:p14="http://schemas.microsoft.com/office/powerpoint/2010/main" val="944220079"/>
+        <p14:creationId xmlns:p14="http://schemas.microsoft.com/office/powerpoint/2010/main" val="590624109"/>
       </p:ext>
     </p:extLst>
   </p:cSld>
@@ -17526,7 +19031,7 @@
   <p:timing>
     <p:tnLst>
       <p:par>
-        <p:cTn id="1" dur="indefinite" restart="never" nodeType="tmRoot"/>
+        <p:cTn xmlns:p14="http://schemas.microsoft.com/office/powerpoint/2010/main" id="1" dur="indefinite" restart="never" nodeType="tmRoot"/>
       </p:par>
     </p:tnLst>
   </p:timing>
@@ -17552,7 +19057,7 @@
       </p:grpSpPr>
       <p:sp>
         <p:nvSpPr>
-          <p:cNvPr id="2" name="Title 1"/>
+          <p:cNvPr id="4" name="Title 3"/>
           <p:cNvSpPr>
             <a:spLocks noGrp="1"/>
           </p:cNvSpPr>
@@ -17566,8 +19071,16 @@
           <a:lstStyle/>
           <a:p>
             <a:r>
+              <a:rPr lang="en-US" dirty="0"/>
+              <a:t> </a:t>
+            </a:r>
+            <a:r>
               <a:rPr lang="en-US" dirty="0" smtClean="0"/>
-              <a:t>Go-tour</a:t>
+              <a:t>Go</a:t>
+            </a:r>
+            <a:r>
+              <a:rPr lang="zh-CN" altLang="en-US" dirty="0" smtClean="0"/>
+              <a:t>如何开始入门？</a:t>
             </a:r>
             <a:endParaRPr lang="en-US" dirty="0"/>
           </a:p>
@@ -17575,12 +19088,12 @@
       </p:sp>
       <p:sp>
         <p:nvSpPr>
-          <p:cNvPr id="3" name="Content Placeholder 2"/>
+          <p:cNvPr id="5" name="Text Placeholder 4"/>
           <p:cNvSpPr>
             <a:spLocks noGrp="1"/>
           </p:cNvSpPr>
           <p:nvPr>
-            <p:ph idx="1"/>
+            <p:ph type="body" idx="1"/>
           </p:nvPr>
         </p:nvSpPr>
         <p:spPr/>
@@ -17588,152 +19101,14 @@
           <a:bodyPr/>
           <a:lstStyle/>
           <a:p>
-            <a:r>
-              <a:rPr lang="zh-CN" altLang="en-US" dirty="0" smtClean="0"/>
-              <a:t>官方展示：</a:t>
-            </a:r>
-            <a:endParaRPr lang="en-US" dirty="0" smtClean="0"/>
-          </a:p>
-          <a:p>
-            <a:pPr lvl="1"/>
-            <a:r>
-              <a:rPr lang="en-US" dirty="0" smtClean="0">
-                <a:hlinkClick r:id="rId2"/>
-              </a:rPr>
-              <a:t>http</a:t>
-            </a:r>
-            <a:r>
-              <a:rPr lang="en-US" dirty="0">
-                <a:hlinkClick r:id="rId2"/>
-              </a:rPr>
-              <a:t>://tour.golang.org</a:t>
-            </a:r>
-            <a:r>
-              <a:rPr lang="en-US" dirty="0" smtClean="0">
-                <a:hlinkClick r:id="rId2"/>
-              </a:rPr>
-              <a:t>/</a:t>
-            </a:r>
-            <a:r>
-              <a:rPr lang="en-US" dirty="0" smtClean="0"/>
-              <a:t> </a:t>
-            </a:r>
-          </a:p>
-          <a:p>
-            <a:pPr lvl="1"/>
-            <a:r>
-              <a:rPr lang="en-US" dirty="0">
-                <a:hlinkClick r:id="rId3"/>
-              </a:rPr>
-              <a:t>http://gotour.qizhanming.com</a:t>
-            </a:r>
-            <a:r>
-              <a:rPr lang="en-US" dirty="0" smtClean="0">
-                <a:hlinkClick r:id="rId3"/>
-              </a:rPr>
-              <a:t>/</a:t>
-            </a:r>
-            <a:r>
-              <a:rPr lang="en-US" dirty="0"/>
-              <a:t> </a:t>
-            </a:r>
-          </a:p>
-          <a:p>
-            <a:r>
-              <a:rPr lang="zh-CN" altLang="en-US" dirty="0" smtClean="0"/>
-              <a:t>源码：</a:t>
-            </a:r>
-            <a:r>
-              <a:rPr lang="en-US" altLang="zh-CN" dirty="0" smtClean="0"/>
-              <a:t> </a:t>
-            </a:r>
-            <a:endParaRPr lang="en-US" dirty="0" smtClean="0">
-              <a:hlinkClick r:id="rId4"/>
-            </a:endParaRPr>
-          </a:p>
-          <a:p>
-            <a:pPr lvl="1"/>
-            <a:r>
-              <a:rPr lang="en-US" dirty="0" smtClean="0">
-                <a:hlinkClick r:id="rId4"/>
-              </a:rPr>
-              <a:t>https</a:t>
-            </a:r>
-            <a:r>
-              <a:rPr lang="en-US" dirty="0">
-                <a:hlinkClick r:id="rId4"/>
-              </a:rPr>
-              <a:t>://code.google.com/p/go-tour</a:t>
-            </a:r>
-            <a:r>
-              <a:rPr lang="en-US" dirty="0" smtClean="0">
-                <a:hlinkClick r:id="rId4"/>
-              </a:rPr>
-              <a:t>/</a:t>
-            </a:r>
-            <a:endParaRPr lang="en-US" dirty="0" smtClean="0"/>
-          </a:p>
-          <a:p>
-            <a:pPr lvl="1"/>
-            <a:r>
-              <a:rPr lang="en-US" dirty="0">
-                <a:hlinkClick r:id="rId5"/>
-              </a:rPr>
-              <a:t>https://bitbucket.org/mikespook/go-tour-zh</a:t>
-            </a:r>
-            <a:r>
-              <a:rPr lang="en-US" dirty="0" smtClean="0">
-                <a:hlinkClick r:id="rId5"/>
-              </a:rPr>
-              <a:t>/</a:t>
-            </a:r>
-            <a:r>
-              <a:rPr lang="en-US" dirty="0" smtClean="0"/>
-              <a:t> </a:t>
-            </a:r>
-          </a:p>
-          <a:p>
-            <a:pPr lvl="1"/>
-            <a:r>
-              <a:rPr lang="en-US" dirty="0" smtClean="0">
-                <a:hlinkClick r:id="rId6"/>
-              </a:rPr>
-              <a:t>https</a:t>
-            </a:r>
-            <a:r>
-              <a:rPr lang="en-US" dirty="0">
-                <a:hlinkClick r:id="rId6"/>
-              </a:rPr>
-              <a:t>://github.com/zhanming/go-tour-cn</a:t>
-            </a:r>
-            <a:r>
-              <a:rPr lang="en-US" dirty="0" smtClean="0">
-                <a:hlinkClick r:id="rId6"/>
-              </a:rPr>
-              <a:t>/</a:t>
-            </a:r>
-            <a:r>
-              <a:rPr lang="en-US" dirty="0" smtClean="0"/>
-              <a:t> </a:t>
-            </a:r>
-          </a:p>
-          <a:p>
-            <a:pPr lvl="1"/>
-            <a:endParaRPr lang="en-US" dirty="0" smtClean="0"/>
-          </a:p>
-          <a:p>
-            <a:pPr lvl="1"/>
-            <a:endParaRPr lang="en-US" dirty="0" smtClean="0"/>
-          </a:p>
-          <a:p>
-            <a:endParaRPr lang="en-US" dirty="0"/>
+            <a:endParaRPr lang="en-US"/>
           </a:p>
         </p:txBody>
       </p:sp>
     </p:spTree>
     <p:extLst>
       <p:ext uri="{BB962C8B-B14F-4D97-AF65-F5344CB8AC3E}">
-        <p14:creationId xmlns:p14="http://schemas.microsoft.com/office/powerpoint/2010/main" val="546657847"/>
+        <p14:creationId xmlns:p14="http://schemas.microsoft.com/office/powerpoint/2010/main" val="944220079"/>
       </p:ext>
     </p:extLst>
   </p:cSld>
@@ -17743,7 +19118,7 @@
   <p:timing>
     <p:tnLst>
       <p:par>
-        <p:cTn id="1" dur="indefinite" restart="never" nodeType="tmRoot"/>
+        <p:cTn xmlns:p14="http://schemas.microsoft.com/office/powerpoint/2010/main" id="1" dur="indefinite" restart="never" nodeType="tmRoot"/>
       </p:par>
     </p:tnLst>
   </p:timing>
@@ -17783,6 +19158,244 @@
           <a:lstStyle/>
           <a:p>
             <a:r>
+              <a:rPr lang="en-US" dirty="0" smtClean="0"/>
+              <a:t>Go-tour</a:t>
+            </a:r>
+            <a:endParaRPr lang="en-US" dirty="0"/>
+          </a:p>
+        </p:txBody>
+      </p:sp>
+      <p:sp>
+        <p:nvSpPr>
+          <p:cNvPr id="3" name="Content Placeholder 2"/>
+          <p:cNvSpPr>
+            <a:spLocks noGrp="1"/>
+          </p:cNvSpPr>
+          <p:nvPr>
+            <p:ph idx="1"/>
+          </p:nvPr>
+        </p:nvSpPr>
+        <p:spPr/>
+        <p:txBody>
+          <a:bodyPr>
+            <a:normAutofit lnSpcReduction="10000"/>
+          </a:bodyPr>
+          <a:lstStyle/>
+          <a:p>
+            <a:pPr>
+              <a:lnSpc>
+                <a:spcPct val="150000"/>
+              </a:lnSpc>
+            </a:pPr>
+            <a:r>
+              <a:rPr lang="zh-CN" altLang="en-US" dirty="0" smtClean="0"/>
+              <a:t>官方展示：</a:t>
+            </a:r>
+            <a:endParaRPr lang="en-US" dirty="0" smtClean="0"/>
+          </a:p>
+          <a:p>
+            <a:pPr lvl="1">
+              <a:lnSpc>
+                <a:spcPct val="150000"/>
+              </a:lnSpc>
+            </a:pPr>
+            <a:r>
+              <a:rPr lang="en-US" dirty="0" smtClean="0">
+                <a:hlinkClick r:id="rId2"/>
+              </a:rPr>
+              <a:t>http</a:t>
+            </a:r>
+            <a:r>
+              <a:rPr lang="en-US" dirty="0">
+                <a:hlinkClick r:id="rId2"/>
+              </a:rPr>
+              <a:t>://tour.golang.org</a:t>
+            </a:r>
+            <a:r>
+              <a:rPr lang="en-US" dirty="0" smtClean="0">
+                <a:hlinkClick r:id="rId2"/>
+              </a:rPr>
+              <a:t>/</a:t>
+            </a:r>
+            <a:r>
+              <a:rPr lang="en-US" dirty="0" smtClean="0"/>
+              <a:t> </a:t>
+            </a:r>
+          </a:p>
+          <a:p>
+            <a:pPr lvl="1">
+              <a:lnSpc>
+                <a:spcPct val="150000"/>
+              </a:lnSpc>
+            </a:pPr>
+            <a:r>
+              <a:rPr lang="en-US" dirty="0">
+                <a:hlinkClick r:id="rId3"/>
+              </a:rPr>
+              <a:t>http://gotour.qizhanming.com</a:t>
+            </a:r>
+            <a:r>
+              <a:rPr lang="en-US" dirty="0" smtClean="0">
+                <a:hlinkClick r:id="rId3"/>
+              </a:rPr>
+              <a:t>/</a:t>
+            </a:r>
+            <a:r>
+              <a:rPr lang="en-US" dirty="0"/>
+              <a:t> </a:t>
+            </a:r>
+          </a:p>
+          <a:p>
+            <a:pPr>
+              <a:lnSpc>
+                <a:spcPct val="150000"/>
+              </a:lnSpc>
+            </a:pPr>
+            <a:r>
+              <a:rPr lang="zh-CN" altLang="en-US" dirty="0" smtClean="0"/>
+              <a:t>源码：</a:t>
+            </a:r>
+            <a:r>
+              <a:rPr lang="en-US" altLang="zh-CN" dirty="0" smtClean="0"/>
+              <a:t> </a:t>
+            </a:r>
+            <a:endParaRPr lang="en-US" dirty="0" smtClean="0">
+              <a:hlinkClick r:id="rId4"/>
+            </a:endParaRPr>
+          </a:p>
+          <a:p>
+            <a:pPr lvl="1">
+              <a:lnSpc>
+                <a:spcPct val="150000"/>
+              </a:lnSpc>
+            </a:pPr>
+            <a:r>
+              <a:rPr lang="en-US" dirty="0" smtClean="0">
+                <a:hlinkClick r:id="rId4"/>
+              </a:rPr>
+              <a:t>https</a:t>
+            </a:r>
+            <a:r>
+              <a:rPr lang="en-US" dirty="0">
+                <a:hlinkClick r:id="rId4"/>
+              </a:rPr>
+              <a:t>://code.google.com/p/go-tour</a:t>
+            </a:r>
+            <a:r>
+              <a:rPr lang="en-US" dirty="0" smtClean="0">
+                <a:hlinkClick r:id="rId4"/>
+              </a:rPr>
+              <a:t>/</a:t>
+            </a:r>
+            <a:endParaRPr lang="en-US" dirty="0" smtClean="0"/>
+          </a:p>
+          <a:p>
+            <a:pPr lvl="1">
+              <a:lnSpc>
+                <a:spcPct val="150000"/>
+              </a:lnSpc>
+            </a:pPr>
+            <a:r>
+              <a:rPr lang="en-US" dirty="0">
+                <a:hlinkClick r:id="rId5"/>
+              </a:rPr>
+              <a:t>https://bitbucket.org/mikespook/go-tour-zh</a:t>
+            </a:r>
+            <a:r>
+              <a:rPr lang="en-US" dirty="0" smtClean="0">
+                <a:hlinkClick r:id="rId5"/>
+              </a:rPr>
+              <a:t>/</a:t>
+            </a:r>
+            <a:r>
+              <a:rPr lang="en-US" dirty="0" smtClean="0"/>
+              <a:t> </a:t>
+            </a:r>
+          </a:p>
+          <a:p>
+            <a:pPr lvl="1">
+              <a:lnSpc>
+                <a:spcPct val="150000"/>
+              </a:lnSpc>
+            </a:pPr>
+            <a:r>
+              <a:rPr lang="en-US" dirty="0" smtClean="0">
+                <a:hlinkClick r:id="rId6"/>
+              </a:rPr>
+              <a:t>https</a:t>
+            </a:r>
+            <a:r>
+              <a:rPr lang="en-US" dirty="0">
+                <a:hlinkClick r:id="rId6"/>
+              </a:rPr>
+              <a:t>://github.com/zhanming/go-tour-cn</a:t>
+            </a:r>
+            <a:r>
+              <a:rPr lang="en-US" dirty="0" smtClean="0">
+                <a:hlinkClick r:id="rId6"/>
+              </a:rPr>
+              <a:t>/</a:t>
+            </a:r>
+            <a:r>
+              <a:rPr lang="en-US" dirty="0" smtClean="0"/>
+              <a:t> </a:t>
+            </a:r>
+          </a:p>
+        </p:txBody>
+      </p:sp>
+    </p:spTree>
+    <p:extLst>
+      <p:ext uri="{BB962C8B-B14F-4D97-AF65-F5344CB8AC3E}">
+        <p14:creationId xmlns:p14="http://schemas.microsoft.com/office/powerpoint/2010/main" val="546657847"/>
+      </p:ext>
+    </p:extLst>
+  </p:cSld>
+  <p:clrMapOvr>
+    <a:masterClrMapping/>
+  </p:clrMapOvr>
+  <p:timing>
+    <p:tnLst>
+      <p:par>
+        <p:cTn xmlns:p14="http://schemas.microsoft.com/office/powerpoint/2010/main" id="1" dur="indefinite" restart="never" nodeType="tmRoot"/>
+      </p:par>
+    </p:tnLst>
+  </p:timing>
+</p:sld>
+</file>
+
+<file path=ppt/slides/slide48.xml><?xml version="1.0" encoding="utf-8"?>
+<p:sld xmlns:a="http://schemas.openxmlformats.org/drawingml/2006/main" xmlns:r="http://schemas.openxmlformats.org/officeDocument/2006/relationships" xmlns:p="http://schemas.openxmlformats.org/presentationml/2006/main">
+  <p:cSld>
+    <p:spTree>
+      <p:nvGrpSpPr>
+        <p:cNvPr id="1" name=""/>
+        <p:cNvGrpSpPr/>
+        <p:nvPr/>
+      </p:nvGrpSpPr>
+      <p:grpSpPr>
+        <a:xfrm>
+          <a:off x="0" y="0"/>
+          <a:ext cx="0" cy="0"/>
+          <a:chOff x="0" y="0"/>
+          <a:chExt cx="0" cy="0"/>
+        </a:xfrm>
+      </p:grpSpPr>
+      <p:sp>
+        <p:nvSpPr>
+          <p:cNvPr id="2" name="Title 1"/>
+          <p:cNvSpPr>
+            <a:spLocks noGrp="1"/>
+          </p:cNvSpPr>
+          <p:nvPr>
+            <p:ph type="title"/>
+          </p:nvPr>
+        </p:nvSpPr>
+        <p:spPr/>
+        <p:txBody>
+          <a:bodyPr/>
+          <a:lstStyle/>
+          <a:p>
+            <a:r>
               <a:rPr lang="en-US" dirty="0"/>
               <a:t>《Go Web 编程》</a:t>
             </a:r>
@@ -17801,76 +19414,103 @@
         </p:nvSpPr>
         <p:spPr/>
         <p:txBody>
-          <a:bodyPr/>
+          <a:bodyPr>
+            <a:normAutofit/>
+          </a:bodyPr>
           <a:lstStyle/>
           <a:p>
-            <a:r>
-              <a:rPr lang="en-US" dirty="0" smtClean="0">
+            <a:pPr>
+              <a:lnSpc>
+                <a:spcPct val="150000"/>
+              </a:lnSpc>
+            </a:pPr>
+            <a:r>
+              <a:rPr lang="en-US" sz="2400" dirty="0" smtClean="0">
                 <a:hlinkClick r:id="rId2"/>
               </a:rPr>
               <a:t>https</a:t>
             </a:r>
             <a:r>
-              <a:rPr lang="en-US" dirty="0">
+              <a:rPr lang="en-US" sz="2400" dirty="0">
                 <a:hlinkClick r:id="rId2"/>
               </a:rPr>
               <a:t>://github.com/astaxie/build-web-application-with-</a:t>
             </a:r>
             <a:r>
-              <a:rPr lang="en-US" dirty="0" smtClean="0">
+              <a:rPr lang="en-US" sz="2400" dirty="0" smtClean="0">
                 <a:hlinkClick r:id="rId2"/>
               </a:rPr>
               <a:t>golang</a:t>
             </a:r>
             <a:r>
-              <a:rPr lang="en-US" dirty="0" smtClean="0"/>
+              <a:rPr lang="en-US" sz="2400" dirty="0" smtClean="0"/>
               <a:t> </a:t>
             </a:r>
           </a:p>
           <a:p>
-            <a:r>
-              <a:rPr lang="en-US" altLang="zh-CN" dirty="0" smtClean="0">
+            <a:pPr>
+              <a:lnSpc>
+                <a:spcPct val="150000"/>
+              </a:lnSpc>
+            </a:pPr>
+            <a:r>
+              <a:rPr lang="en-US" altLang="zh-CN" sz="2400" dirty="0" smtClean="0">
                 <a:hlinkClick r:id="rId3"/>
               </a:rPr>
               <a:t>http</a:t>
             </a:r>
             <a:r>
-              <a:rPr lang="en-US" altLang="zh-CN" dirty="0">
+              <a:rPr lang="en-US" altLang="zh-CN" sz="2400" dirty="0">
                 <a:hlinkClick r:id="rId3"/>
               </a:rPr>
               <a:t>://weibo.com/533452688</a:t>
             </a:r>
             <a:r>
-              <a:rPr lang="en-US" altLang="zh-CN" dirty="0"/>
+              <a:rPr lang="en-US" altLang="zh-CN" sz="2400" dirty="0"/>
               <a:t> </a:t>
             </a:r>
             <a:r>
-              <a:rPr lang="zh-CN" altLang="en-US" dirty="0"/>
+              <a:rPr lang="zh-CN" altLang="en-US" sz="2400" dirty="0"/>
               <a:t>（</a:t>
             </a:r>
             <a:r>
-              <a:rPr lang="en-US" altLang="zh-CN" dirty="0"/>
+              <a:rPr lang="en-US" altLang="zh-CN" sz="2400" dirty="0"/>
               <a:t> ASTA</a:t>
             </a:r>
             <a:r>
-              <a:rPr lang="zh-CN" altLang="en-US" dirty="0"/>
+              <a:rPr lang="zh-CN" altLang="en-US" sz="2400" dirty="0"/>
               <a:t>谢）</a:t>
             </a:r>
           </a:p>
           <a:p>
-            <a:r>
-              <a:rPr lang="en-US" altLang="zh-CN" dirty="0">
+            <a:pPr>
+              <a:lnSpc>
+                <a:spcPct val="150000"/>
+              </a:lnSpc>
+            </a:pPr>
+            <a:r>
+              <a:rPr lang="en-US" altLang="zh-CN" sz="2400" dirty="0">
                 <a:hlinkClick r:id="rId4"/>
               </a:rPr>
               <a:t>http://beego.me</a:t>
             </a:r>
-            <a:endParaRPr lang="en-US" altLang="zh-CN" dirty="0"/>
-          </a:p>
-          <a:p>
-            <a:endParaRPr lang="en-US" dirty="0" smtClean="0"/>
-          </a:p>
-          <a:p>
-            <a:endParaRPr lang="en-US" dirty="0"/>
+            <a:endParaRPr lang="en-US" altLang="zh-CN" sz="2400" dirty="0"/>
+          </a:p>
+          <a:p>
+            <a:pPr>
+              <a:lnSpc>
+                <a:spcPct val="150000"/>
+              </a:lnSpc>
+            </a:pPr>
+            <a:endParaRPr lang="en-US" sz="2400" dirty="0" smtClean="0"/>
+          </a:p>
+          <a:p>
+            <a:pPr>
+              <a:lnSpc>
+                <a:spcPct val="150000"/>
+              </a:lnSpc>
+            </a:pPr>
+            <a:endParaRPr lang="en-US" sz="2400" dirty="0"/>
           </a:p>
         </p:txBody>
       </p:sp>
@@ -17929,7 +19569,7 @@
           </a:prstGeom>
           <a:noFill/>
           <a:extLst>
-            <a:ext uri="{909E8E84-426E-40DD-AFC4-6F175D3DCCD1}">
+            <a:ext uri="{909E8E84-426E-40dd-AFC4-6F175D3DCCD1}">
               <a14:hiddenFill xmlns:a14="http://schemas.microsoft.com/office/drawing/2010/main">
                 <a:solidFill>
                   <a:srgbClr val="FFFFFF"/>
@@ -17952,93 +19592,7 @@
   <p:timing>
     <p:tnLst>
       <p:par>
-        <p:cTn id="1" dur="indefinite" restart="never" nodeType="tmRoot"/>
-      </p:par>
-    </p:tnLst>
-  </p:timing>
-</p:sld>
-</file>
-
-<file path=ppt/slides/slide48.xml><?xml version="1.0" encoding="utf-8"?>
-<p:sld xmlns:a="http://schemas.openxmlformats.org/drawingml/2006/main" xmlns:r="http://schemas.openxmlformats.org/officeDocument/2006/relationships" xmlns:p="http://schemas.openxmlformats.org/presentationml/2006/main">
-  <p:cSld>
-    <p:spTree>
-      <p:nvGrpSpPr>
-        <p:cNvPr id="1" name=""/>
-        <p:cNvGrpSpPr/>
-        <p:nvPr/>
-      </p:nvGrpSpPr>
-      <p:grpSpPr>
-        <a:xfrm>
-          <a:off x="0" y="0"/>
-          <a:ext cx="0" cy="0"/>
-          <a:chOff x="0" y="0"/>
-          <a:chExt cx="0" cy="0"/>
-        </a:xfrm>
-      </p:grpSpPr>
-      <p:sp>
-        <p:nvSpPr>
-          <p:cNvPr id="2" name="Title 1"/>
-          <p:cNvSpPr>
-            <a:spLocks noGrp="1"/>
-          </p:cNvSpPr>
-          <p:nvPr>
-            <p:ph type="title"/>
-          </p:nvPr>
-        </p:nvSpPr>
-        <p:spPr/>
-        <p:txBody>
-          <a:bodyPr/>
-          <a:lstStyle/>
-          <a:p>
-            <a:r>
-              <a:rPr lang="en-US" altLang="zh-CN" dirty="0" err="1" smtClean="0"/>
-              <a:t>GoDoc</a:t>
-            </a:r>
-            <a:endParaRPr lang="en-US" dirty="0"/>
-          </a:p>
-        </p:txBody>
-      </p:sp>
-      <p:sp>
-        <p:nvSpPr>
-          <p:cNvPr id="3" name="Content Placeholder 2"/>
-          <p:cNvSpPr>
-            <a:spLocks noGrp="1"/>
-          </p:cNvSpPr>
-          <p:nvPr>
-            <p:ph idx="1"/>
-          </p:nvPr>
-        </p:nvSpPr>
-        <p:spPr/>
-        <p:txBody>
-          <a:bodyPr/>
-          <a:lstStyle/>
-          <a:p>
-            <a:r>
-              <a:rPr lang="en-US" dirty="0" err="1"/>
-              <a:t>godoc</a:t>
-            </a:r>
-            <a:r>
-              <a:rPr lang="en-US" dirty="0"/>
-              <a:t> -http=:端口号</a:t>
-            </a:r>
-          </a:p>
-        </p:txBody>
-      </p:sp>
-    </p:spTree>
-    <p:extLst>
-      <p:ext uri="{BB962C8B-B14F-4D97-AF65-F5344CB8AC3E}">
-        <p14:creationId xmlns:p14="http://schemas.microsoft.com/office/powerpoint/2010/main" val="3483236772"/>
-      </p:ext>
-    </p:extLst>
-  </p:cSld>
-  <p:clrMapOvr>
-    <a:masterClrMapping/>
-  </p:clrMapOvr>
-  <p:timing>
-    <p:tnLst>
-      <p:par>
-        <p:cTn id="1" dur="indefinite" restart="never" nodeType="tmRoot"/>
+        <p:cTn xmlns:p14="http://schemas.microsoft.com/office/powerpoint/2010/main" id="1" dur="indefinite" restart="never" nodeType="tmRoot"/>
       </p:par>
     </p:tnLst>
   </p:timing>
@@ -18064,7 +19618,7 @@
       </p:grpSpPr>
       <p:sp>
         <p:nvSpPr>
-          <p:cNvPr id="2" name="标题 1"/>
+          <p:cNvPr id="2" name="Title 1"/>
           <p:cNvSpPr>
             <a:spLocks noGrp="1"/>
           </p:cNvSpPr>
@@ -18078,16 +19632,16 @@
           <a:lstStyle/>
           <a:p>
             <a:r>
-              <a:rPr lang="zh-CN" altLang="en-US" dirty="0" smtClean="0"/>
-              <a:t>总结</a:t>
-            </a:r>
-            <a:endParaRPr lang="zh-CN" altLang="en-US" dirty="0"/>
-          </a:p>
-        </p:txBody>
-      </p:sp>
-      <p:sp>
-        <p:nvSpPr>
-          <p:cNvPr id="3" name="内容占位符 2"/>
+              <a:rPr lang="en-US" altLang="zh-CN" dirty="0" err="1" smtClean="0"/>
+              <a:t>GoDoc</a:t>
+            </a:r>
+            <a:endParaRPr lang="en-US" dirty="0"/>
+          </a:p>
+        </p:txBody>
+      </p:sp>
+      <p:sp>
+        <p:nvSpPr>
+          <p:cNvPr id="3" name="Content Placeholder 2"/>
           <p:cNvSpPr>
             <a:spLocks noGrp="1"/>
           </p:cNvSpPr>
@@ -18101,36 +19655,12 @@
           <a:lstStyle/>
           <a:p>
             <a:r>
-              <a:rPr lang="en-US" altLang="zh-CN" dirty="0"/>
-              <a:t>Go</a:t>
-            </a:r>
-            <a:r>
-              <a:rPr lang="zh-CN" altLang="en-US" dirty="0"/>
-              <a:t>的并发模型与</a:t>
-            </a:r>
-            <a:r>
-              <a:rPr lang="en-US" altLang="zh-CN" dirty="0" err="1"/>
-              <a:t>Erlang</a:t>
-            </a:r>
-            <a:r>
-              <a:rPr lang="zh-CN" altLang="en-US" dirty="0"/>
-              <a:t>、</a:t>
-            </a:r>
-            <a:r>
-              <a:rPr lang="en-US" altLang="zh-CN" dirty="0"/>
-              <a:t>C</a:t>
-            </a:r>
-            <a:r>
-              <a:rPr lang="zh-CN" altLang="en-US" dirty="0"/>
-              <a:t>和</a:t>
-            </a:r>
-            <a:r>
-              <a:rPr lang="en-US" altLang="zh-CN" dirty="0"/>
-              <a:t>C++</a:t>
-            </a:r>
-            <a:r>
-              <a:rPr lang="zh-CN" altLang="en-US" dirty="0"/>
-              <a:t>的几乎一样强大，而且是对开发者非常友好的一种系统。</a:t>
+              <a:rPr lang="en-US" dirty="0" err="1"/>
+              <a:t>godoc</a:t>
+            </a:r>
+            <a:r>
+              <a:rPr lang="en-US" dirty="0"/>
+              <a:t> -http=:端口号</a:t>
             </a:r>
           </a:p>
         </p:txBody>
@@ -18138,7 +19668,7 @@
     </p:spTree>
     <p:extLst>
       <p:ext uri="{BB962C8B-B14F-4D97-AF65-F5344CB8AC3E}">
-        <p14:creationId xmlns:p14="http://schemas.microsoft.com/office/powerpoint/2010/main" val="295377224"/>
+        <p14:creationId xmlns:p14="http://schemas.microsoft.com/office/powerpoint/2010/main" val="3483236772"/>
       </p:ext>
     </p:extLst>
   </p:cSld>
@@ -18148,7 +19678,7 @@
   <p:timing>
     <p:tnLst>
       <p:par>
-        <p:cTn id="1" dur="indefinite" restart="never" nodeType="tmRoot"/>
+        <p:cTn xmlns:p14="http://schemas.microsoft.com/office/powerpoint/2010/main" id="1" dur="indefinite" restart="never" nodeType="tmRoot"/>
       </p:par>
     </p:tnLst>
   </p:timing>
@@ -18193,7 +19723,19 @@
             </a:r>
             <a:r>
               <a:rPr lang="en-US" altLang="zh-CN" dirty="0" smtClean="0"/>
-              <a:t>30-&gt;2</a:t>
+              <a:t>30 </a:t>
+            </a:r>
+            <a:r>
+              <a:rPr lang="zh-CN" altLang="en-US" dirty="0" smtClean="0"/>
+              <a:t>－</a:t>
+            </a:r>
+            <a:r>
+              <a:rPr lang="en-US" altLang="zh-CN" dirty="0" smtClean="0"/>
+              <a:t>&gt;</a:t>
+            </a:r>
+            <a:r>
+              <a:rPr lang="en-US" altLang="zh-CN" dirty="0" smtClean="0"/>
+              <a:t> 2</a:t>
             </a:r>
             <a:endParaRPr lang="zh-CN" altLang="en-US" dirty="0"/>
           </a:p>
@@ -18302,7 +19844,7 @@
   <p:timing>
     <p:tnLst>
       <p:par>
-        <p:cTn id="1" dur="indefinite" restart="never" nodeType="tmRoot"/>
+        <p:cTn xmlns:p14="http://schemas.microsoft.com/office/powerpoint/2010/main" id="1" dur="indefinite" restart="never" nodeType="tmRoot"/>
       </p:par>
     </p:tnLst>
   </p:timing>
@@ -18328,7 +19870,7 @@
       </p:grpSpPr>
       <p:sp>
         <p:nvSpPr>
-          <p:cNvPr id="2" name="标题 1"/>
+          <p:cNvPr id="2" name="Title 1"/>
           <p:cNvSpPr>
             <a:spLocks noGrp="1"/>
           </p:cNvSpPr>
@@ -18341,17 +19883,13 @@
           <a:bodyPr/>
           <a:lstStyle/>
           <a:p>
-            <a:r>
-              <a:rPr lang="en-US" altLang="zh-CN" dirty="0"/>
-              <a:t>Write in Go (Fall 2014)</a:t>
-            </a:r>
-            <a:endParaRPr lang="zh-CN" altLang="en-US" dirty="0"/>
-          </a:p>
-        </p:txBody>
-      </p:sp>
-      <p:sp>
-        <p:nvSpPr>
-          <p:cNvPr id="3" name="内容占位符 2"/>
+            <a:endParaRPr lang="en-US"/>
+          </a:p>
+        </p:txBody>
+      </p:sp>
+      <p:sp>
+        <p:nvSpPr>
+          <p:cNvPr id="3" name="Content Placeholder 2"/>
           <p:cNvSpPr>
             <a:spLocks noGrp="1"/>
           </p:cNvSpPr>
@@ -18364,31 +19902,132 @@
           <a:bodyPr/>
           <a:lstStyle/>
           <a:p>
-            <a:r>
-              <a:rPr lang="en-US" altLang="zh-CN" dirty="0"/>
-              <a:t>https://www.youtube.com/watch?v=LJvEIjRBSDA&amp;feature=youtu.be</a:t>
-            </a:r>
-            <a:endParaRPr lang="zh-CN" altLang="en-US" dirty="0"/>
-          </a:p>
-        </p:txBody>
-      </p:sp>
+            <a:pPr>
+              <a:lnSpc>
+                <a:spcPct val="150000"/>
+              </a:lnSpc>
+            </a:pPr>
+            <a:r>
+              <a:rPr lang="zh-CN" altLang="en-US" dirty="0" smtClean="0"/>
+              <a:t>雨痕</a:t>
+            </a:r>
+            <a:r>
+              <a:rPr lang="en-US" altLang="zh-CN" dirty="0" smtClean="0"/>
+              <a:t> 《Go</a:t>
+            </a:r>
+            <a:r>
+              <a:rPr lang="zh-CN" altLang="en-US" dirty="0" smtClean="0"/>
+              <a:t>学习笔记</a:t>
+            </a:r>
+            <a:r>
+              <a:rPr lang="en-US" altLang="zh-CN" dirty="0" smtClean="0"/>
+              <a:t> </a:t>
+            </a:r>
+            <a:r>
+              <a:rPr lang="zh-CN" altLang="en-US" dirty="0" smtClean="0"/>
+              <a:t>第四版</a:t>
+            </a:r>
+            <a:r>
+              <a:rPr lang="zh-CN" altLang="zh-CN" dirty="0"/>
+              <a:t>》</a:t>
+            </a:r>
+            <a:r>
+              <a:rPr lang="en-US" altLang="zh-CN" dirty="0" smtClean="0"/>
+              <a:t/>
+            </a:r>
+            <a:br>
+              <a:rPr lang="en-US" altLang="zh-CN" dirty="0" smtClean="0"/>
+            </a:br>
+            <a:r>
+              <a:rPr lang="en-US" altLang="zh-CN" dirty="0" smtClean="0">
+                <a:hlinkClick r:id="rId2"/>
+              </a:rPr>
+              <a:t>https</a:t>
+            </a:r>
+            <a:r>
+              <a:rPr lang="en-US" altLang="zh-CN" dirty="0">
+                <a:hlinkClick r:id="rId2"/>
+              </a:rPr>
+              <a:t>://github.com/qyuhen/</a:t>
+            </a:r>
+            <a:r>
+              <a:rPr lang="en-US" altLang="zh-CN" dirty="0" smtClean="0">
+                <a:hlinkClick r:id="rId2"/>
+              </a:rPr>
+              <a:t>book</a:t>
+            </a:r>
+            <a:r>
+              <a:rPr lang="en-US" altLang="zh-CN" dirty="0" smtClean="0"/>
+              <a:t> </a:t>
+            </a:r>
+          </a:p>
+          <a:p>
+            <a:pPr>
+              <a:lnSpc>
+                <a:spcPct val="150000"/>
+              </a:lnSpc>
+            </a:pPr>
+            <a:r>
+              <a:rPr lang="zh-CN" altLang="en-US" dirty="0" smtClean="0"/>
+              <a:t>郝林</a:t>
+            </a:r>
+            <a:r>
+              <a:rPr lang="en-US" altLang="zh-CN" dirty="0" smtClean="0"/>
+              <a:t>《Go </a:t>
+            </a:r>
+            <a:r>
+              <a:rPr lang="zh-CN" altLang="en-US" dirty="0" smtClean="0"/>
+              <a:t>并发编程实战</a:t>
+            </a:r>
+            <a:r>
+              <a:rPr lang="en-US" altLang="zh-CN" dirty="0" smtClean="0"/>
+              <a:t>》</a:t>
+            </a:r>
+          </a:p>
+          <a:p>
+            <a:pPr>
+              <a:lnSpc>
+                <a:spcPct val="150000"/>
+              </a:lnSpc>
+            </a:pPr>
+            <a:endParaRPr lang="en-US" dirty="0"/>
+          </a:p>
+        </p:txBody>
+      </p:sp>
+      <p:pic>
+        <p:nvPicPr>
+          <p:cNvPr id="4" name="Picture 3"/>
+          <p:cNvPicPr>
+            <a:picLocks noChangeAspect="1"/>
+          </p:cNvPicPr>
+          <p:nvPr/>
+        </p:nvPicPr>
+        <p:blipFill>
+          <a:blip r:embed="rId3"/>
+          <a:stretch>
+            <a:fillRect/>
+          </a:stretch>
+        </p:blipFill>
+        <p:spPr>
+          <a:xfrm>
+            <a:off x="1102687" y="4140517"/>
+            <a:ext cx="2032000" cy="2032000"/>
+          </a:xfrm>
+          <a:prstGeom prst="rect">
+            <a:avLst/>
+          </a:prstGeom>
+        </p:spPr>
+      </p:pic>
     </p:spTree>
     <p:extLst>
       <p:ext uri="{BB962C8B-B14F-4D97-AF65-F5344CB8AC3E}">
-        <p14:creationId xmlns:p14="http://schemas.microsoft.com/office/powerpoint/2010/main" val="1186169947"/>
+        <p14:creationId xmlns:p14="http://schemas.microsoft.com/office/powerpoint/2010/main" val="806571602"/>
       </p:ext>
     </p:extLst>
   </p:cSld>
   <p:clrMapOvr>
     <a:masterClrMapping/>
   </p:clrMapOvr>
-  <p:timing>
-    <p:tnLst>
-      <p:par>
-        <p:cTn id="1" dur="indefinite" restart="never" nodeType="tmRoot"/>
-      </p:par>
-    </p:tnLst>
-  </p:timing>
 </p:sld>
 </file>
 
@@ -18411,6 +20050,204 @@
       </p:grpSpPr>
       <p:sp>
         <p:nvSpPr>
+          <p:cNvPr id="2" name="标题 1"/>
+          <p:cNvSpPr>
+            <a:spLocks noGrp="1"/>
+          </p:cNvSpPr>
+          <p:nvPr>
+            <p:ph type="title"/>
+          </p:nvPr>
+        </p:nvSpPr>
+        <p:spPr/>
+        <p:txBody>
+          <a:bodyPr/>
+          <a:lstStyle/>
+          <a:p>
+            <a:r>
+              <a:rPr lang="zh-CN" altLang="en-US" dirty="0" smtClean="0"/>
+              <a:t>总结</a:t>
+            </a:r>
+            <a:endParaRPr lang="zh-CN" altLang="en-US" dirty="0"/>
+          </a:p>
+        </p:txBody>
+      </p:sp>
+      <p:sp>
+        <p:nvSpPr>
+          <p:cNvPr id="3" name="内容占位符 2"/>
+          <p:cNvSpPr>
+            <a:spLocks noGrp="1"/>
+          </p:cNvSpPr>
+          <p:nvPr>
+            <p:ph idx="1"/>
+          </p:nvPr>
+        </p:nvSpPr>
+        <p:spPr/>
+        <p:txBody>
+          <a:bodyPr/>
+          <a:lstStyle/>
+          <a:p>
+            <a:pPr>
+              <a:lnSpc>
+                <a:spcPct val="150000"/>
+              </a:lnSpc>
+            </a:pPr>
+            <a:r>
+              <a:rPr lang="en-US" altLang="zh-CN" dirty="0"/>
+              <a:t>Go</a:t>
+            </a:r>
+            <a:r>
+              <a:rPr lang="zh-CN" altLang="en-US" dirty="0"/>
+              <a:t>的并发模型与</a:t>
+            </a:r>
+            <a:r>
+              <a:rPr lang="en-US" altLang="zh-CN" dirty="0" err="1"/>
+              <a:t>Erlang</a:t>
+            </a:r>
+            <a:r>
+              <a:rPr lang="zh-CN" altLang="en-US" dirty="0"/>
+              <a:t>、</a:t>
+            </a:r>
+            <a:r>
+              <a:rPr lang="en-US" altLang="zh-CN" dirty="0"/>
+              <a:t>C</a:t>
+            </a:r>
+            <a:r>
+              <a:rPr lang="zh-CN" altLang="en-US" dirty="0"/>
+              <a:t>和</a:t>
+            </a:r>
+            <a:r>
+              <a:rPr lang="en-US" altLang="zh-CN" dirty="0"/>
+              <a:t>C++</a:t>
+            </a:r>
+            <a:r>
+              <a:rPr lang="zh-CN" altLang="en-US" dirty="0"/>
+              <a:t>的几乎一样强大，而且是对开发者非常友好的一种系统。</a:t>
+            </a:r>
+          </a:p>
+        </p:txBody>
+      </p:sp>
+    </p:spTree>
+    <p:extLst>
+      <p:ext uri="{BB962C8B-B14F-4D97-AF65-F5344CB8AC3E}">
+        <p14:creationId xmlns:p14="http://schemas.microsoft.com/office/powerpoint/2010/main" val="295377224"/>
+      </p:ext>
+    </p:extLst>
+  </p:cSld>
+  <p:clrMapOvr>
+    <a:masterClrMapping/>
+  </p:clrMapOvr>
+  <p:timing>
+    <p:tnLst>
+      <p:par>
+        <p:cTn xmlns:p14="http://schemas.microsoft.com/office/powerpoint/2010/main" id="1" dur="indefinite" restart="never" nodeType="tmRoot"/>
+      </p:par>
+    </p:tnLst>
+  </p:timing>
+</p:sld>
+</file>
+
+<file path=ppt/slides/slide52.xml><?xml version="1.0" encoding="utf-8"?>
+<p:sld xmlns:a="http://schemas.openxmlformats.org/drawingml/2006/main" xmlns:r="http://schemas.openxmlformats.org/officeDocument/2006/relationships" xmlns:p="http://schemas.openxmlformats.org/presentationml/2006/main">
+  <p:cSld>
+    <p:spTree>
+      <p:nvGrpSpPr>
+        <p:cNvPr id="1" name=""/>
+        <p:cNvGrpSpPr/>
+        <p:nvPr/>
+      </p:nvGrpSpPr>
+      <p:grpSpPr>
+        <a:xfrm>
+          <a:off x="0" y="0"/>
+          <a:ext cx="0" cy="0"/>
+          <a:chOff x="0" y="0"/>
+          <a:chExt cx="0" cy="0"/>
+        </a:xfrm>
+      </p:grpSpPr>
+      <p:sp>
+        <p:nvSpPr>
+          <p:cNvPr id="2" name="标题 1"/>
+          <p:cNvSpPr>
+            <a:spLocks noGrp="1"/>
+          </p:cNvSpPr>
+          <p:nvPr>
+            <p:ph type="title"/>
+          </p:nvPr>
+        </p:nvSpPr>
+        <p:spPr/>
+        <p:txBody>
+          <a:bodyPr/>
+          <a:lstStyle/>
+          <a:p>
+            <a:r>
+              <a:rPr lang="en-US" altLang="zh-CN" dirty="0"/>
+              <a:t>Write in Go (Fall 2014)</a:t>
+            </a:r>
+            <a:endParaRPr lang="zh-CN" altLang="en-US" dirty="0"/>
+          </a:p>
+        </p:txBody>
+      </p:sp>
+      <p:sp>
+        <p:nvSpPr>
+          <p:cNvPr id="3" name="内容占位符 2"/>
+          <p:cNvSpPr>
+            <a:spLocks noGrp="1"/>
+          </p:cNvSpPr>
+          <p:nvPr>
+            <p:ph idx="1"/>
+          </p:nvPr>
+        </p:nvSpPr>
+        <p:spPr/>
+        <p:txBody>
+          <a:bodyPr/>
+          <a:lstStyle/>
+          <a:p>
+            <a:r>
+              <a:rPr lang="en-US" altLang="zh-CN" dirty="0"/>
+              <a:t>https://www.youtube.com/watch?v=LJvEIjRBSDA&amp;feature=youtu.be</a:t>
+            </a:r>
+            <a:endParaRPr lang="zh-CN" altLang="en-US" dirty="0"/>
+          </a:p>
+        </p:txBody>
+      </p:sp>
+    </p:spTree>
+    <p:extLst>
+      <p:ext uri="{BB962C8B-B14F-4D97-AF65-F5344CB8AC3E}">
+        <p14:creationId xmlns:p14="http://schemas.microsoft.com/office/powerpoint/2010/main" val="1186169947"/>
+      </p:ext>
+    </p:extLst>
+  </p:cSld>
+  <p:clrMapOvr>
+    <a:masterClrMapping/>
+  </p:clrMapOvr>
+  <p:timing>
+    <p:tnLst>
+      <p:par>
+        <p:cTn xmlns:p14="http://schemas.microsoft.com/office/powerpoint/2010/main" id="1" dur="indefinite" restart="never" nodeType="tmRoot"/>
+      </p:par>
+    </p:tnLst>
+  </p:timing>
+</p:sld>
+</file>
+
+<file path=ppt/slides/slide53.xml><?xml version="1.0" encoding="utf-8"?>
+<p:sld xmlns:a="http://schemas.openxmlformats.org/drawingml/2006/main" xmlns:r="http://schemas.openxmlformats.org/officeDocument/2006/relationships" xmlns:p="http://schemas.openxmlformats.org/presentationml/2006/main">
+  <p:cSld>
+    <p:spTree>
+      <p:nvGrpSpPr>
+        <p:cNvPr id="1" name=""/>
+        <p:cNvGrpSpPr/>
+        <p:nvPr/>
+      </p:nvGrpSpPr>
+      <p:grpSpPr>
+        <a:xfrm>
+          <a:off x="0" y="0"/>
+          <a:ext cx="0" cy="0"/>
+          <a:chOff x="0" y="0"/>
+          <a:chExt cx="0" cy="0"/>
+        </a:xfrm>
+      </p:grpSpPr>
+      <p:sp>
+        <p:nvSpPr>
           <p:cNvPr id="2" name="Title 1"/>
           <p:cNvSpPr>
             <a:spLocks noGrp="1"/>
@@ -18466,12 +20303,66 @@
         </p:blipFill>
         <p:spPr>
           <a:xfrm>
-            <a:off x="778400" y="1640440"/>
+            <a:off x="457200" y="1590215"/>
             <a:ext cx="5626100" cy="4025900"/>
           </a:xfrm>
           <a:prstGeom prst="rect">
             <a:avLst/>
           </a:prstGeom>
+        </p:spPr>
+      </p:pic>
+      <p:pic>
+        <p:nvPicPr>
+          <p:cNvPr id="5" name="Picture 2"/>
+          <p:cNvPicPr>
+            <a:picLocks noChangeAspect="1" noChangeArrowheads="1"/>
+          </p:cNvPicPr>
+          <p:nvPr/>
+        </p:nvPicPr>
+        <p:blipFill>
+          <a:blip r:embed="rId3">
+            <a:extLst>
+              <a:ext uri="{28A0092B-C50C-407E-A947-70E740481C1C}">
+                <a14:useLocalDpi xmlns:a14="http://schemas.microsoft.com/office/drawing/2010/main" val="0"/>
+              </a:ext>
+            </a:extLst>
+          </a:blip>
+          <a:srcRect/>
+          <a:stretch>
+            <a:fillRect/>
+          </a:stretch>
+        </p:blipFill>
+        <p:spPr bwMode="auto">
+          <a:xfrm>
+            <a:off x="5945769" y="1603092"/>
+            <a:ext cx="3095253" cy="4276647"/>
+          </a:xfrm>
+          <a:prstGeom prst="rect">
+            <a:avLst/>
+          </a:prstGeom>
+          <a:noFill/>
+          <a:ln>
+            <a:noFill/>
+          </a:ln>
+          <a:extLst>
+            <a:ext uri="{909E8E84-426E-40dd-AFC4-6F175D3DCCD1}">
+              <a14:hiddenFill xmlns:a14="http://schemas.microsoft.com/office/drawing/2010/main">
+                <a:solidFill>
+                  <a:schemeClr val="accent1"/>
+                </a:solidFill>
+              </a14:hiddenFill>
+            </a:ext>
+            <a:ext uri="{91240B29-F687-4f45-9708-019B960494DF}">
+              <a14:hiddenLine xmlns:a14="http://schemas.microsoft.com/office/drawing/2010/main" w="9525">
+                <a:solidFill>
+                  <a:schemeClr val="tx1"/>
+                </a:solidFill>
+                <a:miter lim="800000"/>
+                <a:headEnd/>
+                <a:tailEnd/>
+              </a14:hiddenLine>
+            </a:ext>
+          </a:extLst>
         </p:spPr>
       </p:pic>
     </p:spTree>
@@ -18487,7 +20378,7 @@
   <p:timing>
     <p:tnLst>
       <p:par>
-        <p:cTn id="1" dur="indefinite" restart="never" nodeType="tmRoot"/>
+        <p:cTn xmlns:p14="http://schemas.microsoft.com/office/powerpoint/2010/main" id="1" dur="indefinite" restart="never" nodeType="tmRoot"/>
       </p:par>
     </p:tnLst>
   </p:timing>
@@ -18568,10 +20459,15 @@
         </p:spPr>
         <p:txBody>
           <a:bodyPr>
-            <a:normAutofit fontScale="40000" lnSpcReduction="20000"/>
+            <a:normAutofit fontScale="32500" lnSpcReduction="20000"/>
           </a:bodyPr>
           <a:lstStyle/>
           <a:p>
+            <a:pPr>
+              <a:lnSpc>
+                <a:spcPct val="170000"/>
+              </a:lnSpc>
+            </a:pPr>
             <a:r>
               <a:rPr lang="en-US" altLang="zh-CN" dirty="0"/>
               <a:t>Iron.io</a:t>
@@ -18630,6 +20526,11 @@
             </a:r>
           </a:p>
           <a:p>
+            <a:pPr>
+              <a:lnSpc>
+                <a:spcPct val="170000"/>
+              </a:lnSpc>
+            </a:pPr>
             <a:r>
               <a:rPr lang="en-US" altLang="zh-CN" dirty="0" err="1"/>
               <a:t>IronWorker</a:t>
@@ -18645,7 +20546,7 @@
             <a:r>
               <a:rPr lang="zh-CN" altLang="en-US" dirty="0">
                 <a:solidFill>
-                  <a:srgbClr val="FF0000"/>
+                  <a:srgbClr val="FFFF00"/>
                 </a:solidFill>
               </a:rPr>
               <a:t>可变任务队列</a:t>
@@ -18661,6 +20562,11 @@
             <a:endParaRPr lang="en-US" altLang="zh-CN" dirty="0" smtClean="0"/>
           </a:p>
           <a:p>
+            <a:pPr>
+              <a:lnSpc>
+                <a:spcPct val="170000"/>
+              </a:lnSpc>
+            </a:pPr>
             <a:r>
               <a:rPr lang="en-US" altLang="zh-CN" dirty="0" err="1" smtClean="0"/>
               <a:t>IronWorker</a:t>
@@ -18695,6 +20601,11 @@
             </a:r>
           </a:p>
           <a:p>
+            <a:pPr>
+              <a:lnSpc>
+                <a:spcPct val="170000"/>
+              </a:lnSpc>
+            </a:pPr>
             <a:r>
               <a:rPr lang="en-US" altLang="zh-CN" dirty="0" err="1"/>
               <a:t>IronWorker</a:t>
@@ -18706,7 +20617,7 @@
             <a:r>
               <a:rPr lang="en-US" altLang="zh-CN" dirty="0">
                 <a:solidFill>
-                  <a:srgbClr val="FF0000"/>
+                  <a:srgbClr val="FFFF00"/>
                 </a:solidFill>
               </a:rPr>
               <a:t>Ruby</a:t>
@@ -18716,7 +20627,11 @@
               <a:t>和基于</a:t>
             </a:r>
             <a:r>
-              <a:rPr lang="en-US" altLang="zh-CN" dirty="0"/>
+              <a:rPr lang="en-US" altLang="zh-CN" dirty="0">
+                <a:solidFill>
+                  <a:srgbClr val="FFFF00"/>
+                </a:solidFill>
+              </a:rPr>
               <a:t>Rails</a:t>
             </a:r>
             <a:r>
@@ -18734,6 +20649,11 @@
             <a:endParaRPr lang="en-US" altLang="zh-CN" dirty="0"/>
           </a:p>
           <a:p>
+            <a:pPr>
+              <a:lnSpc>
+                <a:spcPct val="170000"/>
+              </a:lnSpc>
+            </a:pPr>
             <a:endParaRPr lang="en-US" altLang="zh-CN" dirty="0" smtClean="0"/>
           </a:p>
         </p:txBody>
@@ -18769,7 +20689,7 @@
           </a:prstGeom>
           <a:noFill/>
           <a:extLst>
-            <a:ext uri="{909E8E84-426E-40DD-AFC4-6F175D3DCCD1}">
+            <a:ext uri="{909E8E84-426E-40dd-AFC4-6F175D3DCCD1}">
               <a14:hiddenFill xmlns:a14="http://schemas.microsoft.com/office/drawing/2010/main">
                 <a:solidFill>
                   <a:srgbClr val="FFFFFF"/>
@@ -18792,7 +20712,7 @@
   <p:timing>
     <p:tnLst>
       <p:par>
-        <p:cTn id="1" dur="indefinite" restart="never" nodeType="tmRoot"/>
+        <p:cTn xmlns:p14="http://schemas.microsoft.com/office/powerpoint/2010/main" id="1" dur="indefinite" restart="never" nodeType="tmRoot"/>
       </p:par>
     </p:tnLst>
   </p:timing>
@@ -18889,8 +20809,8 @@
         </p:nvSpPr>
         <p:spPr>
           <a:xfrm>
-            <a:off x="748962" y="5418772"/>
-            <a:ext cx="7556838" cy="1200329"/>
+            <a:off x="457199" y="5101314"/>
+            <a:ext cx="8469697" cy="1549142"/>
           </a:xfrm>
           <a:prstGeom prst="rect">
             <a:avLst/>
@@ -18902,102 +20822,119 @@
           </a:bodyPr>
           <a:lstStyle/>
           <a:p>
-            <a:r>
-              <a:rPr lang="zh-TW" altLang="en-US" dirty="0"/>
+            <a:pPr>
+              <a:lnSpc>
+                <a:spcPct val="150000"/>
+              </a:lnSpc>
+            </a:pPr>
+            <a:r>
+              <a:rPr lang="zh-TW" altLang="en-US" sz="1600" dirty="0"/>
               <a:t>在使用</a:t>
             </a:r>
             <a:r>
-              <a:rPr lang="en-US" altLang="zh-TW" dirty="0"/>
+              <a:rPr lang="en-US" altLang="zh-TW" sz="1600" dirty="0"/>
               <a:t>Ruby</a:t>
             </a:r>
             <a:r>
-              <a:rPr lang="zh-TW" altLang="en-US" dirty="0"/>
+              <a:rPr lang="zh-TW" altLang="en-US" sz="1600" dirty="0"/>
               <a:t>时，服务器的</a:t>
             </a:r>
             <a:r>
-              <a:rPr lang="en-US" altLang="zh-TW" dirty="0"/>
+              <a:rPr lang="en-US" altLang="zh-TW" sz="1600" dirty="0"/>
               <a:t>CPU</a:t>
             </a:r>
             <a:r>
-              <a:rPr lang="zh-TW" altLang="en-US" dirty="0"/>
+              <a:rPr lang="zh-TW" altLang="en-US" sz="1600" dirty="0"/>
               <a:t>利用率维持在</a:t>
             </a:r>
             <a:r>
-              <a:rPr lang="en-US" altLang="zh-TW" dirty="0"/>
+              <a:rPr lang="en-US" altLang="zh-TW" sz="1600" dirty="0"/>
               <a:t>50%</a:t>
             </a:r>
             <a:r>
-              <a:rPr lang="zh-TW" altLang="en-US" dirty="0"/>
+              <a:rPr lang="zh-TW" altLang="en-US" sz="1600" dirty="0"/>
               <a:t>到</a:t>
             </a:r>
             <a:r>
-              <a:rPr lang="en-US" altLang="zh-TW" dirty="0"/>
+              <a:rPr lang="en-US" altLang="zh-TW" sz="1600" dirty="0"/>
               <a:t>60%</a:t>
             </a:r>
             <a:r>
-              <a:rPr lang="zh-TW" altLang="en-US" dirty="0"/>
+              <a:rPr lang="zh-TW" altLang="en-US" sz="1600" dirty="0"/>
               <a:t>之间</a:t>
             </a:r>
             <a:r>
-              <a:rPr lang="zh-TW" altLang="en-US" dirty="0" smtClean="0"/>
+              <a:rPr lang="zh-TW" altLang="en-US" sz="1600" dirty="0" smtClean="0"/>
               <a:t>。</a:t>
             </a:r>
             <a:r>
-              <a:rPr lang="en-US" altLang="zh-TW" dirty="0" smtClean="0"/>
+              <a:rPr lang="en-US" altLang="zh-TW" sz="1600" dirty="0" smtClean="0"/>
               <a:t/>
             </a:r>
             <a:br>
-              <a:rPr lang="en-US" altLang="zh-TW" dirty="0" smtClean="0"/>
+              <a:rPr lang="en-US" altLang="zh-TW" sz="1600" dirty="0" smtClean="0"/>
             </a:br>
             <a:r>
-              <a:rPr lang="zh-TW" altLang="en-US" dirty="0" smtClean="0"/>
+              <a:rPr lang="zh-TW" altLang="en-US" sz="1600" dirty="0" smtClean="0"/>
               <a:t>当</a:t>
             </a:r>
             <a:r>
-              <a:rPr lang="zh-TW" altLang="en-US" dirty="0"/>
+              <a:rPr lang="zh-TW" altLang="en-US" sz="1600" dirty="0"/>
               <a:t>流量出现峰值时，</a:t>
             </a:r>
             <a:r>
-              <a:rPr lang="en-US" altLang="zh-TW" dirty="0"/>
+              <a:rPr lang="en-US" altLang="zh-TW" sz="1600" dirty="0"/>
               <a:t>Rails</a:t>
             </a:r>
             <a:r>
-              <a:rPr lang="zh-TW" altLang="en-US" dirty="0"/>
+              <a:rPr lang="zh-TW" altLang="en-US" sz="1600" dirty="0"/>
               <a:t>服务器的</a:t>
             </a:r>
             <a:r>
-              <a:rPr lang="en-US" altLang="zh-TW" dirty="0"/>
+              <a:rPr lang="en-US" altLang="zh-TW" sz="1600" dirty="0"/>
               <a:t>CPU</a:t>
             </a:r>
             <a:r>
-              <a:rPr lang="zh-TW" altLang="en-US" dirty="0"/>
+              <a:rPr lang="zh-TW" altLang="en-US" sz="1600" dirty="0"/>
               <a:t>利用率将达到</a:t>
             </a:r>
             <a:r>
-              <a:rPr lang="en-US" altLang="zh-TW" dirty="0"/>
+              <a:rPr lang="en-US" altLang="zh-TW" sz="1600" dirty="0"/>
               <a:t>100%</a:t>
             </a:r>
             <a:r>
-              <a:rPr lang="zh-TW" altLang="en-US" dirty="0"/>
+              <a:rPr lang="zh-TW" altLang="en-US" sz="1600" dirty="0"/>
               <a:t>。这就致使该服务器看上去是失效了，进而引发负载均衡器把流量路由到其余服务器上，这样更多服务器的</a:t>
             </a:r>
             <a:r>
-              <a:rPr lang="en-US" altLang="zh-TW" dirty="0"/>
+              <a:rPr lang="en-US" altLang="zh-TW" sz="1600" dirty="0"/>
               <a:t>CPU</a:t>
             </a:r>
             <a:r>
-              <a:rPr lang="zh-TW" altLang="en-US" dirty="0"/>
+              <a:rPr lang="zh-TW" altLang="en-US" sz="1600" dirty="0"/>
               <a:t>利用率会飙升到</a:t>
             </a:r>
             <a:r>
-              <a:rPr lang="en-US" altLang="zh-TW" dirty="0"/>
+              <a:rPr lang="en-US" altLang="zh-TW" sz="1600" dirty="0"/>
               <a:t>100%</a:t>
             </a:r>
             <a:r>
-              <a:rPr lang="zh-TW" altLang="en-US" dirty="0"/>
-              <a:t>。最终导致连锁故障。</a:t>
-            </a:r>
-            <a:endParaRPr lang="zh-CN" altLang="en-US" dirty="0"/>
+              <a:rPr lang="zh-TW" altLang="en-US" sz="1600" dirty="0"/>
+              <a:t>。最终导致</a:t>
+            </a:r>
+            <a:r>
+              <a:rPr lang="zh-TW" altLang="en-US" sz="1600" dirty="0">
+                <a:solidFill>
+                  <a:srgbClr val="FFFF00"/>
+                </a:solidFill>
+              </a:rPr>
+              <a:t>连锁故障</a:t>
+            </a:r>
+            <a:r>
+              <a:rPr lang="zh-TW" altLang="en-US" sz="1600" dirty="0"/>
+              <a:t>。</a:t>
+            </a:r>
+            <a:endParaRPr lang="zh-CN" altLang="en-US" sz="1600" dirty="0"/>
           </a:p>
         </p:txBody>
       </p:sp>
@@ -19014,7 +20951,7 @@
   <p:timing>
     <p:tnLst>
       <p:par>
-        <p:cTn id="1" dur="indefinite" restart="never" nodeType="tmRoot"/>
+        <p:cTn xmlns:p14="http://schemas.microsoft.com/office/powerpoint/2010/main" id="1" dur="indefinite" restart="never" nodeType="tmRoot"/>
       </p:par>
     </p:tnLst>
   </p:timing>
@@ -19051,7 +20988,7 @@
         <p:spPr/>
         <p:txBody>
           <a:bodyPr>
-            <a:normAutofit fontScale="90000"/>
+            <a:normAutofit/>
           </a:bodyPr>
           <a:lstStyle/>
           <a:p>
@@ -19072,22 +21009,29 @@
               <a:t>迁移到</a:t>
             </a:r>
             <a:r>
-              <a:rPr lang="en-US" altLang="zh-TW" dirty="0"/>
+              <a:rPr lang="en-US" altLang="zh-TW" dirty="0" smtClean="0"/>
               <a:t>Go</a:t>
             </a:r>
-            <a:r>
-              <a:rPr lang="zh-TW" altLang="en-US" dirty="0"/>
-              <a:t>：减少了</a:t>
-            </a:r>
-            <a:r>
-              <a:rPr lang="en-US" altLang="zh-TW" dirty="0"/>
+            <a:br>
+              <a:rPr lang="en-US" altLang="zh-TW" dirty="0" smtClean="0"/>
+            </a:br>
+            <a:r>
+              <a:rPr lang="zh-TW" altLang="en-US" sz="2000" dirty="0" smtClean="0"/>
+              <a:t>减</a:t>
+            </a:r>
+            <a:r>
+              <a:rPr lang="zh-TW" altLang="en-US" sz="2000" dirty="0"/>
+              <a:t>少了</a:t>
+            </a:r>
+            <a:r>
+              <a:rPr lang="en-US" altLang="zh-TW" sz="2000" dirty="0"/>
               <a:t>28</a:t>
             </a:r>
             <a:r>
-              <a:rPr lang="zh-TW" altLang="en-US" dirty="0"/>
+              <a:rPr lang="zh-TW" altLang="en-US" sz="2000" dirty="0"/>
               <a:t>台服务器并避免了连锁故障</a:t>
             </a:r>
-            <a:endParaRPr lang="en-US" dirty="0"/>
+            <a:endParaRPr lang="en-US" sz="2000" dirty="0"/>
           </a:p>
         </p:txBody>
       </p:sp>
@@ -19108,15 +21052,20 @@
           </a:bodyPr>
           <a:lstStyle/>
           <a:p>
-            <a:r>
-              <a:rPr lang="zh-TW" altLang="en-US" sz="2800" dirty="0">
+            <a:pPr>
+              <a:lnSpc>
+                <a:spcPct val="150000"/>
+              </a:lnSpc>
+            </a:pPr>
+            <a:r>
+              <a:rPr lang="zh-TW" altLang="en-US" sz="2000" dirty="0">
                 <a:latin typeface="方正姚体" panose="02010601030101010101" pitchFamily="2" charset="-122"/>
                 <a:ea typeface="方正姚体" panose="02010601030101010101" pitchFamily="2" charset="-122"/>
               </a:rPr>
               <a:t>服务器数量</a:t>
             </a:r>
             <a:r>
-              <a:rPr lang="zh-TW" altLang="en-US" sz="2800" dirty="0">
+              <a:rPr lang="zh-TW" altLang="en-US" sz="2000" dirty="0">
                 <a:solidFill>
                   <a:srgbClr val="FFC000"/>
                 </a:solidFill>
@@ -19126,7 +21075,7 @@
               <a:t>从</a:t>
             </a:r>
             <a:r>
-              <a:rPr lang="en-US" altLang="zh-TW" sz="2800" dirty="0">
+              <a:rPr lang="en-US" altLang="zh-TW" sz="2000" dirty="0">
                 <a:solidFill>
                   <a:srgbClr val="FFC000"/>
                 </a:solidFill>
@@ -19136,7 +21085,7 @@
               <a:t>30</a:t>
             </a:r>
             <a:r>
-              <a:rPr lang="zh-TW" altLang="en-US" sz="2800" dirty="0">
+              <a:rPr lang="zh-TW" altLang="en-US" sz="2000" dirty="0">
                 <a:solidFill>
                   <a:srgbClr val="FFC000"/>
                 </a:solidFill>
@@ -19146,7 +21095,7 @@
               <a:t>台减少到</a:t>
             </a:r>
             <a:r>
-              <a:rPr lang="en-US" altLang="zh-TW" sz="2800" dirty="0">
+              <a:rPr lang="en-US" altLang="zh-TW" sz="2000" dirty="0">
                 <a:solidFill>
                   <a:srgbClr val="FFC000"/>
                 </a:solidFill>
@@ -19156,7 +21105,7 @@
               <a:t>2</a:t>
             </a:r>
             <a:r>
-              <a:rPr lang="zh-TW" altLang="en-US" sz="2800" dirty="0">
+              <a:rPr lang="zh-TW" altLang="en-US" sz="2000" dirty="0">
                 <a:solidFill>
                   <a:srgbClr val="FFC000"/>
                 </a:solidFill>
@@ -19166,7 +21115,7 @@
               <a:t>台，而且第</a:t>
             </a:r>
             <a:r>
-              <a:rPr lang="en-US" altLang="zh-TW" sz="2800" dirty="0">
+              <a:rPr lang="en-US" altLang="zh-TW" sz="2000" dirty="0">
                 <a:solidFill>
                   <a:srgbClr val="FFC000"/>
                 </a:solidFill>
@@ -19176,7 +21125,7 @@
               <a:t>2</a:t>
             </a:r>
             <a:r>
-              <a:rPr lang="zh-TW" altLang="en-US" sz="2800" dirty="0">
+              <a:rPr lang="zh-TW" altLang="en-US" sz="2000" dirty="0">
                 <a:solidFill>
                   <a:srgbClr val="FFC000"/>
                 </a:solidFill>
@@ -19187,29 +21136,34 @@
             </a:r>
           </a:p>
           <a:p>
-            <a:r>
-              <a:rPr lang="en-US" altLang="zh-TW" sz="2800" dirty="0">
+            <a:pPr>
+              <a:lnSpc>
+                <a:spcPct val="150000"/>
+              </a:lnSpc>
+            </a:pPr>
+            <a:r>
+              <a:rPr lang="en-US" altLang="zh-TW" sz="2000" dirty="0">
                 <a:latin typeface="方正姚体" panose="02010601030101010101" pitchFamily="2" charset="-122"/>
                 <a:ea typeface="方正姚体" panose="02010601030101010101" pitchFamily="2" charset="-122"/>
               </a:rPr>
               <a:t>CPU</a:t>
             </a:r>
             <a:r>
-              <a:rPr lang="zh-TW" altLang="en-US" sz="2800" dirty="0">
+              <a:rPr lang="zh-TW" altLang="en-US" sz="2000" dirty="0">
                 <a:latin typeface="方正姚体" panose="02010601030101010101" pitchFamily="2" charset="-122"/>
                 <a:ea typeface="方正姚体" panose="02010601030101010101" pitchFamily="2" charset="-122"/>
               </a:rPr>
               <a:t>利用率下降至</a:t>
             </a:r>
             <a:r>
-              <a:rPr lang="en-US" altLang="zh-TW" sz="2800" dirty="0">
+              <a:rPr lang="en-US" altLang="zh-TW" sz="2000" dirty="0">
                 <a:latin typeface="方正姚体" panose="02010601030101010101" pitchFamily="2" charset="-122"/>
                 <a:ea typeface="方正姚体" panose="02010601030101010101" pitchFamily="2" charset="-122"/>
               </a:rPr>
               <a:t>5%</a:t>
             </a:r>
             <a:r>
-              <a:rPr lang="zh-TW" altLang="en-US" sz="2800" dirty="0">
+              <a:rPr lang="zh-TW" altLang="en-US" sz="2000" dirty="0">
                 <a:latin typeface="方正姚体" panose="02010601030101010101" pitchFamily="2" charset="-122"/>
                 <a:ea typeface="方正姚体" panose="02010601030101010101" pitchFamily="2" charset="-122"/>
               </a:rPr>
@@ -19217,29 +21171,34 @@
             </a:r>
           </a:p>
           <a:p>
-            <a:r>
-              <a:rPr lang="zh-TW" altLang="en-US" sz="2800" dirty="0">
+            <a:pPr>
+              <a:lnSpc>
+                <a:spcPct val="150000"/>
+              </a:lnSpc>
+            </a:pPr>
+            <a:r>
+              <a:rPr lang="zh-TW" altLang="en-US" sz="2000" dirty="0">
                 <a:latin typeface="方正姚体" panose="02010601030101010101" pitchFamily="2" charset="-122"/>
                 <a:ea typeface="方正姚体" panose="02010601030101010101" pitchFamily="2" charset="-122"/>
               </a:rPr>
               <a:t>所用内存也下降了很多。</a:t>
             </a:r>
             <a:r>
-              <a:rPr lang="en-US" altLang="zh-TW" sz="2800" dirty="0">
+              <a:rPr lang="en-US" altLang="zh-TW" sz="2000" dirty="0">
                 <a:latin typeface="方正姚体" panose="02010601030101010101" pitchFamily="2" charset="-122"/>
                 <a:ea typeface="方正姚体" panose="02010601030101010101" pitchFamily="2" charset="-122"/>
               </a:rPr>
               <a:t>Rails</a:t>
             </a:r>
             <a:r>
-              <a:rPr lang="zh-TW" altLang="en-US" sz="2800" dirty="0">
+              <a:rPr lang="zh-TW" altLang="en-US" sz="2000" dirty="0">
                 <a:latin typeface="方正姚体" panose="02010601030101010101" pitchFamily="2" charset="-122"/>
                 <a:ea typeface="方正姚体" panose="02010601030101010101" pitchFamily="2" charset="-122"/>
               </a:rPr>
               <a:t>应用在启动时需要接近</a:t>
             </a:r>
             <a:r>
-              <a:rPr lang="en-US" altLang="zh-TW" sz="2800" dirty="0">
+              <a:rPr lang="en-US" altLang="zh-TW" sz="2000" dirty="0">
                 <a:solidFill>
                   <a:srgbClr val="FFC000"/>
                 </a:solidFill>
@@ -19249,28 +21208,28 @@
               <a:t>50MB</a:t>
             </a:r>
             <a:r>
-              <a:rPr lang="zh-TW" altLang="en-US" sz="2800" dirty="0">
+              <a:rPr lang="zh-TW" altLang="en-US" sz="2000" dirty="0">
                 <a:latin typeface="方正姚体" panose="02010601030101010101" pitchFamily="2" charset="-122"/>
                 <a:ea typeface="方正姚体" panose="02010601030101010101" pitchFamily="2" charset="-122"/>
               </a:rPr>
               <a:t>内存，而</a:t>
             </a:r>
             <a:r>
-              <a:rPr lang="en-US" altLang="zh-TW" sz="2800" dirty="0">
+              <a:rPr lang="en-US" altLang="zh-TW" sz="2000" dirty="0">
                 <a:latin typeface="方正姚体" panose="02010601030101010101" pitchFamily="2" charset="-122"/>
                 <a:ea typeface="方正姚体" panose="02010601030101010101" pitchFamily="2" charset="-122"/>
               </a:rPr>
               <a:t>Go</a:t>
             </a:r>
             <a:r>
-              <a:rPr lang="zh-TW" altLang="en-US" sz="2800" dirty="0">
+              <a:rPr lang="zh-TW" altLang="en-US" sz="2000" dirty="0">
                 <a:latin typeface="方正姚体" panose="02010601030101010101" pitchFamily="2" charset="-122"/>
                 <a:ea typeface="方正姚体" panose="02010601030101010101" pitchFamily="2" charset="-122"/>
               </a:rPr>
               <a:t>版本在启动时只需要</a:t>
             </a:r>
             <a:r>
-              <a:rPr lang="zh-TW" altLang="en-US" sz="2800" dirty="0">
+              <a:rPr lang="zh-TW" altLang="en-US" sz="2000" dirty="0">
                 <a:solidFill>
                   <a:srgbClr val="FFC000"/>
                 </a:solidFill>
@@ -19280,7 +21239,7 @@
               <a:t>几百</a:t>
             </a:r>
             <a:r>
-              <a:rPr lang="en-US" altLang="zh-TW" sz="2800" dirty="0">
+              <a:rPr lang="en-US" altLang="zh-TW" sz="2000" dirty="0">
                 <a:solidFill>
                   <a:srgbClr val="FFC000"/>
                 </a:solidFill>
@@ -19290,7 +21249,7 @@
               <a:t>KB</a:t>
             </a:r>
             <a:r>
-              <a:rPr lang="zh-TW" altLang="en-US" sz="2800" dirty="0">
+              <a:rPr lang="zh-TW" altLang="en-US" sz="2000" dirty="0">
                 <a:latin typeface="方正姚体" panose="02010601030101010101" pitchFamily="2" charset="-122"/>
                 <a:ea typeface="方正姚体" panose="02010601030101010101" pitchFamily="2" charset="-122"/>
               </a:rPr>
@@ -19298,8 +21257,13 @@
             </a:r>
           </a:p>
           <a:p>
-            <a:r>
-              <a:rPr lang="zh-TW" altLang="en-US" sz="2800" dirty="0">
+            <a:pPr>
+              <a:lnSpc>
+                <a:spcPct val="150000"/>
+              </a:lnSpc>
+            </a:pPr>
+            <a:r>
+              <a:rPr lang="zh-TW" altLang="en-US" sz="2000" dirty="0">
                 <a:latin typeface="方正姚体" panose="02010601030101010101" pitchFamily="2" charset="-122"/>
                 <a:ea typeface="方正姚体" panose="02010601030101010101" pitchFamily="2" charset="-122"/>
               </a:rPr>
@@ -19307,29 +21271,38 @@
             </a:r>
           </a:p>
           <a:p>
-            <a:r>
-              <a:rPr lang="en-US" altLang="zh-TW" sz="2800" dirty="0">
+            <a:pPr>
+              <a:lnSpc>
+                <a:spcPct val="150000"/>
+              </a:lnSpc>
+            </a:pPr>
+            <a:r>
+              <a:rPr lang="en-US" altLang="zh-TW" sz="2000" dirty="0">
                 <a:latin typeface="方正姚体" panose="02010601030101010101" pitchFamily="2" charset="-122"/>
                 <a:ea typeface="方正姚体" panose="02010601030101010101" pitchFamily="2" charset="-122"/>
               </a:rPr>
               <a:t>Go</a:t>
             </a:r>
             <a:r>
-              <a:rPr lang="zh-TW" altLang="en-US" sz="2800" dirty="0">
+              <a:rPr lang="zh-TW" altLang="en-US" sz="2000" dirty="0">
                 <a:latin typeface="方正姚体" panose="02010601030101010101" pitchFamily="2" charset="-122"/>
                 <a:ea typeface="方正姚体" panose="02010601030101010101" pitchFamily="2" charset="-122"/>
               </a:rPr>
               <a:t>存在的小问题：</a:t>
             </a:r>
-            <a:endParaRPr lang="en-US" altLang="zh-TW" sz="2800" dirty="0">
+            <a:endParaRPr lang="en-US" altLang="zh-TW" sz="2000" dirty="0">
               <a:latin typeface="方正姚体" panose="02010601030101010101" pitchFamily="2" charset="-122"/>
               <a:ea typeface="方正姚体" panose="02010601030101010101" pitchFamily="2" charset="-122"/>
             </a:endParaRPr>
           </a:p>
           <a:p>
-            <a:pPr lvl="1"/>
-            <a:r>
-              <a:rPr lang="zh-TW" altLang="en-US" sz="2800" dirty="0">
+            <a:pPr lvl="1">
+              <a:lnSpc>
+                <a:spcPct val="150000"/>
+              </a:lnSpc>
+            </a:pPr>
+            <a:r>
+              <a:rPr lang="zh-TW" altLang="en-US" sz="2000" dirty="0">
                 <a:latin typeface="方正姚体" panose="02010601030101010101" pitchFamily="2" charset="-122"/>
                 <a:ea typeface="方正姚体" panose="02010601030101010101" pitchFamily="2" charset="-122"/>
               </a:rPr>
@@ -19337,28 +21310,33 @@
             </a:r>
           </a:p>
           <a:p>
-            <a:r>
-              <a:rPr lang="zh-TW" altLang="en-US" sz="2800" dirty="0">
+            <a:pPr>
+              <a:lnSpc>
+                <a:spcPct val="150000"/>
+              </a:lnSpc>
+            </a:pPr>
+            <a:r>
+              <a:rPr lang="zh-TW" altLang="en-US" sz="2000" dirty="0">
                 <a:latin typeface="方正姚体" panose="02010601030101010101" pitchFamily="2" charset="-122"/>
                 <a:ea typeface="方正姚体" panose="02010601030101010101" pitchFamily="2" charset="-122"/>
               </a:rPr>
               <a:t>如果服务器流量很高，或者你想应对突发的增长，</a:t>
             </a:r>
             <a:r>
-              <a:rPr lang="en-US" altLang="zh-TW" sz="2800" dirty="0">
+              <a:rPr lang="en-US" altLang="zh-TW" sz="2000" dirty="0">
                 <a:latin typeface="方正姚体" panose="02010601030101010101" pitchFamily="2" charset="-122"/>
                 <a:ea typeface="方正姚体" panose="02010601030101010101" pitchFamily="2" charset="-122"/>
               </a:rPr>
               <a:t>Go</a:t>
             </a:r>
             <a:r>
-              <a:rPr lang="zh-TW" altLang="en-US" sz="2800" dirty="0">
+              <a:rPr lang="zh-TW" altLang="en-US" sz="2000" dirty="0">
                 <a:latin typeface="方正姚体" panose="02010601030101010101" pitchFamily="2" charset="-122"/>
                 <a:ea typeface="方正姚体" panose="02010601030101010101" pitchFamily="2" charset="-122"/>
               </a:rPr>
               <a:t>是很好的选择。</a:t>
             </a:r>
-            <a:endParaRPr lang="en-US" altLang="zh-CN" sz="2800" dirty="0">
+            <a:endParaRPr lang="en-US" altLang="zh-CN" sz="2000" dirty="0">
               <a:latin typeface="方正姚体" panose="02010601030101010101" pitchFamily="2" charset="-122"/>
               <a:ea typeface="方正姚体" panose="02010601030101010101" pitchFamily="2" charset="-122"/>
             </a:endParaRPr>
@@ -19378,7 +21356,7 @@
   <p:timing>
     <p:tnLst>
       <p:par>
-        <p:cTn id="1" dur="indefinite" restart="never" nodeType="tmRoot"/>
+        <p:cTn xmlns:p14="http://schemas.microsoft.com/office/powerpoint/2010/main" id="1" dur="indefinite" restart="never" nodeType="tmRoot"/>
       </p:par>
     </p:tnLst>
   </p:timing>
@@ -19489,7 +21467,19 @@
             </a:r>
             <a:r>
               <a:rPr lang="zh-CN" altLang="en-US" dirty="0"/>
-              <a:t>从来没成为我们的瓶颈，瓶颈总在数据库上</a:t>
+              <a:t>从来没成为我们的瓶颈，</a:t>
+            </a:r>
+            <a:r>
+              <a:rPr lang="zh-CN" altLang="en-US" dirty="0">
+                <a:solidFill>
+                  <a:srgbClr val="FFFF00"/>
+                </a:solidFill>
+              </a:rPr>
+              <a:t>瓶颈总在数据库</a:t>
+            </a:r>
+            <a:r>
+              <a:rPr lang="zh-CN" altLang="en-US" dirty="0"/>
+              <a:t>上</a:t>
             </a:r>
             <a:r>
               <a:rPr lang="zh-CN" altLang="en-US" dirty="0" smtClean="0"/>
@@ -19521,7 +21511,19 @@
             </a:r>
             <a:r>
               <a:rPr lang="zh-CN" altLang="en-US" dirty="0"/>
-              <a:t>不需要加载虚拟机或解释程序，所以它启动快速和小巧。</a:t>
+              <a:t>不需要加载虚拟机或解释程序，所以它</a:t>
+            </a:r>
+            <a:r>
+              <a:rPr lang="zh-CN" altLang="en-US" dirty="0">
+                <a:solidFill>
+                  <a:srgbClr val="FFFF00"/>
+                </a:solidFill>
+              </a:rPr>
+              <a:t>启动快速和小巧</a:t>
+            </a:r>
+            <a:r>
+              <a:rPr lang="zh-CN" altLang="en-US" dirty="0"/>
+              <a:t>。</a:t>
             </a:r>
           </a:p>
           <a:p>
@@ -19544,7 +21546,19 @@
             </a:pPr>
             <a:r>
               <a:rPr lang="zh-CN" altLang="en-US" dirty="0"/>
-              <a:t>这里需要做的一件事是限制并发来确保在突发时我们的数据库或其他服务没有超载。我们使用</a:t>
+              <a:t>这里需要做的一件事是</a:t>
+            </a:r>
+            <a:r>
+              <a:rPr lang="zh-CN" altLang="en-US" dirty="0">
+                <a:solidFill>
+                  <a:srgbClr val="FFFF00"/>
+                </a:solidFill>
+              </a:rPr>
+              <a:t>限制并发</a:t>
+            </a:r>
+            <a:r>
+              <a:rPr lang="zh-CN" altLang="en-US" dirty="0"/>
+              <a:t>来确保在突发时我们的数据库或其他服务没有超载。我们使用</a:t>
             </a:r>
             <a:r>
               <a:rPr lang="en-US" altLang="zh-CN" dirty="0"/>
@@ -19584,10 +21598,34 @@
             </a:r>
             <a:r>
               <a:rPr lang="zh-CN" altLang="en-US" dirty="0"/>
-              <a:t>将所有的源码编译成单个的静态链接的文件，所以部署很简单，只要上传文件然后启动就可以，没有任何的依赖。没有运行时的依赖。不需要在服务器上安装</a:t>
-            </a:r>
-            <a:r>
-              <a:rPr lang="en-US" altLang="zh-CN" dirty="0"/>
+              <a:t>将所有的源码编译成单个的</a:t>
+            </a:r>
+            <a:r>
+              <a:rPr lang="zh-CN" altLang="en-US" dirty="0">
+                <a:solidFill>
+                  <a:srgbClr val="FFFF00"/>
+                </a:solidFill>
+              </a:rPr>
+              <a:t>静态链接</a:t>
+            </a:r>
+            <a:r>
+              <a:rPr lang="zh-CN" altLang="en-US" dirty="0"/>
+              <a:t>的文件，所以部署很简单，只要上传文件然后启动就可以，没有任何的依赖。没有运行时的依赖。</a:t>
+            </a:r>
+            <a:r>
+              <a:rPr lang="zh-CN" altLang="en-US" dirty="0">
+                <a:solidFill>
+                  <a:srgbClr val="FFFF00"/>
+                </a:solidFill>
+              </a:rPr>
+              <a:t>不需要在服务器上安装</a:t>
+            </a:r>
+            <a:r>
+              <a:rPr lang="en-US" altLang="zh-CN" dirty="0">
+                <a:solidFill>
+                  <a:srgbClr val="FFFF00"/>
+                </a:solidFill>
+              </a:rPr>
               <a:t>Go</a:t>
             </a:r>
             <a:r>
@@ -19634,7 +21672,7 @@
   <p:timing>
     <p:tnLst>
       <p:par>
-        <p:cTn id="1" dur="indefinite" restart="never" nodeType="tmRoot"/>
+        <p:cTn xmlns:p14="http://schemas.microsoft.com/office/powerpoint/2010/main" id="1" dur="indefinite" restart="never" nodeType="tmRoot"/>
       </p:par>
     </p:tnLst>
   </p:timing>

--- a/golang简介/Golang介绍.pptx
+++ b/golang简介/Golang介绍.pptx
@@ -244,7 +244,7 @@
           <a:p>
             <a:fld id="{C3FC89E3-AB83-5E4F-AFB6-5836CBD66EFF}" type="datetimeFigureOut">
               <a:rPr lang="en-US" smtClean="0"/>
-              <a:t>15/6/28</a:t>
+              <a:t>15/7/10</a:t>
             </a:fld>
             <a:endParaRPr lang="en-US"/>
           </a:p>
@@ -5942,7 +5942,7 @@
           <a:p>
             <a:fld id="{2CCF9F61-0AC4-6746-919A-207B3DC15DC3}" type="datetimeFigureOut">
               <a:rPr lang="en-US" smtClean="0"/>
-              <a:t>15/6/28</a:t>
+              <a:t>15/7/10</a:t>
             </a:fld>
             <a:endParaRPr lang="en-US"/>
           </a:p>
@@ -6136,7 +6136,7 @@
           <a:p>
             <a:fld id="{2CCF9F61-0AC4-6746-919A-207B3DC15DC3}" type="datetimeFigureOut">
               <a:rPr lang="en-US" smtClean="0"/>
-              <a:t>15/6/28</a:t>
+              <a:t>15/7/10</a:t>
             </a:fld>
             <a:endParaRPr lang="en-US"/>
           </a:p>
@@ -6324,7 +6324,7 @@
           <a:p>
             <a:fld id="{2CCF9F61-0AC4-6746-919A-207B3DC15DC3}" type="datetimeFigureOut">
               <a:rPr lang="en-US" smtClean="0"/>
-              <a:t>15/6/28</a:t>
+              <a:t>15/7/10</a:t>
             </a:fld>
             <a:endParaRPr lang="en-US"/>
           </a:p>
@@ -6553,7 +6553,7 @@
           <a:p>
             <a:fld id="{2CCF9F61-0AC4-6746-919A-207B3DC15DC3}" type="datetimeFigureOut">
               <a:rPr lang="en-US" smtClean="0"/>
-              <a:t>15/6/28</a:t>
+              <a:t>15/7/10</a:t>
             </a:fld>
             <a:endParaRPr lang="en-US"/>
           </a:p>
@@ -6834,7 +6834,7 @@
           <a:p>
             <a:fld id="{2CCF9F61-0AC4-6746-919A-207B3DC15DC3}" type="datetimeFigureOut">
               <a:rPr lang="en-US" smtClean="0"/>
-              <a:t>15/6/28</a:t>
+              <a:t>15/7/10</a:t>
             </a:fld>
             <a:endParaRPr lang="en-US"/>
           </a:p>
@@ -7122,7 +7122,7 @@
           <a:p>
             <a:fld id="{2CCF9F61-0AC4-6746-919A-207B3DC15DC3}" type="datetimeFigureOut">
               <a:rPr lang="en-US" smtClean="0"/>
-              <a:t>15/6/28</a:t>
+              <a:t>15/7/10</a:t>
             </a:fld>
             <a:endParaRPr lang="en-US"/>
           </a:p>
@@ -7676,7 +7676,7 @@
           <a:p>
             <a:fld id="{2CCF9F61-0AC4-6746-919A-207B3DC15DC3}" type="datetimeFigureOut">
               <a:rPr lang="en-US" smtClean="0"/>
-              <a:t>15/6/28</a:t>
+              <a:t>15/7/10</a:t>
             </a:fld>
             <a:endParaRPr lang="en-US"/>
           </a:p>
@@ -7807,7 +7807,7 @@
           <a:p>
             <a:fld id="{2CCF9F61-0AC4-6746-919A-207B3DC15DC3}" type="datetimeFigureOut">
               <a:rPr lang="en-US" smtClean="0"/>
-              <a:t>15/6/28</a:t>
+              <a:t>15/7/10</a:t>
             </a:fld>
             <a:endParaRPr lang="en-US"/>
           </a:p>
@@ -7957,7 +7957,7 @@
           <a:p>
             <a:fld id="{2CCF9F61-0AC4-6746-919A-207B3DC15DC3}" type="datetimeFigureOut">
               <a:rPr lang="en-US" smtClean="0"/>
-              <a:t>15/6/28</a:t>
+              <a:t>15/7/10</a:t>
             </a:fld>
             <a:endParaRPr lang="en-US"/>
           </a:p>
@@ -8278,7 +8278,7 @@
           <a:p>
             <a:fld id="{2CCF9F61-0AC4-6746-919A-207B3DC15DC3}" type="datetimeFigureOut">
               <a:rPr lang="en-US" smtClean="0"/>
-              <a:t>15/6/28</a:t>
+              <a:t>15/7/10</a:t>
             </a:fld>
             <a:endParaRPr lang="en-US"/>
           </a:p>
@@ -8575,7 +8575,7 @@
           <a:p>
             <a:fld id="{2CCF9F61-0AC4-6746-919A-207B3DC15DC3}" type="datetimeFigureOut">
               <a:rPr lang="en-US" smtClean="0"/>
-              <a:t>15/6/28</a:t>
+              <a:t>15/7/10</a:t>
             </a:fld>
             <a:endParaRPr lang="en-US"/>
           </a:p>
@@ -8820,7 +8820,7 @@
           <a:p>
             <a:fld id="{2CCF9F61-0AC4-6746-919A-207B3DC15DC3}" type="datetimeFigureOut">
               <a:rPr lang="en-US" smtClean="0"/>
-              <a:t>15/6/28</a:t>
+              <a:t>15/7/10</a:t>
             </a:fld>
             <a:endParaRPr lang="en-US"/>
           </a:p>
@@ -11997,11 +11997,7 @@
             </a:pPr>
             <a:r>
               <a:rPr lang="en-US" altLang="zh-CN" dirty="0" smtClean="0"/>
-              <a:t>2014-12-01 Go </a:t>
-            </a:r>
-            <a:r>
-              <a:rPr lang="en-US" altLang="zh-CN" dirty="0" smtClean="0"/>
-              <a:t>1.4</a:t>
+              <a:t>2014-12-01 Go 1.4</a:t>
             </a:r>
           </a:p>
           <a:p>
@@ -12034,7 +12030,6 @@
               <a:rPr lang="en-US" altLang="zh-CN" dirty="0" smtClean="0"/>
               <a:t> </a:t>
             </a:r>
-            <a:endParaRPr lang="en-US" altLang="zh-CN" dirty="0" smtClean="0"/>
           </a:p>
           <a:p>
             <a:pPr lvl="1">
@@ -17988,11 +17983,7 @@
             </a:r>
             <a:r>
               <a:rPr lang="zh-CN" altLang="en-US" dirty="0" smtClean="0"/>
-              <a:t>）</a:t>
-            </a:r>
-            <a:r>
-              <a:rPr lang="zh-CN" altLang="en-US" dirty="0" smtClean="0"/>
-              <a:t>：</a:t>
+              <a:t>）：</a:t>
             </a:r>
             <a:r>
               <a:rPr lang="en-US" altLang="zh-CN" dirty="0"/>
@@ -18017,7 +18008,6 @@
               <a:rPr lang="en-US" altLang="zh-CN" dirty="0" smtClean="0"/>
               <a:t> </a:t>
             </a:r>
-            <a:endParaRPr lang="en-US" altLang="zh-CN" dirty="0" smtClean="0"/>
           </a:p>
           <a:p>
             <a:endParaRPr lang="en-US" altLang="zh-CN" dirty="0" smtClean="0"/>
@@ -18506,7 +18496,36 @@
               <a:rPr lang="en-US" altLang="zh-CN" dirty="0" smtClean="0">
                 <a:hlinkClick r:id="rId3"/>
               </a:rPr>
-              <a:t>go-lang.cat-v.org/organizations-using-go</a:t>
+              <a:t>go-lang.cat-v.org/organizations-using-</a:t>
+            </a:r>
+            <a:r>
+              <a:rPr lang="en-US" altLang="zh-CN" dirty="0" smtClean="0">
+                <a:hlinkClick r:id="rId3"/>
+              </a:rPr>
+              <a:t>go</a:t>
+            </a:r>
+            <a:r>
+              <a:rPr lang="en-US" altLang="zh-CN" dirty="0"/>
+              <a:t/>
+            </a:r>
+            <a:br>
+              <a:rPr lang="en-US" altLang="zh-CN" dirty="0"/>
+            </a:br>
+            <a:r>
+              <a:rPr lang="en-US" altLang="zh-CN" dirty="0">
+                <a:hlinkClick r:id="rId4"/>
+              </a:rPr>
+              <a:t>https://github.com/golang/go/wiki/</a:t>
+            </a:r>
+            <a:r>
+              <a:rPr lang="en-US" altLang="zh-CN" dirty="0" smtClean="0">
+                <a:hlinkClick r:id="rId4"/>
+              </a:rPr>
+              <a:t>GoUsers</a:t>
+            </a:r>
+            <a:r>
+              <a:rPr lang="en-US" altLang="zh-CN" smtClean="0"/>
+              <a:t>  </a:t>
             </a:r>
             <a:endParaRPr lang="en-US" altLang="zh-CN" dirty="0" smtClean="0"/>
           </a:p>
@@ -18672,7 +18691,6 @@
               <a:rPr lang="en-US" altLang="zh-CN" dirty="0" smtClean="0"/>
               <a:t>…</a:t>
             </a:r>
-            <a:endParaRPr lang="en-US" altLang="zh-CN" dirty="0" smtClean="0"/>
           </a:p>
           <a:p>
             <a:pPr lvl="1">
@@ -18722,13 +18740,13 @@
             </a:r>
             <a:r>
               <a:rPr lang="en-US" altLang="zh-CN" dirty="0" smtClean="0">
-                <a:hlinkClick r:id="rId4"/>
+                <a:hlinkClick r:id="rId5"/>
               </a:rPr>
               <a:t>https</a:t>
             </a:r>
             <a:r>
               <a:rPr lang="en-US" altLang="zh-CN" dirty="0">
-                <a:hlinkClick r:id="rId4"/>
+                <a:hlinkClick r:id="rId5"/>
               </a:rPr>
               <a:t>://github.com/go-av/alipay</a:t>
             </a:r>
@@ -18942,7 +18960,6 @@
               <a:rPr lang="en-US" dirty="0" smtClean="0"/>
               <a:t> </a:t>
             </a:r>
-            <a:endParaRPr lang="en-US" dirty="0" smtClean="0"/>
           </a:p>
           <a:p>
             <a:pPr>
@@ -19731,11 +19748,7 @@
             </a:r>
             <a:r>
               <a:rPr lang="en-US" altLang="zh-CN" dirty="0" smtClean="0"/>
-              <a:t>&gt;</a:t>
-            </a:r>
-            <a:r>
-              <a:rPr lang="en-US" altLang="zh-CN" dirty="0" smtClean="0"/>
-              <a:t> 2</a:t>
+              <a:t>&gt; 2</a:t>
             </a:r>
             <a:endParaRPr lang="zh-CN" altLang="en-US" dirty="0"/>
           </a:p>

--- a/golang简介/Golang介绍.pptx
+++ b/golang简介/Golang介绍.pptx
@@ -244,7 +244,7 @@
           <a:p>
             <a:fld id="{C3FC89E3-AB83-5E4F-AFB6-5836CBD66EFF}" type="datetimeFigureOut">
               <a:rPr lang="en-US" smtClean="0"/>
-              <a:t>15/7/10</a:t>
+              <a:t>15/8/20</a:t>
             </a:fld>
             <a:endParaRPr lang="en-US"/>
           </a:p>
@@ -5942,7 +5942,7 @@
           <a:p>
             <a:fld id="{2CCF9F61-0AC4-6746-919A-207B3DC15DC3}" type="datetimeFigureOut">
               <a:rPr lang="en-US" smtClean="0"/>
-              <a:t>15/7/10</a:t>
+              <a:t>15/8/20</a:t>
             </a:fld>
             <a:endParaRPr lang="en-US"/>
           </a:p>
@@ -6136,7 +6136,7 @@
           <a:p>
             <a:fld id="{2CCF9F61-0AC4-6746-919A-207B3DC15DC3}" type="datetimeFigureOut">
               <a:rPr lang="en-US" smtClean="0"/>
-              <a:t>15/7/10</a:t>
+              <a:t>15/8/20</a:t>
             </a:fld>
             <a:endParaRPr lang="en-US"/>
           </a:p>
@@ -6324,7 +6324,7 @@
           <a:p>
             <a:fld id="{2CCF9F61-0AC4-6746-919A-207B3DC15DC3}" type="datetimeFigureOut">
               <a:rPr lang="en-US" smtClean="0"/>
-              <a:t>15/7/10</a:t>
+              <a:t>15/8/20</a:t>
             </a:fld>
             <a:endParaRPr lang="en-US"/>
           </a:p>
@@ -6553,7 +6553,7 @@
           <a:p>
             <a:fld id="{2CCF9F61-0AC4-6746-919A-207B3DC15DC3}" type="datetimeFigureOut">
               <a:rPr lang="en-US" smtClean="0"/>
-              <a:t>15/7/10</a:t>
+              <a:t>15/8/20</a:t>
             </a:fld>
             <a:endParaRPr lang="en-US"/>
           </a:p>
@@ -6834,7 +6834,7 @@
           <a:p>
             <a:fld id="{2CCF9F61-0AC4-6746-919A-207B3DC15DC3}" type="datetimeFigureOut">
               <a:rPr lang="en-US" smtClean="0"/>
-              <a:t>15/7/10</a:t>
+              <a:t>15/8/20</a:t>
             </a:fld>
             <a:endParaRPr lang="en-US"/>
           </a:p>
@@ -7122,7 +7122,7 @@
           <a:p>
             <a:fld id="{2CCF9F61-0AC4-6746-919A-207B3DC15DC3}" type="datetimeFigureOut">
               <a:rPr lang="en-US" smtClean="0"/>
-              <a:t>15/7/10</a:t>
+              <a:t>15/8/20</a:t>
             </a:fld>
             <a:endParaRPr lang="en-US"/>
           </a:p>
@@ -7676,7 +7676,7 @@
           <a:p>
             <a:fld id="{2CCF9F61-0AC4-6746-919A-207B3DC15DC3}" type="datetimeFigureOut">
               <a:rPr lang="en-US" smtClean="0"/>
-              <a:t>15/7/10</a:t>
+              <a:t>15/8/20</a:t>
             </a:fld>
             <a:endParaRPr lang="en-US"/>
           </a:p>
@@ -7807,7 +7807,7 @@
           <a:p>
             <a:fld id="{2CCF9F61-0AC4-6746-919A-207B3DC15DC3}" type="datetimeFigureOut">
               <a:rPr lang="en-US" smtClean="0"/>
-              <a:t>15/7/10</a:t>
+              <a:t>15/8/20</a:t>
             </a:fld>
             <a:endParaRPr lang="en-US"/>
           </a:p>
@@ -7957,7 +7957,7 @@
           <a:p>
             <a:fld id="{2CCF9F61-0AC4-6746-919A-207B3DC15DC3}" type="datetimeFigureOut">
               <a:rPr lang="en-US" smtClean="0"/>
-              <a:t>15/7/10</a:t>
+              <a:t>15/8/20</a:t>
             </a:fld>
             <a:endParaRPr lang="en-US"/>
           </a:p>
@@ -8278,7 +8278,7 @@
           <a:p>
             <a:fld id="{2CCF9F61-0AC4-6746-919A-207B3DC15DC3}" type="datetimeFigureOut">
               <a:rPr lang="en-US" smtClean="0"/>
-              <a:t>15/7/10</a:t>
+              <a:t>15/8/20</a:t>
             </a:fld>
             <a:endParaRPr lang="en-US"/>
           </a:p>
@@ -8575,7 +8575,7 @@
           <a:p>
             <a:fld id="{2CCF9F61-0AC4-6746-919A-207B3DC15DC3}" type="datetimeFigureOut">
               <a:rPr lang="en-US" smtClean="0"/>
-              <a:t>15/7/10</a:t>
+              <a:t>15/8/20</a:t>
             </a:fld>
             <a:endParaRPr lang="en-US"/>
           </a:p>
@@ -8820,7 +8820,7 @@
           <a:p>
             <a:fld id="{2CCF9F61-0AC4-6746-919A-207B3DC15DC3}" type="datetimeFigureOut">
               <a:rPr lang="en-US" smtClean="0"/>
-              <a:t>15/7/10</a:t>
+              <a:t>15/8/20</a:t>
             </a:fld>
             <a:endParaRPr lang="en-US"/>
           </a:p>
@@ -12012,24 +12012,21 @@
             </a:r>
             <a:r>
               <a:rPr lang="en-US" altLang="zh-CN" dirty="0" smtClean="0"/>
-              <a:t>015-07-31 Go 1.5   </a:t>
-            </a:r>
-            <a:r>
-              <a:rPr lang="en-US" altLang="zh-CN" dirty="0">
-                <a:hlinkClick r:id="rId3"/>
-              </a:rPr>
-              <a:t>https://github.com/golang/go/</a:t>
-            </a:r>
-            <a:r>
-              <a:rPr lang="en-US" altLang="zh-CN" dirty="0" smtClean="0">
-                <a:hlinkClick r:id="rId3"/>
-              </a:rPr>
-              <a:t>milestones</a:t>
+              <a:t>015-</a:t>
             </a:r>
             <a:r>
               <a:rPr lang="en-US" altLang="zh-CN" dirty="0" smtClean="0"/>
-              <a:t> </a:t>
-            </a:r>
+              <a:t>08-20 </a:t>
+            </a:r>
+            <a:r>
+              <a:rPr lang="en-US" altLang="zh-CN" dirty="0" smtClean="0"/>
+              <a:t>Go </a:t>
+            </a:r>
+            <a:r>
+              <a:rPr lang="en-US" altLang="zh-CN" dirty="0" smtClean="0"/>
+              <a:t>1.5</a:t>
+            </a:r>
+            <a:endParaRPr lang="en-US" altLang="zh-CN" dirty="0" smtClean="0"/>
           </a:p>
           <a:p>
             <a:pPr lvl="1">
@@ -18496,13 +18493,7 @@
               <a:rPr lang="en-US" altLang="zh-CN" dirty="0" smtClean="0">
                 <a:hlinkClick r:id="rId3"/>
               </a:rPr>
-              <a:t>go-lang.cat-v.org/organizations-using-</a:t>
-            </a:r>
-            <a:r>
-              <a:rPr lang="en-US" altLang="zh-CN" dirty="0" smtClean="0">
-                <a:hlinkClick r:id="rId3"/>
-              </a:rPr>
-              <a:t>go</a:t>
+              <a:t>go-lang.cat-v.org/organizations-using-go</a:t>
             </a:r>
             <a:r>
               <a:rPr lang="en-US" altLang="zh-CN" dirty="0"/>

--- a/golang简介/Golang介绍.pptx
+++ b/golang简介/Golang介绍.pptx
@@ -159,6 +159,22 @@
       </a:defRPr>
     </a:lvl9pPr>
   </p:defaultTextStyle>
+  <p:extLst>
+    <p:ext uri="{EFAFB233-063F-42B5-8137-9DF3F51BA10A}">
+      <p15:sldGuideLst xmlns:p15="http://schemas.microsoft.com/office/powerpoint/2012/main">
+        <p15:guide id="1" orient="horz" pos="2160">
+          <p15:clr>
+            <a:srgbClr val="A4A3A4"/>
+          </p15:clr>
+        </p15:guide>
+        <p15:guide id="2" pos="2880">
+          <p15:clr>
+            <a:srgbClr val="A4A3A4"/>
+          </p15:clr>
+        </p15:guide>
+      </p15:sldGuideLst>
+    </p:ext>
+  </p:extLst>
 </p:presentation>
 </file>
 
@@ -244,7 +260,7 @@
           <a:p>
             <a:fld id="{C3FC89E3-AB83-5E4F-AFB6-5836CBD66EFF}" type="datetimeFigureOut">
               <a:rPr lang="en-US" smtClean="0"/>
-              <a:t>15/8/20</a:t>
+              <a:t>11/11/15</a:t>
             </a:fld>
             <a:endParaRPr lang="en-US"/>
           </a:p>
@@ -5942,7 +5958,7 @@
           <a:p>
             <a:fld id="{2CCF9F61-0AC4-6746-919A-207B3DC15DC3}" type="datetimeFigureOut">
               <a:rPr lang="en-US" smtClean="0"/>
-              <a:t>15/8/20</a:t>
+              <a:t>11/11/15</a:t>
             </a:fld>
             <a:endParaRPr lang="en-US"/>
           </a:p>
@@ -6136,7 +6152,7 @@
           <a:p>
             <a:fld id="{2CCF9F61-0AC4-6746-919A-207B3DC15DC3}" type="datetimeFigureOut">
               <a:rPr lang="en-US" smtClean="0"/>
-              <a:t>15/8/20</a:t>
+              <a:t>11/11/15</a:t>
             </a:fld>
             <a:endParaRPr lang="en-US"/>
           </a:p>
@@ -6324,7 +6340,7 @@
           <a:p>
             <a:fld id="{2CCF9F61-0AC4-6746-919A-207B3DC15DC3}" type="datetimeFigureOut">
               <a:rPr lang="en-US" smtClean="0"/>
-              <a:t>15/8/20</a:t>
+              <a:t>11/11/15</a:t>
             </a:fld>
             <a:endParaRPr lang="en-US"/>
           </a:p>
@@ -6553,7 +6569,7 @@
           <a:p>
             <a:fld id="{2CCF9F61-0AC4-6746-919A-207B3DC15DC3}" type="datetimeFigureOut">
               <a:rPr lang="en-US" smtClean="0"/>
-              <a:t>15/8/20</a:t>
+              <a:t>11/11/15</a:t>
             </a:fld>
             <a:endParaRPr lang="en-US"/>
           </a:p>
@@ -6834,7 +6850,7 @@
           <a:p>
             <a:fld id="{2CCF9F61-0AC4-6746-919A-207B3DC15DC3}" type="datetimeFigureOut">
               <a:rPr lang="en-US" smtClean="0"/>
-              <a:t>15/8/20</a:t>
+              <a:t>11/11/15</a:t>
             </a:fld>
             <a:endParaRPr lang="en-US"/>
           </a:p>
@@ -7122,7 +7138,7 @@
           <a:p>
             <a:fld id="{2CCF9F61-0AC4-6746-919A-207B3DC15DC3}" type="datetimeFigureOut">
               <a:rPr lang="en-US" smtClean="0"/>
-              <a:t>15/8/20</a:t>
+              <a:t>11/11/15</a:t>
             </a:fld>
             <a:endParaRPr lang="en-US"/>
           </a:p>
@@ -7676,7 +7692,7 @@
           <a:p>
             <a:fld id="{2CCF9F61-0AC4-6746-919A-207B3DC15DC3}" type="datetimeFigureOut">
               <a:rPr lang="en-US" smtClean="0"/>
-              <a:t>15/8/20</a:t>
+              <a:t>11/11/15</a:t>
             </a:fld>
             <a:endParaRPr lang="en-US"/>
           </a:p>
@@ -7807,7 +7823,7 @@
           <a:p>
             <a:fld id="{2CCF9F61-0AC4-6746-919A-207B3DC15DC3}" type="datetimeFigureOut">
               <a:rPr lang="en-US" smtClean="0"/>
-              <a:t>15/8/20</a:t>
+              <a:t>11/11/15</a:t>
             </a:fld>
             <a:endParaRPr lang="en-US"/>
           </a:p>
@@ -7957,7 +7973,7 @@
           <a:p>
             <a:fld id="{2CCF9F61-0AC4-6746-919A-207B3DC15DC3}" type="datetimeFigureOut">
               <a:rPr lang="en-US" smtClean="0"/>
-              <a:t>15/8/20</a:t>
+              <a:t>11/11/15</a:t>
             </a:fld>
             <a:endParaRPr lang="en-US"/>
           </a:p>
@@ -8278,7 +8294,7 @@
           <a:p>
             <a:fld id="{2CCF9F61-0AC4-6746-919A-207B3DC15DC3}" type="datetimeFigureOut">
               <a:rPr lang="en-US" smtClean="0"/>
-              <a:t>15/8/20</a:t>
+              <a:t>11/11/15</a:t>
             </a:fld>
             <a:endParaRPr lang="en-US"/>
           </a:p>
@@ -8575,7 +8591,7 @@
           <a:p>
             <a:fld id="{2CCF9F61-0AC4-6746-919A-207B3DC15DC3}" type="datetimeFigureOut">
               <a:rPr lang="en-US" smtClean="0"/>
-              <a:t>15/8/20</a:t>
+              <a:t>11/11/15</a:t>
             </a:fld>
             <a:endParaRPr lang="en-US"/>
           </a:p>
@@ -8820,7 +8836,7 @@
           <a:p>
             <a:fld id="{2CCF9F61-0AC4-6746-919A-207B3DC15DC3}" type="datetimeFigureOut">
               <a:rPr lang="en-US" smtClean="0"/>
-              <a:t>15/8/20</a:t>
+              <a:t>11/11/15</a:t>
             </a:fld>
             <a:endParaRPr lang="en-US"/>
           </a:p>
@@ -9417,7 +9433,7 @@
   <p:timing>
     <p:tnLst>
       <p:par>
-        <p:cTn xmlns:p14="http://schemas.microsoft.com/office/powerpoint/2010/main" id="1" dur="indefinite" restart="never" nodeType="tmRoot"/>
+        <p:cTn id="1" dur="indefinite" restart="never" nodeType="tmRoot"/>
       </p:par>
     </p:tnLst>
   </p:timing>
@@ -9690,7 +9706,7 @@
   <p:timing>
     <p:tnLst>
       <p:par>
-        <p:cTn xmlns:p14="http://schemas.microsoft.com/office/powerpoint/2010/main" id="1" dur="indefinite" restart="never" nodeType="tmRoot"/>
+        <p:cTn id="1" dur="indefinite" restart="never" nodeType="tmRoot"/>
       </p:par>
     </p:tnLst>
   </p:timing>
@@ -10124,7 +10140,7 @@
   <p:timing>
     <p:tnLst>
       <p:par>
-        <p:cTn xmlns:p14="http://schemas.microsoft.com/office/powerpoint/2010/main" id="1" dur="indefinite" restart="never" nodeType="tmRoot"/>
+        <p:cTn id="1" dur="indefinite" restart="never" nodeType="tmRoot"/>
       </p:par>
     </p:tnLst>
   </p:timing>
@@ -10444,7 +10460,7 @@
   <p:timing>
     <p:tnLst>
       <p:par>
-        <p:cTn xmlns:p14="http://schemas.microsoft.com/office/powerpoint/2010/main" id="1" dur="indefinite" restart="never" nodeType="tmRoot"/>
+        <p:cTn id="1" dur="indefinite" restart="never" nodeType="tmRoot"/>
       </p:par>
     </p:tnLst>
   </p:timing>
@@ -10780,7 +10796,7 @@
   <p:timing>
     <p:tnLst>
       <p:par>
-        <p:cTn xmlns:p14="http://schemas.microsoft.com/office/powerpoint/2010/main" id="1" dur="indefinite" restart="never" nodeType="tmRoot"/>
+        <p:cTn id="1" dur="indefinite" restart="never" nodeType="tmRoot"/>
       </p:par>
     </p:tnLst>
   </p:timing>
@@ -11062,7 +11078,7 @@
   <p:timing>
     <p:tnLst>
       <p:par>
-        <p:cTn xmlns:p14="http://schemas.microsoft.com/office/powerpoint/2010/main" id="1" dur="indefinite" restart="never" nodeType="tmRoot"/>
+        <p:cTn id="1" dur="indefinite" restart="never" nodeType="tmRoot"/>
       </p:par>
     </p:tnLst>
   </p:timing>
@@ -11138,18 +11154,18 @@
   <p:clrMapOvr>
     <a:masterClrMapping/>
   </p:clrMapOvr>
-  <mc:AlternateContent xmlns:mc="http://schemas.openxmlformats.org/markup-compatibility/2006" xmlns:p14="http://schemas.microsoft.com/office/powerpoint/2010/main">
-    <mc:Choice Requires="p14">
+  <mc:AlternateContent xmlns:mc="http://schemas.openxmlformats.org/markup-compatibility/2006">
+    <mc:Choice xmlns:p14="http://schemas.microsoft.com/office/powerpoint/2010/main" Requires="p14">
       <p:transition spd="slow" p14:dur="2000"/>
     </mc:Choice>
-    <mc:Fallback xmlns="">
+    <mc:Fallback>
       <p:transition spd="slow"/>
     </mc:Fallback>
   </mc:AlternateContent>
   <p:timing>
     <p:tnLst>
       <p:par>
-        <p:cTn xmlns:p14="http://schemas.microsoft.com/office/powerpoint/2010/main" id="1" dur="indefinite" restart="never" nodeType="tmRoot"/>
+        <p:cTn id="1" dur="indefinite" restart="never" nodeType="tmRoot"/>
       </p:par>
     </p:tnLst>
   </p:timing>
@@ -11252,7 +11268,7 @@
           <a:noFill/>
           <a:extLst>
             <a:ext uri="{909E8E84-426E-40dd-AFC4-6F175D3DCCD1}">
-              <a14:hiddenFill xmlns:a14="http://schemas.microsoft.com/office/drawing/2010/main">
+              <a14:hiddenFill xmlns="" xmlns:a14="http://schemas.microsoft.com/office/drawing/2010/main">
                 <a:solidFill>
                   <a:srgbClr val="FFFFFF"/>
                 </a:solidFill>
@@ -11274,7 +11290,7 @@
   <p:timing>
     <p:tnLst>
       <p:par>
-        <p:cTn xmlns:p14="http://schemas.microsoft.com/office/powerpoint/2010/main" id="1" dur="indefinite" restart="never" nodeType="tmRoot"/>
+        <p:cTn id="1" dur="indefinite" restart="never" nodeType="tmRoot"/>
       </p:par>
     </p:tnLst>
   </p:timing>
@@ -11408,18 +11424,18 @@
   <p:clrMapOvr>
     <a:masterClrMapping/>
   </p:clrMapOvr>
-  <mc:AlternateContent xmlns:mc="http://schemas.openxmlformats.org/markup-compatibility/2006" xmlns:p14="http://schemas.microsoft.com/office/powerpoint/2010/main">
-    <mc:Choice Requires="p14">
+  <mc:AlternateContent xmlns:mc="http://schemas.openxmlformats.org/markup-compatibility/2006">
+    <mc:Choice xmlns:p14="http://schemas.microsoft.com/office/powerpoint/2010/main" Requires="p14">
       <p:transition spd="slow" p14:dur="2000"/>
     </mc:Choice>
-    <mc:Fallback xmlns="">
+    <mc:Fallback>
       <p:transition spd="slow"/>
     </mc:Fallback>
   </mc:AlternateContent>
   <p:timing>
     <p:tnLst>
       <p:par>
-        <p:cTn xmlns:p14="http://schemas.microsoft.com/office/powerpoint/2010/main" id="1" dur="indefinite" restart="never" nodeType="tmRoot"/>
+        <p:cTn id="1" dur="indefinite" restart="never" nodeType="tmRoot"/>
       </p:par>
     </p:tnLst>
   </p:timing>
@@ -11624,18 +11640,18 @@
   <p:clrMapOvr>
     <a:masterClrMapping/>
   </p:clrMapOvr>
-  <mc:AlternateContent xmlns:mc="http://schemas.openxmlformats.org/markup-compatibility/2006" xmlns:p14="http://schemas.microsoft.com/office/powerpoint/2010/main">
-    <mc:Choice Requires="p14">
+  <mc:AlternateContent xmlns:mc="http://schemas.openxmlformats.org/markup-compatibility/2006">
+    <mc:Choice xmlns:p14="http://schemas.microsoft.com/office/powerpoint/2010/main" Requires="p14">
       <p:transition spd="slow" p14:dur="2000"/>
     </mc:Choice>
-    <mc:Fallback xmlns="">
+    <mc:Fallback>
       <p:transition spd="slow"/>
     </mc:Fallback>
   </mc:AlternateContent>
   <p:timing>
     <p:tnLst>
       <p:par>
-        <p:cTn xmlns:p14="http://schemas.microsoft.com/office/powerpoint/2010/main" id="1" dur="indefinite" restart="never" nodeType="tmRoot"/>
+        <p:cTn id="1" dur="indefinite" restart="never" nodeType="tmRoot"/>
       </p:par>
     </p:tnLst>
   </p:timing>
@@ -11809,18 +11825,18 @@
   <p:clrMapOvr>
     <a:masterClrMapping/>
   </p:clrMapOvr>
-  <mc:AlternateContent xmlns:mc="http://schemas.openxmlformats.org/markup-compatibility/2006" xmlns:p14="http://schemas.microsoft.com/office/powerpoint/2010/main">
-    <mc:Choice Requires="p14">
+  <mc:AlternateContent xmlns:mc="http://schemas.openxmlformats.org/markup-compatibility/2006">
+    <mc:Choice xmlns:p14="http://schemas.microsoft.com/office/powerpoint/2010/main" Requires="p14">
       <p:transition spd="slow" p14:dur="2000"/>
     </mc:Choice>
-    <mc:Fallback xmlns="">
+    <mc:Fallback>
       <p:transition spd="slow"/>
     </mc:Fallback>
   </mc:AlternateContent>
   <p:timing>
     <p:tnLst>
       <p:par>
-        <p:cTn xmlns:p14="http://schemas.microsoft.com/office/powerpoint/2010/main" id="1" dur="indefinite" restart="never" nodeType="tmRoot"/>
+        <p:cTn id="1" dur="indefinite" restart="never" nodeType="tmRoot"/>
       </p:par>
     </p:tnLst>
   </p:timing>
@@ -11884,7 +11900,7 @@
         <p:spPr/>
         <p:txBody>
           <a:bodyPr>
-            <a:normAutofit fontScale="77500" lnSpcReduction="20000"/>
+            <a:normAutofit fontScale="70000" lnSpcReduction="20000"/>
           </a:bodyPr>
           <a:lstStyle/>
           <a:p>
@@ -11895,7 +11911,11 @@
             </a:pPr>
             <a:r>
               <a:rPr lang="zh-CN" altLang="en-US" dirty="0" smtClean="0"/>
-              <a:t>剁手节</a:t>
+              <a:t>剁手节 </a:t>
+            </a:r>
+            <a:r>
+              <a:rPr lang="en-US" altLang="zh-CN" smtClean="0"/>
+              <a:t>2009-11-11</a:t>
             </a:r>
             <a:endParaRPr lang="en-US" altLang="zh-CN" dirty="0" smtClean="0"/>
           </a:p>
@@ -11909,6 +11929,10 @@
               <a:rPr lang="zh-CN" altLang="en-US" dirty="0" smtClean="0"/>
               <a:t>光棍节</a:t>
             </a:r>
+            <a:r>
+              <a:rPr lang="en-US" altLang="zh-CN" dirty="0" smtClean="0"/>
+              <a:t> </a:t>
+            </a:r>
             <a:endParaRPr lang="en-US" altLang="zh-CN" dirty="0" smtClean="0"/>
           </a:p>
           <a:p>
@@ -11923,9 +11947,21 @@
             </a:r>
             <a:r>
               <a:rPr lang="zh-CN" altLang="en-US" dirty="0" smtClean="0"/>
-              <a:t>空生日</a:t>
-            </a:r>
-            <a:endParaRPr lang="en-US" altLang="zh-CN" dirty="0" smtClean="0"/>
+              <a:t>空</a:t>
+            </a:r>
+            <a:r>
+              <a:rPr lang="zh-CN" altLang="en-US" dirty="0" smtClean="0"/>
+              <a:t>生日 </a:t>
+            </a:r>
+            <a:r>
+              <a:rPr lang="en-US" altLang="zh-CN" dirty="0" smtClean="0"/>
+              <a:t>1983-11</a:t>
+            </a:r>
+            <a:r>
+              <a:rPr lang="en-US" altLang="zh-CN" dirty="0" smtClean="0"/>
+              <a:t>-11</a:t>
+            </a:r>
+            <a:endParaRPr lang="zh-CN" altLang="en-US" dirty="0" smtClean="0"/>
           </a:p>
           <a:p>
             <a:pPr>
@@ -11934,6 +11970,26 @@
               </a:lnSpc>
             </a:pPr>
             <a:r>
+              <a:rPr lang="zh-CN" altLang="en-US" dirty="0" smtClean="0"/>
+              <a:t>空军</a:t>
+            </a:r>
+            <a:r>
+              <a:rPr lang="zh-CN" altLang="en-US" dirty="0" smtClean="0"/>
+              <a:t>节 </a:t>
+            </a:r>
+            <a:r>
+              <a:rPr lang="en-US" altLang="zh-CN" dirty="0" smtClean="0"/>
+              <a:t>1949-11-11</a:t>
+            </a:r>
+            <a:endParaRPr lang="en-US" altLang="zh-CN" dirty="0" smtClean="0"/>
+          </a:p>
+          <a:p>
+            <a:pPr>
+              <a:lnSpc>
+                <a:spcPct val="150000"/>
+              </a:lnSpc>
+            </a:pPr>
+            <a:r>
               <a:rPr lang="en-US" altLang="zh-CN" dirty="0" err="1" smtClean="0"/>
               <a:t>Golang</a:t>
             </a:r>
@@ -12012,21 +12068,8 @@
             </a:r>
             <a:r>
               <a:rPr lang="en-US" altLang="zh-CN" dirty="0" smtClean="0"/>
-              <a:t>015-</a:t>
-            </a:r>
-            <a:r>
-              <a:rPr lang="en-US" altLang="zh-CN" dirty="0" smtClean="0"/>
-              <a:t>08-20 </a:t>
-            </a:r>
-            <a:r>
-              <a:rPr lang="en-US" altLang="zh-CN" dirty="0" smtClean="0"/>
-              <a:t>Go </a:t>
-            </a:r>
-            <a:r>
-              <a:rPr lang="en-US" altLang="zh-CN" dirty="0" smtClean="0"/>
-              <a:t>1.5</a:t>
-            </a:r>
-            <a:endParaRPr lang="en-US" altLang="zh-CN" dirty="0" smtClean="0"/>
+              <a:t>015-08-20 Go 1.5</a:t>
+            </a:r>
           </a:p>
           <a:p>
             <a:pPr lvl="1">
@@ -12067,7 +12110,7 @@
   <p:timing>
     <p:tnLst>
       <p:par>
-        <p:cTn xmlns:p14="http://schemas.microsoft.com/office/powerpoint/2010/main" id="1" dur="indefinite" restart="never" nodeType="tmRoot">
+        <p:cTn id="1" dur="indefinite" restart="never" nodeType="tmRoot">
           <p:childTnLst>
             <p:seq concurrent="1" nextAc="seek">
               <p:cTn id="2" dur="indefinite" nodeType="mainSeq">
@@ -12262,39 +12305,26 @@
                                   </p:childTnLst>
                                 </p:cTn>
                               </p:par>
+                            </p:childTnLst>
+                          </p:cTn>
+                        </p:par>
+                      </p:childTnLst>
+                    </p:cTn>
+                  </p:par>
+                  <p:par>
+                    <p:cTn id="19" fill="hold">
+                      <p:stCondLst>
+                        <p:cond delay="indefinite"/>
+                      </p:stCondLst>
+                      <p:childTnLst>
+                        <p:par>
+                          <p:cTn id="20" fill="hold">
+                            <p:stCondLst>
+                              <p:cond delay="0"/>
+                            </p:stCondLst>
+                            <p:childTnLst>
                               <p:par>
-                                <p:cTn id="19" presetID="1" presetClass="entr" presetSubtype="0" fill="hold" grpId="0" nodeType="withEffect">
-                                  <p:stCondLst>
-                                    <p:cond delay="0"/>
-                                  </p:stCondLst>
-                                  <p:childTnLst>
-                                    <p:set>
-                                      <p:cBhvr>
-                                        <p:cTn id="20" dur="1" fill="hold">
-                                          <p:stCondLst>
-                                            <p:cond delay="0"/>
-                                          </p:stCondLst>
-                                        </p:cTn>
-                                        <p:tgtEl>
-                                          <p:spTgt spid="3">
-                                            <p:txEl>
-                                              <p:pRg st="4" end="4"/>
-                                            </p:txEl>
-                                          </p:spTgt>
-                                        </p:tgtEl>
-                                        <p:attrNameLst>
-                                          <p:attrName>style.visibility</p:attrName>
-                                        </p:attrNameLst>
-                                      </p:cBhvr>
-                                      <p:to>
-                                        <p:strVal val="visible"/>
-                                      </p:to>
-                                    </p:set>
-                                  </p:childTnLst>
-                                </p:cTn>
-                              </p:par>
-                              <p:par>
-                                <p:cTn id="21" presetID="1" presetClass="entr" presetSubtype="0" fill="hold" grpId="0" nodeType="withEffect">
+                                <p:cTn id="21" presetID="1" presetClass="entr" presetSubtype="0" fill="hold" grpId="0" nodeType="clickEffect">
                                   <p:stCondLst>
                                     <p:cond delay="0"/>
                                   </p:stCondLst>
@@ -12309,7 +12339,7 @@
                                         <p:tgtEl>
                                           <p:spTgt spid="3">
                                             <p:txEl>
-                                              <p:pRg st="5" end="5"/>
+                                              <p:pRg st="4" end="4"/>
                                             </p:txEl>
                                           </p:spTgt>
                                         </p:tgtEl>
@@ -12340,7 +12370,7 @@
                                         <p:tgtEl>
                                           <p:spTgt spid="3">
                                             <p:txEl>
-                                              <p:pRg st="6" end="6"/>
+                                              <p:pRg st="5" end="5"/>
                                             </p:txEl>
                                           </p:spTgt>
                                         </p:tgtEl>
@@ -12371,7 +12401,7 @@
                                         <p:tgtEl>
                                           <p:spTgt spid="3">
                                             <p:txEl>
-                                              <p:pRg st="7" end="7"/>
+                                              <p:pRg st="6" end="6"/>
                                             </p:txEl>
                                           </p:spTgt>
                                         </p:tgtEl>
@@ -12402,7 +12432,69 @@
                                         <p:tgtEl>
                                           <p:spTgt spid="3">
                                             <p:txEl>
+                                              <p:pRg st="7" end="7"/>
+                                            </p:txEl>
+                                          </p:spTgt>
+                                        </p:tgtEl>
+                                        <p:attrNameLst>
+                                          <p:attrName>style.visibility</p:attrName>
+                                        </p:attrNameLst>
+                                      </p:cBhvr>
+                                      <p:to>
+                                        <p:strVal val="visible"/>
+                                      </p:to>
+                                    </p:set>
+                                  </p:childTnLst>
+                                </p:cTn>
+                              </p:par>
+                              <p:par>
+                                <p:cTn id="29" presetID="1" presetClass="entr" presetSubtype="0" fill="hold" grpId="0" nodeType="withEffect">
+                                  <p:stCondLst>
+                                    <p:cond delay="0"/>
+                                  </p:stCondLst>
+                                  <p:childTnLst>
+                                    <p:set>
+                                      <p:cBhvr>
+                                        <p:cTn id="30" dur="1" fill="hold">
+                                          <p:stCondLst>
+                                            <p:cond delay="0"/>
+                                          </p:stCondLst>
+                                        </p:cTn>
+                                        <p:tgtEl>
+                                          <p:spTgt spid="3">
+                                            <p:txEl>
                                               <p:pRg st="8" end="8"/>
+                                            </p:txEl>
+                                          </p:spTgt>
+                                        </p:tgtEl>
+                                        <p:attrNameLst>
+                                          <p:attrName>style.visibility</p:attrName>
+                                        </p:attrNameLst>
+                                      </p:cBhvr>
+                                      <p:to>
+                                        <p:strVal val="visible"/>
+                                      </p:to>
+                                    </p:set>
+                                  </p:childTnLst>
+                                </p:cTn>
+                              </p:par>
+                              <p:par>
+                                <p:cTn id="31" presetID="1" presetClass="entr" presetSubtype="0" fill="hold" grpId="0" nodeType="withEffect">
+                                  <p:stCondLst>
+                                    <p:cond delay="0"/>
+                                  </p:stCondLst>
+                                  <p:childTnLst>
+                                    <p:set>
+                                      <p:cBhvr>
+                                        <p:cTn id="32" dur="1" fill="hold">
+                                          <p:stCondLst>
+                                            <p:cond delay="0"/>
+                                          </p:stCondLst>
+                                        </p:cTn>
+                                        <p:tgtEl>
+                                          <p:spTgt spid="3">
+                                            <p:txEl>
+                                              <p:pRg st="9" end="9"/>
                                             </p:txEl>
                                           </p:spTgt>
                                         </p:tgtEl>
@@ -12728,7 +12820,7 @@
   <p:timing>
     <p:tnLst>
       <p:par>
-        <p:cTn xmlns:p14="http://schemas.microsoft.com/office/powerpoint/2010/main" id="1" dur="indefinite" restart="never" nodeType="tmRoot"/>
+        <p:cTn id="1" dur="indefinite" restart="never" nodeType="tmRoot"/>
       </p:par>
     </p:tnLst>
   </p:timing>
@@ -12871,7 +12963,7 @@
   <p:timing>
     <p:tnLst>
       <p:par>
-        <p:cTn xmlns:p14="http://schemas.microsoft.com/office/powerpoint/2010/main" id="1" dur="indefinite" restart="never" nodeType="tmRoot"/>
+        <p:cTn id="1" dur="indefinite" restart="never" nodeType="tmRoot"/>
       </p:par>
     </p:tnLst>
   </p:timing>
@@ -13011,7 +13103,7 @@
   <p:timing>
     <p:tnLst>
       <p:par>
-        <p:cTn xmlns:p14="http://schemas.microsoft.com/office/powerpoint/2010/main" id="1" dur="indefinite" restart="never" nodeType="tmRoot"/>
+        <p:cTn id="1" dur="indefinite" restart="never" nodeType="tmRoot"/>
       </p:par>
     </p:tnLst>
   </p:timing>
@@ -13098,7 +13190,7 @@
   <p:timing>
     <p:tnLst>
       <p:par>
-        <p:cTn xmlns:p14="http://schemas.microsoft.com/office/powerpoint/2010/main" id="1" dur="indefinite" restart="never" nodeType="tmRoot"/>
+        <p:cTn id="1" dur="indefinite" restart="never" nodeType="tmRoot"/>
       </p:par>
     </p:tnLst>
   </p:timing>
@@ -13222,7 +13314,7 @@
   <p:timing>
     <p:tnLst>
       <p:par>
-        <p:cTn xmlns:p14="http://schemas.microsoft.com/office/powerpoint/2010/main" id="1" dur="indefinite" restart="never" nodeType="tmRoot"/>
+        <p:cTn id="1" dur="indefinite" restart="never" nodeType="tmRoot"/>
       </p:par>
     </p:tnLst>
   </p:timing>
@@ -13463,7 +13555,7 @@
   <p:timing>
     <p:tnLst>
       <p:par>
-        <p:cTn xmlns:p14="http://schemas.microsoft.com/office/powerpoint/2010/main" id="1" dur="indefinite" restart="never" nodeType="tmRoot"/>
+        <p:cTn id="1" dur="indefinite" restart="never" nodeType="tmRoot"/>
       </p:par>
     </p:tnLst>
   </p:timing>
@@ -13543,7 +13635,7 @@
         <p:spPr/>
         <p:txBody>
           <a:bodyPr>
-            <a:normAutofit fontScale="70000" lnSpcReduction="20000"/>
+            <a:normAutofit fontScale="62500" lnSpcReduction="20000"/>
           </a:bodyPr>
           <a:lstStyle/>
           <a:p>
@@ -13662,7 +13754,7 @@
   <p:timing>
     <p:tnLst>
       <p:par>
-        <p:cTn xmlns:p14="http://schemas.microsoft.com/office/powerpoint/2010/main" id="1" dur="indefinite" restart="never" nodeType="tmRoot"/>
+        <p:cTn id="1" dur="indefinite" restart="never" nodeType="tmRoot"/>
       </p:par>
     </p:tnLst>
   </p:timing>
@@ -14011,7 +14103,7 @@
   <p:timing>
     <p:tnLst>
       <p:par>
-        <p:cTn xmlns:p14="http://schemas.microsoft.com/office/powerpoint/2010/main" id="1" dur="indefinite" restart="never" nodeType="tmRoot"/>
+        <p:cTn id="1" dur="indefinite" restart="never" nodeType="tmRoot"/>
       </p:par>
     </p:tnLst>
   </p:timing>
@@ -14223,18 +14315,18 @@
   <p:clrMapOvr>
     <a:masterClrMapping/>
   </p:clrMapOvr>
-  <mc:AlternateContent xmlns:mc="http://schemas.openxmlformats.org/markup-compatibility/2006" xmlns:p14="http://schemas.microsoft.com/office/powerpoint/2010/main">
-    <mc:Choice Requires="p14">
+  <mc:AlternateContent xmlns:mc="http://schemas.openxmlformats.org/markup-compatibility/2006">
+    <mc:Choice xmlns:p14="http://schemas.microsoft.com/office/powerpoint/2010/main" Requires="p14">
       <p:transition spd="slow" p14:dur="2000"/>
     </mc:Choice>
-    <mc:Fallback xmlns="">
+    <mc:Fallback>
       <p:transition spd="slow"/>
     </mc:Fallback>
   </mc:AlternateContent>
   <p:timing>
     <p:tnLst>
       <p:par>
-        <p:cTn xmlns:p14="http://schemas.microsoft.com/office/powerpoint/2010/main" id="1" dur="indefinite" restart="never" nodeType="tmRoot"/>
+        <p:cTn id="1" dur="indefinite" restart="never" nodeType="tmRoot"/>
       </p:par>
     </p:tnLst>
   </p:timing>
@@ -14418,7 +14510,7 @@
           <a:noFill/>
           <a:extLst>
             <a:ext uri="{909E8E84-426E-40dd-AFC4-6F175D3DCCD1}">
-              <a14:hiddenFill xmlns:a14="http://schemas.microsoft.com/office/drawing/2010/main">
+              <a14:hiddenFill xmlns="" xmlns:a14="http://schemas.microsoft.com/office/drawing/2010/main">
                 <a:solidFill>
                   <a:srgbClr val="FFFFFF"/>
                 </a:solidFill>
@@ -14440,7 +14532,7 @@
   <p:timing>
     <p:tnLst>
       <p:par>
-        <p:cTn xmlns:p14="http://schemas.microsoft.com/office/powerpoint/2010/main" id="1" dur="indefinite" restart="never" nodeType="tmRoot"/>
+        <p:cTn id="1" dur="indefinite" restart="never" nodeType="tmRoot"/>
       </p:par>
     </p:tnLst>
   </p:timing>
@@ -14576,7 +14668,7 @@
   <p:timing>
     <p:tnLst>
       <p:par>
-        <p:cTn xmlns:p14="http://schemas.microsoft.com/office/powerpoint/2010/main" id="1" dur="indefinite" restart="never" nodeType="tmRoot"/>
+        <p:cTn id="1" dur="indefinite" restart="never" nodeType="tmRoot"/>
       </p:par>
     </p:tnLst>
   </p:timing>
@@ -14655,7 +14747,7 @@
   <p:timing>
     <p:tnLst>
       <p:par>
-        <p:cTn xmlns:p14="http://schemas.microsoft.com/office/powerpoint/2010/main" id="1" dur="indefinite" restart="never" nodeType="tmRoot"/>
+        <p:cTn id="1" dur="indefinite" restart="never" nodeType="tmRoot"/>
       </p:par>
     </p:tnLst>
   </p:timing>
@@ -15029,7 +15121,7 @@
           <a:noFill/>
           <a:extLst>
             <a:ext uri="{909E8E84-426E-40dd-AFC4-6F175D3DCCD1}">
-              <a14:hiddenFill xmlns:a14="http://schemas.microsoft.com/office/drawing/2010/main">
+              <a14:hiddenFill xmlns="" xmlns:a14="http://schemas.microsoft.com/office/drawing/2010/main">
                 <a:solidFill>
                   <a:srgbClr val="FFFFFF"/>
                 </a:solidFill>
@@ -15068,7 +15160,7 @@
           <a:noFill/>
           <a:extLst>
             <a:ext uri="{909E8E84-426E-40dd-AFC4-6F175D3DCCD1}">
-              <a14:hiddenFill xmlns:a14="http://schemas.microsoft.com/office/drawing/2010/main">
+              <a14:hiddenFill xmlns="" xmlns:a14="http://schemas.microsoft.com/office/drawing/2010/main">
                 <a:solidFill>
                   <a:srgbClr val="FFFFFF"/>
                 </a:solidFill>
@@ -15107,7 +15199,7 @@
           <a:noFill/>
           <a:extLst>
             <a:ext uri="{909E8E84-426E-40dd-AFC4-6F175D3DCCD1}">
-              <a14:hiddenFill xmlns:a14="http://schemas.microsoft.com/office/drawing/2010/main">
+              <a14:hiddenFill xmlns="" xmlns:a14="http://schemas.microsoft.com/office/drawing/2010/main">
                 <a:solidFill>
                   <a:srgbClr val="FFFFFF"/>
                 </a:solidFill>
@@ -15146,7 +15238,7 @@
           <a:noFill/>
           <a:extLst>
             <a:ext uri="{909E8E84-426E-40dd-AFC4-6F175D3DCCD1}">
-              <a14:hiddenFill xmlns:a14="http://schemas.microsoft.com/office/drawing/2010/main">
+              <a14:hiddenFill xmlns="" xmlns:a14="http://schemas.microsoft.com/office/drawing/2010/main">
                 <a:solidFill>
                   <a:srgbClr val="FFFFFF"/>
                 </a:solidFill>
@@ -15198,7 +15290,7 @@
           <a:noFill/>
           <a:extLst>
             <a:ext uri="{909E8E84-426E-40dd-AFC4-6F175D3DCCD1}">
-              <a14:hiddenFill xmlns:a14="http://schemas.microsoft.com/office/drawing/2010/main">
+              <a14:hiddenFill xmlns="" xmlns:a14="http://schemas.microsoft.com/office/drawing/2010/main">
                 <a:solidFill>
                   <a:srgbClr val="FFFFFF"/>
                 </a:solidFill>
@@ -15220,7 +15312,7 @@
   <p:timing>
     <p:tnLst>
       <p:par>
-        <p:cTn xmlns:p14="http://schemas.microsoft.com/office/powerpoint/2010/main" id="1" dur="indefinite" restart="never" nodeType="tmRoot"/>
+        <p:cTn id="1" dur="indefinite" restart="never" nodeType="tmRoot"/>
       </p:par>
     </p:tnLst>
   </p:timing>
@@ -15530,7 +15622,7 @@
   <p:timing>
     <p:tnLst>
       <p:par>
-        <p:cTn xmlns:p14="http://schemas.microsoft.com/office/powerpoint/2010/main" id="1" dur="indefinite" restart="never" nodeType="tmRoot"/>
+        <p:cTn id="1" dur="indefinite" restart="never" nodeType="tmRoot"/>
       </p:par>
     </p:tnLst>
   </p:timing>
@@ -15630,7 +15722,7 @@
   <p:timing>
     <p:tnLst>
       <p:par>
-        <p:cTn xmlns:p14="http://schemas.microsoft.com/office/powerpoint/2010/main" id="1" dur="indefinite" restart="never" nodeType="tmRoot"/>
+        <p:cTn id="1" dur="indefinite" restart="never" nodeType="tmRoot"/>
       </p:par>
     </p:tnLst>
   </p:timing>
@@ -16065,7 +16157,7 @@
   <p:timing>
     <p:tnLst>
       <p:par>
-        <p:cTn xmlns:p14="http://schemas.microsoft.com/office/powerpoint/2010/main" id="1" dur="indefinite" restart="never" nodeType="tmRoot"/>
+        <p:cTn id="1" dur="indefinite" restart="never" nodeType="tmRoot"/>
       </p:par>
     </p:tnLst>
   </p:timing>
@@ -16424,14 +16516,14 @@
           </a:ln>
           <a:extLst>
             <a:ext uri="{909E8E84-426E-40dd-AFC4-6F175D3DCCD1}">
-              <a14:hiddenFill xmlns:a14="http://schemas.microsoft.com/office/drawing/2010/main">
+              <a14:hiddenFill xmlns="" xmlns:a14="http://schemas.microsoft.com/office/drawing/2010/main">
                 <a:solidFill>
                   <a:schemeClr val="accent1"/>
                 </a:solidFill>
               </a14:hiddenFill>
             </a:ext>
             <a:ext uri="{91240B29-F687-4f45-9708-019B960494DF}">
-              <a14:hiddenLine xmlns:a14="http://schemas.microsoft.com/office/drawing/2010/main" w="9525">
+              <a14:hiddenLine xmlns="" xmlns:a14="http://schemas.microsoft.com/office/drawing/2010/main" w="9525">
                 <a:solidFill>
                   <a:schemeClr val="tx1"/>
                 </a:solidFill>
@@ -16456,7 +16548,7 @@
   <p:timing>
     <p:tnLst>
       <p:par>
-        <p:cTn xmlns:p14="http://schemas.microsoft.com/office/powerpoint/2010/main" id="1" dur="indefinite" restart="never" nodeType="tmRoot"/>
+        <p:cTn id="1" dur="indefinite" restart="never" nodeType="tmRoot"/>
       </p:par>
     </p:tnLst>
   </p:timing>
@@ -16701,7 +16793,7 @@
   <p:timing>
     <p:tnLst>
       <p:par>
-        <p:cTn xmlns:p14="http://schemas.microsoft.com/office/powerpoint/2010/main" id="1" dur="indefinite" restart="never" nodeType="tmRoot"/>
+        <p:cTn id="1" dur="indefinite" restart="never" nodeType="tmRoot"/>
       </p:par>
     </p:tnLst>
   </p:timing>
@@ -16780,7 +16872,7 @@
   <p:timing>
     <p:tnLst>
       <p:par>
-        <p:cTn xmlns:p14="http://schemas.microsoft.com/office/powerpoint/2010/main" id="1" dur="indefinite" restart="never" nodeType="tmRoot"/>
+        <p:cTn id="1" dur="indefinite" restart="never" nodeType="tmRoot"/>
       </p:par>
     </p:tnLst>
   </p:timing>
@@ -16878,7 +16970,7 @@
           <a:noFill/>
           <a:extLst>
             <a:ext uri="{909E8E84-426E-40dd-AFC4-6F175D3DCCD1}">
-              <a14:hiddenFill xmlns:a14="http://schemas.microsoft.com/office/drawing/2010/main">
+              <a14:hiddenFill xmlns="" xmlns:a14="http://schemas.microsoft.com/office/drawing/2010/main">
                 <a:solidFill>
                   <a:srgbClr val="FFFFFF"/>
                 </a:solidFill>
@@ -16900,7 +16992,7 @@
   <p:timing>
     <p:tnLst>
       <p:par>
-        <p:cTn xmlns:p14="http://schemas.microsoft.com/office/powerpoint/2010/main" id="1" dur="indefinite" restart="never" nodeType="tmRoot"/>
+        <p:cTn id="1" dur="indefinite" restart="never" nodeType="tmRoot"/>
       </p:par>
     </p:tnLst>
   </p:timing>
@@ -17116,18 +17208,18 @@
   <p:clrMapOvr>
     <a:masterClrMapping/>
   </p:clrMapOvr>
-  <mc:AlternateContent xmlns:mc="http://schemas.openxmlformats.org/markup-compatibility/2006" xmlns:p14="http://schemas.microsoft.com/office/powerpoint/2010/main">
-    <mc:Choice Requires="p14">
+  <mc:AlternateContent xmlns:mc="http://schemas.openxmlformats.org/markup-compatibility/2006">
+    <mc:Choice xmlns:p14="http://schemas.microsoft.com/office/powerpoint/2010/main" Requires="p14">
       <p:transition spd="slow" p14:dur="2000"/>
     </mc:Choice>
-    <mc:Fallback xmlns="">
+    <mc:Fallback>
       <p:transition spd="slow"/>
     </mc:Fallback>
   </mc:AlternateContent>
   <p:timing>
     <p:tnLst>
       <p:par>
-        <p:cTn xmlns:p14="http://schemas.microsoft.com/office/powerpoint/2010/main" id="1" dur="indefinite" restart="never" nodeType="tmRoot"/>
+        <p:cTn id="1" dur="indefinite" restart="never" nodeType="tmRoot"/>
       </p:par>
     </p:tnLst>
   </p:timing>
@@ -17301,7 +17393,7 @@
   <p:timing>
     <p:tnLst>
       <p:par>
-        <p:cTn xmlns:p14="http://schemas.microsoft.com/office/powerpoint/2010/main" id="1" dur="indefinite" restart="never" nodeType="tmRoot"/>
+        <p:cTn id="1" dur="indefinite" restart="never" nodeType="tmRoot"/>
       </p:par>
     </p:tnLst>
   </p:timing>
@@ -17407,7 +17499,7 @@
           <a:noFill/>
           <a:extLst>
             <a:ext uri="{909E8E84-426E-40dd-AFC4-6F175D3DCCD1}">
-              <a14:hiddenFill xmlns:a14="http://schemas.microsoft.com/office/drawing/2010/main">
+              <a14:hiddenFill xmlns="" xmlns:a14="http://schemas.microsoft.com/office/drawing/2010/main">
                 <a:solidFill>
                   <a:srgbClr val="FFFFFF"/>
                 </a:solidFill>
@@ -17429,7 +17521,7 @@
   <p:timing>
     <p:tnLst>
       <p:par>
-        <p:cTn xmlns:p14="http://schemas.microsoft.com/office/powerpoint/2010/main" id="1" dur="indefinite" restart="never" nodeType="tmRoot"/>
+        <p:cTn id="1" dur="indefinite" restart="never" nodeType="tmRoot"/>
       </p:par>
     </p:tnLst>
   </p:timing>
@@ -17854,7 +17946,7 @@
   <p:timing>
     <p:tnLst>
       <p:par>
-        <p:cTn xmlns:p14="http://schemas.microsoft.com/office/powerpoint/2010/main" id="1" dur="indefinite" restart="never" nodeType="tmRoot"/>
+        <p:cTn id="1" dur="indefinite" restart="never" nodeType="tmRoot"/>
       </p:par>
     </p:tnLst>
   </p:timing>
@@ -18176,7 +18268,7 @@
   <p:timing>
     <p:tnLst>
       <p:par>
-        <p:cTn xmlns:p14="http://schemas.microsoft.com/office/powerpoint/2010/main" id="1" dur="indefinite" restart="never" nodeType="tmRoot"/>
+        <p:cTn id="1" dur="indefinite" restart="never" nodeType="tmRoot"/>
       </p:par>
     </p:tnLst>
   </p:timing>
@@ -18398,7 +18490,7 @@
   <p:timing>
     <p:tnLst>
       <p:par>
-        <p:cTn xmlns:p14="http://schemas.microsoft.com/office/powerpoint/2010/main" id="1" dur="indefinite" restart="never" nodeType="tmRoot"/>
+        <p:cTn id="1" dur="indefinite" restart="never" nodeType="tmRoot"/>
       </p:par>
     </p:tnLst>
   </p:timing>
@@ -18862,7 +18954,7 @@
   <p:timing>
     <p:tnLst>
       <p:par>
-        <p:cTn xmlns:p14="http://schemas.microsoft.com/office/powerpoint/2010/main" id="1" dur="indefinite" restart="never" nodeType="tmRoot"/>
+        <p:cTn id="1" dur="indefinite" restart="never" nodeType="tmRoot"/>
       </p:par>
     </p:tnLst>
   </p:timing>
@@ -19039,7 +19131,7 @@
   <p:timing>
     <p:tnLst>
       <p:par>
-        <p:cTn xmlns:p14="http://schemas.microsoft.com/office/powerpoint/2010/main" id="1" dur="indefinite" restart="never" nodeType="tmRoot"/>
+        <p:cTn id="1" dur="indefinite" restart="never" nodeType="tmRoot"/>
       </p:par>
     </p:tnLst>
   </p:timing>
@@ -19126,7 +19218,7 @@
   <p:timing>
     <p:tnLst>
       <p:par>
-        <p:cTn xmlns:p14="http://schemas.microsoft.com/office/powerpoint/2010/main" id="1" dur="indefinite" restart="never" nodeType="tmRoot"/>
+        <p:cTn id="1" dur="indefinite" restart="never" nodeType="tmRoot"/>
       </p:par>
     </p:tnLst>
   </p:timing>
@@ -19364,7 +19456,7 @@
   <p:timing>
     <p:tnLst>
       <p:par>
-        <p:cTn xmlns:p14="http://schemas.microsoft.com/office/powerpoint/2010/main" id="1" dur="indefinite" restart="never" nodeType="tmRoot"/>
+        <p:cTn id="1" dur="indefinite" restart="never" nodeType="tmRoot"/>
       </p:par>
     </p:tnLst>
   </p:timing>
@@ -19578,7 +19670,7 @@
           <a:noFill/>
           <a:extLst>
             <a:ext uri="{909E8E84-426E-40dd-AFC4-6F175D3DCCD1}">
-              <a14:hiddenFill xmlns:a14="http://schemas.microsoft.com/office/drawing/2010/main">
+              <a14:hiddenFill xmlns="" xmlns:a14="http://schemas.microsoft.com/office/drawing/2010/main">
                 <a:solidFill>
                   <a:srgbClr val="FFFFFF"/>
                 </a:solidFill>
@@ -19600,7 +19692,7 @@
   <p:timing>
     <p:tnLst>
       <p:par>
-        <p:cTn xmlns:p14="http://schemas.microsoft.com/office/powerpoint/2010/main" id="1" dur="indefinite" restart="never" nodeType="tmRoot"/>
+        <p:cTn id="1" dur="indefinite" restart="never" nodeType="tmRoot"/>
       </p:par>
     </p:tnLst>
   </p:timing>
@@ -19686,7 +19778,7 @@
   <p:timing>
     <p:tnLst>
       <p:par>
-        <p:cTn xmlns:p14="http://schemas.microsoft.com/office/powerpoint/2010/main" id="1" dur="indefinite" restart="never" nodeType="tmRoot"/>
+        <p:cTn id="1" dur="indefinite" restart="never" nodeType="tmRoot"/>
       </p:par>
     </p:tnLst>
   </p:timing>
@@ -19848,7 +19940,7 @@
   <p:timing>
     <p:tnLst>
       <p:par>
-        <p:cTn xmlns:p14="http://schemas.microsoft.com/office/powerpoint/2010/main" id="1" dur="indefinite" restart="never" nodeType="tmRoot"/>
+        <p:cTn id="1" dur="indefinite" restart="never" nodeType="tmRoot"/>
       </p:par>
     </p:tnLst>
   </p:timing>
@@ -20143,7 +20235,7 @@
   <p:timing>
     <p:tnLst>
       <p:par>
-        <p:cTn xmlns:p14="http://schemas.microsoft.com/office/powerpoint/2010/main" id="1" dur="indefinite" restart="never" nodeType="tmRoot"/>
+        <p:cTn id="1" dur="indefinite" restart="never" nodeType="tmRoot"/>
       </p:par>
     </p:tnLst>
   </p:timing>
@@ -20226,7 +20318,7 @@
   <p:timing>
     <p:tnLst>
       <p:par>
-        <p:cTn xmlns:p14="http://schemas.microsoft.com/office/powerpoint/2010/main" id="1" dur="indefinite" restart="never" nodeType="tmRoot"/>
+        <p:cTn id="1" dur="indefinite" restart="never" nodeType="tmRoot"/>
       </p:par>
     </p:tnLst>
   </p:timing>
@@ -20350,14 +20442,14 @@
           </a:ln>
           <a:extLst>
             <a:ext uri="{909E8E84-426E-40dd-AFC4-6F175D3DCCD1}">
-              <a14:hiddenFill xmlns:a14="http://schemas.microsoft.com/office/drawing/2010/main">
+              <a14:hiddenFill xmlns="" xmlns:a14="http://schemas.microsoft.com/office/drawing/2010/main">
                 <a:solidFill>
                   <a:schemeClr val="accent1"/>
                 </a:solidFill>
               </a14:hiddenFill>
             </a:ext>
             <a:ext uri="{91240B29-F687-4f45-9708-019B960494DF}">
-              <a14:hiddenLine xmlns:a14="http://schemas.microsoft.com/office/drawing/2010/main" w="9525">
+              <a14:hiddenLine xmlns="" xmlns:a14="http://schemas.microsoft.com/office/drawing/2010/main" w="9525">
                 <a:solidFill>
                   <a:schemeClr val="tx1"/>
                 </a:solidFill>
@@ -20382,7 +20474,7 @@
   <p:timing>
     <p:tnLst>
       <p:par>
-        <p:cTn xmlns:p14="http://schemas.microsoft.com/office/powerpoint/2010/main" id="1" dur="indefinite" restart="never" nodeType="tmRoot"/>
+        <p:cTn id="1" dur="indefinite" restart="never" nodeType="tmRoot"/>
       </p:par>
     </p:tnLst>
   </p:timing>
@@ -20694,7 +20786,7 @@
           <a:noFill/>
           <a:extLst>
             <a:ext uri="{909E8E84-426E-40dd-AFC4-6F175D3DCCD1}">
-              <a14:hiddenFill xmlns:a14="http://schemas.microsoft.com/office/drawing/2010/main">
+              <a14:hiddenFill xmlns="" xmlns:a14="http://schemas.microsoft.com/office/drawing/2010/main">
                 <a:solidFill>
                   <a:srgbClr val="FFFFFF"/>
                 </a:solidFill>
@@ -20716,7 +20808,7 @@
   <p:timing>
     <p:tnLst>
       <p:par>
-        <p:cTn xmlns:p14="http://schemas.microsoft.com/office/powerpoint/2010/main" id="1" dur="indefinite" restart="never" nodeType="tmRoot"/>
+        <p:cTn id="1" dur="indefinite" restart="never" nodeType="tmRoot"/>
       </p:par>
     </p:tnLst>
   </p:timing>
@@ -20955,7 +21047,7 @@
   <p:timing>
     <p:tnLst>
       <p:par>
-        <p:cTn xmlns:p14="http://schemas.microsoft.com/office/powerpoint/2010/main" id="1" dur="indefinite" restart="never" nodeType="tmRoot"/>
+        <p:cTn id="1" dur="indefinite" restart="never" nodeType="tmRoot"/>
       </p:par>
     </p:tnLst>
   </p:timing>
@@ -21360,7 +21452,7 @@
   <p:timing>
     <p:tnLst>
       <p:par>
-        <p:cTn xmlns:p14="http://schemas.microsoft.com/office/powerpoint/2010/main" id="1" dur="indefinite" restart="never" nodeType="tmRoot"/>
+        <p:cTn id="1" dur="indefinite" restart="never" nodeType="tmRoot"/>
       </p:par>
     </p:tnLst>
   </p:timing>
@@ -21676,7 +21768,7 @@
   <p:timing>
     <p:tnLst>
       <p:par>
-        <p:cTn xmlns:p14="http://schemas.microsoft.com/office/powerpoint/2010/main" id="1" dur="indefinite" restart="never" nodeType="tmRoot"/>
+        <p:cTn id="1" dur="indefinite" restart="never" nodeType="tmRoot"/>
       </p:par>
     </p:tnLst>
   </p:timing>
